--- a/figs/sw_figs.pptx
+++ b/figs/sw_figs.pptx
@@ -3588,596 +3588,894 @@
           <a:chExt cx="0" cy="0"/>
         </a:xfrm>
       </p:grpSpPr>
-      <p:pic>
-        <p:nvPicPr>
-          <p:cNvPr id="9" name="Graphic 8">
-            <a:extLst>
-              <a:ext uri="{FF2B5EF4-FFF2-40B4-BE49-F238E27FC236}">
-                <a16:creationId xmlns:a16="http://schemas.microsoft.com/office/drawing/2014/main" id="{B2D78D1B-82A9-6639-C248-A2886CE1B64C}"/>
-              </a:ext>
-            </a:extLst>
-          </p:cNvPr>
-          <p:cNvPicPr>
-            <a:picLocks noChangeAspect="1"/>
-          </p:cNvPicPr>
+      <p:grpSp>
+        <p:nvGrpSpPr>
+          <p:cNvPr id="30" name="Group 29">
+            <a:extLst>
+              <a:ext uri="{FF2B5EF4-FFF2-40B4-BE49-F238E27FC236}">
+                <a16:creationId xmlns:a16="http://schemas.microsoft.com/office/drawing/2014/main" id="{46BCDBA2-E8DF-90CA-0740-E2EF1098D759}"/>
+              </a:ext>
+            </a:extLst>
+          </p:cNvPr>
+          <p:cNvGrpSpPr/>
           <p:nvPr/>
-        </p:nvPicPr>
-        <p:blipFill>
-          <a:blip r:embed="rId2">
-            <a:extLst>
-              <a:ext uri="{96DAC541-7B7A-43D3-8B79-37D633B846F1}">
-                <asvg:svgBlip xmlns:asvg="http://schemas.microsoft.com/office/drawing/2016/SVG/main" r:embed="rId3"/>
-              </a:ext>
-            </a:extLst>
-          </a:blip>
-          <a:stretch>
-            <a:fillRect/>
-          </a:stretch>
-        </p:blipFill>
-        <p:spPr>
-          <a:xfrm>
-            <a:off x="6237146" y="1335120"/>
-            <a:ext cx="3041650" cy="3281998"/>
-          </a:xfrm>
-          <a:prstGeom prst="rect">
-            <a:avLst/>
-          </a:prstGeom>
-        </p:spPr>
-      </p:pic>
-      <p:sp>
-        <p:nvSpPr>
-          <p:cNvPr id="11" name="Rectangle 10">
-            <a:extLst>
-              <a:ext uri="{FF2B5EF4-FFF2-40B4-BE49-F238E27FC236}">
-                <a16:creationId xmlns:a16="http://schemas.microsoft.com/office/drawing/2014/main" id="{39407558-A951-F1A8-7966-3985F9C30C79}"/>
-              </a:ext>
-            </a:extLst>
-          </p:cNvPr>
-          <p:cNvSpPr/>
-          <p:nvPr/>
-        </p:nvSpPr>
-        <p:spPr>
+        </p:nvGrpSpPr>
+        <p:grpSpPr>
           <a:xfrm>
             <a:off x="339845" y="880619"/>
             <a:ext cx="2794000" cy="4191000"/>
+            <a:chOff x="339845" y="880619"/>
+            <a:chExt cx="2794000" cy="4191000"/>
           </a:xfrm>
-          <a:prstGeom prst="rect">
-            <a:avLst/>
-          </a:prstGeom>
-          <a:solidFill>
-            <a:schemeClr val="bg2"/>
-          </a:solidFill>
-          <a:ln w="28575">
+        </p:grpSpPr>
+        <p:sp>
+          <p:nvSpPr>
+            <p:cNvPr id="11" name="Rectangle 10">
+              <a:extLst>
+                <a:ext uri="{FF2B5EF4-FFF2-40B4-BE49-F238E27FC236}">
+                  <a16:creationId xmlns:a16="http://schemas.microsoft.com/office/drawing/2014/main" id="{39407558-A951-F1A8-7966-3985F9C30C79}"/>
+                </a:ext>
+              </a:extLst>
+            </p:cNvPr>
+            <p:cNvSpPr/>
+            <p:nvPr/>
+          </p:nvSpPr>
+          <p:spPr>
+            <a:xfrm>
+              <a:off x="339845" y="880619"/>
+              <a:ext cx="2794000" cy="4191000"/>
+            </a:xfrm>
+            <a:prstGeom prst="rect">
+              <a:avLst/>
+            </a:prstGeom>
             <a:solidFill>
+              <a:schemeClr val="bg1">
+                <a:lumMod val="95000"/>
+              </a:schemeClr>
+            </a:solidFill>
+            <a:ln w="28575">
+              <a:solidFill>
+                <a:schemeClr val="tx1"/>
+              </a:solidFill>
+            </a:ln>
+          </p:spPr>
+          <p:style>
+            <a:lnRef idx="2">
+              <a:schemeClr val="accent1">
+                <a:shade val="50000"/>
+              </a:schemeClr>
+            </a:lnRef>
+            <a:fillRef idx="1">
+              <a:schemeClr val="accent1"/>
+            </a:fillRef>
+            <a:effectRef idx="0">
+              <a:schemeClr val="accent1"/>
+            </a:effectRef>
+            <a:fontRef idx="minor">
+              <a:schemeClr val="lt1"/>
+            </a:fontRef>
+          </p:style>
+          <p:txBody>
+            <a:bodyPr rtlCol="0" anchor="ctr"/>
+            <a:lstStyle/>
+            <a:p>
+              <a:pPr algn="ctr"/>
+              <a:endParaRPr lang="en-US"/>
+            </a:p>
+          </p:txBody>
+        </p:sp>
+        <p:sp>
+          <p:nvSpPr>
+            <p:cNvPr id="10" name="Oval 9">
+              <a:extLst>
+                <a:ext uri="{FF2B5EF4-FFF2-40B4-BE49-F238E27FC236}">
+                  <a16:creationId xmlns:a16="http://schemas.microsoft.com/office/drawing/2014/main" id="{CDB774D5-00D5-EFE6-F708-548858EED307}"/>
+                </a:ext>
+              </a:extLst>
+            </p:cNvPr>
+            <p:cNvSpPr/>
+            <p:nvPr/>
+          </p:nvSpPr>
+          <p:spPr>
+            <a:xfrm>
+              <a:off x="1372242" y="1111170"/>
+              <a:ext cx="925974" cy="821802"/>
+            </a:xfrm>
+            <a:prstGeom prst="ellipse">
+              <a:avLst/>
+            </a:prstGeom>
+            <a:solidFill>
+              <a:schemeClr val="bg1"/>
+            </a:solidFill>
+            <a:ln>
+              <a:solidFill>
+                <a:schemeClr val="tx1"/>
+              </a:solidFill>
+            </a:ln>
+          </p:spPr>
+          <p:style>
+            <a:lnRef idx="2">
+              <a:schemeClr val="accent1">
+                <a:shade val="50000"/>
+              </a:schemeClr>
+            </a:lnRef>
+            <a:fillRef idx="1">
+              <a:schemeClr val="accent1"/>
+            </a:fillRef>
+            <a:effectRef idx="0">
+              <a:schemeClr val="accent1"/>
+            </a:effectRef>
+            <a:fontRef idx="minor">
+              <a:schemeClr val="lt1"/>
+            </a:fontRef>
+          </p:style>
+          <p:txBody>
+            <a:bodyPr rtlCol="0" anchor="ctr"/>
+            <a:lstStyle/>
+            <a:p>
+              <a:pPr algn="ctr"/>
+              <a:r>
+                <a:rPr lang="en-US" sz="1100" dirty="0">
+                  <a:solidFill>
+                    <a:schemeClr val="tx1"/>
+                  </a:solidFill>
+                  <a:latin typeface="Open Sauce Sans" pitchFamily="2" charset="77"/>
+                </a:rPr>
+                <a:t>All Data</a:t>
+              </a:r>
+            </a:p>
+          </p:txBody>
+        </p:sp>
+        <p:sp>
+          <p:nvSpPr>
+            <p:cNvPr id="13" name="Hexagon 12">
+              <a:extLst>
+                <a:ext uri="{FF2B5EF4-FFF2-40B4-BE49-F238E27FC236}">
+                  <a16:creationId xmlns:a16="http://schemas.microsoft.com/office/drawing/2014/main" id="{1E6B42FC-754E-E5FC-4005-642171666F81}"/>
+                </a:ext>
+              </a:extLst>
+            </p:cNvPr>
+            <p:cNvSpPr/>
+            <p:nvPr/>
+          </p:nvSpPr>
+          <p:spPr>
+            <a:xfrm>
+              <a:off x="1001892" y="2385811"/>
+              <a:ext cx="792622" cy="640080"/>
+            </a:xfrm>
+            <a:prstGeom prst="hexagon">
+              <a:avLst/>
+            </a:prstGeom>
+            <a:solidFill>
+              <a:schemeClr val="bg2">
+                <a:lumMod val="75000"/>
+              </a:schemeClr>
+            </a:solidFill>
+            <a:ln>
+              <a:solidFill>
+                <a:schemeClr val="tx1"/>
+              </a:solidFill>
+            </a:ln>
+          </p:spPr>
+          <p:style>
+            <a:lnRef idx="2">
+              <a:schemeClr val="accent1">
+                <a:shade val="50000"/>
+              </a:schemeClr>
+            </a:lnRef>
+            <a:fillRef idx="1">
+              <a:schemeClr val="accent1"/>
+            </a:fillRef>
+            <a:effectRef idx="0">
+              <a:schemeClr val="accent1"/>
+            </a:effectRef>
+            <a:fontRef idx="minor">
+              <a:schemeClr val="lt1"/>
+            </a:fontRef>
+          </p:style>
+          <p:txBody>
+            <a:bodyPr lIns="0" rIns="0" rtlCol="0" anchor="ctr"/>
+            <a:lstStyle/>
+            <a:p>
+              <a:pPr algn="ctr"/>
+              <a:r>
+                <a:rPr lang="en-US" sz="1100" dirty="0">
+                  <a:solidFill>
+                    <a:schemeClr val="tx1"/>
+                  </a:solidFill>
+                  <a:latin typeface="Open Sauce Sans" pitchFamily="2" charset="77"/>
+                </a:rPr>
+                <a:t>Not Testing</a:t>
+              </a:r>
+            </a:p>
+          </p:txBody>
+        </p:sp>
+        <p:sp>
+          <p:nvSpPr>
+            <p:cNvPr id="15" name="Hexagon 14">
+              <a:extLst>
+                <a:ext uri="{FF2B5EF4-FFF2-40B4-BE49-F238E27FC236}">
+                  <a16:creationId xmlns:a16="http://schemas.microsoft.com/office/drawing/2014/main" id="{5A668840-6529-E228-BB29-02DDC1022A00}"/>
+                </a:ext>
+              </a:extLst>
+            </p:cNvPr>
+            <p:cNvSpPr/>
+            <p:nvPr/>
+          </p:nvSpPr>
+          <p:spPr>
+            <a:xfrm>
+              <a:off x="1873691" y="2385811"/>
+              <a:ext cx="792621" cy="640080"/>
+            </a:xfrm>
+            <a:prstGeom prst="hexagon">
+              <a:avLst/>
+            </a:prstGeom>
+            <a:solidFill>
+              <a:schemeClr val="accent6">
+                <a:lumMod val="40000"/>
+                <a:lumOff val="60000"/>
+              </a:schemeClr>
+            </a:solidFill>
+            <a:ln>
+              <a:solidFill>
+                <a:schemeClr val="tx1"/>
+              </a:solidFill>
+            </a:ln>
+          </p:spPr>
+          <p:style>
+            <a:lnRef idx="2">
+              <a:schemeClr val="accent1">
+                <a:shade val="50000"/>
+              </a:schemeClr>
+            </a:lnRef>
+            <a:fillRef idx="1">
+              <a:schemeClr val="accent1"/>
+            </a:fillRef>
+            <a:effectRef idx="0">
+              <a:schemeClr val="accent1"/>
+            </a:effectRef>
+            <a:fontRef idx="minor">
+              <a:schemeClr val="lt1"/>
+            </a:fontRef>
+          </p:style>
+          <p:txBody>
+            <a:bodyPr lIns="0" rIns="0" rtlCol="0" anchor="ctr"/>
+            <a:lstStyle/>
+            <a:p>
+              <a:pPr algn="ctr"/>
+              <a:r>
+                <a:rPr lang="en-US" sz="1100" dirty="0">
+                  <a:solidFill>
+                    <a:schemeClr val="tx1"/>
+                  </a:solidFill>
+                  <a:latin typeface="Open Sauce Sans" pitchFamily="2" charset="77"/>
+                </a:rPr>
+                <a:t>Testing</a:t>
+              </a:r>
+            </a:p>
+          </p:txBody>
+        </p:sp>
+        <p:sp>
+          <p:nvSpPr>
+            <p:cNvPr id="16" name="Oval 15">
+              <a:extLst>
+                <a:ext uri="{FF2B5EF4-FFF2-40B4-BE49-F238E27FC236}">
+                  <a16:creationId xmlns:a16="http://schemas.microsoft.com/office/drawing/2014/main" id="{5C26A799-AAFF-B36E-7718-2019C04866E5}"/>
+                </a:ext>
+              </a:extLst>
+            </p:cNvPr>
+            <p:cNvSpPr/>
+            <p:nvPr/>
+          </p:nvSpPr>
+          <p:spPr>
+            <a:xfrm>
+              <a:off x="393536" y="3774048"/>
+              <a:ext cx="950976" cy="594360"/>
+            </a:xfrm>
+            <a:prstGeom prst="ellipse">
+              <a:avLst/>
+            </a:prstGeom>
+            <a:solidFill>
+              <a:schemeClr val="accent5">
+                <a:lumMod val="40000"/>
+                <a:lumOff val="60000"/>
+              </a:schemeClr>
+            </a:solidFill>
+            <a:ln>
+              <a:solidFill>
+                <a:schemeClr val="tx1"/>
+              </a:solidFill>
+            </a:ln>
+          </p:spPr>
+          <p:style>
+            <a:lnRef idx="2">
+              <a:schemeClr val="accent1">
+                <a:shade val="50000"/>
+              </a:schemeClr>
+            </a:lnRef>
+            <a:fillRef idx="1">
+              <a:schemeClr val="accent1"/>
+            </a:fillRef>
+            <a:effectRef idx="0">
+              <a:schemeClr val="accent1"/>
+            </a:effectRef>
+            <a:fontRef idx="minor">
+              <a:schemeClr val="lt1"/>
+            </a:fontRef>
+          </p:style>
+          <p:txBody>
+            <a:bodyPr lIns="0" rIns="0" rtlCol="0" anchor="ctr"/>
+            <a:lstStyle/>
+            <a:p>
+              <a:pPr algn="ctr"/>
+              <a:r>
+                <a:rPr lang="en-US" sz="1100" dirty="0">
+                  <a:solidFill>
+                    <a:schemeClr val="tx1"/>
+                  </a:solidFill>
+                  <a:latin typeface="Open Sauce Sans" pitchFamily="2" charset="77"/>
+                </a:rPr>
+                <a:t>Training</a:t>
+              </a:r>
+            </a:p>
+          </p:txBody>
+        </p:sp>
+        <p:sp>
+          <p:nvSpPr>
+            <p:cNvPr id="17" name="Oval 16">
+              <a:extLst>
+                <a:ext uri="{FF2B5EF4-FFF2-40B4-BE49-F238E27FC236}">
+                  <a16:creationId xmlns:a16="http://schemas.microsoft.com/office/drawing/2014/main" id="{9821A89E-164C-FBBB-1596-B3299DBC18B9}"/>
+                </a:ext>
+              </a:extLst>
+            </p:cNvPr>
+            <p:cNvSpPr/>
+            <p:nvPr/>
+          </p:nvSpPr>
+          <p:spPr>
+            <a:xfrm>
+              <a:off x="1398203" y="3774048"/>
+              <a:ext cx="950976" cy="594360"/>
+            </a:xfrm>
+            <a:prstGeom prst="ellipse">
+              <a:avLst/>
+            </a:prstGeom>
+            <a:solidFill>
+              <a:schemeClr val="accent2">
+                <a:lumMod val="40000"/>
+                <a:lumOff val="60000"/>
+              </a:schemeClr>
+            </a:solidFill>
+            <a:ln>
+              <a:solidFill>
+                <a:schemeClr val="tx1"/>
+              </a:solidFill>
+            </a:ln>
+          </p:spPr>
+          <p:style>
+            <a:lnRef idx="2">
+              <a:schemeClr val="accent1">
+                <a:shade val="50000"/>
+              </a:schemeClr>
+            </a:lnRef>
+            <a:fillRef idx="1">
+              <a:schemeClr val="accent1"/>
+            </a:fillRef>
+            <a:effectRef idx="0">
+              <a:schemeClr val="accent1"/>
+            </a:effectRef>
+            <a:fontRef idx="minor">
+              <a:schemeClr val="lt1"/>
+            </a:fontRef>
+          </p:style>
+          <p:txBody>
+            <a:bodyPr lIns="0" rIns="0" rtlCol="0" anchor="ctr"/>
+            <a:lstStyle/>
+            <a:p>
+              <a:pPr algn="ctr"/>
+              <a:r>
+                <a:rPr lang="en-US" sz="1100" dirty="0">
+                  <a:solidFill>
+                    <a:schemeClr val="tx1"/>
+                  </a:solidFill>
+                  <a:latin typeface="Open Sauce Sans" pitchFamily="2" charset="77"/>
+                </a:rPr>
+                <a:t>Validation</a:t>
+              </a:r>
+            </a:p>
+          </p:txBody>
+        </p:sp>
+        <p:cxnSp>
+          <p:nvCxnSpPr>
+            <p:cNvPr id="18" name="Straight Arrow Connector 17">
+              <a:extLst>
+                <a:ext uri="{FF2B5EF4-FFF2-40B4-BE49-F238E27FC236}">
+                  <a16:creationId xmlns:a16="http://schemas.microsoft.com/office/drawing/2014/main" id="{21EB47B6-3A86-53CA-40ED-42D93730C8EB}"/>
+                </a:ext>
+              </a:extLst>
+            </p:cNvPr>
+            <p:cNvCxnSpPr>
+              <a:cxnSpLocks/>
+              <a:stCxn id="10" idx="4"/>
+            </p:cNvCxnSpPr>
+            <p:nvPr/>
+          </p:nvCxnSpPr>
+          <p:spPr>
+            <a:xfrm flipH="1">
+              <a:off x="1398203" y="1932972"/>
+              <a:ext cx="437026" cy="452839"/>
+            </a:xfrm>
+            <a:prstGeom prst="straightConnector1">
+              <a:avLst/>
+            </a:prstGeom>
+            <a:ln>
+              <a:solidFill>
+                <a:schemeClr val="tx1"/>
+              </a:solidFill>
+              <a:tailEnd type="triangle"/>
+            </a:ln>
+          </p:spPr>
+          <p:style>
+            <a:lnRef idx="1">
+              <a:schemeClr val="accent1"/>
+            </a:lnRef>
+            <a:fillRef idx="0">
+              <a:schemeClr val="accent1"/>
+            </a:fillRef>
+            <a:effectRef idx="0">
+              <a:schemeClr val="accent1"/>
+            </a:effectRef>
+            <a:fontRef idx="minor">
               <a:schemeClr val="tx1"/>
+            </a:fontRef>
+          </p:style>
+        </p:cxnSp>
+        <p:cxnSp>
+          <p:nvCxnSpPr>
+            <p:cNvPr id="21" name="Straight Arrow Connector 20">
+              <a:extLst>
+                <a:ext uri="{FF2B5EF4-FFF2-40B4-BE49-F238E27FC236}">
+                  <a16:creationId xmlns:a16="http://schemas.microsoft.com/office/drawing/2014/main" id="{59D52875-0D27-5262-64E2-7055DCE26CF5}"/>
+                </a:ext>
+              </a:extLst>
+            </p:cNvPr>
+            <p:cNvCxnSpPr>
+              <a:cxnSpLocks/>
+            </p:cNvCxnSpPr>
+            <p:nvPr/>
+          </p:nvCxnSpPr>
+          <p:spPr>
+            <a:xfrm>
+              <a:off x="1832976" y="1932972"/>
+              <a:ext cx="437025" cy="452839"/>
+            </a:xfrm>
+            <a:prstGeom prst="straightConnector1">
+              <a:avLst/>
+            </a:prstGeom>
+            <a:ln>
+              <a:solidFill>
+                <a:schemeClr val="tx1"/>
+              </a:solidFill>
+              <a:tailEnd type="triangle"/>
+            </a:ln>
+          </p:spPr>
+          <p:style>
+            <a:lnRef idx="1">
+              <a:schemeClr val="accent1"/>
+            </a:lnRef>
+            <a:fillRef idx="0">
+              <a:schemeClr val="accent1"/>
+            </a:fillRef>
+            <a:effectRef idx="0">
+              <a:schemeClr val="accent1"/>
+            </a:effectRef>
+            <a:fontRef idx="minor">
+              <a:schemeClr val="tx1"/>
+            </a:fontRef>
+          </p:style>
+        </p:cxnSp>
+        <p:cxnSp>
+          <p:nvCxnSpPr>
+            <p:cNvPr id="24" name="Straight Arrow Connector 23">
+              <a:extLst>
+                <a:ext uri="{FF2B5EF4-FFF2-40B4-BE49-F238E27FC236}">
+                  <a16:creationId xmlns:a16="http://schemas.microsoft.com/office/drawing/2014/main" id="{9C7C4CFA-6FF9-7CE0-B742-34308C53DD61}"/>
+                </a:ext>
+              </a:extLst>
+            </p:cNvPr>
+            <p:cNvCxnSpPr>
+              <a:cxnSpLocks/>
+              <a:endCxn id="16" idx="0"/>
+            </p:cNvCxnSpPr>
+            <p:nvPr/>
+          </p:nvCxnSpPr>
+          <p:spPr>
+            <a:xfrm flipH="1">
+              <a:off x="869024" y="3025891"/>
+              <a:ext cx="500964" cy="748157"/>
+            </a:xfrm>
+            <a:prstGeom prst="straightConnector1">
+              <a:avLst/>
+            </a:prstGeom>
+            <a:ln>
+              <a:solidFill>
+                <a:schemeClr val="tx1"/>
+              </a:solidFill>
+              <a:tailEnd type="triangle"/>
+            </a:ln>
+          </p:spPr>
+          <p:style>
+            <a:lnRef idx="1">
+              <a:schemeClr val="accent1"/>
+            </a:lnRef>
+            <a:fillRef idx="0">
+              <a:schemeClr val="accent1"/>
+            </a:fillRef>
+            <a:effectRef idx="0">
+              <a:schemeClr val="accent1"/>
+            </a:effectRef>
+            <a:fontRef idx="minor">
+              <a:schemeClr val="tx1"/>
+            </a:fontRef>
+          </p:style>
+        </p:cxnSp>
+        <p:cxnSp>
+          <p:nvCxnSpPr>
+            <p:cNvPr id="27" name="Straight Arrow Connector 26">
+              <a:extLst>
+                <a:ext uri="{FF2B5EF4-FFF2-40B4-BE49-F238E27FC236}">
+                  <a16:creationId xmlns:a16="http://schemas.microsoft.com/office/drawing/2014/main" id="{A8976842-4374-5636-2398-34D529A3D957}"/>
+                </a:ext>
+              </a:extLst>
+            </p:cNvPr>
+            <p:cNvCxnSpPr>
+              <a:cxnSpLocks/>
+              <a:endCxn id="17" idx="0"/>
+            </p:cNvCxnSpPr>
+            <p:nvPr/>
+          </p:nvCxnSpPr>
+          <p:spPr>
+            <a:xfrm>
+              <a:off x="1384095" y="3038949"/>
+              <a:ext cx="489596" cy="735099"/>
+            </a:xfrm>
+            <a:prstGeom prst="straightConnector1">
+              <a:avLst/>
+            </a:prstGeom>
+            <a:ln>
+              <a:solidFill>
+                <a:schemeClr val="tx1"/>
+              </a:solidFill>
+              <a:tailEnd type="triangle"/>
+            </a:ln>
+          </p:spPr>
+          <p:style>
+            <a:lnRef idx="1">
+              <a:schemeClr val="accent1"/>
+            </a:lnRef>
+            <a:fillRef idx="0">
+              <a:schemeClr val="accent1"/>
+            </a:fillRef>
+            <a:effectRef idx="0">
+              <a:schemeClr val="accent1"/>
+            </a:effectRef>
+            <a:fontRef idx="minor">
+              <a:schemeClr val="tx1"/>
+            </a:fontRef>
+          </p:style>
+        </p:cxnSp>
+      </p:grpSp>
+      <p:grpSp>
+        <p:nvGrpSpPr>
+          <p:cNvPr id="1025" name="Group 1024">
+            <a:extLst>
+              <a:ext uri="{FF2B5EF4-FFF2-40B4-BE49-F238E27FC236}">
+                <a16:creationId xmlns:a16="http://schemas.microsoft.com/office/drawing/2014/main" id="{A4A7892D-4EB8-03F1-E9CA-ADD7C111E960}"/>
+              </a:ext>
+            </a:extLst>
+          </p:cNvPr>
+          <p:cNvGrpSpPr/>
+          <p:nvPr/>
+        </p:nvGrpSpPr>
+        <p:grpSpPr>
+          <a:xfrm>
+            <a:off x="3530156" y="880619"/>
+            <a:ext cx="2794000" cy="4191000"/>
+            <a:chOff x="3530156" y="880619"/>
+            <a:chExt cx="2794000" cy="4191000"/>
+          </a:xfrm>
+        </p:grpSpPr>
+        <p:sp>
+          <p:nvSpPr>
+            <p:cNvPr id="32" name="Rectangle 31">
+              <a:extLst>
+                <a:ext uri="{FF2B5EF4-FFF2-40B4-BE49-F238E27FC236}">
+                  <a16:creationId xmlns:a16="http://schemas.microsoft.com/office/drawing/2014/main" id="{100DC892-5624-76DE-7903-0F00DEEEC71C}"/>
+                </a:ext>
+              </a:extLst>
+            </p:cNvPr>
+            <p:cNvSpPr/>
+            <p:nvPr/>
+          </p:nvSpPr>
+          <p:spPr>
+            <a:xfrm>
+              <a:off x="3530156" y="880619"/>
+              <a:ext cx="2794000" cy="4191000"/>
+            </a:xfrm>
+            <a:prstGeom prst="rect">
+              <a:avLst/>
+            </a:prstGeom>
+            <a:solidFill>
+              <a:schemeClr val="bg1">
+                <a:lumMod val="95000"/>
+              </a:schemeClr>
             </a:solidFill>
-          </a:ln>
-        </p:spPr>
-        <p:style>
-          <a:lnRef idx="2">
-            <a:schemeClr val="accent1">
-              <a:shade val="50000"/>
-            </a:schemeClr>
-          </a:lnRef>
-          <a:fillRef idx="1">
-            <a:schemeClr val="accent1"/>
-          </a:fillRef>
-          <a:effectRef idx="0">
-            <a:schemeClr val="accent1"/>
-          </a:effectRef>
-          <a:fontRef idx="minor">
-            <a:schemeClr val="lt1"/>
-          </a:fontRef>
-        </p:style>
-        <p:txBody>
-          <a:bodyPr rtlCol="0" anchor="ctr"/>
-          <a:lstStyle/>
-          <a:p>
-            <a:pPr algn="ctr"/>
-            <a:endParaRPr lang="en-US"/>
-          </a:p>
-        </p:txBody>
-      </p:sp>
-      <p:sp>
-        <p:nvSpPr>
-          <p:cNvPr id="10" name="Oval 9">
-            <a:extLst>
-              <a:ext uri="{FF2B5EF4-FFF2-40B4-BE49-F238E27FC236}">
-                <a16:creationId xmlns:a16="http://schemas.microsoft.com/office/drawing/2014/main" id="{CDB774D5-00D5-EFE6-F708-548858EED307}"/>
-              </a:ext>
-            </a:extLst>
-          </p:cNvPr>
-          <p:cNvSpPr/>
-          <p:nvPr/>
-        </p:nvSpPr>
-        <p:spPr>
-          <a:xfrm>
-            <a:off x="1372242" y="1111170"/>
-            <a:ext cx="925974" cy="821802"/>
-          </a:xfrm>
-          <a:prstGeom prst="ellipse">
-            <a:avLst/>
-          </a:prstGeom>
-          <a:solidFill>
-            <a:schemeClr val="bg1"/>
-          </a:solidFill>
-          <a:ln>
-            <a:solidFill>
+            <a:ln w="28575">
+              <a:solidFill>
+                <a:schemeClr val="tx1"/>
+              </a:solidFill>
+            </a:ln>
+          </p:spPr>
+          <p:style>
+            <a:lnRef idx="2">
+              <a:schemeClr val="accent1">
+                <a:shade val="50000"/>
+              </a:schemeClr>
+            </a:lnRef>
+            <a:fillRef idx="1">
+              <a:schemeClr val="accent1"/>
+            </a:fillRef>
+            <a:effectRef idx="0">
+              <a:schemeClr val="accent1"/>
+            </a:effectRef>
+            <a:fontRef idx="minor">
+              <a:schemeClr val="lt1"/>
+            </a:fontRef>
+          </p:style>
+          <p:txBody>
+            <a:bodyPr rtlCol="0" anchor="ctr"/>
+            <a:lstStyle/>
+            <a:p>
+              <a:pPr algn="ctr"/>
+              <a:endParaRPr lang="en-US"/>
+            </a:p>
+          </p:txBody>
+        </p:sp>
+        <p:pic>
+          <p:nvPicPr>
+            <p:cNvPr id="33" name="Graphic 32" descr="Hospital with solid fill">
+              <a:extLst>
+                <a:ext uri="{FF2B5EF4-FFF2-40B4-BE49-F238E27FC236}">
+                  <a16:creationId xmlns:a16="http://schemas.microsoft.com/office/drawing/2014/main" id="{B74888B4-BDE7-EB4F-27F9-547DBED6AFA8}"/>
+                </a:ext>
+              </a:extLst>
+            </p:cNvPr>
+            <p:cNvPicPr>
+              <a:picLocks noChangeAspect="1"/>
+            </p:cNvPicPr>
+            <p:nvPr/>
+          </p:nvPicPr>
+          <p:blipFill>
+            <a:blip r:embed="rId2">
+              <a:extLst>
+                <a:ext uri="{96DAC541-7B7A-43D3-8B79-37D633B846F1}">
+                  <asvg:svgBlip xmlns:asvg="http://schemas.microsoft.com/office/drawing/2016/SVG/main" r:embed="rId3"/>
+                </a:ext>
+              </a:extLst>
+            </a:blip>
+            <a:stretch>
+              <a:fillRect/>
+            </a:stretch>
+          </p:blipFill>
+          <p:spPr>
+            <a:xfrm>
+              <a:off x="3723646" y="1292431"/>
+              <a:ext cx="1097280" cy="1097280"/>
+            </a:xfrm>
+            <a:prstGeom prst="rect">
+              <a:avLst/>
+            </a:prstGeom>
+          </p:spPr>
+        </p:pic>
+        <p:pic>
+          <p:nvPicPr>
+            <p:cNvPr id="37" name="Graphic 36" descr="Hospital with solid fill">
+              <a:extLst>
+                <a:ext uri="{FF2B5EF4-FFF2-40B4-BE49-F238E27FC236}">
+                  <a16:creationId xmlns:a16="http://schemas.microsoft.com/office/drawing/2014/main" id="{9C5FA5FB-17C4-9F4C-D94B-42863BD29CD3}"/>
+                </a:ext>
+              </a:extLst>
+            </p:cNvPr>
+            <p:cNvPicPr>
+              <a:picLocks noChangeAspect="1"/>
+            </p:cNvPicPr>
+            <p:nvPr/>
+          </p:nvPicPr>
+          <p:blipFill>
+            <a:blip r:embed="rId4">
+              <a:extLst>
+                <a:ext uri="{96DAC541-7B7A-43D3-8B79-37D633B846F1}">
+                  <asvg:svgBlip xmlns:asvg="http://schemas.microsoft.com/office/drawing/2016/SVG/main" r:embed="rId5"/>
+                </a:ext>
+              </a:extLst>
+            </a:blip>
+            <a:stretch>
+              <a:fillRect/>
+            </a:stretch>
+          </p:blipFill>
+          <p:spPr>
+            <a:xfrm>
+              <a:off x="5023901" y="1292431"/>
+              <a:ext cx="1097280" cy="1097280"/>
+            </a:xfrm>
+            <a:prstGeom prst="rect">
+              <a:avLst/>
+            </a:prstGeom>
+          </p:spPr>
+        </p:pic>
+        <p:pic>
+          <p:nvPicPr>
+            <p:cNvPr id="50" name="Graphic 49" descr="Group of people with solid fill">
+              <a:extLst>
+                <a:ext uri="{FF2B5EF4-FFF2-40B4-BE49-F238E27FC236}">
+                  <a16:creationId xmlns:a16="http://schemas.microsoft.com/office/drawing/2014/main" id="{2FEEE2DB-8D2E-568D-F239-75203CE2C4D2}"/>
+                </a:ext>
+              </a:extLst>
+            </p:cNvPr>
+            <p:cNvPicPr>
+              <a:picLocks noChangeAspect="1"/>
+            </p:cNvPicPr>
+            <p:nvPr/>
+          </p:nvPicPr>
+          <p:blipFill rotWithShape="1">
+            <a:blip r:embed="rId6">
+              <a:extLst>
+                <a:ext uri="{96DAC541-7B7A-43D3-8B79-37D633B846F1}">
+                  <asvg:svgBlip xmlns:asvg="http://schemas.microsoft.com/office/drawing/2016/SVG/main" r:embed="rId7"/>
+                </a:ext>
+              </a:extLst>
+            </a:blip>
+            <a:srcRect t="-5296" b="1"/>
+            <a:stretch/>
+          </p:blipFill>
+          <p:spPr>
+            <a:xfrm>
+              <a:off x="3632206" y="3119335"/>
+              <a:ext cx="1280160" cy="1347954"/>
+            </a:xfrm>
+            <a:prstGeom prst="rect">
+              <a:avLst/>
+            </a:prstGeom>
+          </p:spPr>
+        </p:pic>
+        <p:pic>
+          <p:nvPicPr>
+            <p:cNvPr id="52" name="Graphic 51" descr="Group of people with solid fill">
+              <a:extLst>
+                <a:ext uri="{FF2B5EF4-FFF2-40B4-BE49-F238E27FC236}">
+                  <a16:creationId xmlns:a16="http://schemas.microsoft.com/office/drawing/2014/main" id="{7A98B574-377B-CC9C-D183-44FB2CB2C871}"/>
+                </a:ext>
+              </a:extLst>
+            </p:cNvPr>
+            <p:cNvPicPr>
+              <a:picLocks noChangeAspect="1"/>
+            </p:cNvPicPr>
+            <p:nvPr/>
+          </p:nvPicPr>
+          <p:blipFill rotWithShape="1">
+            <a:blip r:embed="rId8">
+              <a:extLst>
+                <a:ext uri="{96DAC541-7B7A-43D3-8B79-37D633B846F1}">
+                  <asvg:svgBlip xmlns:asvg="http://schemas.microsoft.com/office/drawing/2016/SVG/main" r:embed="rId9"/>
+                </a:ext>
+              </a:extLst>
+            </a:blip>
+            <a:srcRect t="-5296" b="1"/>
+            <a:stretch/>
+          </p:blipFill>
+          <p:spPr>
+            <a:xfrm>
+              <a:off x="4932461" y="3119335"/>
+              <a:ext cx="1280160" cy="1347954"/>
+            </a:xfrm>
+            <a:prstGeom prst="rect">
+              <a:avLst/>
+            </a:prstGeom>
+          </p:spPr>
+        </p:pic>
+        <p:cxnSp>
+          <p:nvCxnSpPr>
+            <p:cNvPr id="53" name="Straight Arrow Connector 52">
+              <a:extLst>
+                <a:ext uri="{FF2B5EF4-FFF2-40B4-BE49-F238E27FC236}">
+                  <a16:creationId xmlns:a16="http://schemas.microsoft.com/office/drawing/2014/main" id="{7E638C06-0ADB-DD43-2FCF-D446A5F27AA6}"/>
+                </a:ext>
+              </a:extLst>
+            </p:cNvPr>
+            <p:cNvCxnSpPr>
+              <a:cxnSpLocks/>
+              <a:stCxn id="33" idx="2"/>
+              <a:endCxn id="50" idx="0"/>
+            </p:cNvCxnSpPr>
+            <p:nvPr/>
+          </p:nvCxnSpPr>
+          <p:spPr>
+            <a:xfrm>
+              <a:off x="4272286" y="2389711"/>
+              <a:ext cx="0" cy="729624"/>
+            </a:xfrm>
+            <a:prstGeom prst="straightConnector1">
+              <a:avLst/>
+            </a:prstGeom>
+            <a:ln w="28575">
+              <a:solidFill>
+                <a:schemeClr val="tx1"/>
+              </a:solidFill>
+              <a:tailEnd type="triangle"/>
+            </a:ln>
+          </p:spPr>
+          <p:style>
+            <a:lnRef idx="1">
+              <a:schemeClr val="accent1"/>
+            </a:lnRef>
+            <a:fillRef idx="0">
+              <a:schemeClr val="accent1"/>
+            </a:fillRef>
+            <a:effectRef idx="0">
+              <a:schemeClr val="accent1"/>
+            </a:effectRef>
+            <a:fontRef idx="minor">
               <a:schemeClr val="tx1"/>
-            </a:solidFill>
-          </a:ln>
-        </p:spPr>
-        <p:style>
-          <a:lnRef idx="2">
-            <a:schemeClr val="accent1">
-              <a:shade val="50000"/>
-            </a:schemeClr>
-          </a:lnRef>
-          <a:fillRef idx="1">
-            <a:schemeClr val="accent1"/>
-          </a:fillRef>
-          <a:effectRef idx="0">
-            <a:schemeClr val="accent1"/>
-          </a:effectRef>
-          <a:fontRef idx="minor">
-            <a:schemeClr val="lt1"/>
-          </a:fontRef>
-        </p:style>
-        <p:txBody>
-          <a:bodyPr rtlCol="0" anchor="ctr"/>
-          <a:lstStyle/>
-          <a:p>
-            <a:pPr algn="ctr"/>
-            <a:r>
-              <a:rPr lang="en-US" sz="1100" dirty="0">
-                <a:solidFill>
-                  <a:schemeClr val="tx1"/>
-                </a:solidFill>
-                <a:latin typeface="Open Sauce Sans" pitchFamily="2" charset="77"/>
-              </a:rPr>
-              <a:t>All Data</a:t>
-            </a:r>
-          </a:p>
-        </p:txBody>
-      </p:sp>
-      <p:sp>
-        <p:nvSpPr>
-          <p:cNvPr id="13" name="Hexagon 12">
-            <a:extLst>
-              <a:ext uri="{FF2B5EF4-FFF2-40B4-BE49-F238E27FC236}">
-                <a16:creationId xmlns:a16="http://schemas.microsoft.com/office/drawing/2014/main" id="{1E6B42FC-754E-E5FC-4005-642171666F81}"/>
-              </a:ext>
-            </a:extLst>
-          </p:cNvPr>
-          <p:cNvSpPr/>
-          <p:nvPr/>
-        </p:nvSpPr>
-        <p:spPr>
-          <a:xfrm>
-            <a:off x="1001892" y="2385811"/>
-            <a:ext cx="792622" cy="640080"/>
-          </a:xfrm>
-          <a:prstGeom prst="hexagon">
-            <a:avLst/>
-          </a:prstGeom>
-          <a:solidFill>
-            <a:schemeClr val="bg2">
-              <a:lumMod val="75000"/>
-            </a:schemeClr>
-          </a:solidFill>
-          <a:ln>
-            <a:solidFill>
+            </a:fontRef>
+          </p:style>
+        </p:cxnSp>
+        <p:cxnSp>
+          <p:nvCxnSpPr>
+            <p:cNvPr id="62" name="Straight Arrow Connector 61">
+              <a:extLst>
+                <a:ext uri="{FF2B5EF4-FFF2-40B4-BE49-F238E27FC236}">
+                  <a16:creationId xmlns:a16="http://schemas.microsoft.com/office/drawing/2014/main" id="{244C0B05-3F72-E60C-6C5E-07446E2448FC}"/>
+                </a:ext>
+              </a:extLst>
+            </p:cNvPr>
+            <p:cNvCxnSpPr>
+              <a:cxnSpLocks/>
+              <a:stCxn id="37" idx="2"/>
+              <a:endCxn id="52" idx="0"/>
+            </p:cNvCxnSpPr>
+            <p:nvPr/>
+          </p:nvCxnSpPr>
+          <p:spPr>
+            <a:xfrm>
+              <a:off x="5572541" y="2389711"/>
+              <a:ext cx="0" cy="729624"/>
+            </a:xfrm>
+            <a:prstGeom prst="straightConnector1">
+              <a:avLst/>
+            </a:prstGeom>
+            <a:ln w="28575">
+              <a:solidFill>
+                <a:schemeClr val="tx1"/>
+              </a:solidFill>
+              <a:tailEnd type="triangle"/>
+            </a:ln>
+          </p:spPr>
+          <p:style>
+            <a:lnRef idx="1">
+              <a:schemeClr val="accent1"/>
+            </a:lnRef>
+            <a:fillRef idx="0">
+              <a:schemeClr val="accent1"/>
+            </a:fillRef>
+            <a:effectRef idx="0">
+              <a:schemeClr val="accent1"/>
+            </a:effectRef>
+            <a:fontRef idx="minor">
               <a:schemeClr val="tx1"/>
-            </a:solidFill>
-          </a:ln>
-        </p:spPr>
-        <p:style>
-          <a:lnRef idx="2">
-            <a:schemeClr val="accent1">
-              <a:shade val="50000"/>
-            </a:schemeClr>
-          </a:lnRef>
-          <a:fillRef idx="1">
-            <a:schemeClr val="accent1"/>
-          </a:fillRef>
-          <a:effectRef idx="0">
-            <a:schemeClr val="accent1"/>
-          </a:effectRef>
-          <a:fontRef idx="minor">
-            <a:schemeClr val="lt1"/>
-          </a:fontRef>
-        </p:style>
-        <p:txBody>
-          <a:bodyPr lIns="0" rIns="0" rtlCol="0" anchor="ctr"/>
-          <a:lstStyle/>
-          <a:p>
-            <a:pPr algn="ctr"/>
-            <a:r>
-              <a:rPr lang="en-US" sz="1000" dirty="0">
-                <a:solidFill>
-                  <a:schemeClr val="tx1"/>
-                </a:solidFill>
-                <a:latin typeface="Open Sauce Sans" pitchFamily="2" charset="77"/>
-              </a:rPr>
-              <a:t>Not Testing</a:t>
-            </a:r>
-          </a:p>
-        </p:txBody>
-      </p:sp>
-      <p:sp>
-        <p:nvSpPr>
-          <p:cNvPr id="15" name="Hexagon 14">
-            <a:extLst>
-              <a:ext uri="{FF2B5EF4-FFF2-40B4-BE49-F238E27FC236}">
-                <a16:creationId xmlns:a16="http://schemas.microsoft.com/office/drawing/2014/main" id="{5A668840-6529-E228-BB29-02DDC1022A00}"/>
-              </a:ext>
-            </a:extLst>
-          </p:cNvPr>
-          <p:cNvSpPr/>
-          <p:nvPr/>
-        </p:nvSpPr>
-        <p:spPr>
-          <a:xfrm>
-            <a:off x="1873691" y="2385811"/>
-            <a:ext cx="792621" cy="640080"/>
-          </a:xfrm>
-          <a:prstGeom prst="hexagon">
-            <a:avLst/>
-          </a:prstGeom>
-          <a:solidFill>
-            <a:schemeClr val="accent6">
-              <a:lumMod val="40000"/>
-              <a:lumOff val="60000"/>
-            </a:schemeClr>
-          </a:solidFill>
-          <a:ln>
-            <a:solidFill>
-              <a:schemeClr val="tx1"/>
-            </a:solidFill>
-          </a:ln>
-        </p:spPr>
-        <p:style>
-          <a:lnRef idx="2">
-            <a:schemeClr val="accent1">
-              <a:shade val="50000"/>
-            </a:schemeClr>
-          </a:lnRef>
-          <a:fillRef idx="1">
-            <a:schemeClr val="accent1"/>
-          </a:fillRef>
-          <a:effectRef idx="0">
-            <a:schemeClr val="accent1"/>
-          </a:effectRef>
-          <a:fontRef idx="minor">
-            <a:schemeClr val="lt1"/>
-          </a:fontRef>
-        </p:style>
-        <p:txBody>
-          <a:bodyPr lIns="0" rIns="0" rtlCol="0" anchor="ctr"/>
-          <a:lstStyle/>
-          <a:p>
-            <a:pPr algn="ctr"/>
-            <a:r>
-              <a:rPr lang="en-US" sz="1000" dirty="0">
-                <a:solidFill>
-                  <a:schemeClr val="tx1"/>
-                </a:solidFill>
-                <a:latin typeface="Open Sauce Sans" pitchFamily="2" charset="77"/>
-              </a:rPr>
-              <a:t>Testing</a:t>
-            </a:r>
-          </a:p>
-        </p:txBody>
-      </p:sp>
-      <p:sp>
-        <p:nvSpPr>
-          <p:cNvPr id="16" name="Oval 15">
-            <a:extLst>
-              <a:ext uri="{FF2B5EF4-FFF2-40B4-BE49-F238E27FC236}">
-                <a16:creationId xmlns:a16="http://schemas.microsoft.com/office/drawing/2014/main" id="{5C26A799-AAFF-B36E-7718-2019C04866E5}"/>
-              </a:ext>
-            </a:extLst>
-          </p:cNvPr>
-          <p:cNvSpPr/>
-          <p:nvPr/>
-        </p:nvSpPr>
-        <p:spPr>
-          <a:xfrm>
-            <a:off x="393536" y="3774048"/>
-            <a:ext cx="950976" cy="594360"/>
-          </a:xfrm>
-          <a:prstGeom prst="ellipse">
-            <a:avLst/>
-          </a:prstGeom>
-          <a:solidFill>
-            <a:schemeClr val="accent5">
-              <a:lumMod val="40000"/>
-              <a:lumOff val="60000"/>
-            </a:schemeClr>
-          </a:solidFill>
-          <a:ln>
-            <a:solidFill>
-              <a:schemeClr val="tx1"/>
-            </a:solidFill>
-          </a:ln>
-        </p:spPr>
-        <p:style>
-          <a:lnRef idx="2">
-            <a:schemeClr val="accent1">
-              <a:shade val="50000"/>
-            </a:schemeClr>
-          </a:lnRef>
-          <a:fillRef idx="1">
-            <a:schemeClr val="accent1"/>
-          </a:fillRef>
-          <a:effectRef idx="0">
-            <a:schemeClr val="accent1"/>
-          </a:effectRef>
-          <a:fontRef idx="minor">
-            <a:schemeClr val="lt1"/>
-          </a:fontRef>
-        </p:style>
-        <p:txBody>
-          <a:bodyPr lIns="0" rIns="0" rtlCol="0" anchor="ctr"/>
-          <a:lstStyle/>
-          <a:p>
-            <a:pPr algn="ctr"/>
-            <a:r>
-              <a:rPr lang="en-US" sz="1100" dirty="0">
-                <a:solidFill>
-                  <a:schemeClr val="tx1"/>
-                </a:solidFill>
-                <a:latin typeface="Open Sauce Sans" pitchFamily="2" charset="77"/>
-              </a:rPr>
-              <a:t>Training</a:t>
-            </a:r>
-          </a:p>
-        </p:txBody>
-      </p:sp>
-      <p:sp>
-        <p:nvSpPr>
-          <p:cNvPr id="17" name="Oval 16">
-            <a:extLst>
-              <a:ext uri="{FF2B5EF4-FFF2-40B4-BE49-F238E27FC236}">
-                <a16:creationId xmlns:a16="http://schemas.microsoft.com/office/drawing/2014/main" id="{9821A89E-164C-FBBB-1596-B3299DBC18B9}"/>
-              </a:ext>
-            </a:extLst>
-          </p:cNvPr>
-          <p:cNvSpPr/>
-          <p:nvPr/>
-        </p:nvSpPr>
-        <p:spPr>
-          <a:xfrm>
-            <a:off x="1398203" y="3774048"/>
-            <a:ext cx="950976" cy="594360"/>
-          </a:xfrm>
-          <a:prstGeom prst="ellipse">
-            <a:avLst/>
-          </a:prstGeom>
-          <a:solidFill>
-            <a:schemeClr val="accent2">
-              <a:lumMod val="40000"/>
-              <a:lumOff val="60000"/>
-            </a:schemeClr>
-          </a:solidFill>
-          <a:ln>
-            <a:solidFill>
-              <a:schemeClr val="tx1"/>
-            </a:solidFill>
-          </a:ln>
-        </p:spPr>
-        <p:style>
-          <a:lnRef idx="2">
-            <a:schemeClr val="accent1">
-              <a:shade val="50000"/>
-            </a:schemeClr>
-          </a:lnRef>
-          <a:fillRef idx="1">
-            <a:schemeClr val="accent1"/>
-          </a:fillRef>
-          <a:effectRef idx="0">
-            <a:schemeClr val="accent1"/>
-          </a:effectRef>
-          <a:fontRef idx="minor">
-            <a:schemeClr val="lt1"/>
-          </a:fontRef>
-        </p:style>
-        <p:txBody>
-          <a:bodyPr lIns="0" rIns="0" rtlCol="0" anchor="ctr"/>
-          <a:lstStyle/>
-          <a:p>
-            <a:pPr algn="ctr"/>
-            <a:r>
-              <a:rPr lang="en-US" sz="1100" dirty="0">
-                <a:solidFill>
-                  <a:schemeClr val="tx1"/>
-                </a:solidFill>
-                <a:latin typeface="Open Sauce Sans" pitchFamily="2" charset="77"/>
-              </a:rPr>
-              <a:t>Validation</a:t>
-            </a:r>
-          </a:p>
-        </p:txBody>
-      </p:sp>
-      <p:cxnSp>
-        <p:nvCxnSpPr>
-          <p:cNvPr id="18" name="Straight Arrow Connector 17">
-            <a:extLst>
-              <a:ext uri="{FF2B5EF4-FFF2-40B4-BE49-F238E27FC236}">
-                <a16:creationId xmlns:a16="http://schemas.microsoft.com/office/drawing/2014/main" id="{21EB47B6-3A86-53CA-40ED-42D93730C8EB}"/>
-              </a:ext>
-            </a:extLst>
-          </p:cNvPr>
-          <p:cNvCxnSpPr>
-            <a:cxnSpLocks/>
-            <a:stCxn id="10" idx="4"/>
-          </p:cNvCxnSpPr>
-          <p:nvPr/>
-        </p:nvCxnSpPr>
-        <p:spPr>
-          <a:xfrm flipH="1">
-            <a:off x="1398203" y="1932972"/>
-            <a:ext cx="437026" cy="452839"/>
-          </a:xfrm>
-          <a:prstGeom prst="straightConnector1">
-            <a:avLst/>
-          </a:prstGeom>
-          <a:ln>
-            <a:solidFill>
-              <a:schemeClr val="tx1"/>
-            </a:solidFill>
-            <a:tailEnd type="triangle"/>
-          </a:ln>
-        </p:spPr>
-        <p:style>
-          <a:lnRef idx="1">
-            <a:schemeClr val="accent1"/>
-          </a:lnRef>
-          <a:fillRef idx="0">
-            <a:schemeClr val="accent1"/>
-          </a:fillRef>
-          <a:effectRef idx="0">
-            <a:schemeClr val="accent1"/>
-          </a:effectRef>
-          <a:fontRef idx="minor">
-            <a:schemeClr val="tx1"/>
-          </a:fontRef>
-        </p:style>
-      </p:cxnSp>
-      <p:cxnSp>
-        <p:nvCxnSpPr>
-          <p:cNvPr id="21" name="Straight Arrow Connector 20">
-            <a:extLst>
-              <a:ext uri="{FF2B5EF4-FFF2-40B4-BE49-F238E27FC236}">
-                <a16:creationId xmlns:a16="http://schemas.microsoft.com/office/drawing/2014/main" id="{59D52875-0D27-5262-64E2-7055DCE26CF5}"/>
-              </a:ext>
-            </a:extLst>
-          </p:cNvPr>
-          <p:cNvCxnSpPr>
-            <a:cxnSpLocks/>
-          </p:cNvCxnSpPr>
-          <p:nvPr/>
-        </p:nvCxnSpPr>
-        <p:spPr>
-          <a:xfrm>
-            <a:off x="1832976" y="1932972"/>
-            <a:ext cx="437025" cy="452839"/>
-          </a:xfrm>
-          <a:prstGeom prst="straightConnector1">
-            <a:avLst/>
-          </a:prstGeom>
-          <a:ln>
-            <a:solidFill>
-              <a:schemeClr val="tx1"/>
-            </a:solidFill>
-            <a:tailEnd type="triangle"/>
-          </a:ln>
-        </p:spPr>
-        <p:style>
-          <a:lnRef idx="1">
-            <a:schemeClr val="accent1"/>
-          </a:lnRef>
-          <a:fillRef idx="0">
-            <a:schemeClr val="accent1"/>
-          </a:fillRef>
-          <a:effectRef idx="0">
-            <a:schemeClr val="accent1"/>
-          </a:effectRef>
-          <a:fontRef idx="minor">
-            <a:schemeClr val="tx1"/>
-          </a:fontRef>
-        </p:style>
-      </p:cxnSp>
-      <p:cxnSp>
-        <p:nvCxnSpPr>
-          <p:cNvPr id="24" name="Straight Arrow Connector 23">
-            <a:extLst>
-              <a:ext uri="{FF2B5EF4-FFF2-40B4-BE49-F238E27FC236}">
-                <a16:creationId xmlns:a16="http://schemas.microsoft.com/office/drawing/2014/main" id="{9C7C4CFA-6FF9-7CE0-B742-34308C53DD61}"/>
-              </a:ext>
-            </a:extLst>
-          </p:cNvPr>
-          <p:cNvCxnSpPr>
-            <a:cxnSpLocks/>
-            <a:endCxn id="16" idx="0"/>
-          </p:cNvCxnSpPr>
-          <p:nvPr/>
-        </p:nvCxnSpPr>
-        <p:spPr>
-          <a:xfrm flipH="1">
-            <a:off x="869024" y="3025891"/>
-            <a:ext cx="500964" cy="748157"/>
-          </a:xfrm>
-          <a:prstGeom prst="straightConnector1">
-            <a:avLst/>
-          </a:prstGeom>
-          <a:ln>
-            <a:solidFill>
-              <a:schemeClr val="tx1"/>
-            </a:solidFill>
-            <a:tailEnd type="triangle"/>
-          </a:ln>
-        </p:spPr>
-        <p:style>
-          <a:lnRef idx="1">
-            <a:schemeClr val="accent1"/>
-          </a:lnRef>
-          <a:fillRef idx="0">
-            <a:schemeClr val="accent1"/>
-          </a:fillRef>
-          <a:effectRef idx="0">
-            <a:schemeClr val="accent1"/>
-          </a:effectRef>
-          <a:fontRef idx="minor">
-            <a:schemeClr val="tx1"/>
-          </a:fontRef>
-        </p:style>
-      </p:cxnSp>
-      <p:cxnSp>
-        <p:nvCxnSpPr>
-          <p:cNvPr id="27" name="Straight Arrow Connector 26">
-            <a:extLst>
-              <a:ext uri="{FF2B5EF4-FFF2-40B4-BE49-F238E27FC236}">
-                <a16:creationId xmlns:a16="http://schemas.microsoft.com/office/drawing/2014/main" id="{A8976842-4374-5636-2398-34D529A3D957}"/>
-              </a:ext>
-            </a:extLst>
-          </p:cNvPr>
-          <p:cNvCxnSpPr>
-            <a:cxnSpLocks/>
-            <a:endCxn id="17" idx="0"/>
-          </p:cNvCxnSpPr>
-          <p:nvPr/>
-        </p:nvCxnSpPr>
-        <p:spPr>
-          <a:xfrm>
-            <a:off x="1384095" y="3038949"/>
-            <a:ext cx="489596" cy="735099"/>
-          </a:xfrm>
-          <a:prstGeom prst="straightConnector1">
-            <a:avLst/>
-          </a:prstGeom>
-          <a:ln>
-            <a:solidFill>
-              <a:schemeClr val="tx1"/>
-            </a:solidFill>
-            <a:tailEnd type="triangle"/>
-          </a:ln>
-        </p:spPr>
-        <p:style>
-          <a:lnRef idx="1">
-            <a:schemeClr val="accent1"/>
-          </a:lnRef>
-          <a:fillRef idx="0">
-            <a:schemeClr val="accent1"/>
-          </a:fillRef>
-          <a:effectRef idx="0">
-            <a:schemeClr val="accent1"/>
-          </a:effectRef>
-          <a:fontRef idx="minor">
-            <a:schemeClr val="tx1"/>
-          </a:fontRef>
-        </p:style>
-      </p:cxnSp>
+            </a:fontRef>
+          </p:style>
+        </p:cxnSp>
+      </p:grpSp>
     </p:spTree>
     <p:extLst>
       <p:ext uri="{BB962C8B-B14F-4D97-AF65-F5344CB8AC3E}">

--- a/figs/sw_figs.pptx
+++ b/figs/sw_figs.pptx
@@ -7,6 +7,7 @@
   <p:sldIdLst>
     <p:sldId id="256" r:id="rId2"/>
     <p:sldId id="257" r:id="rId3"/>
+    <p:sldId id="258" r:id="rId4"/>
   </p:sldIdLst>
   <p:sldSz cx="12192000" cy="6858000"/>
   <p:notesSz cx="6858000" cy="9144000"/>
@@ -260,7 +261,7 @@
           <a:p>
             <a:fld id="{218A4B5B-ABDA-F54A-ACC4-BDC1169AAC49}" type="datetimeFigureOut">
               <a:rPr lang="en-US" smtClean="0"/>
-              <a:t>6/27/22</a:t>
+              <a:t>7/8/22</a:t>
             </a:fld>
             <a:endParaRPr lang="en-US"/>
           </a:p>
@@ -458,7 +459,7 @@
           <a:p>
             <a:fld id="{218A4B5B-ABDA-F54A-ACC4-BDC1169AAC49}" type="datetimeFigureOut">
               <a:rPr lang="en-US" smtClean="0"/>
-              <a:t>6/27/22</a:t>
+              <a:t>7/8/22</a:t>
             </a:fld>
             <a:endParaRPr lang="en-US"/>
           </a:p>
@@ -666,7 +667,7 @@
           <a:p>
             <a:fld id="{218A4B5B-ABDA-F54A-ACC4-BDC1169AAC49}" type="datetimeFigureOut">
               <a:rPr lang="en-US" smtClean="0"/>
-              <a:t>6/27/22</a:t>
+              <a:t>7/8/22</a:t>
             </a:fld>
             <a:endParaRPr lang="en-US"/>
           </a:p>
@@ -864,7 +865,7 @@
           <a:p>
             <a:fld id="{218A4B5B-ABDA-F54A-ACC4-BDC1169AAC49}" type="datetimeFigureOut">
               <a:rPr lang="en-US" smtClean="0"/>
-              <a:t>6/27/22</a:t>
+              <a:t>7/8/22</a:t>
             </a:fld>
             <a:endParaRPr lang="en-US"/>
           </a:p>
@@ -1139,7 +1140,7 @@
           <a:p>
             <a:fld id="{218A4B5B-ABDA-F54A-ACC4-BDC1169AAC49}" type="datetimeFigureOut">
               <a:rPr lang="en-US" smtClean="0"/>
-              <a:t>6/27/22</a:t>
+              <a:t>7/8/22</a:t>
             </a:fld>
             <a:endParaRPr lang="en-US"/>
           </a:p>
@@ -1404,7 +1405,7 @@
           <a:p>
             <a:fld id="{218A4B5B-ABDA-F54A-ACC4-BDC1169AAC49}" type="datetimeFigureOut">
               <a:rPr lang="en-US" smtClean="0"/>
-              <a:t>6/27/22</a:t>
+              <a:t>7/8/22</a:t>
             </a:fld>
             <a:endParaRPr lang="en-US"/>
           </a:p>
@@ -1816,7 +1817,7 @@
           <a:p>
             <a:fld id="{218A4B5B-ABDA-F54A-ACC4-BDC1169AAC49}" type="datetimeFigureOut">
               <a:rPr lang="en-US" smtClean="0"/>
-              <a:t>6/27/22</a:t>
+              <a:t>7/8/22</a:t>
             </a:fld>
             <a:endParaRPr lang="en-US"/>
           </a:p>
@@ -1957,7 +1958,7 @@
           <a:p>
             <a:fld id="{218A4B5B-ABDA-F54A-ACC4-BDC1169AAC49}" type="datetimeFigureOut">
               <a:rPr lang="en-US" smtClean="0"/>
-              <a:t>6/27/22</a:t>
+              <a:t>7/8/22</a:t>
             </a:fld>
             <a:endParaRPr lang="en-US"/>
           </a:p>
@@ -2070,7 +2071,7 @@
           <a:p>
             <a:fld id="{218A4B5B-ABDA-F54A-ACC4-BDC1169AAC49}" type="datetimeFigureOut">
               <a:rPr lang="en-US" smtClean="0"/>
-              <a:t>6/27/22</a:t>
+              <a:t>7/8/22</a:t>
             </a:fld>
             <a:endParaRPr lang="en-US"/>
           </a:p>
@@ -2381,7 +2382,7 @@
           <a:p>
             <a:fld id="{218A4B5B-ABDA-F54A-ACC4-BDC1169AAC49}" type="datetimeFigureOut">
               <a:rPr lang="en-US" smtClean="0"/>
-              <a:t>6/27/22</a:t>
+              <a:t>7/8/22</a:t>
             </a:fld>
             <a:endParaRPr lang="en-US"/>
           </a:p>
@@ -2669,7 +2670,7 @@
           <a:p>
             <a:fld id="{218A4B5B-ABDA-F54A-ACC4-BDC1169AAC49}" type="datetimeFigureOut">
               <a:rPr lang="en-US" smtClean="0"/>
-              <a:t>6/27/22</a:t>
+              <a:t>7/8/22</a:t>
             </a:fld>
             <a:endParaRPr lang="en-US"/>
           </a:p>
@@ -2910,7 +2911,7 @@
           <a:p>
             <a:fld id="{218A4B5B-ABDA-F54A-ACC4-BDC1169AAC49}" type="datetimeFigureOut">
               <a:rPr lang="en-US" smtClean="0"/>
-              <a:t>6/27/22</a:t>
+              <a:t>7/8/22</a:t>
             </a:fld>
             <a:endParaRPr lang="en-US"/>
           </a:p>
@@ -4476,10 +4477,646 @@
           </p:style>
         </p:cxnSp>
       </p:grpSp>
+      <p:grpSp>
+        <p:nvGrpSpPr>
+          <p:cNvPr id="3" name="Group 2">
+            <a:extLst>
+              <a:ext uri="{FF2B5EF4-FFF2-40B4-BE49-F238E27FC236}">
+                <a16:creationId xmlns:a16="http://schemas.microsoft.com/office/drawing/2014/main" id="{75107F5F-A774-CEFE-EAAA-C4042C57CF4B}"/>
+              </a:ext>
+            </a:extLst>
+          </p:cNvPr>
+          <p:cNvGrpSpPr/>
+          <p:nvPr/>
+        </p:nvGrpSpPr>
+        <p:grpSpPr>
+          <a:xfrm>
+            <a:off x="6578600" y="965639"/>
+            <a:ext cx="2794000" cy="4191000"/>
+            <a:chOff x="6578600" y="965639"/>
+            <a:chExt cx="2794000" cy="4191000"/>
+          </a:xfrm>
+        </p:grpSpPr>
+        <p:sp>
+          <p:nvSpPr>
+            <p:cNvPr id="22" name="Rectangle 21">
+              <a:extLst>
+                <a:ext uri="{FF2B5EF4-FFF2-40B4-BE49-F238E27FC236}">
+                  <a16:creationId xmlns:a16="http://schemas.microsoft.com/office/drawing/2014/main" id="{7614869A-5762-6B95-C422-9194AE0C9E4B}"/>
+                </a:ext>
+              </a:extLst>
+            </p:cNvPr>
+            <p:cNvSpPr/>
+            <p:nvPr/>
+          </p:nvSpPr>
+          <p:spPr>
+            <a:xfrm>
+              <a:off x="6578600" y="965639"/>
+              <a:ext cx="2794000" cy="4191000"/>
+            </a:xfrm>
+            <a:prstGeom prst="rect">
+              <a:avLst/>
+            </a:prstGeom>
+            <a:solidFill>
+              <a:schemeClr val="bg2"/>
+            </a:solidFill>
+            <a:ln w="28575">
+              <a:solidFill>
+                <a:schemeClr val="tx1"/>
+              </a:solidFill>
+            </a:ln>
+          </p:spPr>
+          <p:style>
+            <a:lnRef idx="2">
+              <a:schemeClr val="accent1">
+                <a:shade val="50000"/>
+              </a:schemeClr>
+            </a:lnRef>
+            <a:fillRef idx="1">
+              <a:schemeClr val="accent1"/>
+            </a:fillRef>
+            <a:effectRef idx="0">
+              <a:schemeClr val="accent1"/>
+            </a:effectRef>
+            <a:fontRef idx="minor">
+              <a:schemeClr val="lt1"/>
+            </a:fontRef>
+          </p:style>
+          <p:txBody>
+            <a:bodyPr rtlCol="0" anchor="ctr"/>
+            <a:lstStyle/>
+            <a:p>
+              <a:pPr algn="ctr"/>
+              <a:endParaRPr lang="en-US"/>
+            </a:p>
+          </p:txBody>
+        </p:sp>
+        <p:pic>
+          <p:nvPicPr>
+            <p:cNvPr id="2" name="Picture 1">
+              <a:extLst>
+                <a:ext uri="{FF2B5EF4-FFF2-40B4-BE49-F238E27FC236}">
+                  <a16:creationId xmlns:a16="http://schemas.microsoft.com/office/drawing/2014/main" id="{E26903CF-31E4-B86E-1EAC-35A2C4D04885}"/>
+                </a:ext>
+              </a:extLst>
+            </p:cNvPr>
+            <p:cNvPicPr>
+              <a:picLocks noChangeAspect="1"/>
+            </p:cNvPicPr>
+            <p:nvPr/>
+          </p:nvPicPr>
+          <p:blipFill>
+            <a:blip r:embed="rId10"/>
+            <a:stretch>
+              <a:fillRect/>
+            </a:stretch>
+          </p:blipFill>
+          <p:spPr>
+            <a:xfrm>
+              <a:off x="6882686" y="1790123"/>
+              <a:ext cx="2192950" cy="2542032"/>
+            </a:xfrm>
+            <a:prstGeom prst="rect">
+              <a:avLst/>
+            </a:prstGeom>
+          </p:spPr>
+        </p:pic>
+      </p:grpSp>
     </p:spTree>
     <p:extLst>
       <p:ext uri="{BB962C8B-B14F-4D97-AF65-F5344CB8AC3E}">
         <p14:creationId xmlns:p14="http://schemas.microsoft.com/office/powerpoint/2010/main" val="2611225717"/>
+      </p:ext>
+    </p:extLst>
+  </p:cSld>
+  <p:clrMapOvr>
+    <a:masterClrMapping/>
+  </p:clrMapOvr>
+</p:sld>
+</file>
+
+<file path=ppt/slides/slide3.xml><?xml version="1.0" encoding="utf-8"?>
+<p:sld xmlns:a="http://schemas.openxmlformats.org/drawingml/2006/main" xmlns:r="http://schemas.openxmlformats.org/officeDocument/2006/relationships" xmlns:p="http://schemas.openxmlformats.org/presentationml/2006/main">
+  <p:cSld>
+    <p:bg>
+      <p:bgPr>
+        <a:solidFill>
+          <a:srgbClr val="ECEEF1"/>
+        </a:solidFill>
+        <a:effectLst/>
+      </p:bgPr>
+    </p:bg>
+    <p:spTree>
+      <p:nvGrpSpPr>
+        <p:cNvPr id="1" name=""/>
+        <p:cNvGrpSpPr/>
+        <p:nvPr/>
+      </p:nvGrpSpPr>
+      <p:grpSpPr>
+        <a:xfrm>
+          <a:off x="0" y="0"/>
+          <a:ext cx="0" cy="0"/>
+          <a:chOff x="0" y="0"/>
+          <a:chExt cx="0" cy="0"/>
+        </a:xfrm>
+      </p:grpSpPr>
+      <p:grpSp>
+        <p:nvGrpSpPr>
+          <p:cNvPr id="12" name="Group 11">
+            <a:extLst>
+              <a:ext uri="{FF2B5EF4-FFF2-40B4-BE49-F238E27FC236}">
+                <a16:creationId xmlns:a16="http://schemas.microsoft.com/office/drawing/2014/main" id="{2A6B478C-DAAB-8B21-DB13-4F36868DB044}"/>
+              </a:ext>
+            </a:extLst>
+          </p:cNvPr>
+          <p:cNvGrpSpPr/>
+          <p:nvPr/>
+        </p:nvGrpSpPr>
+        <p:grpSpPr>
+          <a:xfrm>
+            <a:off x="1987296" y="1726874"/>
+            <a:ext cx="9485376" cy="2779930"/>
+            <a:chOff x="1987296" y="1726874"/>
+            <a:chExt cx="9485376" cy="2779930"/>
+          </a:xfrm>
+        </p:grpSpPr>
+        <p:sp>
+          <p:nvSpPr>
+            <p:cNvPr id="4" name="Right Arrow 3">
+              <a:extLst>
+                <a:ext uri="{FF2B5EF4-FFF2-40B4-BE49-F238E27FC236}">
+                  <a16:creationId xmlns:a16="http://schemas.microsoft.com/office/drawing/2014/main" id="{DB552DCE-82A9-4756-1B43-2C82FA988340}"/>
+                </a:ext>
+              </a:extLst>
+            </p:cNvPr>
+            <p:cNvSpPr/>
+            <p:nvPr/>
+          </p:nvSpPr>
+          <p:spPr>
+            <a:xfrm>
+              <a:off x="1987296" y="2142373"/>
+              <a:ext cx="9485376" cy="1948933"/>
+            </a:xfrm>
+            <a:prstGeom prst="rightArrow">
+              <a:avLst/>
+            </a:prstGeom>
+            <a:solidFill>
+              <a:srgbClr val="CFD5EA"/>
+            </a:solidFill>
+            <a:ln w="38100">
+              <a:noFill/>
+            </a:ln>
+          </p:spPr>
+          <p:style>
+            <a:lnRef idx="2">
+              <a:schemeClr val="accent1">
+                <a:shade val="50000"/>
+              </a:schemeClr>
+            </a:lnRef>
+            <a:fillRef idx="1">
+              <a:schemeClr val="accent1"/>
+            </a:fillRef>
+            <a:effectRef idx="0">
+              <a:schemeClr val="accent1"/>
+            </a:effectRef>
+            <a:fontRef idx="minor">
+              <a:schemeClr val="lt1"/>
+            </a:fontRef>
+          </p:style>
+          <p:txBody>
+            <a:bodyPr rtlCol="0" anchor="ctr"/>
+            <a:lstStyle/>
+            <a:p>
+              <a:pPr algn="ctr"/>
+              <a:endParaRPr lang="en-US"/>
+            </a:p>
+          </p:txBody>
+        </p:sp>
+        <p:sp>
+          <p:nvSpPr>
+            <p:cNvPr id="5" name="TextBox 4">
+              <a:extLst>
+                <a:ext uri="{FF2B5EF4-FFF2-40B4-BE49-F238E27FC236}">
+                  <a16:creationId xmlns:a16="http://schemas.microsoft.com/office/drawing/2014/main" id="{58E5B272-CF01-5C65-B490-BDE9B353D454}"/>
+                </a:ext>
+              </a:extLst>
+            </p:cNvPr>
+            <p:cNvSpPr txBox="1"/>
+            <p:nvPr/>
+          </p:nvSpPr>
+          <p:spPr>
+            <a:xfrm>
+              <a:off x="2019749" y="1758094"/>
+              <a:ext cx="1899981" cy="830997"/>
+            </a:xfrm>
+            <a:prstGeom prst="rect">
+              <a:avLst/>
+            </a:prstGeom>
+            <a:noFill/>
+          </p:spPr>
+          <p:txBody>
+            <a:bodyPr wrap="square" rtlCol="0">
+              <a:spAutoFit/>
+            </a:bodyPr>
+            <a:lstStyle/>
+            <a:p>
+              <a:pPr algn="ctr"/>
+              <a:r>
+                <a:rPr lang="en-US" sz="2400" dirty="0">
+                  <a:latin typeface="Minion Pro" panose="02040503050201020203" pitchFamily="18" charset="0"/>
+                </a:rPr>
+                <a:t>Specify Model Details</a:t>
+              </a:r>
+            </a:p>
+          </p:txBody>
+        </p:sp>
+        <p:sp>
+          <p:nvSpPr>
+            <p:cNvPr id="6" name="TextBox 5">
+              <a:extLst>
+                <a:ext uri="{FF2B5EF4-FFF2-40B4-BE49-F238E27FC236}">
+                  <a16:creationId xmlns:a16="http://schemas.microsoft.com/office/drawing/2014/main" id="{CB9F4876-A0E6-02B8-42BF-4C0358130823}"/>
+                </a:ext>
+              </a:extLst>
+            </p:cNvPr>
+            <p:cNvSpPr txBox="1"/>
+            <p:nvPr/>
+          </p:nvSpPr>
+          <p:spPr>
+            <a:xfrm>
+              <a:off x="4498848" y="3675807"/>
+              <a:ext cx="1072897" cy="830997"/>
+            </a:xfrm>
+            <a:prstGeom prst="rect">
+              <a:avLst/>
+            </a:prstGeom>
+            <a:noFill/>
+          </p:spPr>
+          <p:txBody>
+            <a:bodyPr wrap="square" rtlCol="0">
+              <a:spAutoFit/>
+            </a:bodyPr>
+            <a:lstStyle/>
+            <a:p>
+              <a:pPr algn="ctr"/>
+              <a:r>
+                <a:rPr lang="en-US" sz="2400" dirty="0">
+                  <a:latin typeface="Minion Pro" panose="02040503050201020203" pitchFamily="18" charset="0"/>
+                </a:rPr>
+                <a:t>Fit Model</a:t>
+              </a:r>
+            </a:p>
+          </p:txBody>
+        </p:sp>
+        <p:sp>
+          <p:nvSpPr>
+            <p:cNvPr id="7" name="TextBox 6">
+              <a:extLst>
+                <a:ext uri="{FF2B5EF4-FFF2-40B4-BE49-F238E27FC236}">
+                  <a16:creationId xmlns:a16="http://schemas.microsoft.com/office/drawing/2014/main" id="{E73BE07B-435A-50F8-9E99-B95DCB1F050C}"/>
+                </a:ext>
+              </a:extLst>
+            </p:cNvPr>
+            <p:cNvSpPr txBox="1"/>
+            <p:nvPr/>
+          </p:nvSpPr>
+          <p:spPr>
+            <a:xfrm>
+              <a:off x="8142285" y="3675807"/>
+              <a:ext cx="2121408" cy="830997"/>
+            </a:xfrm>
+            <a:prstGeom prst="rect">
+              <a:avLst/>
+            </a:prstGeom>
+            <a:noFill/>
+          </p:spPr>
+          <p:txBody>
+            <a:bodyPr wrap="square" rtlCol="0">
+              <a:spAutoFit/>
+            </a:bodyPr>
+            <a:lstStyle/>
+            <a:p>
+              <a:pPr algn="ctr"/>
+              <a:r>
+                <a:rPr lang="en-US" sz="2400" dirty="0">
+                  <a:latin typeface="Minion Pro" panose="02040503050201020203" pitchFamily="18" charset="0"/>
+                </a:rPr>
+                <a:t>Make Predictions</a:t>
+              </a:r>
+            </a:p>
+          </p:txBody>
+        </p:sp>
+        <p:sp>
+          <p:nvSpPr>
+            <p:cNvPr id="28" name="TextBox 27">
+              <a:extLst>
+                <a:ext uri="{FF2B5EF4-FFF2-40B4-BE49-F238E27FC236}">
+                  <a16:creationId xmlns:a16="http://schemas.microsoft.com/office/drawing/2014/main" id="{95BB730E-D7E8-905F-836E-785BFD379178}"/>
+                </a:ext>
+              </a:extLst>
+            </p:cNvPr>
+            <p:cNvSpPr txBox="1"/>
+            <p:nvPr/>
+          </p:nvSpPr>
+          <p:spPr>
+            <a:xfrm>
+              <a:off x="5814600" y="1726874"/>
+              <a:ext cx="2621278" cy="830997"/>
+            </a:xfrm>
+            <a:prstGeom prst="rect">
+              <a:avLst/>
+            </a:prstGeom>
+            <a:noFill/>
+          </p:spPr>
+          <p:txBody>
+            <a:bodyPr wrap="square" rtlCol="0">
+              <a:spAutoFit/>
+            </a:bodyPr>
+            <a:lstStyle/>
+            <a:p>
+              <a:pPr algn="ctr"/>
+              <a:r>
+                <a:rPr lang="en-US" sz="2400" dirty="0">
+                  <a:latin typeface="Minion Pro" panose="02040503050201020203" pitchFamily="18" charset="0"/>
+                </a:rPr>
+                <a:t>Inspect Model Results</a:t>
+              </a:r>
+            </a:p>
+          </p:txBody>
+        </p:sp>
+        <p:sp>
+          <p:nvSpPr>
+            <p:cNvPr id="8" name="Oval 7">
+              <a:extLst>
+                <a:ext uri="{FF2B5EF4-FFF2-40B4-BE49-F238E27FC236}">
+                  <a16:creationId xmlns:a16="http://schemas.microsoft.com/office/drawing/2014/main" id="{0A623082-3243-830E-FBDA-0891BC34D855}"/>
+                </a:ext>
+              </a:extLst>
+            </p:cNvPr>
+            <p:cNvSpPr>
+              <a:spLocks noChangeAspect="1"/>
+            </p:cNvSpPr>
+            <p:nvPr/>
+          </p:nvSpPr>
+          <p:spPr>
+            <a:xfrm>
+              <a:off x="2786859" y="2933959"/>
+              <a:ext cx="365760" cy="365760"/>
+            </a:xfrm>
+            <a:prstGeom prst="ellipse">
+              <a:avLst/>
+            </a:prstGeom>
+            <a:solidFill>
+              <a:schemeClr val="tx2">
+                <a:lumMod val="60000"/>
+                <a:lumOff val="40000"/>
+              </a:schemeClr>
+            </a:solidFill>
+            <a:ln>
+              <a:solidFill>
+                <a:schemeClr val="tx1"/>
+              </a:solidFill>
+            </a:ln>
+          </p:spPr>
+          <p:style>
+            <a:lnRef idx="2">
+              <a:schemeClr val="accent1">
+                <a:shade val="50000"/>
+              </a:schemeClr>
+            </a:lnRef>
+            <a:fillRef idx="1">
+              <a:schemeClr val="accent1"/>
+            </a:fillRef>
+            <a:effectRef idx="0">
+              <a:schemeClr val="accent1"/>
+            </a:effectRef>
+            <a:fontRef idx="minor">
+              <a:schemeClr val="lt1"/>
+            </a:fontRef>
+          </p:style>
+          <p:txBody>
+            <a:bodyPr rtlCol="0" anchor="ctr"/>
+            <a:lstStyle/>
+            <a:p>
+              <a:pPr algn="ctr"/>
+              <a:r>
+                <a:rPr lang="en-US" dirty="0">
+                  <a:solidFill>
+                    <a:schemeClr val="tx1"/>
+                  </a:solidFill>
+                  <a:latin typeface="Minion Pro" panose="02040503050201020203" pitchFamily="18" charset="0"/>
+                </a:rPr>
+                <a:t>1</a:t>
+              </a:r>
+            </a:p>
+          </p:txBody>
+        </p:sp>
+        <p:sp>
+          <p:nvSpPr>
+            <p:cNvPr id="31" name="Oval 30">
+              <a:extLst>
+                <a:ext uri="{FF2B5EF4-FFF2-40B4-BE49-F238E27FC236}">
+                  <a16:creationId xmlns:a16="http://schemas.microsoft.com/office/drawing/2014/main" id="{956539A0-B444-79E3-6E1D-F470E7436AE0}"/>
+                </a:ext>
+              </a:extLst>
+            </p:cNvPr>
+            <p:cNvSpPr>
+              <a:spLocks noChangeAspect="1"/>
+            </p:cNvSpPr>
+            <p:nvPr/>
+          </p:nvSpPr>
+          <p:spPr>
+            <a:xfrm>
+              <a:off x="4864609" y="2966222"/>
+              <a:ext cx="365760" cy="365760"/>
+            </a:xfrm>
+            <a:prstGeom prst="ellipse">
+              <a:avLst/>
+            </a:prstGeom>
+            <a:solidFill>
+              <a:schemeClr val="tx2">
+                <a:lumMod val="60000"/>
+                <a:lumOff val="40000"/>
+              </a:schemeClr>
+            </a:solidFill>
+            <a:ln>
+              <a:solidFill>
+                <a:schemeClr val="tx1"/>
+              </a:solidFill>
+            </a:ln>
+          </p:spPr>
+          <p:style>
+            <a:lnRef idx="2">
+              <a:schemeClr val="accent1">
+                <a:shade val="50000"/>
+              </a:schemeClr>
+            </a:lnRef>
+            <a:fillRef idx="1">
+              <a:schemeClr val="accent1"/>
+            </a:fillRef>
+            <a:effectRef idx="0">
+              <a:schemeClr val="accent1"/>
+            </a:effectRef>
+            <a:fontRef idx="minor">
+              <a:schemeClr val="lt1"/>
+            </a:fontRef>
+          </p:style>
+          <p:txBody>
+            <a:bodyPr rtlCol="0" anchor="ctr"/>
+            <a:lstStyle/>
+            <a:p>
+              <a:pPr algn="ctr"/>
+              <a:r>
+                <a:rPr lang="en-US" dirty="0">
+                  <a:solidFill>
+                    <a:schemeClr val="tx1"/>
+                  </a:solidFill>
+                  <a:latin typeface="Minion Pro" panose="02040503050201020203" pitchFamily="18" charset="0"/>
+                </a:rPr>
+                <a:t>2</a:t>
+              </a:r>
+            </a:p>
+          </p:txBody>
+        </p:sp>
+        <p:sp>
+          <p:nvSpPr>
+            <p:cNvPr id="34" name="Oval 33">
+              <a:extLst>
+                <a:ext uri="{FF2B5EF4-FFF2-40B4-BE49-F238E27FC236}">
+                  <a16:creationId xmlns:a16="http://schemas.microsoft.com/office/drawing/2014/main" id="{B20CEECE-C124-51E2-B4E7-E1B791FB1F17}"/>
+                </a:ext>
+              </a:extLst>
+            </p:cNvPr>
+            <p:cNvSpPr>
+              <a:spLocks noChangeAspect="1"/>
+            </p:cNvSpPr>
+            <p:nvPr/>
+          </p:nvSpPr>
+          <p:spPr>
+            <a:xfrm>
+              <a:off x="6942359" y="2954515"/>
+              <a:ext cx="365760" cy="365760"/>
+            </a:xfrm>
+            <a:prstGeom prst="ellipse">
+              <a:avLst/>
+            </a:prstGeom>
+            <a:solidFill>
+              <a:schemeClr val="tx2">
+                <a:lumMod val="60000"/>
+                <a:lumOff val="40000"/>
+              </a:schemeClr>
+            </a:solidFill>
+            <a:ln>
+              <a:solidFill>
+                <a:schemeClr val="tx1"/>
+              </a:solidFill>
+            </a:ln>
+          </p:spPr>
+          <p:style>
+            <a:lnRef idx="2">
+              <a:schemeClr val="accent1">
+                <a:shade val="50000"/>
+              </a:schemeClr>
+            </a:lnRef>
+            <a:fillRef idx="1">
+              <a:schemeClr val="accent1"/>
+            </a:fillRef>
+            <a:effectRef idx="0">
+              <a:schemeClr val="accent1"/>
+            </a:effectRef>
+            <a:fontRef idx="minor">
+              <a:schemeClr val="lt1"/>
+            </a:fontRef>
+          </p:style>
+          <p:txBody>
+            <a:bodyPr rtlCol="0" anchor="ctr"/>
+            <a:lstStyle/>
+            <a:p>
+              <a:pPr algn="ctr"/>
+              <a:r>
+                <a:rPr lang="en-US" dirty="0">
+                  <a:solidFill>
+                    <a:schemeClr val="tx1"/>
+                  </a:solidFill>
+                  <a:latin typeface="Minion Pro" panose="02040503050201020203" pitchFamily="18" charset="0"/>
+                </a:rPr>
+                <a:t>3</a:t>
+              </a:r>
+            </a:p>
+          </p:txBody>
+        </p:sp>
+        <p:sp>
+          <p:nvSpPr>
+            <p:cNvPr id="35" name="Oval 34">
+              <a:extLst>
+                <a:ext uri="{FF2B5EF4-FFF2-40B4-BE49-F238E27FC236}">
+                  <a16:creationId xmlns:a16="http://schemas.microsoft.com/office/drawing/2014/main" id="{531F9035-DC27-76D3-F6AA-FFFB624D5355}"/>
+                </a:ext>
+              </a:extLst>
+            </p:cNvPr>
+            <p:cNvSpPr>
+              <a:spLocks noChangeAspect="1"/>
+            </p:cNvSpPr>
+            <p:nvPr/>
+          </p:nvSpPr>
+          <p:spPr>
+            <a:xfrm>
+              <a:off x="9020109" y="2966222"/>
+              <a:ext cx="365760" cy="365760"/>
+            </a:xfrm>
+            <a:prstGeom prst="ellipse">
+              <a:avLst/>
+            </a:prstGeom>
+            <a:solidFill>
+              <a:schemeClr val="tx2">
+                <a:lumMod val="60000"/>
+                <a:lumOff val="40000"/>
+              </a:schemeClr>
+            </a:solidFill>
+            <a:ln>
+              <a:solidFill>
+                <a:schemeClr val="tx1"/>
+              </a:solidFill>
+            </a:ln>
+          </p:spPr>
+          <p:style>
+            <a:lnRef idx="2">
+              <a:schemeClr val="accent1">
+                <a:shade val="50000"/>
+              </a:schemeClr>
+            </a:lnRef>
+            <a:fillRef idx="1">
+              <a:schemeClr val="accent1"/>
+            </a:fillRef>
+            <a:effectRef idx="0">
+              <a:schemeClr val="accent1"/>
+            </a:effectRef>
+            <a:fontRef idx="minor">
+              <a:schemeClr val="lt1"/>
+            </a:fontRef>
+          </p:style>
+          <p:txBody>
+            <a:bodyPr rtlCol="0" anchor="ctr"/>
+            <a:lstStyle/>
+            <a:p>
+              <a:pPr algn="ctr"/>
+              <a:r>
+                <a:rPr lang="en-US" dirty="0">
+                  <a:solidFill>
+                    <a:schemeClr val="tx1"/>
+                  </a:solidFill>
+                  <a:latin typeface="Minion Pro" panose="02040503050201020203" pitchFamily="18" charset="0"/>
+                </a:rPr>
+                <a:t>4</a:t>
+              </a:r>
+            </a:p>
+          </p:txBody>
+        </p:sp>
+      </p:grpSp>
+    </p:spTree>
+    <p:extLst>
+      <p:ext uri="{BB962C8B-B14F-4D97-AF65-F5344CB8AC3E}">
+        <p14:creationId xmlns:p14="http://schemas.microsoft.com/office/powerpoint/2010/main" val="3508873389"/>
       </p:ext>
     </p:extLst>
   </p:cSld>

--- a/figs/sw_figs.pptx
+++ b/figs/sw_figs.pptx
@@ -8,6 +8,7 @@
     <p:sldId id="256" r:id="rId2"/>
     <p:sldId id="257" r:id="rId3"/>
     <p:sldId id="258" r:id="rId4"/>
+    <p:sldId id="259" r:id="rId5"/>
   </p:sldIdLst>
   <p:sldSz cx="12192000" cy="6858000"/>
   <p:notesSz cx="6858000" cy="9144000"/>
@@ -5126,6 +5127,288 @@
 </p:sld>
 </file>
 
+<file path=ppt/slides/slide4.xml><?xml version="1.0" encoding="utf-8"?>
+<p:sld xmlns:a="http://schemas.openxmlformats.org/drawingml/2006/main" xmlns:r="http://schemas.openxmlformats.org/officeDocument/2006/relationships" xmlns:p="http://schemas.openxmlformats.org/presentationml/2006/main">
+  <p:cSld>
+    <p:spTree>
+      <p:nvGrpSpPr>
+        <p:cNvPr id="1" name=""/>
+        <p:cNvGrpSpPr/>
+        <p:nvPr/>
+      </p:nvGrpSpPr>
+      <p:grpSpPr>
+        <a:xfrm>
+          <a:off x="0" y="0"/>
+          <a:ext cx="0" cy="0"/>
+          <a:chOff x="0" y="0"/>
+          <a:chExt cx="0" cy="0"/>
+        </a:xfrm>
+      </p:grpSpPr>
+      <p:pic>
+        <p:nvPicPr>
+          <p:cNvPr id="5" name="Graphic 4" descr="Sparkling Heart outline">
+            <a:extLst>
+              <a:ext uri="{FF2B5EF4-FFF2-40B4-BE49-F238E27FC236}">
+                <a16:creationId xmlns:a16="http://schemas.microsoft.com/office/drawing/2014/main" id="{76B92FCA-2C40-1971-607B-9D84889F7E16}"/>
+              </a:ext>
+            </a:extLst>
+          </p:cNvPr>
+          <p:cNvPicPr>
+            <a:picLocks noChangeAspect="1"/>
+          </p:cNvPicPr>
+          <p:nvPr/>
+        </p:nvPicPr>
+        <p:blipFill>
+          <a:blip r:embed="rId2">
+            <a:extLst>
+              <a:ext uri="{96DAC541-7B7A-43D3-8B79-37D633B846F1}">
+                <asvg:svgBlip xmlns:asvg="http://schemas.microsoft.com/office/drawing/2016/SVG/main" r:embed="rId3"/>
+              </a:ext>
+            </a:extLst>
+          </a:blip>
+          <a:stretch>
+            <a:fillRect/>
+          </a:stretch>
+        </p:blipFill>
+        <p:spPr>
+          <a:xfrm>
+            <a:off x="5638800" y="2971800"/>
+            <a:ext cx="914400" cy="914400"/>
+          </a:xfrm>
+          <a:prstGeom prst="rect">
+            <a:avLst/>
+          </a:prstGeom>
+        </p:spPr>
+      </p:pic>
+      <p:pic>
+        <p:nvPicPr>
+          <p:cNvPr id="7" name="Graphic 6" descr="Two Hearts outline">
+            <a:extLst>
+              <a:ext uri="{FF2B5EF4-FFF2-40B4-BE49-F238E27FC236}">
+                <a16:creationId xmlns:a16="http://schemas.microsoft.com/office/drawing/2014/main" id="{E692C123-9F6E-1B7F-07FD-FB77D75892FD}"/>
+              </a:ext>
+            </a:extLst>
+          </p:cNvPr>
+          <p:cNvPicPr>
+            <a:picLocks noChangeAspect="1"/>
+          </p:cNvPicPr>
+          <p:nvPr/>
+        </p:nvPicPr>
+        <p:blipFill>
+          <a:blip r:embed="rId4">
+            <a:extLst>
+              <a:ext uri="{96DAC541-7B7A-43D3-8B79-37D633B846F1}">
+                <asvg:svgBlip xmlns:asvg="http://schemas.microsoft.com/office/drawing/2016/SVG/main" r:embed="rId5"/>
+              </a:ext>
+            </a:extLst>
+          </a:blip>
+          <a:stretch>
+            <a:fillRect/>
+          </a:stretch>
+        </p:blipFill>
+        <p:spPr>
+          <a:xfrm>
+            <a:off x="8333232" y="2654808"/>
+            <a:ext cx="914400" cy="914400"/>
+          </a:xfrm>
+          <a:prstGeom prst="rect">
+            <a:avLst/>
+          </a:prstGeom>
+        </p:spPr>
+      </p:pic>
+      <p:pic>
+        <p:nvPicPr>
+          <p:cNvPr id="9" name="Graphic 8" descr="Polaroid Pictures outline">
+            <a:extLst>
+              <a:ext uri="{FF2B5EF4-FFF2-40B4-BE49-F238E27FC236}">
+                <a16:creationId xmlns:a16="http://schemas.microsoft.com/office/drawing/2014/main" id="{D351D186-A787-0C22-E17C-BF7EFE726EAB}"/>
+              </a:ext>
+            </a:extLst>
+          </p:cNvPr>
+          <p:cNvPicPr>
+            <a:picLocks noChangeAspect="1"/>
+          </p:cNvPicPr>
+          <p:nvPr/>
+        </p:nvPicPr>
+        <p:blipFill>
+          <a:blip r:embed="rId6">
+            <a:extLst>
+              <a:ext uri="{96DAC541-7B7A-43D3-8B79-37D633B846F1}">
+                <asvg:svgBlip xmlns:asvg="http://schemas.microsoft.com/office/drawing/2016/SVG/main" r:embed="rId7"/>
+              </a:ext>
+            </a:extLst>
+          </a:blip>
+          <a:stretch>
+            <a:fillRect/>
+          </a:stretch>
+        </p:blipFill>
+        <p:spPr>
+          <a:xfrm>
+            <a:off x="1517904" y="2005584"/>
+            <a:ext cx="914400" cy="914400"/>
+          </a:xfrm>
+          <a:prstGeom prst="rect">
+            <a:avLst/>
+          </a:prstGeom>
+        </p:spPr>
+      </p:pic>
+      <p:pic>
+        <p:nvPicPr>
+          <p:cNvPr id="11" name="Graphic 10" descr="Skate outline">
+            <a:extLst>
+              <a:ext uri="{FF2B5EF4-FFF2-40B4-BE49-F238E27FC236}">
+                <a16:creationId xmlns:a16="http://schemas.microsoft.com/office/drawing/2014/main" id="{35DBFB76-DEC3-5721-9CEE-1F74C3F50D79}"/>
+              </a:ext>
+            </a:extLst>
+          </p:cNvPr>
+          <p:cNvPicPr>
+            <a:picLocks noChangeAspect="1"/>
+          </p:cNvPicPr>
+          <p:nvPr/>
+        </p:nvPicPr>
+        <p:blipFill>
+          <a:blip r:embed="rId8">
+            <a:extLst>
+              <a:ext uri="{96DAC541-7B7A-43D3-8B79-37D633B846F1}">
+                <asvg:svgBlip xmlns:asvg="http://schemas.microsoft.com/office/drawing/2016/SVG/main" r:embed="rId9"/>
+              </a:ext>
+            </a:extLst>
+          </a:blip>
+          <a:stretch>
+            <a:fillRect/>
+          </a:stretch>
+        </p:blipFill>
+        <p:spPr>
+          <a:xfrm>
+            <a:off x="6992112" y="1618488"/>
+            <a:ext cx="914400" cy="914400"/>
+          </a:xfrm>
+          <a:prstGeom prst="rect">
+            <a:avLst/>
+          </a:prstGeom>
+        </p:spPr>
+      </p:pic>
+      <p:pic>
+        <p:nvPicPr>
+          <p:cNvPr id="15" name="Graphic 14" descr="Remote learning science outline">
+            <a:extLst>
+              <a:ext uri="{FF2B5EF4-FFF2-40B4-BE49-F238E27FC236}">
+                <a16:creationId xmlns:a16="http://schemas.microsoft.com/office/drawing/2014/main" id="{91576B52-B062-AD4F-9B43-9BBA9DAE8EFF}"/>
+              </a:ext>
+            </a:extLst>
+          </p:cNvPr>
+          <p:cNvPicPr>
+            <a:picLocks noChangeAspect="1"/>
+          </p:cNvPicPr>
+          <p:nvPr/>
+        </p:nvPicPr>
+        <p:blipFill>
+          <a:blip r:embed="rId10">
+            <a:extLst>
+              <a:ext uri="{96DAC541-7B7A-43D3-8B79-37D633B846F1}">
+                <asvg:svgBlip xmlns:asvg="http://schemas.microsoft.com/office/drawing/2016/SVG/main" r:embed="rId11"/>
+              </a:ext>
+            </a:extLst>
+          </a:blip>
+          <a:stretch>
+            <a:fillRect/>
+          </a:stretch>
+        </p:blipFill>
+        <p:spPr>
+          <a:xfrm>
+            <a:off x="7065264" y="3703320"/>
+            <a:ext cx="914400" cy="914400"/>
+          </a:xfrm>
+          <a:prstGeom prst="rect">
+            <a:avLst/>
+          </a:prstGeom>
+        </p:spPr>
+      </p:pic>
+      <p:pic>
+        <p:nvPicPr>
+          <p:cNvPr id="17" name="Graphic 16" descr="Travel outline">
+            <a:extLst>
+              <a:ext uri="{FF2B5EF4-FFF2-40B4-BE49-F238E27FC236}">
+                <a16:creationId xmlns:a16="http://schemas.microsoft.com/office/drawing/2014/main" id="{5C8A4B18-EAE1-B096-5E2C-B6441764D3B8}"/>
+              </a:ext>
+            </a:extLst>
+          </p:cNvPr>
+          <p:cNvPicPr>
+            <a:picLocks noChangeAspect="1"/>
+          </p:cNvPicPr>
+          <p:nvPr/>
+        </p:nvPicPr>
+        <p:blipFill>
+          <a:blip r:embed="rId12">
+            <a:extLst>
+              <a:ext uri="{96DAC541-7B7A-43D3-8B79-37D633B846F1}">
+                <asvg:svgBlip xmlns:asvg="http://schemas.microsoft.com/office/drawing/2016/SVG/main" r:embed="rId13"/>
+              </a:ext>
+            </a:extLst>
+          </a:blip>
+          <a:stretch>
+            <a:fillRect/>
+          </a:stretch>
+        </p:blipFill>
+        <p:spPr>
+          <a:xfrm>
+            <a:off x="9759696" y="1161288"/>
+            <a:ext cx="914400" cy="914400"/>
+          </a:xfrm>
+          <a:prstGeom prst="rect">
+            <a:avLst/>
+          </a:prstGeom>
+        </p:spPr>
+      </p:pic>
+      <p:pic>
+        <p:nvPicPr>
+          <p:cNvPr id="19" name="Graphic 18" descr="Noodles outline">
+            <a:extLst>
+              <a:ext uri="{FF2B5EF4-FFF2-40B4-BE49-F238E27FC236}">
+                <a16:creationId xmlns:a16="http://schemas.microsoft.com/office/drawing/2014/main" id="{93F9F665-EF6F-229B-1C18-7BF594ACE84E}"/>
+              </a:ext>
+            </a:extLst>
+          </p:cNvPr>
+          <p:cNvPicPr>
+            <a:picLocks noChangeAspect="1"/>
+          </p:cNvPicPr>
+          <p:nvPr/>
+        </p:nvPicPr>
+        <p:blipFill>
+          <a:blip r:embed="rId14">
+            <a:extLst>
+              <a:ext uri="{96DAC541-7B7A-43D3-8B79-37D633B846F1}">
+                <asvg:svgBlip xmlns:asvg="http://schemas.microsoft.com/office/drawing/2016/SVG/main" r:embed="rId15"/>
+              </a:ext>
+            </a:extLst>
+          </a:blip>
+          <a:stretch>
+            <a:fillRect/>
+          </a:stretch>
+        </p:blipFill>
+        <p:spPr>
+          <a:xfrm>
+            <a:off x="10344912" y="3112008"/>
+            <a:ext cx="914400" cy="914400"/>
+          </a:xfrm>
+          <a:prstGeom prst="rect">
+            <a:avLst/>
+          </a:prstGeom>
+        </p:spPr>
+      </p:pic>
+    </p:spTree>
+    <p:extLst>
+      <p:ext uri="{BB962C8B-B14F-4D97-AF65-F5344CB8AC3E}">
+        <p14:creationId xmlns:p14="http://schemas.microsoft.com/office/powerpoint/2010/main" val="3315200068"/>
+      </p:ext>
+    </p:extLst>
+  </p:cSld>
+  <p:clrMapOvr>
+    <a:masterClrMapping/>
+  </p:clrMapOvr>
+</p:sld>
+</file>
+
 <file path=ppt/theme/theme1.xml><?xml version="1.0" encoding="utf-8"?>
 <a:theme xmlns:a="http://schemas.openxmlformats.org/drawingml/2006/main" name="Office Theme">
   <a:themeElements>

--- a/figs/sw_figs.pptx
+++ b/figs/sw_figs.pptx
@@ -12,13 +12,14 @@
     <p:sldId id="260" r:id="rId6"/>
     <p:sldId id="263" r:id="rId7"/>
     <p:sldId id="262" r:id="rId8"/>
-    <p:sldId id="264" r:id="rId9"/>
-    <p:sldId id="265" r:id="rId10"/>
-    <p:sldId id="275" r:id="rId11"/>
-    <p:sldId id="276" r:id="rId12"/>
-    <p:sldId id="277" r:id="rId13"/>
-    <p:sldId id="278" r:id="rId14"/>
-    <p:sldId id="279" r:id="rId15"/>
+    <p:sldId id="280" r:id="rId9"/>
+    <p:sldId id="264" r:id="rId10"/>
+    <p:sldId id="265" r:id="rId11"/>
+    <p:sldId id="275" r:id="rId12"/>
+    <p:sldId id="276" r:id="rId13"/>
+    <p:sldId id="277" r:id="rId14"/>
+    <p:sldId id="278" r:id="rId15"/>
+    <p:sldId id="279" r:id="rId16"/>
   </p:sldIdLst>
   <p:sldSz cx="12192000" cy="6858000"/>
   <p:notesSz cx="6858000" cy="9144000"/>
@@ -272,7 +273,7 @@
           <a:p>
             <a:fld id="{218A4B5B-ABDA-F54A-ACC4-BDC1169AAC49}" type="datetimeFigureOut">
               <a:rPr lang="en-US" smtClean="0"/>
-              <a:t>7/23/22</a:t>
+              <a:t>7/29/22</a:t>
             </a:fld>
             <a:endParaRPr lang="en-US"/>
           </a:p>
@@ -470,7 +471,7 @@
           <a:p>
             <a:fld id="{218A4B5B-ABDA-F54A-ACC4-BDC1169AAC49}" type="datetimeFigureOut">
               <a:rPr lang="en-US" smtClean="0"/>
-              <a:t>7/23/22</a:t>
+              <a:t>7/29/22</a:t>
             </a:fld>
             <a:endParaRPr lang="en-US"/>
           </a:p>
@@ -678,7 +679,7 @@
           <a:p>
             <a:fld id="{218A4B5B-ABDA-F54A-ACC4-BDC1169AAC49}" type="datetimeFigureOut">
               <a:rPr lang="en-US" smtClean="0"/>
-              <a:t>7/23/22</a:t>
+              <a:t>7/29/22</a:t>
             </a:fld>
             <a:endParaRPr lang="en-US"/>
           </a:p>
@@ -876,7 +877,7 @@
           <a:p>
             <a:fld id="{218A4B5B-ABDA-F54A-ACC4-BDC1169AAC49}" type="datetimeFigureOut">
               <a:rPr lang="en-US" smtClean="0"/>
-              <a:t>7/23/22</a:t>
+              <a:t>7/29/22</a:t>
             </a:fld>
             <a:endParaRPr lang="en-US"/>
           </a:p>
@@ -1151,7 +1152,7 @@
           <a:p>
             <a:fld id="{218A4B5B-ABDA-F54A-ACC4-BDC1169AAC49}" type="datetimeFigureOut">
               <a:rPr lang="en-US" smtClean="0"/>
-              <a:t>7/23/22</a:t>
+              <a:t>7/29/22</a:t>
             </a:fld>
             <a:endParaRPr lang="en-US"/>
           </a:p>
@@ -1416,7 +1417,7 @@
           <a:p>
             <a:fld id="{218A4B5B-ABDA-F54A-ACC4-BDC1169AAC49}" type="datetimeFigureOut">
               <a:rPr lang="en-US" smtClean="0"/>
-              <a:t>7/23/22</a:t>
+              <a:t>7/29/22</a:t>
             </a:fld>
             <a:endParaRPr lang="en-US"/>
           </a:p>
@@ -1828,7 +1829,7 @@
           <a:p>
             <a:fld id="{218A4B5B-ABDA-F54A-ACC4-BDC1169AAC49}" type="datetimeFigureOut">
               <a:rPr lang="en-US" smtClean="0"/>
-              <a:t>7/23/22</a:t>
+              <a:t>7/29/22</a:t>
             </a:fld>
             <a:endParaRPr lang="en-US"/>
           </a:p>
@@ -1969,7 +1970,7 @@
           <a:p>
             <a:fld id="{218A4B5B-ABDA-F54A-ACC4-BDC1169AAC49}" type="datetimeFigureOut">
               <a:rPr lang="en-US" smtClean="0"/>
-              <a:t>7/23/22</a:t>
+              <a:t>7/29/22</a:t>
             </a:fld>
             <a:endParaRPr lang="en-US"/>
           </a:p>
@@ -2082,7 +2083,7 @@
           <a:p>
             <a:fld id="{218A4B5B-ABDA-F54A-ACC4-BDC1169AAC49}" type="datetimeFigureOut">
               <a:rPr lang="en-US" smtClean="0"/>
-              <a:t>7/23/22</a:t>
+              <a:t>7/29/22</a:t>
             </a:fld>
             <a:endParaRPr lang="en-US"/>
           </a:p>
@@ -2393,7 +2394,7 @@
           <a:p>
             <a:fld id="{218A4B5B-ABDA-F54A-ACC4-BDC1169AAC49}" type="datetimeFigureOut">
               <a:rPr lang="en-US" smtClean="0"/>
-              <a:t>7/23/22</a:t>
+              <a:t>7/29/22</a:t>
             </a:fld>
             <a:endParaRPr lang="en-US"/>
           </a:p>
@@ -2681,7 +2682,7 @@
           <a:p>
             <a:fld id="{218A4B5B-ABDA-F54A-ACC4-BDC1169AAC49}" type="datetimeFigureOut">
               <a:rPr lang="en-US" smtClean="0"/>
-              <a:t>7/23/22</a:t>
+              <a:t>7/29/22</a:t>
             </a:fld>
             <a:endParaRPr lang="en-US"/>
           </a:p>
@@ -2925,7 +2926,7 @@
           <a:p>
             <a:fld id="{218A4B5B-ABDA-F54A-ACC4-BDC1169AAC49}" type="datetimeFigureOut">
               <a:rPr lang="en-US" smtClean="0"/>
-              <a:t>7/23/22</a:t>
+              <a:t>7/29/22</a:t>
             </a:fld>
             <a:endParaRPr lang="en-US"/>
           </a:p>
@@ -3589,6 +3590,952 @@
       </p:grpSpPr>
       <p:grpSp>
         <p:nvGrpSpPr>
+          <p:cNvPr id="113" name="Group 112">
+            <a:extLst>
+              <a:ext uri="{FF2B5EF4-FFF2-40B4-BE49-F238E27FC236}">
+                <a16:creationId xmlns:a16="http://schemas.microsoft.com/office/drawing/2014/main" id="{99D55F3E-8572-AB68-8323-5268BA73B011}"/>
+              </a:ext>
+            </a:extLst>
+          </p:cNvPr>
+          <p:cNvGrpSpPr/>
+          <p:nvPr/>
+        </p:nvGrpSpPr>
+        <p:grpSpPr>
+          <a:xfrm>
+            <a:off x="219437" y="2279169"/>
+            <a:ext cx="9588297" cy="620794"/>
+            <a:chOff x="1101777" y="2001221"/>
+            <a:chExt cx="7798175" cy="308134"/>
+          </a:xfrm>
+          <a:solidFill>
+            <a:srgbClr val="ADD1CA"/>
+          </a:solidFill>
+        </p:grpSpPr>
+        <p:sp>
+          <p:nvSpPr>
+            <p:cNvPr id="114" name="Rounded Rectangle 113">
+              <a:extLst>
+                <a:ext uri="{FF2B5EF4-FFF2-40B4-BE49-F238E27FC236}">
+                  <a16:creationId xmlns:a16="http://schemas.microsoft.com/office/drawing/2014/main" id="{3513783E-B9FB-E4C8-8150-9739F1943EAB}"/>
+                </a:ext>
+              </a:extLst>
+            </p:cNvPr>
+            <p:cNvSpPr/>
+            <p:nvPr/>
+          </p:nvSpPr>
+          <p:spPr>
+            <a:xfrm>
+              <a:off x="1101777" y="2001221"/>
+              <a:ext cx="865147" cy="308134"/>
+            </a:xfrm>
+            <a:prstGeom prst="roundRect">
+              <a:avLst/>
+            </a:prstGeom>
+            <a:grpFill/>
+            <a:ln w="6350">
+              <a:solidFill>
+                <a:schemeClr val="tx1"/>
+              </a:solidFill>
+            </a:ln>
+          </p:spPr>
+          <p:style>
+            <a:lnRef idx="2">
+              <a:schemeClr val="accent1">
+                <a:shade val="50000"/>
+              </a:schemeClr>
+            </a:lnRef>
+            <a:fillRef idx="1">
+              <a:schemeClr val="accent1"/>
+            </a:fillRef>
+            <a:effectRef idx="0">
+              <a:schemeClr val="accent1"/>
+            </a:effectRef>
+            <a:fontRef idx="minor">
+              <a:schemeClr val="lt1"/>
+            </a:fontRef>
+          </p:style>
+          <p:txBody>
+            <a:bodyPr rtlCol="0" anchor="ctr"/>
+            <a:lstStyle/>
+            <a:p>
+              <a:pPr algn="ctr"/>
+              <a:endParaRPr lang="en-US"/>
+            </a:p>
+          </p:txBody>
+        </p:sp>
+        <p:sp>
+          <p:nvSpPr>
+            <p:cNvPr id="115" name="Rounded Rectangle 114">
+              <a:extLst>
+                <a:ext uri="{FF2B5EF4-FFF2-40B4-BE49-F238E27FC236}">
+                  <a16:creationId xmlns:a16="http://schemas.microsoft.com/office/drawing/2014/main" id="{78A7C81F-468B-61CA-8EC0-2A59048C47FF}"/>
+                </a:ext>
+              </a:extLst>
+            </p:cNvPr>
+            <p:cNvSpPr/>
+            <p:nvPr/>
+          </p:nvSpPr>
+          <p:spPr>
+            <a:xfrm>
+              <a:off x="1970874" y="2001221"/>
+              <a:ext cx="865147" cy="308134"/>
+            </a:xfrm>
+            <a:prstGeom prst="roundRect">
+              <a:avLst/>
+            </a:prstGeom>
+            <a:grpFill/>
+            <a:ln w="6350">
+              <a:solidFill>
+                <a:schemeClr val="tx1"/>
+              </a:solidFill>
+            </a:ln>
+          </p:spPr>
+          <p:style>
+            <a:lnRef idx="2">
+              <a:schemeClr val="accent1">
+                <a:shade val="50000"/>
+              </a:schemeClr>
+            </a:lnRef>
+            <a:fillRef idx="1">
+              <a:schemeClr val="accent1"/>
+            </a:fillRef>
+            <a:effectRef idx="0">
+              <a:schemeClr val="accent1"/>
+            </a:effectRef>
+            <a:fontRef idx="minor">
+              <a:schemeClr val="lt1"/>
+            </a:fontRef>
+          </p:style>
+          <p:txBody>
+            <a:bodyPr rtlCol="0" anchor="ctr"/>
+            <a:lstStyle/>
+            <a:p>
+              <a:pPr algn="ctr"/>
+              <a:endParaRPr lang="en-US"/>
+            </a:p>
+          </p:txBody>
+        </p:sp>
+        <p:sp>
+          <p:nvSpPr>
+            <p:cNvPr id="116" name="Rounded Rectangle 115">
+              <a:extLst>
+                <a:ext uri="{FF2B5EF4-FFF2-40B4-BE49-F238E27FC236}">
+                  <a16:creationId xmlns:a16="http://schemas.microsoft.com/office/drawing/2014/main" id="{831B8209-93D5-6080-3FE8-9816BE50B79D}"/>
+                </a:ext>
+              </a:extLst>
+            </p:cNvPr>
+            <p:cNvSpPr/>
+            <p:nvPr/>
+          </p:nvSpPr>
+          <p:spPr>
+            <a:xfrm>
+              <a:off x="2837996" y="2001221"/>
+              <a:ext cx="865147" cy="308134"/>
+            </a:xfrm>
+            <a:prstGeom prst="roundRect">
+              <a:avLst/>
+            </a:prstGeom>
+            <a:grpFill/>
+            <a:ln w="6350">
+              <a:solidFill>
+                <a:schemeClr val="tx1"/>
+              </a:solidFill>
+            </a:ln>
+          </p:spPr>
+          <p:style>
+            <a:lnRef idx="2">
+              <a:schemeClr val="accent1">
+                <a:shade val="50000"/>
+              </a:schemeClr>
+            </a:lnRef>
+            <a:fillRef idx="1">
+              <a:schemeClr val="accent1"/>
+            </a:fillRef>
+            <a:effectRef idx="0">
+              <a:schemeClr val="accent1"/>
+            </a:effectRef>
+            <a:fontRef idx="minor">
+              <a:schemeClr val="lt1"/>
+            </a:fontRef>
+          </p:style>
+          <p:txBody>
+            <a:bodyPr rtlCol="0" anchor="ctr"/>
+            <a:lstStyle/>
+            <a:p>
+              <a:pPr algn="ctr"/>
+              <a:endParaRPr lang="en-US"/>
+            </a:p>
+          </p:txBody>
+        </p:sp>
+        <p:sp>
+          <p:nvSpPr>
+            <p:cNvPr id="117" name="Rounded Rectangle 116">
+              <a:extLst>
+                <a:ext uri="{FF2B5EF4-FFF2-40B4-BE49-F238E27FC236}">
+                  <a16:creationId xmlns:a16="http://schemas.microsoft.com/office/drawing/2014/main" id="{DD516D31-2FC7-434F-0009-4FF11EC77664}"/>
+                </a:ext>
+              </a:extLst>
+            </p:cNvPr>
+            <p:cNvSpPr/>
+            <p:nvPr/>
+          </p:nvSpPr>
+          <p:spPr>
+            <a:xfrm>
+              <a:off x="3703144" y="2001221"/>
+              <a:ext cx="865147" cy="308134"/>
+            </a:xfrm>
+            <a:prstGeom prst="roundRect">
+              <a:avLst/>
+            </a:prstGeom>
+            <a:grpFill/>
+            <a:ln w="6350">
+              <a:solidFill>
+                <a:schemeClr val="tx1"/>
+              </a:solidFill>
+            </a:ln>
+          </p:spPr>
+          <p:style>
+            <a:lnRef idx="2">
+              <a:schemeClr val="accent1">
+                <a:shade val="50000"/>
+              </a:schemeClr>
+            </a:lnRef>
+            <a:fillRef idx="1">
+              <a:schemeClr val="accent1"/>
+            </a:fillRef>
+            <a:effectRef idx="0">
+              <a:schemeClr val="accent1"/>
+            </a:effectRef>
+            <a:fontRef idx="minor">
+              <a:schemeClr val="lt1"/>
+            </a:fontRef>
+          </p:style>
+          <p:txBody>
+            <a:bodyPr rtlCol="0" anchor="ctr"/>
+            <a:lstStyle/>
+            <a:p>
+              <a:pPr algn="ctr"/>
+              <a:endParaRPr lang="en-US"/>
+            </a:p>
+          </p:txBody>
+        </p:sp>
+        <p:sp>
+          <p:nvSpPr>
+            <p:cNvPr id="118" name="Rounded Rectangle 117">
+              <a:extLst>
+                <a:ext uri="{FF2B5EF4-FFF2-40B4-BE49-F238E27FC236}">
+                  <a16:creationId xmlns:a16="http://schemas.microsoft.com/office/drawing/2014/main" id="{4FAA11B5-80ED-AEB2-FBDB-1FAE110CC0BA}"/>
+                </a:ext>
+              </a:extLst>
+            </p:cNvPr>
+            <p:cNvSpPr/>
+            <p:nvPr/>
+          </p:nvSpPr>
+          <p:spPr>
+            <a:xfrm>
+              <a:off x="4568291" y="2001221"/>
+              <a:ext cx="865147" cy="308134"/>
+            </a:xfrm>
+            <a:prstGeom prst="roundRect">
+              <a:avLst/>
+            </a:prstGeom>
+            <a:grpFill/>
+            <a:ln w="6350">
+              <a:solidFill>
+                <a:schemeClr val="tx1"/>
+              </a:solidFill>
+            </a:ln>
+          </p:spPr>
+          <p:style>
+            <a:lnRef idx="2">
+              <a:schemeClr val="accent1">
+                <a:shade val="50000"/>
+              </a:schemeClr>
+            </a:lnRef>
+            <a:fillRef idx="1">
+              <a:schemeClr val="accent1"/>
+            </a:fillRef>
+            <a:effectRef idx="0">
+              <a:schemeClr val="accent1"/>
+            </a:effectRef>
+            <a:fontRef idx="minor">
+              <a:schemeClr val="lt1"/>
+            </a:fontRef>
+          </p:style>
+          <p:txBody>
+            <a:bodyPr rtlCol="0" anchor="ctr"/>
+            <a:lstStyle/>
+            <a:p>
+              <a:pPr algn="ctr"/>
+              <a:endParaRPr lang="en-US"/>
+            </a:p>
+          </p:txBody>
+        </p:sp>
+        <p:sp>
+          <p:nvSpPr>
+            <p:cNvPr id="119" name="Rounded Rectangle 118">
+              <a:extLst>
+                <a:ext uri="{FF2B5EF4-FFF2-40B4-BE49-F238E27FC236}">
+                  <a16:creationId xmlns:a16="http://schemas.microsoft.com/office/drawing/2014/main" id="{8BA8E238-F8CF-E8A9-A9B4-5CEA39D80126}"/>
+                </a:ext>
+              </a:extLst>
+            </p:cNvPr>
+            <p:cNvSpPr/>
+            <p:nvPr/>
+          </p:nvSpPr>
+          <p:spPr>
+            <a:xfrm>
+              <a:off x="5433438" y="2001221"/>
+              <a:ext cx="865147" cy="308134"/>
+            </a:xfrm>
+            <a:prstGeom prst="roundRect">
+              <a:avLst/>
+            </a:prstGeom>
+            <a:grpFill/>
+            <a:ln w="6350">
+              <a:solidFill>
+                <a:schemeClr val="tx1"/>
+              </a:solidFill>
+            </a:ln>
+          </p:spPr>
+          <p:style>
+            <a:lnRef idx="2">
+              <a:schemeClr val="accent1">
+                <a:shade val="50000"/>
+              </a:schemeClr>
+            </a:lnRef>
+            <a:fillRef idx="1">
+              <a:schemeClr val="accent1"/>
+            </a:fillRef>
+            <a:effectRef idx="0">
+              <a:schemeClr val="accent1"/>
+            </a:effectRef>
+            <a:fontRef idx="minor">
+              <a:schemeClr val="lt1"/>
+            </a:fontRef>
+          </p:style>
+          <p:txBody>
+            <a:bodyPr rtlCol="0" anchor="ctr"/>
+            <a:lstStyle/>
+            <a:p>
+              <a:pPr algn="ctr"/>
+              <a:endParaRPr lang="en-US"/>
+            </a:p>
+          </p:txBody>
+        </p:sp>
+        <p:sp>
+          <p:nvSpPr>
+            <p:cNvPr id="120" name="Rounded Rectangle 119">
+              <a:extLst>
+                <a:ext uri="{FF2B5EF4-FFF2-40B4-BE49-F238E27FC236}">
+                  <a16:creationId xmlns:a16="http://schemas.microsoft.com/office/drawing/2014/main" id="{E1E84E7B-C836-4F1E-E679-129C6811722F}"/>
+                </a:ext>
+              </a:extLst>
+            </p:cNvPr>
+            <p:cNvSpPr/>
+            <p:nvPr/>
+          </p:nvSpPr>
+          <p:spPr>
+            <a:xfrm>
+              <a:off x="6302535" y="2001221"/>
+              <a:ext cx="865147" cy="308134"/>
+            </a:xfrm>
+            <a:prstGeom prst="roundRect">
+              <a:avLst/>
+            </a:prstGeom>
+            <a:grpFill/>
+            <a:ln w="6350">
+              <a:solidFill>
+                <a:schemeClr val="tx1"/>
+              </a:solidFill>
+            </a:ln>
+          </p:spPr>
+          <p:style>
+            <a:lnRef idx="2">
+              <a:schemeClr val="accent1">
+                <a:shade val="50000"/>
+              </a:schemeClr>
+            </a:lnRef>
+            <a:fillRef idx="1">
+              <a:schemeClr val="accent1"/>
+            </a:fillRef>
+            <a:effectRef idx="0">
+              <a:schemeClr val="accent1"/>
+            </a:effectRef>
+            <a:fontRef idx="minor">
+              <a:schemeClr val="lt1"/>
+            </a:fontRef>
+          </p:style>
+          <p:txBody>
+            <a:bodyPr rtlCol="0" anchor="ctr"/>
+            <a:lstStyle/>
+            <a:p>
+              <a:pPr algn="ctr"/>
+              <a:endParaRPr lang="en-US"/>
+            </a:p>
+          </p:txBody>
+        </p:sp>
+        <p:sp>
+          <p:nvSpPr>
+            <p:cNvPr id="121" name="Rounded Rectangle 120">
+              <a:extLst>
+                <a:ext uri="{FF2B5EF4-FFF2-40B4-BE49-F238E27FC236}">
+                  <a16:creationId xmlns:a16="http://schemas.microsoft.com/office/drawing/2014/main" id="{3B960DA6-A53F-1A4C-6D94-1E65E8F961FF}"/>
+                </a:ext>
+              </a:extLst>
+            </p:cNvPr>
+            <p:cNvSpPr/>
+            <p:nvPr/>
+          </p:nvSpPr>
+          <p:spPr>
+            <a:xfrm>
+              <a:off x="7169657" y="2001221"/>
+              <a:ext cx="865147" cy="308134"/>
+            </a:xfrm>
+            <a:prstGeom prst="roundRect">
+              <a:avLst/>
+            </a:prstGeom>
+            <a:grpFill/>
+            <a:ln w="6350">
+              <a:solidFill>
+                <a:schemeClr val="tx1"/>
+              </a:solidFill>
+            </a:ln>
+          </p:spPr>
+          <p:style>
+            <a:lnRef idx="2">
+              <a:schemeClr val="accent1">
+                <a:shade val="50000"/>
+              </a:schemeClr>
+            </a:lnRef>
+            <a:fillRef idx="1">
+              <a:schemeClr val="accent1"/>
+            </a:fillRef>
+            <a:effectRef idx="0">
+              <a:schemeClr val="accent1"/>
+            </a:effectRef>
+            <a:fontRef idx="minor">
+              <a:schemeClr val="lt1"/>
+            </a:fontRef>
+          </p:style>
+          <p:txBody>
+            <a:bodyPr rtlCol="0" anchor="ctr"/>
+            <a:lstStyle/>
+            <a:p>
+              <a:pPr algn="ctr"/>
+              <a:endParaRPr lang="en-US"/>
+            </a:p>
+          </p:txBody>
+        </p:sp>
+        <p:sp>
+          <p:nvSpPr>
+            <p:cNvPr id="122" name="Rounded Rectangle 121">
+              <a:extLst>
+                <a:ext uri="{FF2B5EF4-FFF2-40B4-BE49-F238E27FC236}">
+                  <a16:creationId xmlns:a16="http://schemas.microsoft.com/office/drawing/2014/main" id="{7AAB7C0B-2F8B-ABC5-9915-022E420408E3}"/>
+                </a:ext>
+              </a:extLst>
+            </p:cNvPr>
+            <p:cNvSpPr/>
+            <p:nvPr/>
+          </p:nvSpPr>
+          <p:spPr>
+            <a:xfrm>
+              <a:off x="8034805" y="2001221"/>
+              <a:ext cx="865147" cy="308134"/>
+            </a:xfrm>
+            <a:prstGeom prst="roundRect">
+              <a:avLst/>
+            </a:prstGeom>
+            <a:grpFill/>
+            <a:ln w="6350">
+              <a:solidFill>
+                <a:schemeClr val="tx1"/>
+              </a:solidFill>
+            </a:ln>
+          </p:spPr>
+          <p:style>
+            <a:lnRef idx="2">
+              <a:schemeClr val="accent1">
+                <a:shade val="50000"/>
+              </a:schemeClr>
+            </a:lnRef>
+            <a:fillRef idx="1">
+              <a:schemeClr val="accent1"/>
+            </a:fillRef>
+            <a:effectRef idx="0">
+              <a:schemeClr val="accent1"/>
+            </a:effectRef>
+            <a:fontRef idx="minor">
+              <a:schemeClr val="lt1"/>
+            </a:fontRef>
+          </p:style>
+          <p:txBody>
+            <a:bodyPr rtlCol="0" anchor="ctr"/>
+            <a:lstStyle/>
+            <a:p>
+              <a:pPr algn="ctr"/>
+              <a:endParaRPr lang="en-US"/>
+            </a:p>
+          </p:txBody>
+        </p:sp>
+      </p:grpSp>
+      <p:sp>
+        <p:nvSpPr>
+          <p:cNvPr id="123" name="Rounded Rectangle 122">
+            <a:extLst>
+              <a:ext uri="{FF2B5EF4-FFF2-40B4-BE49-F238E27FC236}">
+                <a16:creationId xmlns:a16="http://schemas.microsoft.com/office/drawing/2014/main" id="{9EBA9F0B-0A9F-9B07-EA97-7E45A46D25C8}"/>
+              </a:ext>
+            </a:extLst>
+          </p:cNvPr>
+          <p:cNvSpPr/>
+          <p:nvPr/>
+        </p:nvSpPr>
+        <p:spPr>
+          <a:xfrm>
+            <a:off x="9807734" y="2279169"/>
+            <a:ext cx="1063747" cy="620794"/>
+          </a:xfrm>
+          <a:prstGeom prst="roundRect">
+            <a:avLst/>
+          </a:prstGeom>
+          <a:solidFill>
+            <a:srgbClr val="E1DDE8"/>
+          </a:solidFill>
+          <a:ln w="6350">
+            <a:solidFill>
+              <a:schemeClr val="tx1"/>
+            </a:solidFill>
+          </a:ln>
+        </p:spPr>
+        <p:style>
+          <a:lnRef idx="2">
+            <a:schemeClr val="accent1">
+              <a:shade val="50000"/>
+            </a:schemeClr>
+          </a:lnRef>
+          <a:fillRef idx="1">
+            <a:schemeClr val="accent1"/>
+          </a:fillRef>
+          <a:effectRef idx="0">
+            <a:schemeClr val="accent1"/>
+          </a:effectRef>
+          <a:fontRef idx="minor">
+            <a:schemeClr val="lt1"/>
+          </a:fontRef>
+        </p:style>
+        <p:txBody>
+          <a:bodyPr rtlCol="0" anchor="ctr"/>
+          <a:lstStyle/>
+          <a:p>
+            <a:pPr algn="ctr"/>
+            <a:endParaRPr lang="en-US"/>
+          </a:p>
+        </p:txBody>
+      </p:sp>
+      <p:sp>
+        <p:nvSpPr>
+          <p:cNvPr id="124" name="Rounded Rectangle 123">
+            <a:extLst>
+              <a:ext uri="{FF2B5EF4-FFF2-40B4-BE49-F238E27FC236}">
+                <a16:creationId xmlns:a16="http://schemas.microsoft.com/office/drawing/2014/main" id="{03B3F1F5-8BF5-1CC9-8F6D-CB88E0341279}"/>
+              </a:ext>
+            </a:extLst>
+          </p:cNvPr>
+          <p:cNvSpPr/>
+          <p:nvPr/>
+        </p:nvSpPr>
+        <p:spPr>
+          <a:xfrm>
+            <a:off x="219437" y="685800"/>
+            <a:ext cx="10652044" cy="620794"/>
+          </a:xfrm>
+          <a:prstGeom prst="roundRect">
+            <a:avLst/>
+          </a:prstGeom>
+          <a:solidFill>
+            <a:schemeClr val="bg1">
+              <a:lumMod val="85000"/>
+            </a:schemeClr>
+          </a:solidFill>
+          <a:ln w="6350">
+            <a:solidFill>
+              <a:schemeClr val="tx1"/>
+            </a:solidFill>
+          </a:ln>
+        </p:spPr>
+        <p:style>
+          <a:lnRef idx="2">
+            <a:schemeClr val="accent1">
+              <a:shade val="50000"/>
+            </a:schemeClr>
+          </a:lnRef>
+          <a:fillRef idx="1">
+            <a:schemeClr val="accent1"/>
+          </a:fillRef>
+          <a:effectRef idx="0">
+            <a:schemeClr val="accent1"/>
+          </a:effectRef>
+          <a:fontRef idx="minor">
+            <a:schemeClr val="lt1"/>
+          </a:fontRef>
+        </p:style>
+        <p:txBody>
+          <a:bodyPr rtlCol="0" anchor="ctr"/>
+          <a:lstStyle/>
+          <a:p>
+            <a:pPr algn="ctr"/>
+            <a:endParaRPr lang="en-US"/>
+          </a:p>
+        </p:txBody>
+      </p:sp>
+      <p:cxnSp>
+        <p:nvCxnSpPr>
+          <p:cNvPr id="125" name="Straight Arrow Connector 124">
+            <a:extLst>
+              <a:ext uri="{FF2B5EF4-FFF2-40B4-BE49-F238E27FC236}">
+                <a16:creationId xmlns:a16="http://schemas.microsoft.com/office/drawing/2014/main" id="{5AD1B447-E46B-9691-AAAB-D4AC4FED3381}"/>
+              </a:ext>
+            </a:extLst>
+          </p:cNvPr>
+          <p:cNvCxnSpPr>
+            <a:cxnSpLocks/>
+          </p:cNvCxnSpPr>
+          <p:nvPr/>
+        </p:nvCxnSpPr>
+        <p:spPr>
+          <a:xfrm>
+            <a:off x="5545459" y="1518184"/>
+            <a:ext cx="0" cy="527641"/>
+          </a:xfrm>
+          <a:prstGeom prst="straightConnector1">
+            <a:avLst/>
+          </a:prstGeom>
+          <a:ln w="76200">
+            <a:solidFill>
+              <a:schemeClr val="tx1"/>
+            </a:solidFill>
+            <a:tailEnd type="triangle"/>
+          </a:ln>
+        </p:spPr>
+        <p:style>
+          <a:lnRef idx="1">
+            <a:schemeClr val="accent1"/>
+          </a:lnRef>
+          <a:fillRef idx="0">
+            <a:schemeClr val="accent1"/>
+          </a:fillRef>
+          <a:effectRef idx="0">
+            <a:schemeClr val="accent1"/>
+          </a:effectRef>
+          <a:fontRef idx="minor">
+            <a:schemeClr val="tx1"/>
+          </a:fontRef>
+        </p:style>
+      </p:cxnSp>
+      <p:sp>
+        <p:nvSpPr>
+          <p:cNvPr id="126" name="Left Brace 125">
+            <a:extLst>
+              <a:ext uri="{FF2B5EF4-FFF2-40B4-BE49-F238E27FC236}">
+                <a16:creationId xmlns:a16="http://schemas.microsoft.com/office/drawing/2014/main" id="{885289F5-58A6-1113-6798-39D098732E69}"/>
+              </a:ext>
+            </a:extLst>
+          </p:cNvPr>
+          <p:cNvSpPr/>
+          <p:nvPr/>
+        </p:nvSpPr>
+        <p:spPr>
+          <a:xfrm rot="16200000">
+            <a:off x="10274898" y="2674157"/>
+            <a:ext cx="142091" cy="929114"/>
+          </a:xfrm>
+          <a:prstGeom prst="leftBrace">
+            <a:avLst/>
+          </a:prstGeom>
+          <a:ln>
+            <a:solidFill>
+              <a:schemeClr val="tx1"/>
+            </a:solidFill>
+          </a:ln>
+        </p:spPr>
+        <p:style>
+          <a:lnRef idx="1">
+            <a:schemeClr val="accent1"/>
+          </a:lnRef>
+          <a:fillRef idx="0">
+            <a:schemeClr val="accent1"/>
+          </a:fillRef>
+          <a:effectRef idx="0">
+            <a:schemeClr val="accent1"/>
+          </a:effectRef>
+          <a:fontRef idx="minor">
+            <a:schemeClr val="tx1"/>
+          </a:fontRef>
+        </p:style>
+        <p:txBody>
+          <a:bodyPr rtlCol="0" anchor="ctr"/>
+          <a:lstStyle/>
+          <a:p>
+            <a:pPr algn="ctr"/>
+            <a:endParaRPr lang="en-US"/>
+          </a:p>
+        </p:txBody>
+      </p:sp>
+      <p:sp>
+        <p:nvSpPr>
+          <p:cNvPr id="127" name="TextBox 126">
+            <a:extLst>
+              <a:ext uri="{FF2B5EF4-FFF2-40B4-BE49-F238E27FC236}">
+                <a16:creationId xmlns:a16="http://schemas.microsoft.com/office/drawing/2014/main" id="{9EADBCB6-2DA9-9697-5FBF-6949509032B2}"/>
+              </a:ext>
+            </a:extLst>
+          </p:cNvPr>
+          <p:cNvSpPr txBox="1"/>
+          <p:nvPr/>
+        </p:nvSpPr>
+        <p:spPr>
+          <a:xfrm>
+            <a:off x="9678933" y="3280037"/>
+            <a:ext cx="1321350" cy="461665"/>
+          </a:xfrm>
+          <a:prstGeom prst="rect">
+            <a:avLst/>
+          </a:prstGeom>
+          <a:noFill/>
+          <a:ln>
+            <a:noFill/>
+          </a:ln>
+        </p:spPr>
+        <p:txBody>
+          <a:bodyPr wrap="square" rtlCol="0">
+            <a:spAutoFit/>
+          </a:bodyPr>
+          <a:lstStyle/>
+          <a:p>
+            <a:pPr algn="ctr"/>
+            <a:r>
+              <a:rPr lang="en-US" sz="2400" dirty="0">
+                <a:latin typeface="Minion Pro" panose="02040503050201020203" pitchFamily="18" charset="0"/>
+              </a:rPr>
+              <a:t>Test</a:t>
+            </a:r>
+          </a:p>
+        </p:txBody>
+      </p:sp>
+      <p:sp>
+        <p:nvSpPr>
+          <p:cNvPr id="128" name="Left Brace 127">
+            <a:extLst>
+              <a:ext uri="{FF2B5EF4-FFF2-40B4-BE49-F238E27FC236}">
+                <a16:creationId xmlns:a16="http://schemas.microsoft.com/office/drawing/2014/main" id="{D26267AD-016C-0E52-055E-E80DFD1FCCB5}"/>
+              </a:ext>
+            </a:extLst>
+          </p:cNvPr>
+          <p:cNvSpPr/>
+          <p:nvPr/>
+        </p:nvSpPr>
+        <p:spPr>
+          <a:xfrm rot="16200000">
+            <a:off x="4961765" y="-1573224"/>
+            <a:ext cx="142091" cy="9423876"/>
+          </a:xfrm>
+          <a:prstGeom prst="leftBrace">
+            <a:avLst/>
+          </a:prstGeom>
+          <a:ln>
+            <a:solidFill>
+              <a:schemeClr val="tx1"/>
+            </a:solidFill>
+          </a:ln>
+        </p:spPr>
+        <p:style>
+          <a:lnRef idx="1">
+            <a:schemeClr val="accent1"/>
+          </a:lnRef>
+          <a:fillRef idx="0">
+            <a:schemeClr val="accent1"/>
+          </a:fillRef>
+          <a:effectRef idx="0">
+            <a:schemeClr val="accent1"/>
+          </a:effectRef>
+          <a:fontRef idx="minor">
+            <a:schemeClr val="tx1"/>
+          </a:fontRef>
+        </p:style>
+        <p:txBody>
+          <a:bodyPr rtlCol="0" anchor="ctr"/>
+          <a:lstStyle/>
+          <a:p>
+            <a:pPr algn="ctr"/>
+            <a:endParaRPr lang="en-US"/>
+          </a:p>
+        </p:txBody>
+      </p:sp>
+      <p:sp>
+        <p:nvSpPr>
+          <p:cNvPr id="129" name="TextBox 128">
+            <a:extLst>
+              <a:ext uri="{FF2B5EF4-FFF2-40B4-BE49-F238E27FC236}">
+                <a16:creationId xmlns:a16="http://schemas.microsoft.com/office/drawing/2014/main" id="{38533330-D053-54FE-0692-449895BA8ADC}"/>
+              </a:ext>
+            </a:extLst>
+          </p:cNvPr>
+          <p:cNvSpPr txBox="1"/>
+          <p:nvPr/>
+        </p:nvSpPr>
+        <p:spPr>
+          <a:xfrm>
+            <a:off x="3969063" y="3280037"/>
+            <a:ext cx="2127494" cy="461665"/>
+          </a:xfrm>
+          <a:prstGeom prst="rect">
+            <a:avLst/>
+          </a:prstGeom>
+          <a:noFill/>
+          <a:ln>
+            <a:noFill/>
+          </a:ln>
+        </p:spPr>
+        <p:txBody>
+          <a:bodyPr wrap="square" rtlCol="0">
+            <a:spAutoFit/>
+          </a:bodyPr>
+          <a:lstStyle/>
+          <a:p>
+            <a:pPr algn="ctr"/>
+            <a:r>
+              <a:rPr lang="en-US" sz="2400" dirty="0">
+                <a:latin typeface="Minion Pro" panose="02040503050201020203" pitchFamily="18" charset="0"/>
+              </a:rPr>
+              <a:t>Not Test</a:t>
+            </a:r>
+          </a:p>
+        </p:txBody>
+      </p:sp>
+      <p:sp>
+        <p:nvSpPr>
+          <p:cNvPr id="130" name="Left Brace 129">
+            <a:extLst>
+              <a:ext uri="{FF2B5EF4-FFF2-40B4-BE49-F238E27FC236}">
+                <a16:creationId xmlns:a16="http://schemas.microsoft.com/office/drawing/2014/main" id="{06CC160C-CEAA-8519-792A-86B369BFE44E}"/>
+              </a:ext>
+            </a:extLst>
+          </p:cNvPr>
+          <p:cNvSpPr/>
+          <p:nvPr/>
+        </p:nvSpPr>
+        <p:spPr>
+          <a:xfrm rot="10800000">
+            <a:off x="11076801" y="2006781"/>
+            <a:ext cx="142091" cy="1188720"/>
+          </a:xfrm>
+          <a:prstGeom prst="leftBrace">
+            <a:avLst/>
+          </a:prstGeom>
+          <a:ln>
+            <a:solidFill>
+              <a:schemeClr val="tx1"/>
+            </a:solidFill>
+          </a:ln>
+        </p:spPr>
+        <p:style>
+          <a:lnRef idx="1">
+            <a:schemeClr val="accent1"/>
+          </a:lnRef>
+          <a:fillRef idx="0">
+            <a:schemeClr val="accent1"/>
+          </a:fillRef>
+          <a:effectRef idx="0">
+            <a:schemeClr val="accent1"/>
+          </a:effectRef>
+          <a:fontRef idx="minor">
+            <a:schemeClr val="tx1"/>
+          </a:fontRef>
+        </p:style>
+        <p:txBody>
+          <a:bodyPr rtlCol="0" anchor="ctr"/>
+          <a:lstStyle/>
+          <a:p>
+            <a:pPr algn="ctr"/>
+            <a:endParaRPr lang="en-US"/>
+          </a:p>
+        </p:txBody>
+      </p:sp>
+      <p:sp>
+        <p:nvSpPr>
+          <p:cNvPr id="131" name="TextBox 130">
+            <a:extLst>
+              <a:ext uri="{FF2B5EF4-FFF2-40B4-BE49-F238E27FC236}">
+                <a16:creationId xmlns:a16="http://schemas.microsoft.com/office/drawing/2014/main" id="{1975DB8F-A4F1-538A-7D3E-A961508C3887}"/>
+              </a:ext>
+            </a:extLst>
+          </p:cNvPr>
+          <p:cNvSpPr txBox="1"/>
+          <p:nvPr/>
+        </p:nvSpPr>
+        <p:spPr>
+          <a:xfrm>
+            <a:off x="11242835" y="2174066"/>
+            <a:ext cx="960698" cy="830997"/>
+          </a:xfrm>
+          <a:prstGeom prst="rect">
+            <a:avLst/>
+          </a:prstGeom>
+          <a:noFill/>
+          <a:ln>
+            <a:noFill/>
+          </a:ln>
+        </p:spPr>
+        <p:txBody>
+          <a:bodyPr wrap="square" rtlCol="0">
+            <a:spAutoFit/>
+          </a:bodyPr>
+          <a:lstStyle/>
+          <a:p>
+            <a:pPr algn="ctr"/>
+            <a:r>
+              <a:rPr lang="en-US" sz="2400" dirty="0">
+                <a:latin typeface="Minion Pro" panose="02040503050201020203" pitchFamily="18" charset="0"/>
+              </a:rPr>
+              <a:t>Outer Loop</a:t>
+            </a:r>
+          </a:p>
+        </p:txBody>
+      </p:sp>
+    </p:spTree>
+    <p:extLst>
+      <p:ext uri="{BB962C8B-B14F-4D97-AF65-F5344CB8AC3E}">
+        <p14:creationId xmlns:p14="http://schemas.microsoft.com/office/powerpoint/2010/main" val="1883854968"/>
+      </p:ext>
+    </p:extLst>
+  </p:cSld>
+  <p:clrMapOvr>
+    <a:masterClrMapping/>
+  </p:clrMapOvr>
+</p:sld>
+</file>
+
+<file path=ppt/slides/slide11.xml><?xml version="1.0" encoding="utf-8"?>
+<p:sld xmlns:a="http://schemas.openxmlformats.org/drawingml/2006/main" xmlns:r="http://schemas.openxmlformats.org/officeDocument/2006/relationships" xmlns:p="http://schemas.openxmlformats.org/presentationml/2006/main">
+  <p:cSld>
+    <p:spTree>
+      <p:nvGrpSpPr>
+        <p:cNvPr id="1" name=""/>
+        <p:cNvGrpSpPr/>
+        <p:nvPr/>
+      </p:nvGrpSpPr>
+      <p:grpSpPr>
+        <a:xfrm>
+          <a:off x="0" y="0"/>
+          <a:ext cx="0" cy="0"/>
+          <a:chOff x="0" y="0"/>
+          <a:chExt cx="0" cy="0"/>
+        </a:xfrm>
+      </p:grpSpPr>
+      <p:grpSp>
+        <p:nvGrpSpPr>
           <p:cNvPr id="11" name="Group 10">
             <a:extLst>
               <a:ext uri="{FF2B5EF4-FFF2-40B4-BE49-F238E27FC236}">
@@ -5031,7 +5978,7 @@
 </p:sld>
 </file>
 
-<file path=ppt/slides/slide11.xml><?xml version="1.0" encoding="utf-8"?>
+<file path=ppt/slides/slide12.xml><?xml version="1.0" encoding="utf-8"?>
 <p:sld xmlns:a="http://schemas.openxmlformats.org/drawingml/2006/main" xmlns:r="http://schemas.openxmlformats.org/officeDocument/2006/relationships" xmlns:p="http://schemas.openxmlformats.org/presentationml/2006/main">
   <p:cSld>
     <p:spTree>
@@ -6492,7 +7439,7 @@
 </p:sld>
 </file>
 
-<file path=ppt/slides/slide12.xml><?xml version="1.0" encoding="utf-8"?>
+<file path=ppt/slides/slide13.xml><?xml version="1.0" encoding="utf-8"?>
 <p:sld xmlns:a="http://schemas.openxmlformats.org/drawingml/2006/main" xmlns:r="http://schemas.openxmlformats.org/officeDocument/2006/relationships" xmlns:p="http://schemas.openxmlformats.org/presentationml/2006/main">
   <p:cSld>
     <p:spTree>
@@ -7953,7 +8900,7 @@
 </p:sld>
 </file>
 
-<file path=ppt/slides/slide13.xml><?xml version="1.0" encoding="utf-8"?>
+<file path=ppt/slides/slide14.xml><?xml version="1.0" encoding="utf-8"?>
 <p:sld xmlns:a="http://schemas.openxmlformats.org/drawingml/2006/main" xmlns:r="http://schemas.openxmlformats.org/officeDocument/2006/relationships" xmlns:p="http://schemas.openxmlformats.org/presentationml/2006/main">
   <p:cSld>
     <p:spTree>
@@ -9393,7 +10340,7 @@
 </p:sld>
 </file>
 
-<file path=ppt/slides/slide14.xml><?xml version="1.0" encoding="utf-8"?>
+<file path=ppt/slides/slide15.xml><?xml version="1.0" encoding="utf-8"?>
 <p:sld xmlns:a="http://schemas.openxmlformats.org/drawingml/2006/main" xmlns:r="http://schemas.openxmlformats.org/officeDocument/2006/relationships" xmlns:p="http://schemas.openxmlformats.org/presentationml/2006/main">
   <p:cSld>
     <p:spTree>
@@ -12797,6 +13744,139 @@
 </file>
 
 <file path=ppt/slides/slide8.xml><?xml version="1.0" encoding="utf-8"?>
+<p:sld xmlns:a="http://schemas.openxmlformats.org/drawingml/2006/main" xmlns:r="http://schemas.openxmlformats.org/officeDocument/2006/relationships" xmlns:p="http://schemas.openxmlformats.org/presentationml/2006/main">
+  <p:cSld>
+    <p:spTree>
+      <p:nvGrpSpPr>
+        <p:cNvPr id="1" name=""/>
+        <p:cNvGrpSpPr/>
+        <p:nvPr/>
+      </p:nvGrpSpPr>
+      <p:grpSpPr>
+        <a:xfrm>
+          <a:off x="0" y="0"/>
+          <a:ext cx="0" cy="0"/>
+          <a:chOff x="0" y="0"/>
+          <a:chExt cx="0" cy="0"/>
+        </a:xfrm>
+      </p:grpSpPr>
+      <p:grpSp>
+        <p:nvGrpSpPr>
+          <p:cNvPr id="7" name="Group 6">
+            <a:extLst>
+              <a:ext uri="{FF2B5EF4-FFF2-40B4-BE49-F238E27FC236}">
+                <a16:creationId xmlns:a16="http://schemas.microsoft.com/office/drawing/2014/main" id="{E92ADB5A-1CDC-A56F-15D9-74B919EC8E70}"/>
+              </a:ext>
+            </a:extLst>
+          </p:cNvPr>
+          <p:cNvGrpSpPr/>
+          <p:nvPr/>
+        </p:nvGrpSpPr>
+        <p:grpSpPr>
+          <a:xfrm>
+            <a:off x="1490628" y="2412454"/>
+            <a:ext cx="3942659" cy="2909688"/>
+            <a:chOff x="1490628" y="2412454"/>
+            <a:chExt cx="3942659" cy="2909688"/>
+          </a:xfrm>
+        </p:grpSpPr>
+        <p:pic>
+          <p:nvPicPr>
+            <p:cNvPr id="3" name="Graphic 2">
+              <a:extLst>
+                <a:ext uri="{FF2B5EF4-FFF2-40B4-BE49-F238E27FC236}">
+                  <a16:creationId xmlns:a16="http://schemas.microsoft.com/office/drawing/2014/main" id="{16021FE7-F816-3B34-948E-6577D334F1BC}"/>
+                </a:ext>
+              </a:extLst>
+            </p:cNvPr>
+            <p:cNvPicPr>
+              <a:picLocks noChangeAspect="1"/>
+            </p:cNvPicPr>
+            <p:nvPr/>
+          </p:nvPicPr>
+          <p:blipFill>
+            <a:blip r:embed="rId2">
+              <a:extLst>
+                <a:ext uri="{96DAC541-7B7A-43D3-8B79-37D633B846F1}">
+                  <asvg:svgBlip xmlns:asvg="http://schemas.microsoft.com/office/drawing/2016/SVG/main" r:embed="rId3"/>
+                </a:ext>
+              </a:extLst>
+            </a:blip>
+            <a:stretch>
+              <a:fillRect/>
+            </a:stretch>
+          </p:blipFill>
+          <p:spPr>
+            <a:xfrm>
+              <a:off x="1490628" y="2921501"/>
+              <a:ext cx="3942659" cy="2400641"/>
+            </a:xfrm>
+            <a:prstGeom prst="rect">
+              <a:avLst/>
+            </a:prstGeom>
+          </p:spPr>
+        </p:pic>
+        <p:sp>
+          <p:nvSpPr>
+            <p:cNvPr id="4" name="TextBox 3">
+              <a:extLst>
+                <a:ext uri="{FF2B5EF4-FFF2-40B4-BE49-F238E27FC236}">
+                  <a16:creationId xmlns:a16="http://schemas.microsoft.com/office/drawing/2014/main" id="{5A7632BF-7A2A-D1D8-8AED-82B226E8CFD3}"/>
+                </a:ext>
+              </a:extLst>
+            </p:cNvPr>
+            <p:cNvSpPr txBox="1"/>
+            <p:nvPr/>
+          </p:nvSpPr>
+          <p:spPr>
+            <a:xfrm>
+              <a:off x="2174951" y="2412454"/>
+              <a:ext cx="3110846" cy="369332"/>
+            </a:xfrm>
+            <a:prstGeom prst="rect">
+              <a:avLst/>
+            </a:prstGeom>
+            <a:noFill/>
+            <a:ln>
+              <a:solidFill>
+                <a:schemeClr val="tx1"/>
+              </a:solidFill>
+            </a:ln>
+          </p:spPr>
+          <p:txBody>
+            <a:bodyPr wrap="square" rtlCol="0">
+              <a:spAutoFit/>
+            </a:bodyPr>
+            <a:lstStyle/>
+            <a:p>
+              <a:pPr algn="ctr"/>
+              <a:r>
+                <a:rPr lang="en-US" dirty="0">
+                  <a:latin typeface="Open Sauce Sans" pitchFamily="2" charset="77"/>
+                </a:rPr>
+                <a:t>All Available Data</a:t>
+              </a:r>
+              <a:endParaRPr lang="en-US" sz="2000" dirty="0">
+                <a:latin typeface="Open Sauce Sans" pitchFamily="2" charset="77"/>
+              </a:endParaRPr>
+            </a:p>
+          </p:txBody>
+        </p:sp>
+      </p:grpSp>
+    </p:spTree>
+    <p:extLst>
+      <p:ext uri="{BB962C8B-B14F-4D97-AF65-F5344CB8AC3E}">
+        <p14:creationId xmlns:p14="http://schemas.microsoft.com/office/powerpoint/2010/main" val="2396213534"/>
+      </p:ext>
+    </p:extLst>
+  </p:cSld>
+  <p:clrMapOvr>
+    <a:masterClrMapping/>
+  </p:clrMapOvr>
+</p:sld>
+</file>
+
+<file path=ppt/slides/slide9.xml><?xml version="1.0" encoding="utf-8"?>
 <p:sld xmlns:a="http://schemas.openxmlformats.org/drawingml/2006/main" xmlns:r="http://schemas.openxmlformats.org/officeDocument/2006/relationships" xmlns:p="http://schemas.openxmlformats.org/presentationml/2006/main">
   <p:cSld>
     <p:spTree>
@@ -15445,952 +16525,6 @@
 </p:sld>
 </file>
 
-<file path=ppt/slides/slide9.xml><?xml version="1.0" encoding="utf-8"?>
-<p:sld xmlns:a="http://schemas.openxmlformats.org/drawingml/2006/main" xmlns:r="http://schemas.openxmlformats.org/officeDocument/2006/relationships" xmlns:p="http://schemas.openxmlformats.org/presentationml/2006/main">
-  <p:cSld>
-    <p:spTree>
-      <p:nvGrpSpPr>
-        <p:cNvPr id="1" name=""/>
-        <p:cNvGrpSpPr/>
-        <p:nvPr/>
-      </p:nvGrpSpPr>
-      <p:grpSpPr>
-        <a:xfrm>
-          <a:off x="0" y="0"/>
-          <a:ext cx="0" cy="0"/>
-          <a:chOff x="0" y="0"/>
-          <a:chExt cx="0" cy="0"/>
-        </a:xfrm>
-      </p:grpSpPr>
-      <p:grpSp>
-        <p:nvGrpSpPr>
-          <p:cNvPr id="113" name="Group 112">
-            <a:extLst>
-              <a:ext uri="{FF2B5EF4-FFF2-40B4-BE49-F238E27FC236}">
-                <a16:creationId xmlns:a16="http://schemas.microsoft.com/office/drawing/2014/main" id="{99D55F3E-8572-AB68-8323-5268BA73B011}"/>
-              </a:ext>
-            </a:extLst>
-          </p:cNvPr>
-          <p:cNvGrpSpPr/>
-          <p:nvPr/>
-        </p:nvGrpSpPr>
-        <p:grpSpPr>
-          <a:xfrm>
-            <a:off x="219437" y="2279169"/>
-            <a:ext cx="9588297" cy="620794"/>
-            <a:chOff x="1101777" y="2001221"/>
-            <a:chExt cx="7798175" cy="308134"/>
-          </a:xfrm>
-          <a:solidFill>
-            <a:srgbClr val="ADD1CA"/>
-          </a:solidFill>
-        </p:grpSpPr>
-        <p:sp>
-          <p:nvSpPr>
-            <p:cNvPr id="114" name="Rounded Rectangle 113">
-              <a:extLst>
-                <a:ext uri="{FF2B5EF4-FFF2-40B4-BE49-F238E27FC236}">
-                  <a16:creationId xmlns:a16="http://schemas.microsoft.com/office/drawing/2014/main" id="{3513783E-B9FB-E4C8-8150-9739F1943EAB}"/>
-                </a:ext>
-              </a:extLst>
-            </p:cNvPr>
-            <p:cNvSpPr/>
-            <p:nvPr/>
-          </p:nvSpPr>
-          <p:spPr>
-            <a:xfrm>
-              <a:off x="1101777" y="2001221"/>
-              <a:ext cx="865147" cy="308134"/>
-            </a:xfrm>
-            <a:prstGeom prst="roundRect">
-              <a:avLst/>
-            </a:prstGeom>
-            <a:grpFill/>
-            <a:ln w="6350">
-              <a:solidFill>
-                <a:schemeClr val="tx1"/>
-              </a:solidFill>
-            </a:ln>
-          </p:spPr>
-          <p:style>
-            <a:lnRef idx="2">
-              <a:schemeClr val="accent1">
-                <a:shade val="50000"/>
-              </a:schemeClr>
-            </a:lnRef>
-            <a:fillRef idx="1">
-              <a:schemeClr val="accent1"/>
-            </a:fillRef>
-            <a:effectRef idx="0">
-              <a:schemeClr val="accent1"/>
-            </a:effectRef>
-            <a:fontRef idx="minor">
-              <a:schemeClr val="lt1"/>
-            </a:fontRef>
-          </p:style>
-          <p:txBody>
-            <a:bodyPr rtlCol="0" anchor="ctr"/>
-            <a:lstStyle/>
-            <a:p>
-              <a:pPr algn="ctr"/>
-              <a:endParaRPr lang="en-US"/>
-            </a:p>
-          </p:txBody>
-        </p:sp>
-        <p:sp>
-          <p:nvSpPr>
-            <p:cNvPr id="115" name="Rounded Rectangle 114">
-              <a:extLst>
-                <a:ext uri="{FF2B5EF4-FFF2-40B4-BE49-F238E27FC236}">
-                  <a16:creationId xmlns:a16="http://schemas.microsoft.com/office/drawing/2014/main" id="{78A7C81F-468B-61CA-8EC0-2A59048C47FF}"/>
-                </a:ext>
-              </a:extLst>
-            </p:cNvPr>
-            <p:cNvSpPr/>
-            <p:nvPr/>
-          </p:nvSpPr>
-          <p:spPr>
-            <a:xfrm>
-              <a:off x="1970874" y="2001221"/>
-              <a:ext cx="865147" cy="308134"/>
-            </a:xfrm>
-            <a:prstGeom prst="roundRect">
-              <a:avLst/>
-            </a:prstGeom>
-            <a:grpFill/>
-            <a:ln w="6350">
-              <a:solidFill>
-                <a:schemeClr val="tx1"/>
-              </a:solidFill>
-            </a:ln>
-          </p:spPr>
-          <p:style>
-            <a:lnRef idx="2">
-              <a:schemeClr val="accent1">
-                <a:shade val="50000"/>
-              </a:schemeClr>
-            </a:lnRef>
-            <a:fillRef idx="1">
-              <a:schemeClr val="accent1"/>
-            </a:fillRef>
-            <a:effectRef idx="0">
-              <a:schemeClr val="accent1"/>
-            </a:effectRef>
-            <a:fontRef idx="minor">
-              <a:schemeClr val="lt1"/>
-            </a:fontRef>
-          </p:style>
-          <p:txBody>
-            <a:bodyPr rtlCol="0" anchor="ctr"/>
-            <a:lstStyle/>
-            <a:p>
-              <a:pPr algn="ctr"/>
-              <a:endParaRPr lang="en-US"/>
-            </a:p>
-          </p:txBody>
-        </p:sp>
-        <p:sp>
-          <p:nvSpPr>
-            <p:cNvPr id="116" name="Rounded Rectangle 115">
-              <a:extLst>
-                <a:ext uri="{FF2B5EF4-FFF2-40B4-BE49-F238E27FC236}">
-                  <a16:creationId xmlns:a16="http://schemas.microsoft.com/office/drawing/2014/main" id="{831B8209-93D5-6080-3FE8-9816BE50B79D}"/>
-                </a:ext>
-              </a:extLst>
-            </p:cNvPr>
-            <p:cNvSpPr/>
-            <p:nvPr/>
-          </p:nvSpPr>
-          <p:spPr>
-            <a:xfrm>
-              <a:off x="2837996" y="2001221"/>
-              <a:ext cx="865147" cy="308134"/>
-            </a:xfrm>
-            <a:prstGeom prst="roundRect">
-              <a:avLst/>
-            </a:prstGeom>
-            <a:grpFill/>
-            <a:ln w="6350">
-              <a:solidFill>
-                <a:schemeClr val="tx1"/>
-              </a:solidFill>
-            </a:ln>
-          </p:spPr>
-          <p:style>
-            <a:lnRef idx="2">
-              <a:schemeClr val="accent1">
-                <a:shade val="50000"/>
-              </a:schemeClr>
-            </a:lnRef>
-            <a:fillRef idx="1">
-              <a:schemeClr val="accent1"/>
-            </a:fillRef>
-            <a:effectRef idx="0">
-              <a:schemeClr val="accent1"/>
-            </a:effectRef>
-            <a:fontRef idx="minor">
-              <a:schemeClr val="lt1"/>
-            </a:fontRef>
-          </p:style>
-          <p:txBody>
-            <a:bodyPr rtlCol="0" anchor="ctr"/>
-            <a:lstStyle/>
-            <a:p>
-              <a:pPr algn="ctr"/>
-              <a:endParaRPr lang="en-US"/>
-            </a:p>
-          </p:txBody>
-        </p:sp>
-        <p:sp>
-          <p:nvSpPr>
-            <p:cNvPr id="117" name="Rounded Rectangle 116">
-              <a:extLst>
-                <a:ext uri="{FF2B5EF4-FFF2-40B4-BE49-F238E27FC236}">
-                  <a16:creationId xmlns:a16="http://schemas.microsoft.com/office/drawing/2014/main" id="{DD516D31-2FC7-434F-0009-4FF11EC77664}"/>
-                </a:ext>
-              </a:extLst>
-            </p:cNvPr>
-            <p:cNvSpPr/>
-            <p:nvPr/>
-          </p:nvSpPr>
-          <p:spPr>
-            <a:xfrm>
-              <a:off x="3703144" y="2001221"/>
-              <a:ext cx="865147" cy="308134"/>
-            </a:xfrm>
-            <a:prstGeom prst="roundRect">
-              <a:avLst/>
-            </a:prstGeom>
-            <a:grpFill/>
-            <a:ln w="6350">
-              <a:solidFill>
-                <a:schemeClr val="tx1"/>
-              </a:solidFill>
-            </a:ln>
-          </p:spPr>
-          <p:style>
-            <a:lnRef idx="2">
-              <a:schemeClr val="accent1">
-                <a:shade val="50000"/>
-              </a:schemeClr>
-            </a:lnRef>
-            <a:fillRef idx="1">
-              <a:schemeClr val="accent1"/>
-            </a:fillRef>
-            <a:effectRef idx="0">
-              <a:schemeClr val="accent1"/>
-            </a:effectRef>
-            <a:fontRef idx="minor">
-              <a:schemeClr val="lt1"/>
-            </a:fontRef>
-          </p:style>
-          <p:txBody>
-            <a:bodyPr rtlCol="0" anchor="ctr"/>
-            <a:lstStyle/>
-            <a:p>
-              <a:pPr algn="ctr"/>
-              <a:endParaRPr lang="en-US"/>
-            </a:p>
-          </p:txBody>
-        </p:sp>
-        <p:sp>
-          <p:nvSpPr>
-            <p:cNvPr id="118" name="Rounded Rectangle 117">
-              <a:extLst>
-                <a:ext uri="{FF2B5EF4-FFF2-40B4-BE49-F238E27FC236}">
-                  <a16:creationId xmlns:a16="http://schemas.microsoft.com/office/drawing/2014/main" id="{4FAA11B5-80ED-AEB2-FBDB-1FAE110CC0BA}"/>
-                </a:ext>
-              </a:extLst>
-            </p:cNvPr>
-            <p:cNvSpPr/>
-            <p:nvPr/>
-          </p:nvSpPr>
-          <p:spPr>
-            <a:xfrm>
-              <a:off x="4568291" y="2001221"/>
-              <a:ext cx="865147" cy="308134"/>
-            </a:xfrm>
-            <a:prstGeom prst="roundRect">
-              <a:avLst/>
-            </a:prstGeom>
-            <a:grpFill/>
-            <a:ln w="6350">
-              <a:solidFill>
-                <a:schemeClr val="tx1"/>
-              </a:solidFill>
-            </a:ln>
-          </p:spPr>
-          <p:style>
-            <a:lnRef idx="2">
-              <a:schemeClr val="accent1">
-                <a:shade val="50000"/>
-              </a:schemeClr>
-            </a:lnRef>
-            <a:fillRef idx="1">
-              <a:schemeClr val="accent1"/>
-            </a:fillRef>
-            <a:effectRef idx="0">
-              <a:schemeClr val="accent1"/>
-            </a:effectRef>
-            <a:fontRef idx="minor">
-              <a:schemeClr val="lt1"/>
-            </a:fontRef>
-          </p:style>
-          <p:txBody>
-            <a:bodyPr rtlCol="0" anchor="ctr"/>
-            <a:lstStyle/>
-            <a:p>
-              <a:pPr algn="ctr"/>
-              <a:endParaRPr lang="en-US"/>
-            </a:p>
-          </p:txBody>
-        </p:sp>
-        <p:sp>
-          <p:nvSpPr>
-            <p:cNvPr id="119" name="Rounded Rectangle 118">
-              <a:extLst>
-                <a:ext uri="{FF2B5EF4-FFF2-40B4-BE49-F238E27FC236}">
-                  <a16:creationId xmlns:a16="http://schemas.microsoft.com/office/drawing/2014/main" id="{8BA8E238-F8CF-E8A9-A9B4-5CEA39D80126}"/>
-                </a:ext>
-              </a:extLst>
-            </p:cNvPr>
-            <p:cNvSpPr/>
-            <p:nvPr/>
-          </p:nvSpPr>
-          <p:spPr>
-            <a:xfrm>
-              <a:off x="5433438" y="2001221"/>
-              <a:ext cx="865147" cy="308134"/>
-            </a:xfrm>
-            <a:prstGeom prst="roundRect">
-              <a:avLst/>
-            </a:prstGeom>
-            <a:grpFill/>
-            <a:ln w="6350">
-              <a:solidFill>
-                <a:schemeClr val="tx1"/>
-              </a:solidFill>
-            </a:ln>
-          </p:spPr>
-          <p:style>
-            <a:lnRef idx="2">
-              <a:schemeClr val="accent1">
-                <a:shade val="50000"/>
-              </a:schemeClr>
-            </a:lnRef>
-            <a:fillRef idx="1">
-              <a:schemeClr val="accent1"/>
-            </a:fillRef>
-            <a:effectRef idx="0">
-              <a:schemeClr val="accent1"/>
-            </a:effectRef>
-            <a:fontRef idx="minor">
-              <a:schemeClr val="lt1"/>
-            </a:fontRef>
-          </p:style>
-          <p:txBody>
-            <a:bodyPr rtlCol="0" anchor="ctr"/>
-            <a:lstStyle/>
-            <a:p>
-              <a:pPr algn="ctr"/>
-              <a:endParaRPr lang="en-US"/>
-            </a:p>
-          </p:txBody>
-        </p:sp>
-        <p:sp>
-          <p:nvSpPr>
-            <p:cNvPr id="120" name="Rounded Rectangle 119">
-              <a:extLst>
-                <a:ext uri="{FF2B5EF4-FFF2-40B4-BE49-F238E27FC236}">
-                  <a16:creationId xmlns:a16="http://schemas.microsoft.com/office/drawing/2014/main" id="{E1E84E7B-C836-4F1E-E679-129C6811722F}"/>
-                </a:ext>
-              </a:extLst>
-            </p:cNvPr>
-            <p:cNvSpPr/>
-            <p:nvPr/>
-          </p:nvSpPr>
-          <p:spPr>
-            <a:xfrm>
-              <a:off x="6302535" y="2001221"/>
-              <a:ext cx="865147" cy="308134"/>
-            </a:xfrm>
-            <a:prstGeom prst="roundRect">
-              <a:avLst/>
-            </a:prstGeom>
-            <a:grpFill/>
-            <a:ln w="6350">
-              <a:solidFill>
-                <a:schemeClr val="tx1"/>
-              </a:solidFill>
-            </a:ln>
-          </p:spPr>
-          <p:style>
-            <a:lnRef idx="2">
-              <a:schemeClr val="accent1">
-                <a:shade val="50000"/>
-              </a:schemeClr>
-            </a:lnRef>
-            <a:fillRef idx="1">
-              <a:schemeClr val="accent1"/>
-            </a:fillRef>
-            <a:effectRef idx="0">
-              <a:schemeClr val="accent1"/>
-            </a:effectRef>
-            <a:fontRef idx="minor">
-              <a:schemeClr val="lt1"/>
-            </a:fontRef>
-          </p:style>
-          <p:txBody>
-            <a:bodyPr rtlCol="0" anchor="ctr"/>
-            <a:lstStyle/>
-            <a:p>
-              <a:pPr algn="ctr"/>
-              <a:endParaRPr lang="en-US"/>
-            </a:p>
-          </p:txBody>
-        </p:sp>
-        <p:sp>
-          <p:nvSpPr>
-            <p:cNvPr id="121" name="Rounded Rectangle 120">
-              <a:extLst>
-                <a:ext uri="{FF2B5EF4-FFF2-40B4-BE49-F238E27FC236}">
-                  <a16:creationId xmlns:a16="http://schemas.microsoft.com/office/drawing/2014/main" id="{3B960DA6-A53F-1A4C-6D94-1E65E8F961FF}"/>
-                </a:ext>
-              </a:extLst>
-            </p:cNvPr>
-            <p:cNvSpPr/>
-            <p:nvPr/>
-          </p:nvSpPr>
-          <p:spPr>
-            <a:xfrm>
-              <a:off x="7169657" y="2001221"/>
-              <a:ext cx="865147" cy="308134"/>
-            </a:xfrm>
-            <a:prstGeom prst="roundRect">
-              <a:avLst/>
-            </a:prstGeom>
-            <a:grpFill/>
-            <a:ln w="6350">
-              <a:solidFill>
-                <a:schemeClr val="tx1"/>
-              </a:solidFill>
-            </a:ln>
-          </p:spPr>
-          <p:style>
-            <a:lnRef idx="2">
-              <a:schemeClr val="accent1">
-                <a:shade val="50000"/>
-              </a:schemeClr>
-            </a:lnRef>
-            <a:fillRef idx="1">
-              <a:schemeClr val="accent1"/>
-            </a:fillRef>
-            <a:effectRef idx="0">
-              <a:schemeClr val="accent1"/>
-            </a:effectRef>
-            <a:fontRef idx="minor">
-              <a:schemeClr val="lt1"/>
-            </a:fontRef>
-          </p:style>
-          <p:txBody>
-            <a:bodyPr rtlCol="0" anchor="ctr"/>
-            <a:lstStyle/>
-            <a:p>
-              <a:pPr algn="ctr"/>
-              <a:endParaRPr lang="en-US"/>
-            </a:p>
-          </p:txBody>
-        </p:sp>
-        <p:sp>
-          <p:nvSpPr>
-            <p:cNvPr id="122" name="Rounded Rectangle 121">
-              <a:extLst>
-                <a:ext uri="{FF2B5EF4-FFF2-40B4-BE49-F238E27FC236}">
-                  <a16:creationId xmlns:a16="http://schemas.microsoft.com/office/drawing/2014/main" id="{7AAB7C0B-2F8B-ABC5-9915-022E420408E3}"/>
-                </a:ext>
-              </a:extLst>
-            </p:cNvPr>
-            <p:cNvSpPr/>
-            <p:nvPr/>
-          </p:nvSpPr>
-          <p:spPr>
-            <a:xfrm>
-              <a:off x="8034805" y="2001221"/>
-              <a:ext cx="865147" cy="308134"/>
-            </a:xfrm>
-            <a:prstGeom prst="roundRect">
-              <a:avLst/>
-            </a:prstGeom>
-            <a:grpFill/>
-            <a:ln w="6350">
-              <a:solidFill>
-                <a:schemeClr val="tx1"/>
-              </a:solidFill>
-            </a:ln>
-          </p:spPr>
-          <p:style>
-            <a:lnRef idx="2">
-              <a:schemeClr val="accent1">
-                <a:shade val="50000"/>
-              </a:schemeClr>
-            </a:lnRef>
-            <a:fillRef idx="1">
-              <a:schemeClr val="accent1"/>
-            </a:fillRef>
-            <a:effectRef idx="0">
-              <a:schemeClr val="accent1"/>
-            </a:effectRef>
-            <a:fontRef idx="minor">
-              <a:schemeClr val="lt1"/>
-            </a:fontRef>
-          </p:style>
-          <p:txBody>
-            <a:bodyPr rtlCol="0" anchor="ctr"/>
-            <a:lstStyle/>
-            <a:p>
-              <a:pPr algn="ctr"/>
-              <a:endParaRPr lang="en-US"/>
-            </a:p>
-          </p:txBody>
-        </p:sp>
-      </p:grpSp>
-      <p:sp>
-        <p:nvSpPr>
-          <p:cNvPr id="123" name="Rounded Rectangle 122">
-            <a:extLst>
-              <a:ext uri="{FF2B5EF4-FFF2-40B4-BE49-F238E27FC236}">
-                <a16:creationId xmlns:a16="http://schemas.microsoft.com/office/drawing/2014/main" id="{9EBA9F0B-0A9F-9B07-EA97-7E45A46D25C8}"/>
-              </a:ext>
-            </a:extLst>
-          </p:cNvPr>
-          <p:cNvSpPr/>
-          <p:nvPr/>
-        </p:nvSpPr>
-        <p:spPr>
-          <a:xfrm>
-            <a:off x="9807734" y="2279169"/>
-            <a:ext cx="1063747" cy="620794"/>
-          </a:xfrm>
-          <a:prstGeom prst="roundRect">
-            <a:avLst/>
-          </a:prstGeom>
-          <a:solidFill>
-            <a:srgbClr val="E1DDE8"/>
-          </a:solidFill>
-          <a:ln w="6350">
-            <a:solidFill>
-              <a:schemeClr val="tx1"/>
-            </a:solidFill>
-          </a:ln>
-        </p:spPr>
-        <p:style>
-          <a:lnRef idx="2">
-            <a:schemeClr val="accent1">
-              <a:shade val="50000"/>
-            </a:schemeClr>
-          </a:lnRef>
-          <a:fillRef idx="1">
-            <a:schemeClr val="accent1"/>
-          </a:fillRef>
-          <a:effectRef idx="0">
-            <a:schemeClr val="accent1"/>
-          </a:effectRef>
-          <a:fontRef idx="minor">
-            <a:schemeClr val="lt1"/>
-          </a:fontRef>
-        </p:style>
-        <p:txBody>
-          <a:bodyPr rtlCol="0" anchor="ctr"/>
-          <a:lstStyle/>
-          <a:p>
-            <a:pPr algn="ctr"/>
-            <a:endParaRPr lang="en-US"/>
-          </a:p>
-        </p:txBody>
-      </p:sp>
-      <p:sp>
-        <p:nvSpPr>
-          <p:cNvPr id="124" name="Rounded Rectangle 123">
-            <a:extLst>
-              <a:ext uri="{FF2B5EF4-FFF2-40B4-BE49-F238E27FC236}">
-                <a16:creationId xmlns:a16="http://schemas.microsoft.com/office/drawing/2014/main" id="{03B3F1F5-8BF5-1CC9-8F6D-CB88E0341279}"/>
-              </a:ext>
-            </a:extLst>
-          </p:cNvPr>
-          <p:cNvSpPr/>
-          <p:nvPr/>
-        </p:nvSpPr>
-        <p:spPr>
-          <a:xfrm>
-            <a:off x="219437" y="685800"/>
-            <a:ext cx="10652044" cy="620794"/>
-          </a:xfrm>
-          <a:prstGeom prst="roundRect">
-            <a:avLst/>
-          </a:prstGeom>
-          <a:solidFill>
-            <a:schemeClr val="bg1">
-              <a:lumMod val="85000"/>
-            </a:schemeClr>
-          </a:solidFill>
-          <a:ln w="6350">
-            <a:solidFill>
-              <a:schemeClr val="tx1"/>
-            </a:solidFill>
-          </a:ln>
-        </p:spPr>
-        <p:style>
-          <a:lnRef idx="2">
-            <a:schemeClr val="accent1">
-              <a:shade val="50000"/>
-            </a:schemeClr>
-          </a:lnRef>
-          <a:fillRef idx="1">
-            <a:schemeClr val="accent1"/>
-          </a:fillRef>
-          <a:effectRef idx="0">
-            <a:schemeClr val="accent1"/>
-          </a:effectRef>
-          <a:fontRef idx="minor">
-            <a:schemeClr val="lt1"/>
-          </a:fontRef>
-        </p:style>
-        <p:txBody>
-          <a:bodyPr rtlCol="0" anchor="ctr"/>
-          <a:lstStyle/>
-          <a:p>
-            <a:pPr algn="ctr"/>
-            <a:endParaRPr lang="en-US"/>
-          </a:p>
-        </p:txBody>
-      </p:sp>
-      <p:cxnSp>
-        <p:nvCxnSpPr>
-          <p:cNvPr id="125" name="Straight Arrow Connector 124">
-            <a:extLst>
-              <a:ext uri="{FF2B5EF4-FFF2-40B4-BE49-F238E27FC236}">
-                <a16:creationId xmlns:a16="http://schemas.microsoft.com/office/drawing/2014/main" id="{5AD1B447-E46B-9691-AAAB-D4AC4FED3381}"/>
-              </a:ext>
-            </a:extLst>
-          </p:cNvPr>
-          <p:cNvCxnSpPr>
-            <a:cxnSpLocks/>
-          </p:cNvCxnSpPr>
-          <p:nvPr/>
-        </p:nvCxnSpPr>
-        <p:spPr>
-          <a:xfrm>
-            <a:off x="5545459" y="1518184"/>
-            <a:ext cx="0" cy="527641"/>
-          </a:xfrm>
-          <a:prstGeom prst="straightConnector1">
-            <a:avLst/>
-          </a:prstGeom>
-          <a:ln w="76200">
-            <a:solidFill>
-              <a:schemeClr val="tx1"/>
-            </a:solidFill>
-            <a:tailEnd type="triangle"/>
-          </a:ln>
-        </p:spPr>
-        <p:style>
-          <a:lnRef idx="1">
-            <a:schemeClr val="accent1"/>
-          </a:lnRef>
-          <a:fillRef idx="0">
-            <a:schemeClr val="accent1"/>
-          </a:fillRef>
-          <a:effectRef idx="0">
-            <a:schemeClr val="accent1"/>
-          </a:effectRef>
-          <a:fontRef idx="minor">
-            <a:schemeClr val="tx1"/>
-          </a:fontRef>
-        </p:style>
-      </p:cxnSp>
-      <p:sp>
-        <p:nvSpPr>
-          <p:cNvPr id="126" name="Left Brace 125">
-            <a:extLst>
-              <a:ext uri="{FF2B5EF4-FFF2-40B4-BE49-F238E27FC236}">
-                <a16:creationId xmlns:a16="http://schemas.microsoft.com/office/drawing/2014/main" id="{885289F5-58A6-1113-6798-39D098732E69}"/>
-              </a:ext>
-            </a:extLst>
-          </p:cNvPr>
-          <p:cNvSpPr/>
-          <p:nvPr/>
-        </p:nvSpPr>
-        <p:spPr>
-          <a:xfrm rot="16200000">
-            <a:off x="10274898" y="2674157"/>
-            <a:ext cx="142091" cy="929114"/>
-          </a:xfrm>
-          <a:prstGeom prst="leftBrace">
-            <a:avLst/>
-          </a:prstGeom>
-          <a:ln>
-            <a:solidFill>
-              <a:schemeClr val="tx1"/>
-            </a:solidFill>
-          </a:ln>
-        </p:spPr>
-        <p:style>
-          <a:lnRef idx="1">
-            <a:schemeClr val="accent1"/>
-          </a:lnRef>
-          <a:fillRef idx="0">
-            <a:schemeClr val="accent1"/>
-          </a:fillRef>
-          <a:effectRef idx="0">
-            <a:schemeClr val="accent1"/>
-          </a:effectRef>
-          <a:fontRef idx="minor">
-            <a:schemeClr val="tx1"/>
-          </a:fontRef>
-        </p:style>
-        <p:txBody>
-          <a:bodyPr rtlCol="0" anchor="ctr"/>
-          <a:lstStyle/>
-          <a:p>
-            <a:pPr algn="ctr"/>
-            <a:endParaRPr lang="en-US"/>
-          </a:p>
-        </p:txBody>
-      </p:sp>
-      <p:sp>
-        <p:nvSpPr>
-          <p:cNvPr id="127" name="TextBox 126">
-            <a:extLst>
-              <a:ext uri="{FF2B5EF4-FFF2-40B4-BE49-F238E27FC236}">
-                <a16:creationId xmlns:a16="http://schemas.microsoft.com/office/drawing/2014/main" id="{9EADBCB6-2DA9-9697-5FBF-6949509032B2}"/>
-              </a:ext>
-            </a:extLst>
-          </p:cNvPr>
-          <p:cNvSpPr txBox="1"/>
-          <p:nvPr/>
-        </p:nvSpPr>
-        <p:spPr>
-          <a:xfrm>
-            <a:off x="9678933" y="3280037"/>
-            <a:ext cx="1321350" cy="461665"/>
-          </a:xfrm>
-          <a:prstGeom prst="rect">
-            <a:avLst/>
-          </a:prstGeom>
-          <a:noFill/>
-          <a:ln>
-            <a:noFill/>
-          </a:ln>
-        </p:spPr>
-        <p:txBody>
-          <a:bodyPr wrap="square" rtlCol="0">
-            <a:spAutoFit/>
-          </a:bodyPr>
-          <a:lstStyle/>
-          <a:p>
-            <a:pPr algn="ctr"/>
-            <a:r>
-              <a:rPr lang="en-US" sz="2400" dirty="0">
-                <a:latin typeface="Minion Pro" panose="02040503050201020203" pitchFamily="18" charset="0"/>
-              </a:rPr>
-              <a:t>Test</a:t>
-            </a:r>
-          </a:p>
-        </p:txBody>
-      </p:sp>
-      <p:sp>
-        <p:nvSpPr>
-          <p:cNvPr id="128" name="Left Brace 127">
-            <a:extLst>
-              <a:ext uri="{FF2B5EF4-FFF2-40B4-BE49-F238E27FC236}">
-                <a16:creationId xmlns:a16="http://schemas.microsoft.com/office/drawing/2014/main" id="{D26267AD-016C-0E52-055E-E80DFD1FCCB5}"/>
-              </a:ext>
-            </a:extLst>
-          </p:cNvPr>
-          <p:cNvSpPr/>
-          <p:nvPr/>
-        </p:nvSpPr>
-        <p:spPr>
-          <a:xfrm rot="16200000">
-            <a:off x="4961765" y="-1573224"/>
-            <a:ext cx="142091" cy="9423876"/>
-          </a:xfrm>
-          <a:prstGeom prst="leftBrace">
-            <a:avLst/>
-          </a:prstGeom>
-          <a:ln>
-            <a:solidFill>
-              <a:schemeClr val="tx1"/>
-            </a:solidFill>
-          </a:ln>
-        </p:spPr>
-        <p:style>
-          <a:lnRef idx="1">
-            <a:schemeClr val="accent1"/>
-          </a:lnRef>
-          <a:fillRef idx="0">
-            <a:schemeClr val="accent1"/>
-          </a:fillRef>
-          <a:effectRef idx="0">
-            <a:schemeClr val="accent1"/>
-          </a:effectRef>
-          <a:fontRef idx="minor">
-            <a:schemeClr val="tx1"/>
-          </a:fontRef>
-        </p:style>
-        <p:txBody>
-          <a:bodyPr rtlCol="0" anchor="ctr"/>
-          <a:lstStyle/>
-          <a:p>
-            <a:pPr algn="ctr"/>
-            <a:endParaRPr lang="en-US"/>
-          </a:p>
-        </p:txBody>
-      </p:sp>
-      <p:sp>
-        <p:nvSpPr>
-          <p:cNvPr id="129" name="TextBox 128">
-            <a:extLst>
-              <a:ext uri="{FF2B5EF4-FFF2-40B4-BE49-F238E27FC236}">
-                <a16:creationId xmlns:a16="http://schemas.microsoft.com/office/drawing/2014/main" id="{38533330-D053-54FE-0692-449895BA8ADC}"/>
-              </a:ext>
-            </a:extLst>
-          </p:cNvPr>
-          <p:cNvSpPr txBox="1"/>
-          <p:nvPr/>
-        </p:nvSpPr>
-        <p:spPr>
-          <a:xfrm>
-            <a:off x="3969063" y="3280037"/>
-            <a:ext cx="2127494" cy="461665"/>
-          </a:xfrm>
-          <a:prstGeom prst="rect">
-            <a:avLst/>
-          </a:prstGeom>
-          <a:noFill/>
-          <a:ln>
-            <a:noFill/>
-          </a:ln>
-        </p:spPr>
-        <p:txBody>
-          <a:bodyPr wrap="square" rtlCol="0">
-            <a:spAutoFit/>
-          </a:bodyPr>
-          <a:lstStyle/>
-          <a:p>
-            <a:pPr algn="ctr"/>
-            <a:r>
-              <a:rPr lang="en-US" sz="2400" dirty="0">
-                <a:latin typeface="Minion Pro" panose="02040503050201020203" pitchFamily="18" charset="0"/>
-              </a:rPr>
-              <a:t>Not Test</a:t>
-            </a:r>
-          </a:p>
-        </p:txBody>
-      </p:sp>
-      <p:sp>
-        <p:nvSpPr>
-          <p:cNvPr id="130" name="Left Brace 129">
-            <a:extLst>
-              <a:ext uri="{FF2B5EF4-FFF2-40B4-BE49-F238E27FC236}">
-                <a16:creationId xmlns:a16="http://schemas.microsoft.com/office/drawing/2014/main" id="{06CC160C-CEAA-8519-792A-86B369BFE44E}"/>
-              </a:ext>
-            </a:extLst>
-          </p:cNvPr>
-          <p:cNvSpPr/>
-          <p:nvPr/>
-        </p:nvSpPr>
-        <p:spPr>
-          <a:xfrm rot="10800000">
-            <a:off x="11076801" y="2006781"/>
-            <a:ext cx="142091" cy="1188720"/>
-          </a:xfrm>
-          <a:prstGeom prst="leftBrace">
-            <a:avLst/>
-          </a:prstGeom>
-          <a:ln>
-            <a:solidFill>
-              <a:schemeClr val="tx1"/>
-            </a:solidFill>
-          </a:ln>
-        </p:spPr>
-        <p:style>
-          <a:lnRef idx="1">
-            <a:schemeClr val="accent1"/>
-          </a:lnRef>
-          <a:fillRef idx="0">
-            <a:schemeClr val="accent1"/>
-          </a:fillRef>
-          <a:effectRef idx="0">
-            <a:schemeClr val="accent1"/>
-          </a:effectRef>
-          <a:fontRef idx="minor">
-            <a:schemeClr val="tx1"/>
-          </a:fontRef>
-        </p:style>
-        <p:txBody>
-          <a:bodyPr rtlCol="0" anchor="ctr"/>
-          <a:lstStyle/>
-          <a:p>
-            <a:pPr algn="ctr"/>
-            <a:endParaRPr lang="en-US"/>
-          </a:p>
-        </p:txBody>
-      </p:sp>
-      <p:sp>
-        <p:nvSpPr>
-          <p:cNvPr id="131" name="TextBox 130">
-            <a:extLst>
-              <a:ext uri="{FF2B5EF4-FFF2-40B4-BE49-F238E27FC236}">
-                <a16:creationId xmlns:a16="http://schemas.microsoft.com/office/drawing/2014/main" id="{1975DB8F-A4F1-538A-7D3E-A961508C3887}"/>
-              </a:ext>
-            </a:extLst>
-          </p:cNvPr>
-          <p:cNvSpPr txBox="1"/>
-          <p:nvPr/>
-        </p:nvSpPr>
-        <p:spPr>
-          <a:xfrm>
-            <a:off x="11242835" y="2174066"/>
-            <a:ext cx="960698" cy="830997"/>
-          </a:xfrm>
-          <a:prstGeom prst="rect">
-            <a:avLst/>
-          </a:prstGeom>
-          <a:noFill/>
-          <a:ln>
-            <a:noFill/>
-          </a:ln>
-        </p:spPr>
-        <p:txBody>
-          <a:bodyPr wrap="square" rtlCol="0">
-            <a:spAutoFit/>
-          </a:bodyPr>
-          <a:lstStyle/>
-          <a:p>
-            <a:pPr algn="ctr"/>
-            <a:r>
-              <a:rPr lang="en-US" sz="2400" dirty="0">
-                <a:latin typeface="Minion Pro" panose="02040503050201020203" pitchFamily="18" charset="0"/>
-              </a:rPr>
-              <a:t>Outer Loop</a:t>
-            </a:r>
-          </a:p>
-        </p:txBody>
-      </p:sp>
-    </p:spTree>
-    <p:extLst>
-      <p:ext uri="{BB962C8B-B14F-4D97-AF65-F5344CB8AC3E}">
-        <p14:creationId xmlns:p14="http://schemas.microsoft.com/office/powerpoint/2010/main" val="1883854968"/>
-      </p:ext>
-    </p:extLst>
-  </p:cSld>
-  <p:clrMapOvr>
-    <a:masterClrMapping/>
-  </p:clrMapOvr>
-</p:sld>
-</file>
-
 <file path=ppt/theme/theme1.xml><?xml version="1.0" encoding="utf-8"?>
 <a:theme xmlns:a="http://schemas.openxmlformats.org/drawingml/2006/main" name="Office Theme">
   <a:themeElements>

--- a/figs/sw_figs.pptx
+++ b/figs/sw_figs.pptx
@@ -273,7 +273,7 @@
           <a:p>
             <a:fld id="{218A4B5B-ABDA-F54A-ACC4-BDC1169AAC49}" type="datetimeFigureOut">
               <a:rPr lang="en-US" smtClean="0"/>
-              <a:t>7/29/22</a:t>
+              <a:t>8/2/22</a:t>
             </a:fld>
             <a:endParaRPr lang="en-US"/>
           </a:p>
@@ -471,7 +471,7 @@
           <a:p>
             <a:fld id="{218A4B5B-ABDA-F54A-ACC4-BDC1169AAC49}" type="datetimeFigureOut">
               <a:rPr lang="en-US" smtClean="0"/>
-              <a:t>7/29/22</a:t>
+              <a:t>8/2/22</a:t>
             </a:fld>
             <a:endParaRPr lang="en-US"/>
           </a:p>
@@ -679,7 +679,7 @@
           <a:p>
             <a:fld id="{218A4B5B-ABDA-F54A-ACC4-BDC1169AAC49}" type="datetimeFigureOut">
               <a:rPr lang="en-US" smtClean="0"/>
-              <a:t>7/29/22</a:t>
+              <a:t>8/2/22</a:t>
             </a:fld>
             <a:endParaRPr lang="en-US"/>
           </a:p>
@@ -877,7 +877,7 @@
           <a:p>
             <a:fld id="{218A4B5B-ABDA-F54A-ACC4-BDC1169AAC49}" type="datetimeFigureOut">
               <a:rPr lang="en-US" smtClean="0"/>
-              <a:t>7/29/22</a:t>
+              <a:t>8/2/22</a:t>
             </a:fld>
             <a:endParaRPr lang="en-US"/>
           </a:p>
@@ -1152,7 +1152,7 @@
           <a:p>
             <a:fld id="{218A4B5B-ABDA-F54A-ACC4-BDC1169AAC49}" type="datetimeFigureOut">
               <a:rPr lang="en-US" smtClean="0"/>
-              <a:t>7/29/22</a:t>
+              <a:t>8/2/22</a:t>
             </a:fld>
             <a:endParaRPr lang="en-US"/>
           </a:p>
@@ -1417,7 +1417,7 @@
           <a:p>
             <a:fld id="{218A4B5B-ABDA-F54A-ACC4-BDC1169AAC49}" type="datetimeFigureOut">
               <a:rPr lang="en-US" smtClean="0"/>
-              <a:t>7/29/22</a:t>
+              <a:t>8/2/22</a:t>
             </a:fld>
             <a:endParaRPr lang="en-US"/>
           </a:p>
@@ -1829,7 +1829,7 @@
           <a:p>
             <a:fld id="{218A4B5B-ABDA-F54A-ACC4-BDC1169AAC49}" type="datetimeFigureOut">
               <a:rPr lang="en-US" smtClean="0"/>
-              <a:t>7/29/22</a:t>
+              <a:t>8/2/22</a:t>
             </a:fld>
             <a:endParaRPr lang="en-US"/>
           </a:p>
@@ -1970,7 +1970,7 @@
           <a:p>
             <a:fld id="{218A4B5B-ABDA-F54A-ACC4-BDC1169AAC49}" type="datetimeFigureOut">
               <a:rPr lang="en-US" smtClean="0"/>
-              <a:t>7/29/22</a:t>
+              <a:t>8/2/22</a:t>
             </a:fld>
             <a:endParaRPr lang="en-US"/>
           </a:p>
@@ -2083,7 +2083,7 @@
           <a:p>
             <a:fld id="{218A4B5B-ABDA-F54A-ACC4-BDC1169AAC49}" type="datetimeFigureOut">
               <a:rPr lang="en-US" smtClean="0"/>
-              <a:t>7/29/22</a:t>
+              <a:t>8/2/22</a:t>
             </a:fld>
             <a:endParaRPr lang="en-US"/>
           </a:p>
@@ -2394,7 +2394,7 @@
           <a:p>
             <a:fld id="{218A4B5B-ABDA-F54A-ACC4-BDC1169AAC49}" type="datetimeFigureOut">
               <a:rPr lang="en-US" smtClean="0"/>
-              <a:t>7/29/22</a:t>
+              <a:t>8/2/22</a:t>
             </a:fld>
             <a:endParaRPr lang="en-US"/>
           </a:p>
@@ -2682,7 +2682,7 @@
           <a:p>
             <a:fld id="{218A4B5B-ABDA-F54A-ACC4-BDC1169AAC49}" type="datetimeFigureOut">
               <a:rPr lang="en-US" smtClean="0"/>
-              <a:t>7/29/22</a:t>
+              <a:t>8/2/22</a:t>
             </a:fld>
             <a:endParaRPr lang="en-US"/>
           </a:p>
@@ -2926,7 +2926,7 @@
           <a:p>
             <a:fld id="{218A4B5B-ABDA-F54A-ACC4-BDC1169AAC49}" type="datetimeFigureOut">
               <a:rPr lang="en-US" smtClean="0"/>
-              <a:t>7/29/22</a:t>
+              <a:t>8/2/22</a:t>
             </a:fld>
             <a:endParaRPr lang="en-US"/>
           </a:p>
@@ -12376,10 +12376,115 @@
       </p:grpSp>
       <p:grpSp>
         <p:nvGrpSpPr>
-          <p:cNvPr id="1025" name="Group 1024">
+          <p:cNvPr id="3" name="Group 2">
             <a:extLst>
               <a:ext uri="{FF2B5EF4-FFF2-40B4-BE49-F238E27FC236}">
-                <a16:creationId xmlns:a16="http://schemas.microsoft.com/office/drawing/2014/main" id="{A4A7892D-4EB8-03F1-E9CA-ADD7C111E960}"/>
+                <a16:creationId xmlns:a16="http://schemas.microsoft.com/office/drawing/2014/main" id="{75107F5F-A774-CEFE-EAAA-C4042C57CF4B}"/>
+              </a:ext>
+            </a:extLst>
+          </p:cNvPr>
+          <p:cNvGrpSpPr/>
+          <p:nvPr/>
+        </p:nvGrpSpPr>
+        <p:grpSpPr>
+          <a:xfrm>
+            <a:off x="8921309" y="880619"/>
+            <a:ext cx="2794000" cy="4191000"/>
+            <a:chOff x="6578600" y="965639"/>
+            <a:chExt cx="2794000" cy="4191000"/>
+          </a:xfrm>
+        </p:grpSpPr>
+        <p:sp>
+          <p:nvSpPr>
+            <p:cNvPr id="22" name="Rectangle 21">
+              <a:extLst>
+                <a:ext uri="{FF2B5EF4-FFF2-40B4-BE49-F238E27FC236}">
+                  <a16:creationId xmlns:a16="http://schemas.microsoft.com/office/drawing/2014/main" id="{7614869A-5762-6B95-C422-9194AE0C9E4B}"/>
+                </a:ext>
+              </a:extLst>
+            </p:cNvPr>
+            <p:cNvSpPr/>
+            <p:nvPr/>
+          </p:nvSpPr>
+          <p:spPr>
+            <a:xfrm>
+              <a:off x="6578600" y="965639"/>
+              <a:ext cx="2794000" cy="4191000"/>
+            </a:xfrm>
+            <a:prstGeom prst="rect">
+              <a:avLst/>
+            </a:prstGeom>
+            <a:solidFill>
+              <a:schemeClr val="bg2"/>
+            </a:solidFill>
+            <a:ln w="28575">
+              <a:solidFill>
+                <a:schemeClr val="tx1"/>
+              </a:solidFill>
+            </a:ln>
+          </p:spPr>
+          <p:style>
+            <a:lnRef idx="2">
+              <a:schemeClr val="accent1">
+                <a:shade val="50000"/>
+              </a:schemeClr>
+            </a:lnRef>
+            <a:fillRef idx="1">
+              <a:schemeClr val="accent1"/>
+            </a:fillRef>
+            <a:effectRef idx="0">
+              <a:schemeClr val="accent1"/>
+            </a:effectRef>
+            <a:fontRef idx="minor">
+              <a:schemeClr val="lt1"/>
+            </a:fontRef>
+          </p:style>
+          <p:txBody>
+            <a:bodyPr rtlCol="0" anchor="ctr"/>
+            <a:lstStyle/>
+            <a:p>
+              <a:pPr algn="ctr"/>
+              <a:endParaRPr lang="en-US"/>
+            </a:p>
+          </p:txBody>
+        </p:sp>
+        <p:pic>
+          <p:nvPicPr>
+            <p:cNvPr id="2" name="Picture 1">
+              <a:extLst>
+                <a:ext uri="{FF2B5EF4-FFF2-40B4-BE49-F238E27FC236}">
+                  <a16:creationId xmlns:a16="http://schemas.microsoft.com/office/drawing/2014/main" id="{E26903CF-31E4-B86E-1EAC-35A2C4D04885}"/>
+                </a:ext>
+              </a:extLst>
+            </p:cNvPr>
+            <p:cNvPicPr>
+              <a:picLocks noChangeAspect="1"/>
+            </p:cNvPicPr>
+            <p:nvPr/>
+          </p:nvPicPr>
+          <p:blipFill>
+            <a:blip r:embed="rId2"/>
+            <a:stretch>
+              <a:fillRect/>
+            </a:stretch>
+          </p:blipFill>
+          <p:spPr>
+            <a:xfrm>
+              <a:off x="6882686" y="1790123"/>
+              <a:ext cx="2192950" cy="2542032"/>
+            </a:xfrm>
+            <a:prstGeom prst="rect">
+              <a:avLst/>
+            </a:prstGeom>
+          </p:spPr>
+        </p:pic>
+      </p:grpSp>
+      <p:grpSp>
+        <p:nvGrpSpPr>
+          <p:cNvPr id="38" name="Group 37">
+            <a:extLst>
+              <a:ext uri="{FF2B5EF4-FFF2-40B4-BE49-F238E27FC236}">
+                <a16:creationId xmlns:a16="http://schemas.microsoft.com/office/drawing/2014/main" id="{BA0E118C-8A28-C24A-119B-459E8A14E826}"/>
               </a:ext>
             </a:extLst>
           </p:cNvPr>
@@ -12450,345 +12555,420 @@
             </a:p>
           </p:txBody>
         </p:sp>
-        <p:pic>
-          <p:nvPicPr>
-            <p:cNvPr id="33" name="Graphic 32" descr="Hospital with solid fill">
+        <p:grpSp>
+          <p:nvGrpSpPr>
+            <p:cNvPr id="7" name="Group 6">
               <a:extLst>
                 <a:ext uri="{FF2B5EF4-FFF2-40B4-BE49-F238E27FC236}">
-                  <a16:creationId xmlns:a16="http://schemas.microsoft.com/office/drawing/2014/main" id="{B74888B4-BDE7-EB4F-27F9-547DBED6AFA8}"/>
+                  <a16:creationId xmlns:a16="http://schemas.microsoft.com/office/drawing/2014/main" id="{7C3CD8A2-34AB-09FF-9A82-E8A7CE1DE90A}"/>
                 </a:ext>
               </a:extLst>
             </p:cNvPr>
-            <p:cNvPicPr>
-              <a:picLocks noChangeAspect="1"/>
-            </p:cNvPicPr>
+            <p:cNvGrpSpPr/>
             <p:nvPr/>
-          </p:nvPicPr>
-          <p:blipFill>
-            <a:blip r:embed="rId2">
-              <a:extLst>
-                <a:ext uri="{96DAC541-7B7A-43D3-8B79-37D633B846F1}">
-                  <asvg:svgBlip xmlns:asvg="http://schemas.microsoft.com/office/drawing/2016/SVG/main" r:embed="rId3"/>
-                </a:ext>
-              </a:extLst>
-            </a:blip>
-            <a:stretch>
-              <a:fillRect/>
-            </a:stretch>
-          </p:blipFill>
-          <p:spPr>
+          </p:nvGrpSpPr>
+          <p:grpSpPr>
             <a:xfrm>
-              <a:off x="3723646" y="1292431"/>
-              <a:ext cx="1097280" cy="1097280"/>
+              <a:off x="3566167" y="939446"/>
+              <a:ext cx="2712505" cy="1347954"/>
+              <a:chOff x="3589010" y="1133658"/>
+              <a:chExt cx="2712505" cy="1347954"/>
             </a:xfrm>
-            <a:prstGeom prst="rect">
-              <a:avLst/>
-            </a:prstGeom>
-          </p:spPr>
-        </p:pic>
-        <p:pic>
-          <p:nvPicPr>
-            <p:cNvPr id="37" name="Graphic 36" descr="Hospital with solid fill">
+          </p:grpSpPr>
+          <p:pic>
+            <p:nvPicPr>
+              <p:cNvPr id="33" name="Graphic 32" descr="Hospital with solid fill">
+                <a:extLst>
+                  <a:ext uri="{FF2B5EF4-FFF2-40B4-BE49-F238E27FC236}">
+                    <a16:creationId xmlns:a16="http://schemas.microsoft.com/office/drawing/2014/main" id="{B74888B4-BDE7-EB4F-27F9-547DBED6AFA8}"/>
+                  </a:ext>
+                </a:extLst>
+              </p:cNvPr>
+              <p:cNvPicPr>
+                <a:picLocks noChangeAspect="1"/>
+              </p:cNvPicPr>
+              <p:nvPr/>
+            </p:nvPicPr>
+            <p:blipFill>
+              <a:blip r:embed="rId3">
+                <a:extLst>
+                  <a:ext uri="{96DAC541-7B7A-43D3-8B79-37D633B846F1}">
+                    <asvg:svgBlip xmlns:asvg="http://schemas.microsoft.com/office/drawing/2016/SVG/main" r:embed="rId4"/>
+                  </a:ext>
+                </a:extLst>
+              </a:blip>
+              <a:stretch>
+                <a:fillRect/>
+              </a:stretch>
+            </p:blipFill>
+            <p:spPr>
+              <a:xfrm>
+                <a:off x="3589010" y="1258995"/>
+                <a:ext cx="1097280" cy="1097280"/>
+              </a:xfrm>
+              <a:prstGeom prst="rect">
+                <a:avLst/>
+              </a:prstGeom>
+            </p:spPr>
+          </p:pic>
+          <p:pic>
+            <p:nvPicPr>
+              <p:cNvPr id="50" name="Graphic 49" descr="Group of people with solid fill">
+                <a:extLst>
+                  <a:ext uri="{FF2B5EF4-FFF2-40B4-BE49-F238E27FC236}">
+                    <a16:creationId xmlns:a16="http://schemas.microsoft.com/office/drawing/2014/main" id="{2FEEE2DB-8D2E-568D-F239-75203CE2C4D2}"/>
+                  </a:ext>
+                </a:extLst>
+              </p:cNvPr>
+              <p:cNvPicPr>
+                <a:picLocks noChangeAspect="1"/>
+              </p:cNvPicPr>
+              <p:nvPr/>
+            </p:nvPicPr>
+            <p:blipFill rotWithShape="1">
+              <a:blip r:embed="rId5">
+                <a:extLst>
+                  <a:ext uri="{96DAC541-7B7A-43D3-8B79-37D633B846F1}">
+                    <asvg:svgBlip xmlns:asvg="http://schemas.microsoft.com/office/drawing/2016/SVG/main" r:embed="rId6"/>
+                  </a:ext>
+                </a:extLst>
+              </a:blip>
+              <a:srcRect t="-5296" b="1"/>
+              <a:stretch/>
+            </p:blipFill>
+            <p:spPr>
+              <a:xfrm>
+                <a:off x="5021355" y="1133658"/>
+                <a:ext cx="1280160" cy="1347954"/>
+              </a:xfrm>
+              <a:prstGeom prst="rect">
+                <a:avLst/>
+              </a:prstGeom>
+            </p:spPr>
+          </p:pic>
+          <p:cxnSp>
+            <p:nvCxnSpPr>
+              <p:cNvPr id="53" name="Straight Arrow Connector 52">
+                <a:extLst>
+                  <a:ext uri="{FF2B5EF4-FFF2-40B4-BE49-F238E27FC236}">
+                    <a16:creationId xmlns:a16="http://schemas.microsoft.com/office/drawing/2014/main" id="{7E638C06-0ADB-DD43-2FCF-D446A5F27AA6}"/>
+                  </a:ext>
+                </a:extLst>
+              </p:cNvPr>
+              <p:cNvCxnSpPr>
+                <a:cxnSpLocks/>
+                <a:stCxn id="33" idx="3"/>
+                <a:endCxn id="50" idx="1"/>
+              </p:cNvCxnSpPr>
+              <p:nvPr/>
+            </p:nvCxnSpPr>
+            <p:spPr>
+              <a:xfrm>
+                <a:off x="4686290" y="1807635"/>
+                <a:ext cx="335065" cy="0"/>
+              </a:xfrm>
+              <a:prstGeom prst="straightConnector1">
+                <a:avLst/>
+              </a:prstGeom>
+              <a:ln w="28575">
+                <a:solidFill>
+                  <a:schemeClr val="tx1"/>
+                </a:solidFill>
+                <a:tailEnd type="triangle"/>
+              </a:ln>
+            </p:spPr>
+            <p:style>
+              <a:lnRef idx="1">
+                <a:schemeClr val="accent1"/>
+              </a:lnRef>
+              <a:fillRef idx="0">
+                <a:schemeClr val="accent1"/>
+              </a:fillRef>
+              <a:effectRef idx="0">
+                <a:schemeClr val="accent1"/>
+              </a:effectRef>
+              <a:fontRef idx="minor">
+                <a:schemeClr val="tx1"/>
+              </a:fontRef>
+            </p:style>
+          </p:cxnSp>
+        </p:grpSp>
+        <p:grpSp>
+          <p:nvGrpSpPr>
+            <p:cNvPr id="25" name="Group 24">
               <a:extLst>
                 <a:ext uri="{FF2B5EF4-FFF2-40B4-BE49-F238E27FC236}">
-                  <a16:creationId xmlns:a16="http://schemas.microsoft.com/office/drawing/2014/main" id="{9C5FA5FB-17C4-9F4C-D94B-42863BD29CD3}"/>
+                  <a16:creationId xmlns:a16="http://schemas.microsoft.com/office/drawing/2014/main" id="{7D31A90A-D532-E57B-75D3-5B1FC40F4ABA}"/>
                 </a:ext>
               </a:extLst>
             </p:cNvPr>
-            <p:cNvPicPr>
-              <a:picLocks noChangeAspect="1"/>
-            </p:cNvPicPr>
+            <p:cNvGrpSpPr/>
             <p:nvPr/>
-          </p:nvPicPr>
-          <p:blipFill>
-            <a:blip r:embed="rId4">
-              <a:extLst>
-                <a:ext uri="{96DAC541-7B7A-43D3-8B79-37D633B846F1}">
-                  <asvg:svgBlip xmlns:asvg="http://schemas.microsoft.com/office/drawing/2016/SVG/main" r:embed="rId5"/>
-                </a:ext>
-              </a:extLst>
-            </a:blip>
-            <a:stretch>
-              <a:fillRect/>
-            </a:stretch>
-          </p:blipFill>
-          <p:spPr>
+          </p:nvGrpSpPr>
+          <p:grpSpPr>
             <a:xfrm>
-              <a:off x="5023901" y="1292431"/>
-              <a:ext cx="1097280" cy="1097280"/>
+              <a:off x="3570903" y="2285468"/>
+              <a:ext cx="2712505" cy="1347954"/>
+              <a:chOff x="3589010" y="1133658"/>
+              <a:chExt cx="2712505" cy="1347954"/>
             </a:xfrm>
-            <a:prstGeom prst="rect">
-              <a:avLst/>
-            </a:prstGeom>
-          </p:spPr>
-        </p:pic>
-        <p:pic>
-          <p:nvPicPr>
-            <p:cNvPr id="50" name="Graphic 49" descr="Group of people with solid fill">
+          </p:grpSpPr>
+          <p:pic>
+            <p:nvPicPr>
+              <p:cNvPr id="26" name="Graphic 25" descr="Hospital with solid fill">
+                <a:extLst>
+                  <a:ext uri="{FF2B5EF4-FFF2-40B4-BE49-F238E27FC236}">
+                    <a16:creationId xmlns:a16="http://schemas.microsoft.com/office/drawing/2014/main" id="{19DDDC44-A08A-EE1B-6FA9-F167E712D128}"/>
+                  </a:ext>
+                </a:extLst>
+              </p:cNvPr>
+              <p:cNvPicPr>
+                <a:picLocks noChangeAspect="1"/>
+              </p:cNvPicPr>
+              <p:nvPr/>
+            </p:nvPicPr>
+            <p:blipFill>
+              <a:blip r:embed="rId7">
+                <a:extLst>
+                  <a:ext uri="{96DAC541-7B7A-43D3-8B79-37D633B846F1}">
+                    <asvg:svgBlip xmlns:asvg="http://schemas.microsoft.com/office/drawing/2016/SVG/main" r:embed="rId8"/>
+                  </a:ext>
+                </a:extLst>
+              </a:blip>
+              <a:stretch>
+                <a:fillRect/>
+              </a:stretch>
+            </p:blipFill>
+            <p:spPr>
+              <a:xfrm>
+                <a:off x="3589010" y="1258995"/>
+                <a:ext cx="1097280" cy="1097280"/>
+              </a:xfrm>
+              <a:prstGeom prst="rect">
+                <a:avLst/>
+              </a:prstGeom>
+            </p:spPr>
+          </p:pic>
+          <p:pic>
+            <p:nvPicPr>
+              <p:cNvPr id="28" name="Graphic 27" descr="Group of people with solid fill">
+                <a:extLst>
+                  <a:ext uri="{FF2B5EF4-FFF2-40B4-BE49-F238E27FC236}">
+                    <a16:creationId xmlns:a16="http://schemas.microsoft.com/office/drawing/2014/main" id="{4CE93191-2D3E-DA6A-79AA-91DA6792AE1E}"/>
+                  </a:ext>
+                </a:extLst>
+              </p:cNvPr>
+              <p:cNvPicPr>
+                <a:picLocks noChangeAspect="1"/>
+              </p:cNvPicPr>
+              <p:nvPr/>
+            </p:nvPicPr>
+            <p:blipFill rotWithShape="1">
+              <a:blip r:embed="rId9">
+                <a:extLst>
+                  <a:ext uri="{96DAC541-7B7A-43D3-8B79-37D633B846F1}">
+                    <asvg:svgBlip xmlns:asvg="http://schemas.microsoft.com/office/drawing/2016/SVG/main" r:embed="rId10"/>
+                  </a:ext>
+                </a:extLst>
+              </a:blip>
+              <a:srcRect t="-5296" b="1"/>
+              <a:stretch/>
+            </p:blipFill>
+            <p:spPr>
+              <a:xfrm>
+                <a:off x="5021355" y="1133658"/>
+                <a:ext cx="1280160" cy="1347954"/>
+              </a:xfrm>
+              <a:prstGeom prst="rect">
+                <a:avLst/>
+              </a:prstGeom>
+            </p:spPr>
+          </p:pic>
+          <p:cxnSp>
+            <p:nvCxnSpPr>
+              <p:cNvPr id="29" name="Straight Arrow Connector 28">
+                <a:extLst>
+                  <a:ext uri="{FF2B5EF4-FFF2-40B4-BE49-F238E27FC236}">
+                    <a16:creationId xmlns:a16="http://schemas.microsoft.com/office/drawing/2014/main" id="{AC3605A3-3F89-FABA-6317-1F1F341598D0}"/>
+                  </a:ext>
+                </a:extLst>
+              </p:cNvPr>
+              <p:cNvCxnSpPr>
+                <a:cxnSpLocks/>
+                <a:stCxn id="26" idx="3"/>
+                <a:endCxn id="28" idx="1"/>
+              </p:cNvCxnSpPr>
+              <p:nvPr/>
+            </p:nvCxnSpPr>
+            <p:spPr>
+              <a:xfrm>
+                <a:off x="4686290" y="1807635"/>
+                <a:ext cx="335065" cy="0"/>
+              </a:xfrm>
+              <a:prstGeom prst="straightConnector1">
+                <a:avLst/>
+              </a:prstGeom>
+              <a:ln w="28575">
+                <a:solidFill>
+                  <a:schemeClr val="tx1"/>
+                </a:solidFill>
+                <a:tailEnd type="triangle"/>
+              </a:ln>
+            </p:spPr>
+            <p:style>
+              <a:lnRef idx="1">
+                <a:schemeClr val="accent1"/>
+              </a:lnRef>
+              <a:fillRef idx="0">
+                <a:schemeClr val="accent1"/>
+              </a:fillRef>
+              <a:effectRef idx="0">
+                <a:schemeClr val="accent1"/>
+              </a:effectRef>
+              <a:fontRef idx="minor">
+                <a:schemeClr val="tx1"/>
+              </a:fontRef>
+            </p:style>
+          </p:cxnSp>
+        </p:grpSp>
+        <p:grpSp>
+          <p:nvGrpSpPr>
+            <p:cNvPr id="31" name="Group 30">
               <a:extLst>
                 <a:ext uri="{FF2B5EF4-FFF2-40B4-BE49-F238E27FC236}">
-                  <a16:creationId xmlns:a16="http://schemas.microsoft.com/office/drawing/2014/main" id="{2FEEE2DB-8D2E-568D-F239-75203CE2C4D2}"/>
+                  <a16:creationId xmlns:a16="http://schemas.microsoft.com/office/drawing/2014/main" id="{0EF1D89B-37AA-C7B0-2CF9-317D292E78E3}"/>
                 </a:ext>
               </a:extLst>
             </p:cNvPr>
-            <p:cNvPicPr>
-              <a:picLocks noChangeAspect="1"/>
-            </p:cNvPicPr>
+            <p:cNvGrpSpPr/>
             <p:nvPr/>
-          </p:nvPicPr>
-          <p:blipFill rotWithShape="1">
-            <a:blip r:embed="rId6">
-              <a:extLst>
-                <a:ext uri="{96DAC541-7B7A-43D3-8B79-37D633B846F1}">
-                  <asvg:svgBlip xmlns:asvg="http://schemas.microsoft.com/office/drawing/2016/SVG/main" r:embed="rId7"/>
-                </a:ext>
-              </a:extLst>
-            </a:blip>
-            <a:srcRect t="-5296" b="1"/>
-            <a:stretch/>
-          </p:blipFill>
-          <p:spPr>
+          </p:nvGrpSpPr>
+          <p:grpSpPr>
             <a:xfrm>
-              <a:off x="3632206" y="3119335"/>
-              <a:ext cx="1280160" cy="1347954"/>
+              <a:off x="3570903" y="3687548"/>
+              <a:ext cx="2712505" cy="1347954"/>
+              <a:chOff x="3589010" y="1133658"/>
+              <a:chExt cx="2712505" cy="1347954"/>
             </a:xfrm>
-            <a:prstGeom prst="rect">
-              <a:avLst/>
-            </a:prstGeom>
-          </p:spPr>
-        </p:pic>
-        <p:pic>
-          <p:nvPicPr>
-            <p:cNvPr id="52" name="Graphic 51" descr="Group of people with solid fill">
-              <a:extLst>
-                <a:ext uri="{FF2B5EF4-FFF2-40B4-BE49-F238E27FC236}">
-                  <a16:creationId xmlns:a16="http://schemas.microsoft.com/office/drawing/2014/main" id="{7A98B574-377B-CC9C-D183-44FB2CB2C871}"/>
-                </a:ext>
-              </a:extLst>
-            </p:cNvPr>
-            <p:cNvPicPr>
-              <a:picLocks noChangeAspect="1"/>
-            </p:cNvPicPr>
-            <p:nvPr/>
-          </p:nvPicPr>
-          <p:blipFill rotWithShape="1">
-            <a:blip r:embed="rId8">
-              <a:extLst>
-                <a:ext uri="{96DAC541-7B7A-43D3-8B79-37D633B846F1}">
-                  <asvg:svgBlip xmlns:asvg="http://schemas.microsoft.com/office/drawing/2016/SVG/main" r:embed="rId9"/>
-                </a:ext>
-              </a:extLst>
-            </a:blip>
-            <a:srcRect t="-5296" b="1"/>
-            <a:stretch/>
-          </p:blipFill>
-          <p:spPr>
-            <a:xfrm>
-              <a:off x="4932461" y="3119335"/>
-              <a:ext cx="1280160" cy="1347954"/>
-            </a:xfrm>
-            <a:prstGeom prst="rect">
-              <a:avLst/>
-            </a:prstGeom>
-          </p:spPr>
-        </p:pic>
-        <p:cxnSp>
-          <p:nvCxnSpPr>
-            <p:cNvPr id="53" name="Straight Arrow Connector 52">
-              <a:extLst>
-                <a:ext uri="{FF2B5EF4-FFF2-40B4-BE49-F238E27FC236}">
-                  <a16:creationId xmlns:a16="http://schemas.microsoft.com/office/drawing/2014/main" id="{7E638C06-0ADB-DD43-2FCF-D446A5F27AA6}"/>
-                </a:ext>
-              </a:extLst>
-            </p:cNvPr>
-            <p:cNvCxnSpPr>
-              <a:cxnSpLocks/>
-              <a:stCxn id="33" idx="2"/>
-              <a:endCxn id="50" idx="0"/>
-            </p:cNvCxnSpPr>
-            <p:nvPr/>
-          </p:nvCxnSpPr>
-          <p:spPr>
-            <a:xfrm>
-              <a:off x="4272286" y="2389711"/>
-              <a:ext cx="0" cy="729624"/>
-            </a:xfrm>
-            <a:prstGeom prst="straightConnector1">
-              <a:avLst/>
-            </a:prstGeom>
-            <a:ln w="28575">
-              <a:solidFill>
+          </p:grpSpPr>
+          <p:pic>
+            <p:nvPicPr>
+              <p:cNvPr id="34" name="Graphic 33" descr="Hospital with solid fill">
+                <a:extLst>
+                  <a:ext uri="{FF2B5EF4-FFF2-40B4-BE49-F238E27FC236}">
+                    <a16:creationId xmlns:a16="http://schemas.microsoft.com/office/drawing/2014/main" id="{90133873-898D-4802-FD2E-362944172339}"/>
+                  </a:ext>
+                </a:extLst>
+              </p:cNvPr>
+              <p:cNvPicPr>
+                <a:picLocks noChangeAspect="1"/>
+              </p:cNvPicPr>
+              <p:nvPr/>
+            </p:nvPicPr>
+            <p:blipFill>
+              <a:blip r:embed="rId11">
+                <a:extLst>
+                  <a:ext uri="{96DAC541-7B7A-43D3-8B79-37D633B846F1}">
+                    <asvg:svgBlip xmlns:asvg="http://schemas.microsoft.com/office/drawing/2016/SVG/main" r:embed="rId12"/>
+                  </a:ext>
+                </a:extLst>
+              </a:blip>
+              <a:stretch>
+                <a:fillRect/>
+              </a:stretch>
+            </p:blipFill>
+            <p:spPr>
+              <a:xfrm>
+                <a:off x="3589010" y="1258995"/>
+                <a:ext cx="1097280" cy="1097280"/>
+              </a:xfrm>
+              <a:prstGeom prst="rect">
+                <a:avLst/>
+              </a:prstGeom>
+            </p:spPr>
+          </p:pic>
+          <p:pic>
+            <p:nvPicPr>
+              <p:cNvPr id="35" name="Graphic 34" descr="Group of people with solid fill">
+                <a:extLst>
+                  <a:ext uri="{FF2B5EF4-FFF2-40B4-BE49-F238E27FC236}">
+                    <a16:creationId xmlns:a16="http://schemas.microsoft.com/office/drawing/2014/main" id="{7C3C69ED-A8D6-D59A-00D0-9D48B12B66FE}"/>
+                  </a:ext>
+                </a:extLst>
+              </p:cNvPr>
+              <p:cNvPicPr>
+                <a:picLocks noChangeAspect="1"/>
+              </p:cNvPicPr>
+              <p:nvPr/>
+            </p:nvPicPr>
+            <p:blipFill rotWithShape="1">
+              <a:blip r:embed="rId13">
+                <a:extLst>
+                  <a:ext uri="{96DAC541-7B7A-43D3-8B79-37D633B846F1}">
+                    <asvg:svgBlip xmlns:asvg="http://schemas.microsoft.com/office/drawing/2016/SVG/main" r:embed="rId14"/>
+                  </a:ext>
+                </a:extLst>
+              </a:blip>
+              <a:srcRect t="-5296" b="1"/>
+              <a:stretch/>
+            </p:blipFill>
+            <p:spPr>
+              <a:xfrm>
+                <a:off x="5021355" y="1133658"/>
+                <a:ext cx="1280160" cy="1347954"/>
+              </a:xfrm>
+              <a:prstGeom prst="rect">
+                <a:avLst/>
+              </a:prstGeom>
+            </p:spPr>
+          </p:pic>
+          <p:cxnSp>
+            <p:nvCxnSpPr>
+              <p:cNvPr id="36" name="Straight Arrow Connector 35">
+                <a:extLst>
+                  <a:ext uri="{FF2B5EF4-FFF2-40B4-BE49-F238E27FC236}">
+                    <a16:creationId xmlns:a16="http://schemas.microsoft.com/office/drawing/2014/main" id="{51459CA9-47DC-EFEE-246E-BEDFD3CA35E7}"/>
+                  </a:ext>
+                </a:extLst>
+              </p:cNvPr>
+              <p:cNvCxnSpPr>
+                <a:cxnSpLocks/>
+                <a:stCxn id="34" idx="3"/>
+                <a:endCxn id="35" idx="1"/>
+              </p:cNvCxnSpPr>
+              <p:nvPr/>
+            </p:nvCxnSpPr>
+            <p:spPr>
+              <a:xfrm>
+                <a:off x="4686290" y="1807635"/>
+                <a:ext cx="335065" cy="0"/>
+              </a:xfrm>
+              <a:prstGeom prst="straightConnector1">
+                <a:avLst/>
+              </a:prstGeom>
+              <a:ln w="28575">
+                <a:solidFill>
+                  <a:schemeClr val="tx1"/>
+                </a:solidFill>
+                <a:tailEnd type="triangle"/>
+              </a:ln>
+            </p:spPr>
+            <p:style>
+              <a:lnRef idx="1">
+                <a:schemeClr val="accent1"/>
+              </a:lnRef>
+              <a:fillRef idx="0">
+                <a:schemeClr val="accent1"/>
+              </a:fillRef>
+              <a:effectRef idx="0">
+                <a:schemeClr val="accent1"/>
+              </a:effectRef>
+              <a:fontRef idx="minor">
                 <a:schemeClr val="tx1"/>
-              </a:solidFill>
-              <a:tailEnd type="triangle"/>
-            </a:ln>
-          </p:spPr>
-          <p:style>
-            <a:lnRef idx="1">
-              <a:schemeClr val="accent1"/>
-            </a:lnRef>
-            <a:fillRef idx="0">
-              <a:schemeClr val="accent1"/>
-            </a:fillRef>
-            <a:effectRef idx="0">
-              <a:schemeClr val="accent1"/>
-            </a:effectRef>
-            <a:fontRef idx="minor">
-              <a:schemeClr val="tx1"/>
-            </a:fontRef>
-          </p:style>
-        </p:cxnSp>
-        <p:cxnSp>
-          <p:nvCxnSpPr>
-            <p:cNvPr id="62" name="Straight Arrow Connector 61">
-              <a:extLst>
-                <a:ext uri="{FF2B5EF4-FFF2-40B4-BE49-F238E27FC236}">
-                  <a16:creationId xmlns:a16="http://schemas.microsoft.com/office/drawing/2014/main" id="{244C0B05-3F72-E60C-6C5E-07446E2448FC}"/>
-                </a:ext>
-              </a:extLst>
-            </p:cNvPr>
-            <p:cNvCxnSpPr>
-              <a:cxnSpLocks/>
-              <a:stCxn id="37" idx="2"/>
-              <a:endCxn id="52" idx="0"/>
-            </p:cNvCxnSpPr>
-            <p:nvPr/>
-          </p:nvCxnSpPr>
-          <p:spPr>
-            <a:xfrm>
-              <a:off x="5572541" y="2389711"/>
-              <a:ext cx="0" cy="729624"/>
-            </a:xfrm>
-            <a:prstGeom prst="straightConnector1">
-              <a:avLst/>
-            </a:prstGeom>
-            <a:ln w="28575">
-              <a:solidFill>
-                <a:schemeClr val="tx1"/>
-              </a:solidFill>
-              <a:tailEnd type="triangle"/>
-            </a:ln>
-          </p:spPr>
-          <p:style>
-            <a:lnRef idx="1">
-              <a:schemeClr val="accent1"/>
-            </a:lnRef>
-            <a:fillRef idx="0">
-              <a:schemeClr val="accent1"/>
-            </a:fillRef>
-            <a:effectRef idx="0">
-              <a:schemeClr val="accent1"/>
-            </a:effectRef>
-            <a:fontRef idx="minor">
-              <a:schemeClr val="tx1"/>
-            </a:fontRef>
-          </p:style>
-        </p:cxnSp>
-      </p:grpSp>
-      <p:grpSp>
-        <p:nvGrpSpPr>
-          <p:cNvPr id="3" name="Group 2">
-            <a:extLst>
-              <a:ext uri="{FF2B5EF4-FFF2-40B4-BE49-F238E27FC236}">
-                <a16:creationId xmlns:a16="http://schemas.microsoft.com/office/drawing/2014/main" id="{75107F5F-A774-CEFE-EAAA-C4042C57CF4B}"/>
-              </a:ext>
-            </a:extLst>
-          </p:cNvPr>
-          <p:cNvGrpSpPr/>
-          <p:nvPr/>
-        </p:nvGrpSpPr>
-        <p:grpSpPr>
-          <a:xfrm>
-            <a:off x="6578600" y="965639"/>
-            <a:ext cx="2794000" cy="4191000"/>
-            <a:chOff x="6578600" y="965639"/>
-            <a:chExt cx="2794000" cy="4191000"/>
-          </a:xfrm>
-        </p:grpSpPr>
-        <p:sp>
-          <p:nvSpPr>
-            <p:cNvPr id="22" name="Rectangle 21">
-              <a:extLst>
-                <a:ext uri="{FF2B5EF4-FFF2-40B4-BE49-F238E27FC236}">
-                  <a16:creationId xmlns:a16="http://schemas.microsoft.com/office/drawing/2014/main" id="{7614869A-5762-6B95-C422-9194AE0C9E4B}"/>
-                </a:ext>
-              </a:extLst>
-            </p:cNvPr>
-            <p:cNvSpPr/>
-            <p:nvPr/>
-          </p:nvSpPr>
-          <p:spPr>
-            <a:xfrm>
-              <a:off x="6578600" y="965639"/>
-              <a:ext cx="2794000" cy="4191000"/>
-            </a:xfrm>
-            <a:prstGeom prst="rect">
-              <a:avLst/>
-            </a:prstGeom>
-            <a:solidFill>
-              <a:schemeClr val="bg2"/>
-            </a:solidFill>
-            <a:ln w="28575">
-              <a:solidFill>
-                <a:schemeClr val="tx1"/>
-              </a:solidFill>
-            </a:ln>
-          </p:spPr>
-          <p:style>
-            <a:lnRef idx="2">
-              <a:schemeClr val="accent1">
-                <a:shade val="50000"/>
-              </a:schemeClr>
-            </a:lnRef>
-            <a:fillRef idx="1">
-              <a:schemeClr val="accent1"/>
-            </a:fillRef>
-            <a:effectRef idx="0">
-              <a:schemeClr val="accent1"/>
-            </a:effectRef>
-            <a:fontRef idx="minor">
-              <a:schemeClr val="lt1"/>
-            </a:fontRef>
-          </p:style>
-          <p:txBody>
-            <a:bodyPr rtlCol="0" anchor="ctr"/>
-            <a:lstStyle/>
-            <a:p>
-              <a:pPr algn="ctr"/>
-              <a:endParaRPr lang="en-US"/>
-            </a:p>
-          </p:txBody>
-        </p:sp>
-        <p:pic>
-          <p:nvPicPr>
-            <p:cNvPr id="2" name="Picture 1">
-              <a:extLst>
-                <a:ext uri="{FF2B5EF4-FFF2-40B4-BE49-F238E27FC236}">
-                  <a16:creationId xmlns:a16="http://schemas.microsoft.com/office/drawing/2014/main" id="{E26903CF-31E4-B86E-1EAC-35A2C4D04885}"/>
-                </a:ext>
-              </a:extLst>
-            </p:cNvPr>
-            <p:cNvPicPr>
-              <a:picLocks noChangeAspect="1"/>
-            </p:cNvPicPr>
-            <p:nvPr/>
-          </p:nvPicPr>
-          <p:blipFill>
-            <a:blip r:embed="rId10"/>
-            <a:stretch>
-              <a:fillRect/>
-            </a:stretch>
-          </p:blipFill>
-          <p:spPr>
-            <a:xfrm>
-              <a:off x="6882686" y="1790123"/>
-              <a:ext cx="2192950" cy="2542032"/>
-            </a:xfrm>
-            <a:prstGeom prst="rect">
-              <a:avLst/>
-            </a:prstGeom>
-          </p:spPr>
-        </p:pic>
+              </a:fontRef>
+            </p:style>
+          </p:cxnSp>
+        </p:grpSp>
       </p:grpSp>
     </p:spTree>
     <p:extLst>

--- a/figs/sw_figs.pptx
+++ b/figs/sw_figs.pptx
@@ -3365,7 +3365,7 @@
         </p:blipFill>
         <p:spPr>
           <a:xfrm>
-            <a:off x="470338" y="965639"/>
+            <a:off x="348418" y="965639"/>
             <a:ext cx="2819400" cy="4191000"/>
           </a:xfrm>
           <a:prstGeom prst="rect">
@@ -3405,7 +3405,7 @@
         </p:blipFill>
         <p:spPr bwMode="auto">
           <a:xfrm>
-            <a:off x="3515711" y="965640"/>
+            <a:off x="3393791" y="965640"/>
             <a:ext cx="2794000" cy="4191000"/>
           </a:xfrm>
           <a:prstGeom prst="rect">
@@ -3440,7 +3440,7 @@
         </p:nvGrpSpPr>
         <p:grpSpPr>
           <a:xfrm>
-            <a:off x="6578600" y="965639"/>
+            <a:off x="6456680" y="965639"/>
             <a:ext cx="2794000" cy="4191000"/>
             <a:chOff x="6578600" y="965639"/>
             <a:chExt cx="2794000" cy="4191000"/>
@@ -3577,6 +3577,51 @@
           </a:p>
         </p:txBody>
       </p:sp>
+      <p:pic>
+        <p:nvPicPr>
+          <p:cNvPr id="6" name="Picture 2" descr="Daylight saving time 2020 ends Sunday: 8 things to know about “spring  forward, fall back” - Vox">
+            <a:extLst>
+              <a:ext uri="{FF2B5EF4-FFF2-40B4-BE49-F238E27FC236}">
+                <a16:creationId xmlns:a16="http://schemas.microsoft.com/office/drawing/2014/main" id="{1D47C622-C422-0D88-BD30-92B0B617460D}"/>
+              </a:ext>
+            </a:extLst>
+          </p:cNvPr>
+          <p:cNvPicPr>
+            <a:picLocks noChangeAspect="1" noChangeArrowheads="1"/>
+          </p:cNvPicPr>
+          <p:nvPr/>
+        </p:nvPicPr>
+        <p:blipFill rotWithShape="1">
+          <a:blip r:embed="rId5">
+            <a:extLst>
+              <a:ext uri="{28A0092B-C50C-407E-A947-70E740481C1C}">
+                <a14:useLocalDpi xmlns:a14="http://schemas.microsoft.com/office/drawing/2010/main" val="0"/>
+              </a:ext>
+            </a:extLst>
+          </a:blip>
+          <a:srcRect l="31493" r="27007" b="6386"/>
+          <a:stretch/>
+        </p:blipFill>
+        <p:spPr bwMode="auto">
+          <a:xfrm>
+            <a:off x="9334904" y="965639"/>
+            <a:ext cx="2786836" cy="4191000"/>
+          </a:xfrm>
+          <a:prstGeom prst="rect">
+            <a:avLst/>
+          </a:prstGeom>
+          <a:noFill/>
+          <a:extLst>
+            <a:ext uri="{909E8E84-426E-40DD-AFC4-6F175D3DCCD1}">
+              <a14:hiddenFill xmlns:a14="http://schemas.microsoft.com/office/drawing/2010/main">
+                <a:solidFill>
+                  <a:srgbClr val="FFFFFF"/>
+                </a:solidFill>
+              </a14:hiddenFill>
+            </a:ext>
+          </a:extLst>
+        </p:spPr>
+      </p:pic>
     </p:spTree>
     <p:extLst>
       <p:ext uri="{BB962C8B-B14F-4D97-AF65-F5344CB8AC3E}">
@@ -15044,7 +15089,7 @@
         </p:nvGrpSpPr>
         <p:grpSpPr>
           <a:xfrm>
-            <a:off x="8921309" y="880619"/>
+            <a:off x="9232559" y="943449"/>
             <a:ext cx="2794000" cy="4191000"/>
             <a:chOff x="6578600" y="965639"/>
             <a:chExt cx="2794000" cy="4191000"/>
@@ -15150,7 +15195,7 @@
         </p:nvGrpSpPr>
         <p:grpSpPr>
           <a:xfrm>
-            <a:off x="3530156" y="880619"/>
+            <a:off x="3259064" y="880619"/>
             <a:ext cx="2794000" cy="4191000"/>
             <a:chOff x="3530156" y="880619"/>
             <a:chExt cx="2794000" cy="4191000"/>
@@ -15619,6 +15664,51 @@
           </p:cxnSp>
         </p:grpSp>
       </p:grpSp>
+      <p:pic>
+        <p:nvPicPr>
+          <p:cNvPr id="2050" name="Picture 2" descr="Daylight saving time 2020 ends Sunday: 8 things to know about “spring  forward, fall back” - Vox">
+            <a:extLst>
+              <a:ext uri="{FF2B5EF4-FFF2-40B4-BE49-F238E27FC236}">
+                <a16:creationId xmlns:a16="http://schemas.microsoft.com/office/drawing/2014/main" id="{044A032C-F3C7-2524-2676-0A93952355CA}"/>
+              </a:ext>
+            </a:extLst>
+          </p:cNvPr>
+          <p:cNvPicPr>
+            <a:picLocks noChangeAspect="1" noChangeArrowheads="1"/>
+          </p:cNvPicPr>
+          <p:nvPr/>
+        </p:nvPicPr>
+        <p:blipFill rotWithShape="1">
+          <a:blip r:embed="rId15">
+            <a:extLst>
+              <a:ext uri="{28A0092B-C50C-407E-A947-70E740481C1C}">
+                <a14:useLocalDpi xmlns:a14="http://schemas.microsoft.com/office/drawing/2010/main" val="0"/>
+              </a:ext>
+            </a:extLst>
+          </a:blip>
+          <a:srcRect l="31493" r="27007"/>
+          <a:stretch/>
+        </p:blipFill>
+        <p:spPr bwMode="auto">
+          <a:xfrm>
+            <a:off x="6335567" y="880619"/>
+            <a:ext cx="2608862" cy="4191000"/>
+          </a:xfrm>
+          <a:prstGeom prst="rect">
+            <a:avLst/>
+          </a:prstGeom>
+          <a:noFill/>
+          <a:extLst>
+            <a:ext uri="{909E8E84-426E-40DD-AFC4-6F175D3DCCD1}">
+              <a14:hiddenFill xmlns:a14="http://schemas.microsoft.com/office/drawing/2010/main">
+                <a:solidFill>
+                  <a:srgbClr val="FFFFFF"/>
+                </a:solidFill>
+              </a14:hiddenFill>
+            </a:ext>
+          </a:extLst>
+        </p:spPr>
+      </p:pic>
     </p:spTree>
     <p:extLst>
       <p:ext uri="{BB962C8B-B14F-4D97-AF65-F5344CB8AC3E}">

--- a/figs/sw_figs.pptx
+++ b/figs/sw_figs.pptx
@@ -6,21 +6,22 @@
   </p:sldMasterIdLst>
   <p:sldIdLst>
     <p:sldId id="256" r:id="rId2"/>
-    <p:sldId id="257" r:id="rId3"/>
-    <p:sldId id="281" r:id="rId4"/>
-    <p:sldId id="258" r:id="rId5"/>
-    <p:sldId id="259" r:id="rId6"/>
-    <p:sldId id="260" r:id="rId7"/>
-    <p:sldId id="263" r:id="rId8"/>
-    <p:sldId id="262" r:id="rId9"/>
-    <p:sldId id="280" r:id="rId10"/>
-    <p:sldId id="264" r:id="rId11"/>
-    <p:sldId id="265" r:id="rId12"/>
-    <p:sldId id="275" r:id="rId13"/>
-    <p:sldId id="276" r:id="rId14"/>
-    <p:sldId id="277" r:id="rId15"/>
-    <p:sldId id="278" r:id="rId16"/>
-    <p:sldId id="279" r:id="rId17"/>
+    <p:sldId id="283" r:id="rId3"/>
+    <p:sldId id="257" r:id="rId4"/>
+    <p:sldId id="281" r:id="rId5"/>
+    <p:sldId id="258" r:id="rId6"/>
+    <p:sldId id="259" r:id="rId7"/>
+    <p:sldId id="260" r:id="rId8"/>
+    <p:sldId id="263" r:id="rId9"/>
+    <p:sldId id="262" r:id="rId10"/>
+    <p:sldId id="280" r:id="rId11"/>
+    <p:sldId id="264" r:id="rId12"/>
+    <p:sldId id="265" r:id="rId13"/>
+    <p:sldId id="275" r:id="rId14"/>
+    <p:sldId id="276" r:id="rId15"/>
+    <p:sldId id="277" r:id="rId16"/>
+    <p:sldId id="278" r:id="rId17"/>
+    <p:sldId id="279" r:id="rId18"/>
   </p:sldIdLst>
   <p:sldSz cx="12192000" cy="6858000"/>
   <p:notesSz cx="6858000" cy="9144000"/>
@@ -274,7 +275,7 @@
           <a:p>
             <a:fld id="{218A4B5B-ABDA-F54A-ACC4-BDC1169AAC49}" type="datetimeFigureOut">
               <a:rPr lang="en-US" smtClean="0"/>
-              <a:t>8/3/22</a:t>
+              <a:t>8/6/22</a:t>
             </a:fld>
             <a:endParaRPr lang="en-US"/>
           </a:p>
@@ -472,7 +473,7 @@
           <a:p>
             <a:fld id="{218A4B5B-ABDA-F54A-ACC4-BDC1169AAC49}" type="datetimeFigureOut">
               <a:rPr lang="en-US" smtClean="0"/>
-              <a:t>8/3/22</a:t>
+              <a:t>8/6/22</a:t>
             </a:fld>
             <a:endParaRPr lang="en-US"/>
           </a:p>
@@ -680,7 +681,7 @@
           <a:p>
             <a:fld id="{218A4B5B-ABDA-F54A-ACC4-BDC1169AAC49}" type="datetimeFigureOut">
               <a:rPr lang="en-US" smtClean="0"/>
-              <a:t>8/3/22</a:t>
+              <a:t>8/6/22</a:t>
             </a:fld>
             <a:endParaRPr lang="en-US"/>
           </a:p>
@@ -878,7 +879,7 @@
           <a:p>
             <a:fld id="{218A4B5B-ABDA-F54A-ACC4-BDC1169AAC49}" type="datetimeFigureOut">
               <a:rPr lang="en-US" smtClean="0"/>
-              <a:t>8/3/22</a:t>
+              <a:t>8/6/22</a:t>
             </a:fld>
             <a:endParaRPr lang="en-US"/>
           </a:p>
@@ -1153,7 +1154,7 @@
           <a:p>
             <a:fld id="{218A4B5B-ABDA-F54A-ACC4-BDC1169AAC49}" type="datetimeFigureOut">
               <a:rPr lang="en-US" smtClean="0"/>
-              <a:t>8/3/22</a:t>
+              <a:t>8/6/22</a:t>
             </a:fld>
             <a:endParaRPr lang="en-US"/>
           </a:p>
@@ -1418,7 +1419,7 @@
           <a:p>
             <a:fld id="{218A4B5B-ABDA-F54A-ACC4-BDC1169AAC49}" type="datetimeFigureOut">
               <a:rPr lang="en-US" smtClean="0"/>
-              <a:t>8/3/22</a:t>
+              <a:t>8/6/22</a:t>
             </a:fld>
             <a:endParaRPr lang="en-US"/>
           </a:p>
@@ -1830,7 +1831,7 @@
           <a:p>
             <a:fld id="{218A4B5B-ABDA-F54A-ACC4-BDC1169AAC49}" type="datetimeFigureOut">
               <a:rPr lang="en-US" smtClean="0"/>
-              <a:t>8/3/22</a:t>
+              <a:t>8/6/22</a:t>
             </a:fld>
             <a:endParaRPr lang="en-US"/>
           </a:p>
@@ -1971,7 +1972,7 @@
           <a:p>
             <a:fld id="{218A4B5B-ABDA-F54A-ACC4-BDC1169AAC49}" type="datetimeFigureOut">
               <a:rPr lang="en-US" smtClean="0"/>
-              <a:t>8/3/22</a:t>
+              <a:t>8/6/22</a:t>
             </a:fld>
             <a:endParaRPr lang="en-US"/>
           </a:p>
@@ -2084,7 +2085,7 @@
           <a:p>
             <a:fld id="{218A4B5B-ABDA-F54A-ACC4-BDC1169AAC49}" type="datetimeFigureOut">
               <a:rPr lang="en-US" smtClean="0"/>
-              <a:t>8/3/22</a:t>
+              <a:t>8/6/22</a:t>
             </a:fld>
             <a:endParaRPr lang="en-US"/>
           </a:p>
@@ -2395,7 +2396,7 @@
           <a:p>
             <a:fld id="{218A4B5B-ABDA-F54A-ACC4-BDC1169AAC49}" type="datetimeFigureOut">
               <a:rPr lang="en-US" smtClean="0"/>
-              <a:t>8/3/22</a:t>
+              <a:t>8/6/22</a:t>
             </a:fld>
             <a:endParaRPr lang="en-US"/>
           </a:p>
@@ -2683,7 +2684,7 @@
           <a:p>
             <a:fld id="{218A4B5B-ABDA-F54A-ACC4-BDC1169AAC49}" type="datetimeFigureOut">
               <a:rPr lang="en-US" smtClean="0"/>
-              <a:t>8/3/22</a:t>
+              <a:t>8/6/22</a:t>
             </a:fld>
             <a:endParaRPr lang="en-US"/>
           </a:p>
@@ -2927,7 +2928,7 @@
           <a:p>
             <a:fld id="{218A4B5B-ABDA-F54A-ACC4-BDC1169AAC49}" type="datetimeFigureOut">
               <a:rPr lang="en-US" smtClean="0"/>
-              <a:t>8/3/22</a:t>
+              <a:t>8/6/22</a:t>
             </a:fld>
             <a:endParaRPr lang="en-US"/>
           </a:p>
@@ -3636,6 +3637,139 @@
 </file>
 
 <file path=ppt/slides/slide10.xml><?xml version="1.0" encoding="utf-8"?>
+<p:sld xmlns:a="http://schemas.openxmlformats.org/drawingml/2006/main" xmlns:r="http://schemas.openxmlformats.org/officeDocument/2006/relationships" xmlns:p="http://schemas.openxmlformats.org/presentationml/2006/main">
+  <p:cSld>
+    <p:spTree>
+      <p:nvGrpSpPr>
+        <p:cNvPr id="1" name=""/>
+        <p:cNvGrpSpPr/>
+        <p:nvPr/>
+      </p:nvGrpSpPr>
+      <p:grpSpPr>
+        <a:xfrm>
+          <a:off x="0" y="0"/>
+          <a:ext cx="0" cy="0"/>
+          <a:chOff x="0" y="0"/>
+          <a:chExt cx="0" cy="0"/>
+        </a:xfrm>
+      </p:grpSpPr>
+      <p:grpSp>
+        <p:nvGrpSpPr>
+          <p:cNvPr id="7" name="Group 6">
+            <a:extLst>
+              <a:ext uri="{FF2B5EF4-FFF2-40B4-BE49-F238E27FC236}">
+                <a16:creationId xmlns:a16="http://schemas.microsoft.com/office/drawing/2014/main" id="{E92ADB5A-1CDC-A56F-15D9-74B919EC8E70}"/>
+              </a:ext>
+            </a:extLst>
+          </p:cNvPr>
+          <p:cNvGrpSpPr/>
+          <p:nvPr/>
+        </p:nvGrpSpPr>
+        <p:grpSpPr>
+          <a:xfrm>
+            <a:off x="1490628" y="2412454"/>
+            <a:ext cx="3942659" cy="2909688"/>
+            <a:chOff x="1490628" y="2412454"/>
+            <a:chExt cx="3942659" cy="2909688"/>
+          </a:xfrm>
+        </p:grpSpPr>
+        <p:pic>
+          <p:nvPicPr>
+            <p:cNvPr id="3" name="Graphic 2">
+              <a:extLst>
+                <a:ext uri="{FF2B5EF4-FFF2-40B4-BE49-F238E27FC236}">
+                  <a16:creationId xmlns:a16="http://schemas.microsoft.com/office/drawing/2014/main" id="{16021FE7-F816-3B34-948E-6577D334F1BC}"/>
+                </a:ext>
+              </a:extLst>
+            </p:cNvPr>
+            <p:cNvPicPr>
+              <a:picLocks noChangeAspect="1"/>
+            </p:cNvPicPr>
+            <p:nvPr/>
+          </p:nvPicPr>
+          <p:blipFill>
+            <a:blip r:embed="rId2">
+              <a:extLst>
+                <a:ext uri="{96DAC541-7B7A-43D3-8B79-37D633B846F1}">
+                  <asvg:svgBlip xmlns:asvg="http://schemas.microsoft.com/office/drawing/2016/SVG/main" r:embed="rId3"/>
+                </a:ext>
+              </a:extLst>
+            </a:blip>
+            <a:stretch>
+              <a:fillRect/>
+            </a:stretch>
+          </p:blipFill>
+          <p:spPr>
+            <a:xfrm>
+              <a:off x="1490628" y="2921501"/>
+              <a:ext cx="3942659" cy="2400641"/>
+            </a:xfrm>
+            <a:prstGeom prst="rect">
+              <a:avLst/>
+            </a:prstGeom>
+          </p:spPr>
+        </p:pic>
+        <p:sp>
+          <p:nvSpPr>
+            <p:cNvPr id="4" name="TextBox 3">
+              <a:extLst>
+                <a:ext uri="{FF2B5EF4-FFF2-40B4-BE49-F238E27FC236}">
+                  <a16:creationId xmlns:a16="http://schemas.microsoft.com/office/drawing/2014/main" id="{5A7632BF-7A2A-D1D8-8AED-82B226E8CFD3}"/>
+                </a:ext>
+              </a:extLst>
+            </p:cNvPr>
+            <p:cNvSpPr txBox="1"/>
+            <p:nvPr/>
+          </p:nvSpPr>
+          <p:spPr>
+            <a:xfrm>
+              <a:off x="2174951" y="2412454"/>
+              <a:ext cx="3110846" cy="369332"/>
+            </a:xfrm>
+            <a:prstGeom prst="rect">
+              <a:avLst/>
+            </a:prstGeom>
+            <a:noFill/>
+            <a:ln>
+              <a:solidFill>
+                <a:schemeClr val="tx1"/>
+              </a:solidFill>
+            </a:ln>
+          </p:spPr>
+          <p:txBody>
+            <a:bodyPr wrap="square" rtlCol="0">
+              <a:spAutoFit/>
+            </a:bodyPr>
+            <a:lstStyle/>
+            <a:p>
+              <a:pPr algn="ctr"/>
+              <a:r>
+                <a:rPr lang="en-US" dirty="0">
+                  <a:latin typeface="Open Sauce Sans" pitchFamily="2" charset="77"/>
+                </a:rPr>
+                <a:t>All Available Data</a:t>
+              </a:r>
+              <a:endParaRPr lang="en-US" sz="2000" dirty="0">
+                <a:latin typeface="Open Sauce Sans" pitchFamily="2" charset="77"/>
+              </a:endParaRPr>
+            </a:p>
+          </p:txBody>
+        </p:sp>
+      </p:grpSp>
+    </p:spTree>
+    <p:extLst>
+      <p:ext uri="{BB962C8B-B14F-4D97-AF65-F5344CB8AC3E}">
+        <p14:creationId xmlns:p14="http://schemas.microsoft.com/office/powerpoint/2010/main" val="2396213534"/>
+      </p:ext>
+    </p:extLst>
+  </p:cSld>
+  <p:clrMapOvr>
+    <a:masterClrMapping/>
+  </p:clrMapOvr>
+</p:sld>
+</file>
+
+<file path=ppt/slides/slide11.xml><?xml version="1.0" encoding="utf-8"?>
 <p:sld xmlns:a="http://schemas.openxmlformats.org/drawingml/2006/main" xmlns:r="http://schemas.openxmlformats.org/officeDocument/2006/relationships" xmlns:p="http://schemas.openxmlformats.org/presentationml/2006/main">
   <p:cSld>
     <p:spTree>
@@ -6284,7 +6418,7 @@
 </p:sld>
 </file>
 
-<file path=ppt/slides/slide11.xml><?xml version="1.0" encoding="utf-8"?>
+<file path=ppt/slides/slide12.xml><?xml version="1.0" encoding="utf-8"?>
 <p:sld xmlns:a="http://schemas.openxmlformats.org/drawingml/2006/main" xmlns:r="http://schemas.openxmlformats.org/officeDocument/2006/relationships" xmlns:p="http://schemas.openxmlformats.org/presentationml/2006/main">
   <p:cSld>
     <p:spTree>
@@ -7230,7 +7364,7 @@
 </p:sld>
 </file>
 
-<file path=ppt/slides/slide12.xml><?xml version="1.0" encoding="utf-8"?>
+<file path=ppt/slides/slide13.xml><?xml version="1.0" encoding="utf-8"?>
 <p:sld xmlns:a="http://schemas.openxmlformats.org/drawingml/2006/main" xmlns:r="http://schemas.openxmlformats.org/officeDocument/2006/relationships" xmlns:p="http://schemas.openxmlformats.org/presentationml/2006/main">
   <p:cSld>
     <p:spTree>
@@ -8691,7 +8825,7 @@
 </p:sld>
 </file>
 
-<file path=ppt/slides/slide13.xml><?xml version="1.0" encoding="utf-8"?>
+<file path=ppt/slides/slide14.xml><?xml version="1.0" encoding="utf-8"?>
 <p:sld xmlns:a="http://schemas.openxmlformats.org/drawingml/2006/main" xmlns:r="http://schemas.openxmlformats.org/officeDocument/2006/relationships" xmlns:p="http://schemas.openxmlformats.org/presentationml/2006/main">
   <p:cSld>
     <p:spTree>
@@ -10152,7 +10286,7 @@
 </p:sld>
 </file>
 
-<file path=ppt/slides/slide14.xml><?xml version="1.0" encoding="utf-8"?>
+<file path=ppt/slides/slide15.xml><?xml version="1.0" encoding="utf-8"?>
 <p:sld xmlns:a="http://schemas.openxmlformats.org/drawingml/2006/main" xmlns:r="http://schemas.openxmlformats.org/officeDocument/2006/relationships" xmlns:p="http://schemas.openxmlformats.org/presentationml/2006/main">
   <p:cSld>
     <p:spTree>
@@ -11613,7 +11747,7 @@
 </p:sld>
 </file>
 
-<file path=ppt/slides/slide15.xml><?xml version="1.0" encoding="utf-8"?>
+<file path=ppt/slides/slide16.xml><?xml version="1.0" encoding="utf-8"?>
 <p:sld xmlns:a="http://schemas.openxmlformats.org/drawingml/2006/main" xmlns:r="http://schemas.openxmlformats.org/officeDocument/2006/relationships" xmlns:p="http://schemas.openxmlformats.org/presentationml/2006/main">
   <p:cSld>
     <p:spTree>
@@ -13053,7 +13187,7 @@
 </p:sld>
 </file>
 
-<file path=ppt/slides/slide16.xml><?xml version="1.0" encoding="utf-8"?>
+<file path=ppt/slides/slide17.xml><?xml version="1.0" encoding="utf-8"?>
 <p:sld xmlns:a="http://schemas.openxmlformats.org/drawingml/2006/main" xmlns:r="http://schemas.openxmlformats.org/officeDocument/2006/relationships" xmlns:p="http://schemas.openxmlformats.org/presentationml/2006/main">
   <p:cSld>
     <p:spTree>
@@ -14510,6 +14644,203 @@
           <a:chExt cx="0" cy="0"/>
         </a:xfrm>
       </p:grpSpPr>
+      <p:sp>
+        <p:nvSpPr>
+          <p:cNvPr id="5" name="AutoShape 2" descr="A two-way initial split into training and testing with an additional validation set split on the training set.">
+            <a:extLst>
+              <a:ext uri="{FF2B5EF4-FFF2-40B4-BE49-F238E27FC236}">
+                <a16:creationId xmlns:a16="http://schemas.microsoft.com/office/drawing/2014/main" id="{B376D8FE-2EE1-97A6-5DEE-BD3BEBF12952}"/>
+              </a:ext>
+            </a:extLst>
+          </p:cNvPr>
+          <p:cNvSpPr>
+            <a:spLocks noChangeAspect="1" noChangeArrowheads="1"/>
+          </p:cNvSpPr>
+          <p:nvPr/>
+        </p:nvSpPr>
+        <p:spPr bwMode="auto">
+          <a:xfrm>
+            <a:off x="5943600" y="3276600"/>
+            <a:ext cx="304800" cy="304800"/>
+          </a:xfrm>
+          <a:prstGeom prst="rect">
+            <a:avLst/>
+          </a:prstGeom>
+          <a:noFill/>
+          <a:extLst>
+            <a:ext uri="{909E8E84-426E-40DD-AFC4-6F175D3DCCD1}">
+              <a14:hiddenFill xmlns:a14="http://schemas.microsoft.com/office/drawing/2010/main">
+                <a:solidFill>
+                  <a:srgbClr val="FFFFFF"/>
+                </a:solidFill>
+              </a14:hiddenFill>
+            </a:ext>
+          </a:extLst>
+        </p:spPr>
+        <p:txBody>
+          <a:bodyPr vert="horz" wrap="square" lIns="91440" tIns="45720" rIns="91440" bIns="45720" numCol="1" anchor="t" anchorCtr="0" compatLnSpc="1">
+            <a:prstTxWarp prst="textNoShape">
+              <a:avLst/>
+            </a:prstTxWarp>
+          </a:bodyPr>
+          <a:lstStyle/>
+          <a:p>
+            <a:endParaRPr lang="en-US"/>
+          </a:p>
+        </p:txBody>
+      </p:sp>
+      <p:pic>
+        <p:nvPicPr>
+          <p:cNvPr id="8" name="Picture 7">
+            <a:extLst>
+              <a:ext uri="{FF2B5EF4-FFF2-40B4-BE49-F238E27FC236}">
+                <a16:creationId xmlns:a16="http://schemas.microsoft.com/office/drawing/2014/main" id="{6B23FF4F-54F0-7A8F-8692-E05745BACAF4}"/>
+              </a:ext>
+            </a:extLst>
+          </p:cNvPr>
+          <p:cNvPicPr>
+            <a:picLocks noChangeAspect="1"/>
+          </p:cNvPicPr>
+          <p:nvPr/>
+        </p:nvPicPr>
+        <p:blipFill rotWithShape="1">
+          <a:blip r:embed="rId2"/>
+          <a:srcRect l="4308" t="1581" r="8216" b="1909"/>
+          <a:stretch/>
+        </p:blipFill>
+        <p:spPr>
+          <a:xfrm>
+            <a:off x="3388840" y="965640"/>
+            <a:ext cx="2791968" cy="4191000"/>
+          </a:xfrm>
+          <a:prstGeom prst="rect">
+            <a:avLst/>
+          </a:prstGeom>
+        </p:spPr>
+      </p:pic>
+      <p:pic>
+        <p:nvPicPr>
+          <p:cNvPr id="12" name="Picture 11" descr="A picture containing mountain, outdoor, sky, nature&#10;&#10;Description automatically generated">
+            <a:extLst>
+              <a:ext uri="{FF2B5EF4-FFF2-40B4-BE49-F238E27FC236}">
+                <a16:creationId xmlns:a16="http://schemas.microsoft.com/office/drawing/2014/main" id="{80A77D50-4C3B-E62F-81CA-4859C80AD094}"/>
+              </a:ext>
+            </a:extLst>
+          </p:cNvPr>
+          <p:cNvPicPr>
+            <a:picLocks noChangeAspect="1"/>
+          </p:cNvPicPr>
+          <p:nvPr/>
+        </p:nvPicPr>
+        <p:blipFill rotWithShape="1">
+          <a:blip r:embed="rId3"/>
+          <a:srcRect l="3548" t="3253" r="8051" b="3335"/>
+          <a:stretch/>
+        </p:blipFill>
+        <p:spPr>
+          <a:xfrm>
+            <a:off x="6307000" y="965638"/>
+            <a:ext cx="2791969" cy="4187952"/>
+          </a:xfrm>
+          <a:prstGeom prst="rect">
+            <a:avLst/>
+          </a:prstGeom>
+        </p:spPr>
+      </p:pic>
+      <p:pic>
+        <p:nvPicPr>
+          <p:cNvPr id="14" name="Picture 13" descr="A bird in a nest&#10;&#10;Description automatically generated with low confidence">
+            <a:extLst>
+              <a:ext uri="{FF2B5EF4-FFF2-40B4-BE49-F238E27FC236}">
+                <a16:creationId xmlns:a16="http://schemas.microsoft.com/office/drawing/2014/main" id="{C2FC1845-501B-17AA-0CE9-A0FC1CD54253}"/>
+              </a:ext>
+            </a:extLst>
+          </p:cNvPr>
+          <p:cNvPicPr>
+            <a:picLocks noChangeAspect="1"/>
+          </p:cNvPicPr>
+          <p:nvPr/>
+        </p:nvPicPr>
+        <p:blipFill rotWithShape="1">
+          <a:blip r:embed="rId4"/>
+          <a:srcRect l="5259" t="1966" r="2524" b="2024"/>
+          <a:stretch/>
+        </p:blipFill>
+        <p:spPr>
+          <a:xfrm>
+            <a:off x="402157" y="965638"/>
+            <a:ext cx="2791968" cy="4187952"/>
+          </a:xfrm>
+          <a:prstGeom prst="rect">
+            <a:avLst/>
+          </a:prstGeom>
+          <a:ln>
+            <a:noFill/>
+          </a:ln>
+        </p:spPr>
+      </p:pic>
+      <p:pic>
+        <p:nvPicPr>
+          <p:cNvPr id="16" name="Picture 15" descr="A picture containing outdoor, sky, water, sunset&#10;&#10;Description automatically generated">
+            <a:extLst>
+              <a:ext uri="{FF2B5EF4-FFF2-40B4-BE49-F238E27FC236}">
+                <a16:creationId xmlns:a16="http://schemas.microsoft.com/office/drawing/2014/main" id="{D8D23926-F7B2-F81E-5BDE-7AE65735B440}"/>
+              </a:ext>
+            </a:extLst>
+          </p:cNvPr>
+          <p:cNvPicPr>
+            <a:picLocks noChangeAspect="1"/>
+          </p:cNvPicPr>
+          <p:nvPr/>
+        </p:nvPicPr>
+        <p:blipFill rotWithShape="1">
+          <a:blip r:embed="rId5"/>
+          <a:srcRect l="4731" t="1541" r="3259" b="2665"/>
+          <a:stretch/>
+        </p:blipFill>
+        <p:spPr>
+          <a:xfrm>
+            <a:off x="9328437" y="965638"/>
+            <a:ext cx="2791970" cy="4187952"/>
+          </a:xfrm>
+          <a:prstGeom prst="rect">
+            <a:avLst/>
+          </a:prstGeom>
+          <a:ln>
+            <a:noFill/>
+          </a:ln>
+        </p:spPr>
+      </p:pic>
+    </p:spTree>
+    <p:extLst>
+      <p:ext uri="{BB962C8B-B14F-4D97-AF65-F5344CB8AC3E}">
+        <p14:creationId xmlns:p14="http://schemas.microsoft.com/office/powerpoint/2010/main" val="148089186"/>
+      </p:ext>
+    </p:extLst>
+  </p:cSld>
+  <p:clrMapOvr>
+    <a:masterClrMapping/>
+  </p:clrMapOvr>
+</p:sld>
+</file>
+
+<file path=ppt/slides/slide3.xml><?xml version="1.0" encoding="utf-8"?>
+<p:sld xmlns:a="http://schemas.openxmlformats.org/drawingml/2006/main" xmlns:r="http://schemas.openxmlformats.org/officeDocument/2006/relationships" xmlns:p="http://schemas.openxmlformats.org/presentationml/2006/main">
+  <p:cSld>
+    <p:spTree>
+      <p:nvGrpSpPr>
+        <p:cNvPr id="1" name=""/>
+        <p:cNvGrpSpPr/>
+        <p:nvPr/>
+      </p:nvGrpSpPr>
+      <p:grpSpPr>
+        <a:xfrm>
+          <a:off x="0" y="0"/>
+          <a:ext cx="0" cy="0"/>
+          <a:chOff x="0" y="0"/>
+          <a:chExt cx="0" cy="0"/>
+        </a:xfrm>
+      </p:grpSpPr>
       <p:grpSp>
         <p:nvGrpSpPr>
           <p:cNvPr id="30" name="Group 29">
@@ -15722,7 +16053,7 @@
 </p:sld>
 </file>
 
-<file path=ppt/slides/slide3.xml><?xml version="1.0" encoding="utf-8"?>
+<file path=ppt/slides/slide4.xml><?xml version="1.0" encoding="utf-8"?>
 <p:sld xmlns:a="http://schemas.openxmlformats.org/drawingml/2006/main" xmlns:r="http://schemas.openxmlformats.org/officeDocument/2006/relationships" xmlns:p="http://schemas.openxmlformats.org/presentationml/2006/main">
   <p:cSld>
     <p:spTree>
@@ -15880,7 +16211,7 @@
 </p:sld>
 </file>
 
-<file path=ppt/slides/slide4.xml><?xml version="1.0" encoding="utf-8"?>
+<file path=ppt/slides/slide5.xml><?xml version="1.0" encoding="utf-8"?>
 <p:sld xmlns:a="http://schemas.openxmlformats.org/drawingml/2006/main" xmlns:r="http://schemas.openxmlformats.org/officeDocument/2006/relationships" xmlns:p="http://schemas.openxmlformats.org/presentationml/2006/main">
   <p:cSld>
     <p:spTree>
@@ -16403,7 +16734,7 @@
 </p:sld>
 </file>
 
-<file path=ppt/slides/slide5.xml><?xml version="1.0" encoding="utf-8"?>
+<file path=ppt/slides/slide6.xml><?xml version="1.0" encoding="utf-8"?>
 <p:sld xmlns:a="http://schemas.openxmlformats.org/drawingml/2006/main" xmlns:r="http://schemas.openxmlformats.org/officeDocument/2006/relationships" xmlns:p="http://schemas.openxmlformats.org/presentationml/2006/main">
   <p:cSld>
     <p:spTree>
@@ -16468,7 +16799,7 @@
 </p:sld>
 </file>
 
-<file path=ppt/slides/slide6.xml><?xml version="1.0" encoding="utf-8"?>
+<file path=ppt/slides/slide7.xml><?xml version="1.0" encoding="utf-8"?>
 <p:sld xmlns:a="http://schemas.openxmlformats.org/drawingml/2006/main" xmlns:r="http://schemas.openxmlformats.org/officeDocument/2006/relationships" xmlns:p="http://schemas.openxmlformats.org/presentationml/2006/main">
   <p:cSld>
     <p:spTree>
@@ -16534,7 +16865,7 @@
 </p:sld>
 </file>
 
-<file path=ppt/slides/slide7.xml><?xml version="1.0" encoding="utf-8"?>
+<file path=ppt/slides/slide8.xml><?xml version="1.0" encoding="utf-8"?>
 <p:sld xmlns:a="http://schemas.openxmlformats.org/drawingml/2006/main" xmlns:r="http://schemas.openxmlformats.org/officeDocument/2006/relationships" xmlns:p="http://schemas.openxmlformats.org/presentationml/2006/main">
   <p:cSld>
     <p:spTree>
@@ -16600,7 +16931,7 @@
 </p:sld>
 </file>
 
-<file path=ppt/slides/slide8.xml><?xml version="1.0" encoding="utf-8"?>
+<file path=ppt/slides/slide9.xml><?xml version="1.0" encoding="utf-8"?>
 <p:sld xmlns:a="http://schemas.openxmlformats.org/drawingml/2006/main" xmlns:r="http://schemas.openxmlformats.org/officeDocument/2006/relationships" xmlns:p="http://schemas.openxmlformats.org/presentationml/2006/main">
   <p:cSld>
     <p:spTree>
@@ -16811,139 +17142,6 @@
     <p:extLst>
       <p:ext uri="{BB962C8B-B14F-4D97-AF65-F5344CB8AC3E}">
         <p14:creationId xmlns:p14="http://schemas.microsoft.com/office/powerpoint/2010/main" val="3935903978"/>
-      </p:ext>
-    </p:extLst>
-  </p:cSld>
-  <p:clrMapOvr>
-    <a:masterClrMapping/>
-  </p:clrMapOvr>
-</p:sld>
-</file>
-
-<file path=ppt/slides/slide9.xml><?xml version="1.0" encoding="utf-8"?>
-<p:sld xmlns:a="http://schemas.openxmlformats.org/drawingml/2006/main" xmlns:r="http://schemas.openxmlformats.org/officeDocument/2006/relationships" xmlns:p="http://schemas.openxmlformats.org/presentationml/2006/main">
-  <p:cSld>
-    <p:spTree>
-      <p:nvGrpSpPr>
-        <p:cNvPr id="1" name=""/>
-        <p:cNvGrpSpPr/>
-        <p:nvPr/>
-      </p:nvGrpSpPr>
-      <p:grpSpPr>
-        <a:xfrm>
-          <a:off x="0" y="0"/>
-          <a:ext cx="0" cy="0"/>
-          <a:chOff x="0" y="0"/>
-          <a:chExt cx="0" cy="0"/>
-        </a:xfrm>
-      </p:grpSpPr>
-      <p:grpSp>
-        <p:nvGrpSpPr>
-          <p:cNvPr id="7" name="Group 6">
-            <a:extLst>
-              <a:ext uri="{FF2B5EF4-FFF2-40B4-BE49-F238E27FC236}">
-                <a16:creationId xmlns:a16="http://schemas.microsoft.com/office/drawing/2014/main" id="{E92ADB5A-1CDC-A56F-15D9-74B919EC8E70}"/>
-              </a:ext>
-            </a:extLst>
-          </p:cNvPr>
-          <p:cNvGrpSpPr/>
-          <p:nvPr/>
-        </p:nvGrpSpPr>
-        <p:grpSpPr>
-          <a:xfrm>
-            <a:off x="1490628" y="2412454"/>
-            <a:ext cx="3942659" cy="2909688"/>
-            <a:chOff x="1490628" y="2412454"/>
-            <a:chExt cx="3942659" cy="2909688"/>
-          </a:xfrm>
-        </p:grpSpPr>
-        <p:pic>
-          <p:nvPicPr>
-            <p:cNvPr id="3" name="Graphic 2">
-              <a:extLst>
-                <a:ext uri="{FF2B5EF4-FFF2-40B4-BE49-F238E27FC236}">
-                  <a16:creationId xmlns:a16="http://schemas.microsoft.com/office/drawing/2014/main" id="{16021FE7-F816-3B34-948E-6577D334F1BC}"/>
-                </a:ext>
-              </a:extLst>
-            </p:cNvPr>
-            <p:cNvPicPr>
-              <a:picLocks noChangeAspect="1"/>
-            </p:cNvPicPr>
-            <p:nvPr/>
-          </p:nvPicPr>
-          <p:blipFill>
-            <a:blip r:embed="rId2">
-              <a:extLst>
-                <a:ext uri="{96DAC541-7B7A-43D3-8B79-37D633B846F1}">
-                  <asvg:svgBlip xmlns:asvg="http://schemas.microsoft.com/office/drawing/2016/SVG/main" r:embed="rId3"/>
-                </a:ext>
-              </a:extLst>
-            </a:blip>
-            <a:stretch>
-              <a:fillRect/>
-            </a:stretch>
-          </p:blipFill>
-          <p:spPr>
-            <a:xfrm>
-              <a:off x="1490628" y="2921501"/>
-              <a:ext cx="3942659" cy="2400641"/>
-            </a:xfrm>
-            <a:prstGeom prst="rect">
-              <a:avLst/>
-            </a:prstGeom>
-          </p:spPr>
-        </p:pic>
-        <p:sp>
-          <p:nvSpPr>
-            <p:cNvPr id="4" name="TextBox 3">
-              <a:extLst>
-                <a:ext uri="{FF2B5EF4-FFF2-40B4-BE49-F238E27FC236}">
-                  <a16:creationId xmlns:a16="http://schemas.microsoft.com/office/drawing/2014/main" id="{5A7632BF-7A2A-D1D8-8AED-82B226E8CFD3}"/>
-                </a:ext>
-              </a:extLst>
-            </p:cNvPr>
-            <p:cNvSpPr txBox="1"/>
-            <p:nvPr/>
-          </p:nvSpPr>
-          <p:spPr>
-            <a:xfrm>
-              <a:off x="2174951" y="2412454"/>
-              <a:ext cx="3110846" cy="369332"/>
-            </a:xfrm>
-            <a:prstGeom prst="rect">
-              <a:avLst/>
-            </a:prstGeom>
-            <a:noFill/>
-            <a:ln>
-              <a:solidFill>
-                <a:schemeClr val="tx1"/>
-              </a:solidFill>
-            </a:ln>
-          </p:spPr>
-          <p:txBody>
-            <a:bodyPr wrap="square" rtlCol="0">
-              <a:spAutoFit/>
-            </a:bodyPr>
-            <a:lstStyle/>
-            <a:p>
-              <a:pPr algn="ctr"/>
-              <a:r>
-                <a:rPr lang="en-US" dirty="0">
-                  <a:latin typeface="Open Sauce Sans" pitchFamily="2" charset="77"/>
-                </a:rPr>
-                <a:t>All Available Data</a:t>
-              </a:r>
-              <a:endParaRPr lang="en-US" sz="2000" dirty="0">
-                <a:latin typeface="Open Sauce Sans" pitchFamily="2" charset="77"/>
-              </a:endParaRPr>
-            </a:p>
-          </p:txBody>
-        </p:sp>
-      </p:grpSp>
-    </p:spTree>
-    <p:extLst>
-      <p:ext uri="{BB962C8B-B14F-4D97-AF65-F5344CB8AC3E}">
-        <p14:creationId xmlns:p14="http://schemas.microsoft.com/office/powerpoint/2010/main" val="2396213534"/>
       </p:ext>
     </p:extLst>
   </p:cSld>

--- a/figs/sw_figs.pptx
+++ b/figs/sw_figs.pptx
@@ -16,12 +16,13 @@
     <p:sldId id="262" r:id="rId10"/>
     <p:sldId id="280" r:id="rId11"/>
     <p:sldId id="264" r:id="rId12"/>
-    <p:sldId id="265" r:id="rId13"/>
-    <p:sldId id="275" r:id="rId14"/>
-    <p:sldId id="276" r:id="rId15"/>
-    <p:sldId id="277" r:id="rId16"/>
-    <p:sldId id="278" r:id="rId17"/>
-    <p:sldId id="279" r:id="rId18"/>
+    <p:sldId id="284" r:id="rId13"/>
+    <p:sldId id="265" r:id="rId14"/>
+    <p:sldId id="275" r:id="rId15"/>
+    <p:sldId id="276" r:id="rId16"/>
+    <p:sldId id="277" r:id="rId17"/>
+    <p:sldId id="278" r:id="rId18"/>
+    <p:sldId id="279" r:id="rId19"/>
   </p:sldIdLst>
   <p:sldSz cx="12192000" cy="6858000"/>
   <p:notesSz cx="6858000" cy="9144000"/>
@@ -275,7 +276,7 @@
           <a:p>
             <a:fld id="{218A4B5B-ABDA-F54A-ACC4-BDC1169AAC49}" type="datetimeFigureOut">
               <a:rPr lang="en-US" smtClean="0"/>
-              <a:t>8/6/22</a:t>
+              <a:t>8/7/2022</a:t>
             </a:fld>
             <a:endParaRPr lang="en-US"/>
           </a:p>
@@ -473,7 +474,7 @@
           <a:p>
             <a:fld id="{218A4B5B-ABDA-F54A-ACC4-BDC1169AAC49}" type="datetimeFigureOut">
               <a:rPr lang="en-US" smtClean="0"/>
-              <a:t>8/6/22</a:t>
+              <a:t>8/7/2022</a:t>
             </a:fld>
             <a:endParaRPr lang="en-US"/>
           </a:p>
@@ -681,7 +682,7 @@
           <a:p>
             <a:fld id="{218A4B5B-ABDA-F54A-ACC4-BDC1169AAC49}" type="datetimeFigureOut">
               <a:rPr lang="en-US" smtClean="0"/>
-              <a:t>8/6/22</a:t>
+              <a:t>8/7/2022</a:t>
             </a:fld>
             <a:endParaRPr lang="en-US"/>
           </a:p>
@@ -879,7 +880,7 @@
           <a:p>
             <a:fld id="{218A4B5B-ABDA-F54A-ACC4-BDC1169AAC49}" type="datetimeFigureOut">
               <a:rPr lang="en-US" smtClean="0"/>
-              <a:t>8/6/22</a:t>
+              <a:t>8/7/2022</a:t>
             </a:fld>
             <a:endParaRPr lang="en-US"/>
           </a:p>
@@ -1154,7 +1155,7 @@
           <a:p>
             <a:fld id="{218A4B5B-ABDA-F54A-ACC4-BDC1169AAC49}" type="datetimeFigureOut">
               <a:rPr lang="en-US" smtClean="0"/>
-              <a:t>8/6/22</a:t>
+              <a:t>8/7/2022</a:t>
             </a:fld>
             <a:endParaRPr lang="en-US"/>
           </a:p>
@@ -1419,7 +1420,7 @@
           <a:p>
             <a:fld id="{218A4B5B-ABDA-F54A-ACC4-BDC1169AAC49}" type="datetimeFigureOut">
               <a:rPr lang="en-US" smtClean="0"/>
-              <a:t>8/6/22</a:t>
+              <a:t>8/7/2022</a:t>
             </a:fld>
             <a:endParaRPr lang="en-US"/>
           </a:p>
@@ -1831,7 +1832,7 @@
           <a:p>
             <a:fld id="{218A4B5B-ABDA-F54A-ACC4-BDC1169AAC49}" type="datetimeFigureOut">
               <a:rPr lang="en-US" smtClean="0"/>
-              <a:t>8/6/22</a:t>
+              <a:t>8/7/2022</a:t>
             </a:fld>
             <a:endParaRPr lang="en-US"/>
           </a:p>
@@ -1972,7 +1973,7 @@
           <a:p>
             <a:fld id="{218A4B5B-ABDA-F54A-ACC4-BDC1169AAC49}" type="datetimeFigureOut">
               <a:rPr lang="en-US" smtClean="0"/>
-              <a:t>8/6/22</a:t>
+              <a:t>8/7/2022</a:t>
             </a:fld>
             <a:endParaRPr lang="en-US"/>
           </a:p>
@@ -2085,7 +2086,7 @@
           <a:p>
             <a:fld id="{218A4B5B-ABDA-F54A-ACC4-BDC1169AAC49}" type="datetimeFigureOut">
               <a:rPr lang="en-US" smtClean="0"/>
-              <a:t>8/6/22</a:t>
+              <a:t>8/7/2022</a:t>
             </a:fld>
             <a:endParaRPr lang="en-US"/>
           </a:p>
@@ -2396,7 +2397,7 @@
           <a:p>
             <a:fld id="{218A4B5B-ABDA-F54A-ACC4-BDC1169AAC49}" type="datetimeFigureOut">
               <a:rPr lang="en-US" smtClean="0"/>
-              <a:t>8/6/22</a:t>
+              <a:t>8/7/2022</a:t>
             </a:fld>
             <a:endParaRPr lang="en-US"/>
           </a:p>
@@ -2684,7 +2685,7 @@
           <a:p>
             <a:fld id="{218A4B5B-ABDA-F54A-ACC4-BDC1169AAC49}" type="datetimeFigureOut">
               <a:rPr lang="en-US" smtClean="0"/>
-              <a:t>8/6/22</a:t>
+              <a:t>8/7/2022</a:t>
             </a:fld>
             <a:endParaRPr lang="en-US"/>
           </a:p>
@@ -2928,7 +2929,7 @@
           <a:p>
             <a:fld id="{218A4B5B-ABDA-F54A-ACC4-BDC1169AAC49}" type="datetimeFigureOut">
               <a:rPr lang="en-US" smtClean="0"/>
-              <a:t>8/6/22</a:t>
+              <a:t>8/7/2022</a:t>
             </a:fld>
             <a:endParaRPr lang="en-US"/>
           </a:p>
@@ -6421,6 +6422,2979 @@
 <file path=ppt/slides/slide12.xml><?xml version="1.0" encoding="utf-8"?>
 <p:sld xmlns:a="http://schemas.openxmlformats.org/drawingml/2006/main" xmlns:r="http://schemas.openxmlformats.org/officeDocument/2006/relationships" xmlns:p="http://schemas.openxmlformats.org/presentationml/2006/main">
   <p:cSld>
+    <p:bg>
+      <p:bgPr>
+        <a:solidFill>
+          <a:srgbClr val="E9EBEE"/>
+        </a:solidFill>
+        <a:effectLst/>
+      </p:bgPr>
+    </p:bg>
+    <p:spTree>
+      <p:nvGrpSpPr>
+        <p:cNvPr id="1" name=""/>
+        <p:cNvGrpSpPr/>
+        <p:nvPr/>
+      </p:nvGrpSpPr>
+      <p:grpSpPr>
+        <a:xfrm>
+          <a:off x="0" y="0"/>
+          <a:ext cx="0" cy="0"/>
+          <a:chOff x="0" y="0"/>
+          <a:chExt cx="0" cy="0"/>
+        </a:xfrm>
+      </p:grpSpPr>
+      <p:grpSp>
+        <p:nvGrpSpPr>
+          <p:cNvPr id="42" name="Group 41">
+            <a:extLst>
+              <a:ext uri="{FF2B5EF4-FFF2-40B4-BE49-F238E27FC236}">
+                <a16:creationId xmlns:a16="http://schemas.microsoft.com/office/drawing/2014/main" id="{6FD8BAD0-5ABA-47D6-9347-33A02C882E3C}"/>
+              </a:ext>
+            </a:extLst>
+          </p:cNvPr>
+          <p:cNvGrpSpPr/>
+          <p:nvPr/>
+        </p:nvGrpSpPr>
+        <p:grpSpPr>
+          <a:xfrm>
+            <a:off x="1633428" y="859455"/>
+            <a:ext cx="8925144" cy="5139090"/>
+            <a:chOff x="865745" y="1460895"/>
+            <a:chExt cx="8925144" cy="5139090"/>
+          </a:xfrm>
+        </p:grpSpPr>
+        <p:sp>
+          <p:nvSpPr>
+            <p:cNvPr id="38" name="TextBox 37">
+              <a:extLst>
+                <a:ext uri="{FF2B5EF4-FFF2-40B4-BE49-F238E27FC236}">
+                  <a16:creationId xmlns:a16="http://schemas.microsoft.com/office/drawing/2014/main" id="{275189A4-85F5-208C-49D0-777457106DB1}"/>
+                </a:ext>
+              </a:extLst>
+            </p:cNvPr>
+            <p:cNvSpPr txBox="1"/>
+            <p:nvPr/>
+          </p:nvSpPr>
+          <p:spPr>
+            <a:xfrm>
+              <a:off x="4422220" y="1460895"/>
+              <a:ext cx="3110846" cy="369332"/>
+            </a:xfrm>
+            <a:prstGeom prst="rect">
+              <a:avLst/>
+            </a:prstGeom>
+            <a:noFill/>
+            <a:ln w="19050">
+              <a:solidFill>
+                <a:schemeClr val="tx1"/>
+              </a:solidFill>
+            </a:ln>
+          </p:spPr>
+          <p:txBody>
+            <a:bodyPr wrap="square" rtlCol="0">
+              <a:spAutoFit/>
+            </a:bodyPr>
+            <a:lstStyle/>
+            <a:p>
+              <a:pPr algn="ctr"/>
+              <a:r>
+                <a:rPr lang="en-US" dirty="0">
+                  <a:latin typeface="Open Sauce Sans" pitchFamily="2" charset="77"/>
+                </a:rPr>
+                <a:t>All Available Data</a:t>
+              </a:r>
+            </a:p>
+          </p:txBody>
+        </p:sp>
+        <p:grpSp>
+          <p:nvGrpSpPr>
+            <p:cNvPr id="57" name="Group 56">
+              <a:extLst>
+                <a:ext uri="{FF2B5EF4-FFF2-40B4-BE49-F238E27FC236}">
+                  <a16:creationId xmlns:a16="http://schemas.microsoft.com/office/drawing/2014/main" id="{920D88FD-6EAE-E5CC-3E5F-2535C1C6E7AF}"/>
+                </a:ext>
+              </a:extLst>
+            </p:cNvPr>
+            <p:cNvGrpSpPr>
+              <a:grpSpLocks noChangeAspect="1"/>
+            </p:cNvGrpSpPr>
+            <p:nvPr/>
+          </p:nvGrpSpPr>
+          <p:grpSpPr>
+            <a:xfrm>
+              <a:off x="7610586" y="3427374"/>
+              <a:ext cx="1249760" cy="886968"/>
+              <a:chOff x="6893985" y="2841343"/>
+              <a:chExt cx="1237133" cy="878007"/>
+            </a:xfrm>
+          </p:grpSpPr>
+          <p:grpSp>
+            <p:nvGrpSpPr>
+              <p:cNvPr id="30" name="Group 29">
+                <a:extLst>
+                  <a:ext uri="{FF2B5EF4-FFF2-40B4-BE49-F238E27FC236}">
+                    <a16:creationId xmlns:a16="http://schemas.microsoft.com/office/drawing/2014/main" id="{51AE0B05-0702-DFE7-C95F-E01FA83AE488}"/>
+                  </a:ext>
+                </a:extLst>
+              </p:cNvPr>
+              <p:cNvGrpSpPr>
+                <a:grpSpLocks noChangeAspect="1"/>
+              </p:cNvGrpSpPr>
+              <p:nvPr/>
+            </p:nvGrpSpPr>
+            <p:grpSpPr>
+              <a:xfrm>
+                <a:off x="6893985" y="2841526"/>
+                <a:ext cx="824749" cy="877824"/>
+                <a:chOff x="7228945" y="2840810"/>
+                <a:chExt cx="783664" cy="834094"/>
+              </a:xfrm>
+            </p:grpSpPr>
+            <p:sp>
+              <p:nvSpPr>
+                <p:cNvPr id="2" name="Hexagon 1">
+                  <a:extLst>
+                    <a:ext uri="{FF2B5EF4-FFF2-40B4-BE49-F238E27FC236}">
+                      <a16:creationId xmlns:a16="http://schemas.microsoft.com/office/drawing/2014/main" id="{FC2AA032-8E8D-E909-6ED1-775E3CAB7595}"/>
+                    </a:ext>
+                  </a:extLst>
+                </p:cNvPr>
+                <p:cNvSpPr>
+                  <a:spLocks noChangeAspect="1"/>
+                </p:cNvSpPr>
+                <p:nvPr/>
+              </p:nvSpPr>
+              <p:spPr>
+                <a:xfrm>
+                  <a:off x="7228945" y="2840810"/>
+                  <a:ext cx="195916" cy="164592"/>
+                </a:xfrm>
+                <a:prstGeom prst="hexagon">
+                  <a:avLst/>
+                </a:prstGeom>
+                <a:solidFill>
+                  <a:srgbClr val="BBBAF7"/>
+                </a:solidFill>
+                <a:ln w="6350">
+                  <a:solidFill>
+                    <a:schemeClr val="tx1">
+                      <a:lumMod val="50000"/>
+                      <a:lumOff val="50000"/>
+                    </a:schemeClr>
+                  </a:solidFill>
+                </a:ln>
+              </p:spPr>
+              <p:style>
+                <a:lnRef idx="2">
+                  <a:schemeClr val="accent1">
+                    <a:shade val="50000"/>
+                  </a:schemeClr>
+                </a:lnRef>
+                <a:fillRef idx="1">
+                  <a:schemeClr val="accent1"/>
+                </a:fillRef>
+                <a:effectRef idx="0">
+                  <a:schemeClr val="accent1"/>
+                </a:effectRef>
+                <a:fontRef idx="minor">
+                  <a:schemeClr val="lt1"/>
+                </a:fontRef>
+              </p:style>
+              <p:txBody>
+                <a:bodyPr lIns="9144" rIns="0" rtlCol="0" anchor="ctr"/>
+                <a:lstStyle/>
+                <a:p>
+                  <a:pPr algn="ctr"/>
+                  <a:r>
+                    <a:rPr lang="en-US" sz="800" dirty="0">
+                      <a:solidFill>
+                        <a:schemeClr val="tx1"/>
+                      </a:solidFill>
+                      <a:latin typeface="Arial" panose="020B0604020202020204" pitchFamily="34" charset="0"/>
+                      <a:cs typeface="Arial" panose="020B0604020202020204" pitchFamily="34" charset="0"/>
+                    </a:rPr>
+                    <a:t>31</a:t>
+                  </a:r>
+                </a:p>
+              </p:txBody>
+            </p:sp>
+            <p:sp>
+              <p:nvSpPr>
+                <p:cNvPr id="3" name="Hexagon 2">
+                  <a:extLst>
+                    <a:ext uri="{FF2B5EF4-FFF2-40B4-BE49-F238E27FC236}">
+                      <a16:creationId xmlns:a16="http://schemas.microsoft.com/office/drawing/2014/main" id="{C116952F-8991-861D-EE5C-557145BDEF9C}"/>
+                    </a:ext>
+                  </a:extLst>
+                </p:cNvPr>
+                <p:cNvSpPr>
+                  <a:spLocks noChangeAspect="1"/>
+                </p:cNvSpPr>
+                <p:nvPr/>
+              </p:nvSpPr>
+              <p:spPr>
+                <a:xfrm>
+                  <a:off x="7424861" y="2840984"/>
+                  <a:ext cx="195916" cy="164592"/>
+                </a:xfrm>
+                <a:prstGeom prst="hexagon">
+                  <a:avLst/>
+                </a:prstGeom>
+                <a:solidFill>
+                  <a:srgbClr val="BBBAF7"/>
+                </a:solidFill>
+                <a:ln w="6350">
+                  <a:solidFill>
+                    <a:schemeClr val="tx1">
+                      <a:lumMod val="50000"/>
+                      <a:lumOff val="50000"/>
+                    </a:schemeClr>
+                  </a:solidFill>
+                </a:ln>
+              </p:spPr>
+              <p:style>
+                <a:lnRef idx="2">
+                  <a:schemeClr val="accent1">
+                    <a:shade val="50000"/>
+                  </a:schemeClr>
+                </a:lnRef>
+                <a:fillRef idx="1">
+                  <a:schemeClr val="accent1"/>
+                </a:fillRef>
+                <a:effectRef idx="0">
+                  <a:schemeClr val="accent1"/>
+                </a:effectRef>
+                <a:fontRef idx="minor">
+                  <a:schemeClr val="lt1"/>
+                </a:fontRef>
+              </p:style>
+              <p:txBody>
+                <a:bodyPr lIns="9144" rIns="0" rtlCol="0" anchor="ctr"/>
+                <a:lstStyle/>
+                <a:p>
+                  <a:pPr algn="ctr"/>
+                  <a:r>
+                    <a:rPr lang="en-US" sz="800" dirty="0">
+                      <a:solidFill>
+                        <a:schemeClr val="tx1"/>
+                      </a:solidFill>
+                      <a:latin typeface="Arial" panose="020B0604020202020204" pitchFamily="34" charset="0"/>
+                      <a:cs typeface="Arial" panose="020B0604020202020204" pitchFamily="34" charset="0"/>
+                    </a:rPr>
+                    <a:t>32</a:t>
+                  </a:r>
+                </a:p>
+              </p:txBody>
+            </p:sp>
+            <p:sp>
+              <p:nvSpPr>
+                <p:cNvPr id="4" name="Hexagon 3">
+                  <a:extLst>
+                    <a:ext uri="{FF2B5EF4-FFF2-40B4-BE49-F238E27FC236}">
+                      <a16:creationId xmlns:a16="http://schemas.microsoft.com/office/drawing/2014/main" id="{8B511F75-DED9-A8CB-C28D-F17ABDD38540}"/>
+                    </a:ext>
+                  </a:extLst>
+                </p:cNvPr>
+                <p:cNvSpPr>
+                  <a:spLocks noChangeAspect="1"/>
+                </p:cNvSpPr>
+                <p:nvPr/>
+              </p:nvSpPr>
+              <p:spPr>
+                <a:xfrm>
+                  <a:off x="7620777" y="2840984"/>
+                  <a:ext cx="195916" cy="164592"/>
+                </a:xfrm>
+                <a:prstGeom prst="hexagon">
+                  <a:avLst/>
+                </a:prstGeom>
+                <a:solidFill>
+                  <a:srgbClr val="BBBAF7"/>
+                </a:solidFill>
+                <a:ln w="6350">
+                  <a:solidFill>
+                    <a:schemeClr val="tx1">
+                      <a:lumMod val="50000"/>
+                      <a:lumOff val="50000"/>
+                    </a:schemeClr>
+                  </a:solidFill>
+                </a:ln>
+              </p:spPr>
+              <p:style>
+                <a:lnRef idx="2">
+                  <a:schemeClr val="accent1">
+                    <a:shade val="50000"/>
+                  </a:schemeClr>
+                </a:lnRef>
+                <a:fillRef idx="1">
+                  <a:schemeClr val="accent1"/>
+                </a:fillRef>
+                <a:effectRef idx="0">
+                  <a:schemeClr val="accent1"/>
+                </a:effectRef>
+                <a:fontRef idx="minor">
+                  <a:schemeClr val="lt1"/>
+                </a:fontRef>
+              </p:style>
+              <p:txBody>
+                <a:bodyPr lIns="9144" rIns="0" rtlCol="0" anchor="ctr"/>
+                <a:lstStyle/>
+                <a:p>
+                  <a:pPr algn="ctr"/>
+                  <a:r>
+                    <a:rPr lang="en-US" sz="800" dirty="0">
+                      <a:solidFill>
+                        <a:schemeClr val="tx1"/>
+                      </a:solidFill>
+                      <a:latin typeface="Arial" panose="020B0604020202020204" pitchFamily="34" charset="0"/>
+                      <a:cs typeface="Arial" panose="020B0604020202020204" pitchFamily="34" charset="0"/>
+                    </a:rPr>
+                    <a:t>33</a:t>
+                  </a:r>
+                </a:p>
+              </p:txBody>
+            </p:sp>
+            <p:sp>
+              <p:nvSpPr>
+                <p:cNvPr id="5" name="Hexagon 4">
+                  <a:extLst>
+                    <a:ext uri="{FF2B5EF4-FFF2-40B4-BE49-F238E27FC236}">
+                      <a16:creationId xmlns:a16="http://schemas.microsoft.com/office/drawing/2014/main" id="{9136CB8D-CF87-D3B8-A47C-225D05C43471}"/>
+                    </a:ext>
+                  </a:extLst>
+                </p:cNvPr>
+                <p:cNvSpPr>
+                  <a:spLocks noChangeAspect="1"/>
+                </p:cNvSpPr>
+                <p:nvPr/>
+              </p:nvSpPr>
+              <p:spPr>
+                <a:xfrm>
+                  <a:off x="7816693" y="2840984"/>
+                  <a:ext cx="195916" cy="164592"/>
+                </a:xfrm>
+                <a:prstGeom prst="hexagon">
+                  <a:avLst/>
+                </a:prstGeom>
+                <a:solidFill>
+                  <a:srgbClr val="BBBAF7"/>
+                </a:solidFill>
+                <a:ln w="6350">
+                  <a:solidFill>
+                    <a:schemeClr val="tx1">
+                      <a:lumMod val="50000"/>
+                      <a:lumOff val="50000"/>
+                    </a:schemeClr>
+                  </a:solidFill>
+                </a:ln>
+              </p:spPr>
+              <p:style>
+                <a:lnRef idx="2">
+                  <a:schemeClr val="accent1">
+                    <a:shade val="50000"/>
+                  </a:schemeClr>
+                </a:lnRef>
+                <a:fillRef idx="1">
+                  <a:schemeClr val="accent1"/>
+                </a:fillRef>
+                <a:effectRef idx="0">
+                  <a:schemeClr val="accent1"/>
+                </a:effectRef>
+                <a:fontRef idx="minor">
+                  <a:schemeClr val="lt1"/>
+                </a:fontRef>
+              </p:style>
+              <p:txBody>
+                <a:bodyPr lIns="9144" rIns="0" rtlCol="0" anchor="ctr"/>
+                <a:lstStyle/>
+                <a:p>
+                  <a:pPr algn="ctr"/>
+                  <a:r>
+                    <a:rPr lang="en-US" sz="800" dirty="0">
+                      <a:solidFill>
+                        <a:schemeClr val="tx1"/>
+                      </a:solidFill>
+                      <a:latin typeface="Arial" panose="020B0604020202020204" pitchFamily="34" charset="0"/>
+                      <a:cs typeface="Arial" panose="020B0604020202020204" pitchFamily="34" charset="0"/>
+                    </a:rPr>
+                    <a:t>34</a:t>
+                  </a:r>
+                </a:p>
+              </p:txBody>
+            </p:sp>
+            <p:sp>
+              <p:nvSpPr>
+                <p:cNvPr id="8" name="Hexagon 7">
+                  <a:extLst>
+                    <a:ext uri="{FF2B5EF4-FFF2-40B4-BE49-F238E27FC236}">
+                      <a16:creationId xmlns:a16="http://schemas.microsoft.com/office/drawing/2014/main" id="{91CD13B7-EA23-66FE-EE55-220FD097E494}"/>
+                    </a:ext>
+                  </a:extLst>
+                </p:cNvPr>
+                <p:cNvSpPr>
+                  <a:spLocks noChangeAspect="1"/>
+                </p:cNvSpPr>
+                <p:nvPr/>
+              </p:nvSpPr>
+              <p:spPr>
+                <a:xfrm>
+                  <a:off x="7228945" y="3008577"/>
+                  <a:ext cx="195916" cy="164592"/>
+                </a:xfrm>
+                <a:prstGeom prst="hexagon">
+                  <a:avLst/>
+                </a:prstGeom>
+                <a:solidFill>
+                  <a:srgbClr val="BBBAF7"/>
+                </a:solidFill>
+                <a:ln w="6350">
+                  <a:solidFill>
+                    <a:schemeClr val="tx1">
+                      <a:lumMod val="50000"/>
+                      <a:lumOff val="50000"/>
+                    </a:schemeClr>
+                  </a:solidFill>
+                </a:ln>
+              </p:spPr>
+              <p:style>
+                <a:lnRef idx="2">
+                  <a:schemeClr val="accent1">
+                    <a:shade val="50000"/>
+                  </a:schemeClr>
+                </a:lnRef>
+                <a:fillRef idx="1">
+                  <a:schemeClr val="accent1"/>
+                </a:fillRef>
+                <a:effectRef idx="0">
+                  <a:schemeClr val="accent1"/>
+                </a:effectRef>
+                <a:fontRef idx="minor">
+                  <a:schemeClr val="lt1"/>
+                </a:fontRef>
+              </p:style>
+              <p:txBody>
+                <a:bodyPr lIns="9144" rIns="0" rtlCol="0" anchor="ctr"/>
+                <a:lstStyle/>
+                <a:p>
+                  <a:pPr algn="ctr"/>
+                  <a:r>
+                    <a:rPr lang="en-US" sz="800" dirty="0">
+                      <a:solidFill>
+                        <a:schemeClr val="tx1"/>
+                      </a:solidFill>
+                      <a:latin typeface="Arial" panose="020B0604020202020204" pitchFamily="34" charset="0"/>
+                      <a:cs typeface="Arial" panose="020B0604020202020204" pitchFamily="34" charset="0"/>
+                    </a:rPr>
+                    <a:t>35</a:t>
+                  </a:r>
+                </a:p>
+              </p:txBody>
+            </p:sp>
+            <p:sp>
+              <p:nvSpPr>
+                <p:cNvPr id="9" name="Hexagon 8">
+                  <a:extLst>
+                    <a:ext uri="{FF2B5EF4-FFF2-40B4-BE49-F238E27FC236}">
+                      <a16:creationId xmlns:a16="http://schemas.microsoft.com/office/drawing/2014/main" id="{E62A8C42-EBAD-1B08-A91E-BF6544EB2DA2}"/>
+                    </a:ext>
+                  </a:extLst>
+                </p:cNvPr>
+                <p:cNvSpPr>
+                  <a:spLocks noChangeAspect="1"/>
+                </p:cNvSpPr>
+                <p:nvPr/>
+              </p:nvSpPr>
+              <p:spPr>
+                <a:xfrm>
+                  <a:off x="7424861" y="3008751"/>
+                  <a:ext cx="195916" cy="164592"/>
+                </a:xfrm>
+                <a:prstGeom prst="hexagon">
+                  <a:avLst/>
+                </a:prstGeom>
+                <a:solidFill>
+                  <a:srgbClr val="BBBAF7"/>
+                </a:solidFill>
+                <a:ln w="6350">
+                  <a:solidFill>
+                    <a:schemeClr val="tx1">
+                      <a:lumMod val="50000"/>
+                      <a:lumOff val="50000"/>
+                    </a:schemeClr>
+                  </a:solidFill>
+                </a:ln>
+              </p:spPr>
+              <p:style>
+                <a:lnRef idx="2">
+                  <a:schemeClr val="accent1">
+                    <a:shade val="50000"/>
+                  </a:schemeClr>
+                </a:lnRef>
+                <a:fillRef idx="1">
+                  <a:schemeClr val="accent1"/>
+                </a:fillRef>
+                <a:effectRef idx="0">
+                  <a:schemeClr val="accent1"/>
+                </a:effectRef>
+                <a:fontRef idx="minor">
+                  <a:schemeClr val="lt1"/>
+                </a:fontRef>
+              </p:style>
+              <p:txBody>
+                <a:bodyPr lIns="9144" rIns="0" rtlCol="0" anchor="ctr"/>
+                <a:lstStyle/>
+                <a:p>
+                  <a:pPr algn="ctr"/>
+                  <a:r>
+                    <a:rPr lang="en-US" sz="800" dirty="0">
+                      <a:solidFill>
+                        <a:schemeClr val="tx1"/>
+                      </a:solidFill>
+                      <a:latin typeface="Arial" panose="020B0604020202020204" pitchFamily="34" charset="0"/>
+                      <a:cs typeface="Arial" panose="020B0604020202020204" pitchFamily="34" charset="0"/>
+                    </a:rPr>
+                    <a:t>36</a:t>
+                  </a:r>
+                </a:p>
+              </p:txBody>
+            </p:sp>
+            <p:sp>
+              <p:nvSpPr>
+                <p:cNvPr id="10" name="Hexagon 9">
+                  <a:extLst>
+                    <a:ext uri="{FF2B5EF4-FFF2-40B4-BE49-F238E27FC236}">
+                      <a16:creationId xmlns:a16="http://schemas.microsoft.com/office/drawing/2014/main" id="{CE6D9145-AE6F-22A5-047B-6C1EE0A7945F}"/>
+                    </a:ext>
+                  </a:extLst>
+                </p:cNvPr>
+                <p:cNvSpPr>
+                  <a:spLocks noChangeAspect="1"/>
+                </p:cNvSpPr>
+                <p:nvPr/>
+              </p:nvSpPr>
+              <p:spPr>
+                <a:xfrm>
+                  <a:off x="7620777" y="3008751"/>
+                  <a:ext cx="195916" cy="164592"/>
+                </a:xfrm>
+                <a:prstGeom prst="hexagon">
+                  <a:avLst/>
+                </a:prstGeom>
+                <a:solidFill>
+                  <a:srgbClr val="BBBAF7"/>
+                </a:solidFill>
+                <a:ln w="6350">
+                  <a:solidFill>
+                    <a:schemeClr val="tx1">
+                      <a:lumMod val="50000"/>
+                      <a:lumOff val="50000"/>
+                    </a:schemeClr>
+                  </a:solidFill>
+                </a:ln>
+              </p:spPr>
+              <p:style>
+                <a:lnRef idx="2">
+                  <a:schemeClr val="accent1">
+                    <a:shade val="50000"/>
+                  </a:schemeClr>
+                </a:lnRef>
+                <a:fillRef idx="1">
+                  <a:schemeClr val="accent1"/>
+                </a:fillRef>
+                <a:effectRef idx="0">
+                  <a:schemeClr val="accent1"/>
+                </a:effectRef>
+                <a:fontRef idx="minor">
+                  <a:schemeClr val="lt1"/>
+                </a:fontRef>
+              </p:style>
+              <p:txBody>
+                <a:bodyPr lIns="9144" rIns="0" rtlCol="0" anchor="ctr"/>
+                <a:lstStyle/>
+                <a:p>
+                  <a:pPr algn="ctr"/>
+                  <a:r>
+                    <a:rPr lang="en-US" sz="800" dirty="0">
+                      <a:solidFill>
+                        <a:schemeClr val="tx1"/>
+                      </a:solidFill>
+                      <a:latin typeface="Arial" panose="020B0604020202020204" pitchFamily="34" charset="0"/>
+                      <a:cs typeface="Arial" panose="020B0604020202020204" pitchFamily="34" charset="0"/>
+                    </a:rPr>
+                    <a:t>37</a:t>
+                  </a:r>
+                </a:p>
+              </p:txBody>
+            </p:sp>
+            <p:sp>
+              <p:nvSpPr>
+                <p:cNvPr id="11" name="Hexagon 10">
+                  <a:extLst>
+                    <a:ext uri="{FF2B5EF4-FFF2-40B4-BE49-F238E27FC236}">
+                      <a16:creationId xmlns:a16="http://schemas.microsoft.com/office/drawing/2014/main" id="{BC0798C3-5E80-4BB5-5B0A-A9A39F7D2B56}"/>
+                    </a:ext>
+                  </a:extLst>
+                </p:cNvPr>
+                <p:cNvSpPr>
+                  <a:spLocks noChangeAspect="1"/>
+                </p:cNvSpPr>
+                <p:nvPr/>
+              </p:nvSpPr>
+              <p:spPr>
+                <a:xfrm>
+                  <a:off x="7816693" y="3008751"/>
+                  <a:ext cx="195916" cy="164592"/>
+                </a:xfrm>
+                <a:prstGeom prst="hexagon">
+                  <a:avLst/>
+                </a:prstGeom>
+                <a:solidFill>
+                  <a:srgbClr val="BBBAF7"/>
+                </a:solidFill>
+                <a:ln w="6350">
+                  <a:solidFill>
+                    <a:schemeClr val="tx1">
+                      <a:lumMod val="50000"/>
+                      <a:lumOff val="50000"/>
+                    </a:schemeClr>
+                  </a:solidFill>
+                </a:ln>
+              </p:spPr>
+              <p:style>
+                <a:lnRef idx="2">
+                  <a:schemeClr val="accent1">
+                    <a:shade val="50000"/>
+                  </a:schemeClr>
+                </a:lnRef>
+                <a:fillRef idx="1">
+                  <a:schemeClr val="accent1"/>
+                </a:fillRef>
+                <a:effectRef idx="0">
+                  <a:schemeClr val="accent1"/>
+                </a:effectRef>
+                <a:fontRef idx="minor">
+                  <a:schemeClr val="lt1"/>
+                </a:fontRef>
+              </p:style>
+              <p:txBody>
+                <a:bodyPr lIns="9144" rIns="0" rtlCol="0" anchor="ctr"/>
+                <a:lstStyle/>
+                <a:p>
+                  <a:pPr algn="ctr"/>
+                  <a:r>
+                    <a:rPr lang="en-US" sz="800" dirty="0">
+                      <a:solidFill>
+                        <a:schemeClr val="tx1"/>
+                      </a:solidFill>
+                      <a:latin typeface="Arial" panose="020B0604020202020204" pitchFamily="34" charset="0"/>
+                      <a:cs typeface="Arial" panose="020B0604020202020204" pitchFamily="34" charset="0"/>
+                    </a:rPr>
+                    <a:t>38</a:t>
+                  </a:r>
+                </a:p>
+              </p:txBody>
+            </p:sp>
+            <p:sp>
+              <p:nvSpPr>
+                <p:cNvPr id="12" name="Hexagon 11">
+                  <a:extLst>
+                    <a:ext uri="{FF2B5EF4-FFF2-40B4-BE49-F238E27FC236}">
+                      <a16:creationId xmlns:a16="http://schemas.microsoft.com/office/drawing/2014/main" id="{96F07D57-0FF2-2E08-C4C1-289D925FC9AB}"/>
+                    </a:ext>
+                  </a:extLst>
+                </p:cNvPr>
+                <p:cNvSpPr>
+                  <a:spLocks noChangeAspect="1"/>
+                </p:cNvSpPr>
+                <p:nvPr/>
+              </p:nvSpPr>
+              <p:spPr>
+                <a:xfrm>
+                  <a:off x="7228945" y="3175996"/>
+                  <a:ext cx="195916" cy="164592"/>
+                </a:xfrm>
+                <a:prstGeom prst="hexagon">
+                  <a:avLst/>
+                </a:prstGeom>
+                <a:solidFill>
+                  <a:srgbClr val="BBBAF7"/>
+                </a:solidFill>
+                <a:ln w="6350">
+                  <a:solidFill>
+                    <a:schemeClr val="tx1">
+                      <a:lumMod val="50000"/>
+                      <a:lumOff val="50000"/>
+                    </a:schemeClr>
+                  </a:solidFill>
+                </a:ln>
+              </p:spPr>
+              <p:style>
+                <a:lnRef idx="2">
+                  <a:schemeClr val="accent1">
+                    <a:shade val="50000"/>
+                  </a:schemeClr>
+                </a:lnRef>
+                <a:fillRef idx="1">
+                  <a:schemeClr val="accent1"/>
+                </a:fillRef>
+                <a:effectRef idx="0">
+                  <a:schemeClr val="accent1"/>
+                </a:effectRef>
+                <a:fontRef idx="minor">
+                  <a:schemeClr val="lt1"/>
+                </a:fontRef>
+              </p:style>
+              <p:txBody>
+                <a:bodyPr lIns="9144" rIns="0" rtlCol="0" anchor="ctr"/>
+                <a:lstStyle/>
+                <a:p>
+                  <a:pPr algn="ctr"/>
+                  <a:r>
+                    <a:rPr lang="en-US" sz="800" dirty="0">
+                      <a:solidFill>
+                        <a:schemeClr val="tx1"/>
+                      </a:solidFill>
+                      <a:latin typeface="Arial" panose="020B0604020202020204" pitchFamily="34" charset="0"/>
+                      <a:cs typeface="Arial" panose="020B0604020202020204" pitchFamily="34" charset="0"/>
+                    </a:rPr>
+                    <a:t>39</a:t>
+                  </a:r>
+                </a:p>
+              </p:txBody>
+            </p:sp>
+            <p:sp>
+              <p:nvSpPr>
+                <p:cNvPr id="13" name="Hexagon 12">
+                  <a:extLst>
+                    <a:ext uri="{FF2B5EF4-FFF2-40B4-BE49-F238E27FC236}">
+                      <a16:creationId xmlns:a16="http://schemas.microsoft.com/office/drawing/2014/main" id="{BBE24C59-219C-2305-AC2A-F9F53798E9AA}"/>
+                    </a:ext>
+                  </a:extLst>
+                </p:cNvPr>
+                <p:cNvSpPr>
+                  <a:spLocks noChangeAspect="1"/>
+                </p:cNvSpPr>
+                <p:nvPr/>
+              </p:nvSpPr>
+              <p:spPr>
+                <a:xfrm>
+                  <a:off x="7424861" y="3176170"/>
+                  <a:ext cx="195916" cy="164592"/>
+                </a:xfrm>
+                <a:prstGeom prst="hexagon">
+                  <a:avLst/>
+                </a:prstGeom>
+                <a:solidFill>
+                  <a:srgbClr val="BBBAF7"/>
+                </a:solidFill>
+                <a:ln w="6350">
+                  <a:solidFill>
+                    <a:schemeClr val="tx1">
+                      <a:lumMod val="50000"/>
+                      <a:lumOff val="50000"/>
+                    </a:schemeClr>
+                  </a:solidFill>
+                </a:ln>
+              </p:spPr>
+              <p:style>
+                <a:lnRef idx="2">
+                  <a:schemeClr val="accent1">
+                    <a:shade val="50000"/>
+                  </a:schemeClr>
+                </a:lnRef>
+                <a:fillRef idx="1">
+                  <a:schemeClr val="accent1"/>
+                </a:fillRef>
+                <a:effectRef idx="0">
+                  <a:schemeClr val="accent1"/>
+                </a:effectRef>
+                <a:fontRef idx="minor">
+                  <a:schemeClr val="lt1"/>
+                </a:fontRef>
+              </p:style>
+              <p:txBody>
+                <a:bodyPr lIns="9144" rIns="0" rtlCol="0" anchor="ctr"/>
+                <a:lstStyle/>
+                <a:p>
+                  <a:pPr algn="ctr"/>
+                  <a:r>
+                    <a:rPr lang="en-US" sz="800" dirty="0">
+                      <a:solidFill>
+                        <a:schemeClr val="tx1"/>
+                      </a:solidFill>
+                      <a:latin typeface="Arial" panose="020B0604020202020204" pitchFamily="34" charset="0"/>
+                      <a:cs typeface="Arial" panose="020B0604020202020204" pitchFamily="34" charset="0"/>
+                    </a:rPr>
+                    <a:t>40</a:t>
+                  </a:r>
+                </a:p>
+              </p:txBody>
+            </p:sp>
+            <p:sp>
+              <p:nvSpPr>
+                <p:cNvPr id="14" name="Hexagon 13">
+                  <a:extLst>
+                    <a:ext uri="{FF2B5EF4-FFF2-40B4-BE49-F238E27FC236}">
+                      <a16:creationId xmlns:a16="http://schemas.microsoft.com/office/drawing/2014/main" id="{41D9355D-D760-5D56-ED05-8443AD844ACD}"/>
+                    </a:ext>
+                  </a:extLst>
+                </p:cNvPr>
+                <p:cNvSpPr>
+                  <a:spLocks noChangeAspect="1"/>
+                </p:cNvSpPr>
+                <p:nvPr/>
+              </p:nvSpPr>
+              <p:spPr>
+                <a:xfrm>
+                  <a:off x="7620777" y="3176170"/>
+                  <a:ext cx="195916" cy="164592"/>
+                </a:xfrm>
+                <a:prstGeom prst="hexagon">
+                  <a:avLst/>
+                </a:prstGeom>
+                <a:solidFill>
+                  <a:srgbClr val="BBBAF7"/>
+                </a:solidFill>
+                <a:ln w="6350">
+                  <a:solidFill>
+                    <a:schemeClr val="tx1">
+                      <a:lumMod val="50000"/>
+                      <a:lumOff val="50000"/>
+                    </a:schemeClr>
+                  </a:solidFill>
+                </a:ln>
+              </p:spPr>
+              <p:style>
+                <a:lnRef idx="2">
+                  <a:schemeClr val="accent1">
+                    <a:shade val="50000"/>
+                  </a:schemeClr>
+                </a:lnRef>
+                <a:fillRef idx="1">
+                  <a:schemeClr val="accent1"/>
+                </a:fillRef>
+                <a:effectRef idx="0">
+                  <a:schemeClr val="accent1"/>
+                </a:effectRef>
+                <a:fontRef idx="minor">
+                  <a:schemeClr val="lt1"/>
+                </a:fontRef>
+              </p:style>
+              <p:txBody>
+                <a:bodyPr lIns="9144" rIns="0" rtlCol="0" anchor="ctr"/>
+                <a:lstStyle/>
+                <a:p>
+                  <a:pPr algn="ctr"/>
+                  <a:r>
+                    <a:rPr lang="en-US" sz="800" dirty="0">
+                      <a:solidFill>
+                        <a:schemeClr val="tx1"/>
+                      </a:solidFill>
+                      <a:latin typeface="Arial" panose="020B0604020202020204" pitchFamily="34" charset="0"/>
+                      <a:cs typeface="Arial" panose="020B0604020202020204" pitchFamily="34" charset="0"/>
+                    </a:rPr>
+                    <a:t>41</a:t>
+                  </a:r>
+                </a:p>
+              </p:txBody>
+            </p:sp>
+            <p:sp>
+              <p:nvSpPr>
+                <p:cNvPr id="15" name="Hexagon 14">
+                  <a:extLst>
+                    <a:ext uri="{FF2B5EF4-FFF2-40B4-BE49-F238E27FC236}">
+                      <a16:creationId xmlns:a16="http://schemas.microsoft.com/office/drawing/2014/main" id="{3DA213D1-7C36-0A35-CA08-8CC46AEAC40D}"/>
+                    </a:ext>
+                  </a:extLst>
+                </p:cNvPr>
+                <p:cNvSpPr>
+                  <a:spLocks noChangeAspect="1"/>
+                </p:cNvSpPr>
+                <p:nvPr/>
+              </p:nvSpPr>
+              <p:spPr>
+                <a:xfrm>
+                  <a:off x="7816693" y="3176170"/>
+                  <a:ext cx="195916" cy="164592"/>
+                </a:xfrm>
+                <a:prstGeom prst="hexagon">
+                  <a:avLst/>
+                </a:prstGeom>
+                <a:solidFill>
+                  <a:srgbClr val="BBBAF7"/>
+                </a:solidFill>
+                <a:ln w="6350">
+                  <a:solidFill>
+                    <a:schemeClr val="tx1">
+                      <a:lumMod val="50000"/>
+                      <a:lumOff val="50000"/>
+                    </a:schemeClr>
+                  </a:solidFill>
+                </a:ln>
+              </p:spPr>
+              <p:style>
+                <a:lnRef idx="2">
+                  <a:schemeClr val="accent1">
+                    <a:shade val="50000"/>
+                  </a:schemeClr>
+                </a:lnRef>
+                <a:fillRef idx="1">
+                  <a:schemeClr val="accent1"/>
+                </a:fillRef>
+                <a:effectRef idx="0">
+                  <a:schemeClr val="accent1"/>
+                </a:effectRef>
+                <a:fontRef idx="minor">
+                  <a:schemeClr val="lt1"/>
+                </a:fontRef>
+              </p:style>
+              <p:txBody>
+                <a:bodyPr lIns="9144" rIns="0" rtlCol="0" anchor="ctr"/>
+                <a:lstStyle/>
+                <a:p>
+                  <a:pPr algn="ctr"/>
+                  <a:r>
+                    <a:rPr lang="en-US" sz="800" dirty="0">
+                      <a:solidFill>
+                        <a:schemeClr val="tx1"/>
+                      </a:solidFill>
+                      <a:latin typeface="Arial" panose="020B0604020202020204" pitchFamily="34" charset="0"/>
+                      <a:cs typeface="Arial" panose="020B0604020202020204" pitchFamily="34" charset="0"/>
+                    </a:rPr>
+                    <a:t>42</a:t>
+                  </a:r>
+                </a:p>
+              </p:txBody>
+            </p:sp>
+            <p:sp>
+              <p:nvSpPr>
+                <p:cNvPr id="16" name="Hexagon 15">
+                  <a:extLst>
+                    <a:ext uri="{FF2B5EF4-FFF2-40B4-BE49-F238E27FC236}">
+                      <a16:creationId xmlns:a16="http://schemas.microsoft.com/office/drawing/2014/main" id="{FE05E83C-F5B0-810C-70C6-2784AC2BD8A3}"/>
+                    </a:ext>
+                  </a:extLst>
+                </p:cNvPr>
+                <p:cNvSpPr>
+                  <a:spLocks noChangeAspect="1"/>
+                </p:cNvSpPr>
+                <p:nvPr/>
+              </p:nvSpPr>
+              <p:spPr>
+                <a:xfrm>
+                  <a:off x="7228945" y="3343415"/>
+                  <a:ext cx="195916" cy="164592"/>
+                </a:xfrm>
+                <a:prstGeom prst="hexagon">
+                  <a:avLst/>
+                </a:prstGeom>
+                <a:solidFill>
+                  <a:srgbClr val="BBBAF7"/>
+                </a:solidFill>
+                <a:ln w="6350">
+                  <a:solidFill>
+                    <a:schemeClr val="tx1">
+                      <a:lumMod val="50000"/>
+                      <a:lumOff val="50000"/>
+                    </a:schemeClr>
+                  </a:solidFill>
+                </a:ln>
+              </p:spPr>
+              <p:style>
+                <a:lnRef idx="2">
+                  <a:schemeClr val="accent1">
+                    <a:shade val="50000"/>
+                  </a:schemeClr>
+                </a:lnRef>
+                <a:fillRef idx="1">
+                  <a:schemeClr val="accent1"/>
+                </a:fillRef>
+                <a:effectRef idx="0">
+                  <a:schemeClr val="accent1"/>
+                </a:effectRef>
+                <a:fontRef idx="minor">
+                  <a:schemeClr val="lt1"/>
+                </a:fontRef>
+              </p:style>
+              <p:txBody>
+                <a:bodyPr lIns="9144" rIns="0" rtlCol="0" anchor="ctr"/>
+                <a:lstStyle/>
+                <a:p>
+                  <a:pPr algn="ctr"/>
+                  <a:r>
+                    <a:rPr lang="en-US" sz="800" dirty="0">
+                      <a:solidFill>
+                        <a:schemeClr val="tx1"/>
+                      </a:solidFill>
+                      <a:latin typeface="Arial" panose="020B0604020202020204" pitchFamily="34" charset="0"/>
+                      <a:cs typeface="Arial" panose="020B0604020202020204" pitchFamily="34" charset="0"/>
+                    </a:rPr>
+                    <a:t>43</a:t>
+                  </a:r>
+                </a:p>
+              </p:txBody>
+            </p:sp>
+            <p:sp>
+              <p:nvSpPr>
+                <p:cNvPr id="17" name="Hexagon 16">
+                  <a:extLst>
+                    <a:ext uri="{FF2B5EF4-FFF2-40B4-BE49-F238E27FC236}">
+                      <a16:creationId xmlns:a16="http://schemas.microsoft.com/office/drawing/2014/main" id="{BEFC50E2-AD1D-CBE3-B966-43B32015DD09}"/>
+                    </a:ext>
+                  </a:extLst>
+                </p:cNvPr>
+                <p:cNvSpPr>
+                  <a:spLocks noChangeAspect="1"/>
+                </p:cNvSpPr>
+                <p:nvPr/>
+              </p:nvSpPr>
+              <p:spPr>
+                <a:xfrm>
+                  <a:off x="7424861" y="3340414"/>
+                  <a:ext cx="195916" cy="164592"/>
+                </a:xfrm>
+                <a:prstGeom prst="hexagon">
+                  <a:avLst/>
+                </a:prstGeom>
+                <a:solidFill>
+                  <a:srgbClr val="BBBAF7"/>
+                </a:solidFill>
+                <a:ln w="6350">
+                  <a:solidFill>
+                    <a:schemeClr val="tx1">
+                      <a:lumMod val="50000"/>
+                      <a:lumOff val="50000"/>
+                    </a:schemeClr>
+                  </a:solidFill>
+                </a:ln>
+              </p:spPr>
+              <p:style>
+                <a:lnRef idx="2">
+                  <a:schemeClr val="accent1">
+                    <a:shade val="50000"/>
+                  </a:schemeClr>
+                </a:lnRef>
+                <a:fillRef idx="1">
+                  <a:schemeClr val="accent1"/>
+                </a:fillRef>
+                <a:effectRef idx="0">
+                  <a:schemeClr val="accent1"/>
+                </a:effectRef>
+                <a:fontRef idx="minor">
+                  <a:schemeClr val="lt1"/>
+                </a:fontRef>
+              </p:style>
+              <p:txBody>
+                <a:bodyPr lIns="9144" rIns="0" rtlCol="0" anchor="ctr"/>
+                <a:lstStyle/>
+                <a:p>
+                  <a:pPr algn="ctr"/>
+                  <a:r>
+                    <a:rPr lang="en-US" sz="800" dirty="0">
+                      <a:solidFill>
+                        <a:schemeClr val="tx1"/>
+                      </a:solidFill>
+                      <a:latin typeface="Arial" panose="020B0604020202020204" pitchFamily="34" charset="0"/>
+                      <a:cs typeface="Arial" panose="020B0604020202020204" pitchFamily="34" charset="0"/>
+                    </a:rPr>
+                    <a:t>44</a:t>
+                  </a:r>
+                </a:p>
+              </p:txBody>
+            </p:sp>
+            <p:sp>
+              <p:nvSpPr>
+                <p:cNvPr id="18" name="Hexagon 17">
+                  <a:extLst>
+                    <a:ext uri="{FF2B5EF4-FFF2-40B4-BE49-F238E27FC236}">
+                      <a16:creationId xmlns:a16="http://schemas.microsoft.com/office/drawing/2014/main" id="{0C784E3D-6A1E-3031-82D4-5F86948E7AF5}"/>
+                    </a:ext>
+                  </a:extLst>
+                </p:cNvPr>
+                <p:cNvSpPr>
+                  <a:spLocks noChangeAspect="1"/>
+                </p:cNvSpPr>
+                <p:nvPr/>
+              </p:nvSpPr>
+              <p:spPr>
+                <a:xfrm>
+                  <a:off x="7620777" y="3343589"/>
+                  <a:ext cx="195916" cy="164592"/>
+                </a:xfrm>
+                <a:prstGeom prst="hexagon">
+                  <a:avLst/>
+                </a:prstGeom>
+                <a:solidFill>
+                  <a:srgbClr val="BBBAF7"/>
+                </a:solidFill>
+                <a:ln w="6350">
+                  <a:solidFill>
+                    <a:schemeClr val="tx1">
+                      <a:lumMod val="50000"/>
+                      <a:lumOff val="50000"/>
+                    </a:schemeClr>
+                  </a:solidFill>
+                </a:ln>
+              </p:spPr>
+              <p:style>
+                <a:lnRef idx="2">
+                  <a:schemeClr val="accent1">
+                    <a:shade val="50000"/>
+                  </a:schemeClr>
+                </a:lnRef>
+                <a:fillRef idx="1">
+                  <a:schemeClr val="accent1"/>
+                </a:fillRef>
+                <a:effectRef idx="0">
+                  <a:schemeClr val="accent1"/>
+                </a:effectRef>
+                <a:fontRef idx="minor">
+                  <a:schemeClr val="lt1"/>
+                </a:fontRef>
+              </p:style>
+              <p:txBody>
+                <a:bodyPr lIns="9144" rIns="0" rtlCol="0" anchor="ctr"/>
+                <a:lstStyle/>
+                <a:p>
+                  <a:pPr algn="ctr"/>
+                  <a:r>
+                    <a:rPr lang="en-US" sz="800" dirty="0">
+                      <a:solidFill>
+                        <a:schemeClr val="tx1"/>
+                      </a:solidFill>
+                      <a:latin typeface="Arial" panose="020B0604020202020204" pitchFamily="34" charset="0"/>
+                      <a:cs typeface="Arial" panose="020B0604020202020204" pitchFamily="34" charset="0"/>
+                    </a:rPr>
+                    <a:t>45</a:t>
+                  </a:r>
+                </a:p>
+              </p:txBody>
+            </p:sp>
+            <p:sp>
+              <p:nvSpPr>
+                <p:cNvPr id="19" name="Hexagon 18">
+                  <a:extLst>
+                    <a:ext uri="{FF2B5EF4-FFF2-40B4-BE49-F238E27FC236}">
+                      <a16:creationId xmlns:a16="http://schemas.microsoft.com/office/drawing/2014/main" id="{162B3534-500C-597A-7CDE-FDB258BA6C1D}"/>
+                    </a:ext>
+                  </a:extLst>
+                </p:cNvPr>
+                <p:cNvSpPr>
+                  <a:spLocks noChangeAspect="1"/>
+                </p:cNvSpPr>
+                <p:nvPr/>
+              </p:nvSpPr>
+              <p:spPr>
+                <a:xfrm>
+                  <a:off x="7816693" y="3343589"/>
+                  <a:ext cx="195916" cy="164592"/>
+                </a:xfrm>
+                <a:prstGeom prst="hexagon">
+                  <a:avLst/>
+                </a:prstGeom>
+                <a:solidFill>
+                  <a:srgbClr val="BBBAF7"/>
+                </a:solidFill>
+                <a:ln w="6350">
+                  <a:solidFill>
+                    <a:schemeClr val="tx1">
+                      <a:lumMod val="50000"/>
+                      <a:lumOff val="50000"/>
+                    </a:schemeClr>
+                  </a:solidFill>
+                </a:ln>
+              </p:spPr>
+              <p:style>
+                <a:lnRef idx="2">
+                  <a:schemeClr val="accent1">
+                    <a:shade val="50000"/>
+                  </a:schemeClr>
+                </a:lnRef>
+                <a:fillRef idx="1">
+                  <a:schemeClr val="accent1"/>
+                </a:fillRef>
+                <a:effectRef idx="0">
+                  <a:schemeClr val="accent1"/>
+                </a:effectRef>
+                <a:fontRef idx="minor">
+                  <a:schemeClr val="lt1"/>
+                </a:fontRef>
+              </p:style>
+              <p:txBody>
+                <a:bodyPr lIns="9144" rIns="0" rtlCol="0" anchor="ctr"/>
+                <a:lstStyle/>
+                <a:p>
+                  <a:pPr algn="ctr"/>
+                  <a:r>
+                    <a:rPr lang="en-US" sz="800" dirty="0">
+                      <a:solidFill>
+                        <a:schemeClr val="tx1"/>
+                      </a:solidFill>
+                      <a:latin typeface="Arial" panose="020B0604020202020204" pitchFamily="34" charset="0"/>
+                      <a:cs typeface="Arial" panose="020B0604020202020204" pitchFamily="34" charset="0"/>
+                    </a:rPr>
+                    <a:t>46</a:t>
+                  </a:r>
+                </a:p>
+              </p:txBody>
+            </p:sp>
+            <p:sp>
+              <p:nvSpPr>
+                <p:cNvPr id="20" name="Hexagon 19">
+                  <a:extLst>
+                    <a:ext uri="{FF2B5EF4-FFF2-40B4-BE49-F238E27FC236}">
+                      <a16:creationId xmlns:a16="http://schemas.microsoft.com/office/drawing/2014/main" id="{9B5F2623-64A0-6B81-4B59-DEAEFFB02C2A}"/>
+                    </a:ext>
+                  </a:extLst>
+                </p:cNvPr>
+                <p:cNvSpPr>
+                  <a:spLocks noChangeAspect="1"/>
+                </p:cNvSpPr>
+                <p:nvPr/>
+              </p:nvSpPr>
+              <p:spPr>
+                <a:xfrm>
+                  <a:off x="7228945" y="3510138"/>
+                  <a:ext cx="195916" cy="164592"/>
+                </a:xfrm>
+                <a:prstGeom prst="hexagon">
+                  <a:avLst/>
+                </a:prstGeom>
+                <a:solidFill>
+                  <a:srgbClr val="BBBAF7"/>
+                </a:solidFill>
+                <a:ln w="6350">
+                  <a:solidFill>
+                    <a:schemeClr val="tx1">
+                      <a:lumMod val="50000"/>
+                      <a:lumOff val="50000"/>
+                    </a:schemeClr>
+                  </a:solidFill>
+                </a:ln>
+              </p:spPr>
+              <p:style>
+                <a:lnRef idx="2">
+                  <a:schemeClr val="accent1">
+                    <a:shade val="50000"/>
+                  </a:schemeClr>
+                </a:lnRef>
+                <a:fillRef idx="1">
+                  <a:schemeClr val="accent1"/>
+                </a:fillRef>
+                <a:effectRef idx="0">
+                  <a:schemeClr val="accent1"/>
+                </a:effectRef>
+                <a:fontRef idx="minor">
+                  <a:schemeClr val="lt1"/>
+                </a:fontRef>
+              </p:style>
+              <p:txBody>
+                <a:bodyPr lIns="9144" rIns="0" rtlCol="0" anchor="ctr"/>
+                <a:lstStyle/>
+                <a:p>
+                  <a:pPr algn="ctr"/>
+                  <a:r>
+                    <a:rPr lang="en-US" sz="800" dirty="0">
+                      <a:solidFill>
+                        <a:schemeClr val="tx1"/>
+                      </a:solidFill>
+                      <a:latin typeface="Arial" panose="020B0604020202020204" pitchFamily="34" charset="0"/>
+                      <a:cs typeface="Arial" panose="020B0604020202020204" pitchFamily="34" charset="0"/>
+                    </a:rPr>
+                    <a:t>47</a:t>
+                  </a:r>
+                </a:p>
+              </p:txBody>
+            </p:sp>
+            <p:sp>
+              <p:nvSpPr>
+                <p:cNvPr id="21" name="Hexagon 20">
+                  <a:extLst>
+                    <a:ext uri="{FF2B5EF4-FFF2-40B4-BE49-F238E27FC236}">
+                      <a16:creationId xmlns:a16="http://schemas.microsoft.com/office/drawing/2014/main" id="{176738CD-C759-5C86-3E0E-9B0CFFC6AEA9}"/>
+                    </a:ext>
+                  </a:extLst>
+                </p:cNvPr>
+                <p:cNvSpPr>
+                  <a:spLocks noChangeAspect="1"/>
+                </p:cNvSpPr>
+                <p:nvPr/>
+              </p:nvSpPr>
+              <p:spPr>
+                <a:xfrm>
+                  <a:off x="7424861" y="3510312"/>
+                  <a:ext cx="195916" cy="164592"/>
+                </a:xfrm>
+                <a:prstGeom prst="hexagon">
+                  <a:avLst/>
+                </a:prstGeom>
+                <a:solidFill>
+                  <a:srgbClr val="BBBAF7"/>
+                </a:solidFill>
+                <a:ln w="6350">
+                  <a:solidFill>
+                    <a:schemeClr val="tx1">
+                      <a:lumMod val="50000"/>
+                      <a:lumOff val="50000"/>
+                    </a:schemeClr>
+                  </a:solidFill>
+                </a:ln>
+              </p:spPr>
+              <p:style>
+                <a:lnRef idx="2">
+                  <a:schemeClr val="accent1">
+                    <a:shade val="50000"/>
+                  </a:schemeClr>
+                </a:lnRef>
+                <a:fillRef idx="1">
+                  <a:schemeClr val="accent1"/>
+                </a:fillRef>
+                <a:effectRef idx="0">
+                  <a:schemeClr val="accent1"/>
+                </a:effectRef>
+                <a:fontRef idx="minor">
+                  <a:schemeClr val="lt1"/>
+                </a:fontRef>
+              </p:style>
+              <p:txBody>
+                <a:bodyPr lIns="9144" rIns="0" rtlCol="0" anchor="ctr"/>
+                <a:lstStyle/>
+                <a:p>
+                  <a:pPr algn="ctr"/>
+                  <a:r>
+                    <a:rPr lang="en-US" sz="800" dirty="0">
+                      <a:solidFill>
+                        <a:schemeClr val="tx1"/>
+                      </a:solidFill>
+                      <a:latin typeface="Arial" panose="020B0604020202020204" pitchFamily="34" charset="0"/>
+                      <a:cs typeface="Arial" panose="020B0604020202020204" pitchFamily="34" charset="0"/>
+                    </a:rPr>
+                    <a:t>48</a:t>
+                  </a:r>
+                </a:p>
+              </p:txBody>
+            </p:sp>
+            <p:sp>
+              <p:nvSpPr>
+                <p:cNvPr id="22" name="Hexagon 21">
+                  <a:extLst>
+                    <a:ext uri="{FF2B5EF4-FFF2-40B4-BE49-F238E27FC236}">
+                      <a16:creationId xmlns:a16="http://schemas.microsoft.com/office/drawing/2014/main" id="{AFC8FB9B-8C4E-457B-0281-F2E5D5B139EF}"/>
+                    </a:ext>
+                  </a:extLst>
+                </p:cNvPr>
+                <p:cNvSpPr>
+                  <a:spLocks noChangeAspect="1"/>
+                </p:cNvSpPr>
+                <p:nvPr/>
+              </p:nvSpPr>
+              <p:spPr>
+                <a:xfrm>
+                  <a:off x="7620777" y="3510312"/>
+                  <a:ext cx="195916" cy="164592"/>
+                </a:xfrm>
+                <a:prstGeom prst="hexagon">
+                  <a:avLst/>
+                </a:prstGeom>
+                <a:solidFill>
+                  <a:srgbClr val="BBBAF7"/>
+                </a:solidFill>
+                <a:ln w="6350">
+                  <a:solidFill>
+                    <a:schemeClr val="tx1">
+                      <a:lumMod val="50000"/>
+                      <a:lumOff val="50000"/>
+                    </a:schemeClr>
+                  </a:solidFill>
+                </a:ln>
+              </p:spPr>
+              <p:style>
+                <a:lnRef idx="2">
+                  <a:schemeClr val="accent1">
+                    <a:shade val="50000"/>
+                  </a:schemeClr>
+                </a:lnRef>
+                <a:fillRef idx="1">
+                  <a:schemeClr val="accent1"/>
+                </a:fillRef>
+                <a:effectRef idx="0">
+                  <a:schemeClr val="accent1"/>
+                </a:effectRef>
+                <a:fontRef idx="minor">
+                  <a:schemeClr val="lt1"/>
+                </a:fontRef>
+              </p:style>
+              <p:txBody>
+                <a:bodyPr lIns="9144" rIns="0" rtlCol="0" anchor="ctr"/>
+                <a:lstStyle/>
+                <a:p>
+                  <a:pPr algn="ctr"/>
+                  <a:r>
+                    <a:rPr lang="en-US" sz="800" dirty="0">
+                      <a:solidFill>
+                        <a:schemeClr val="tx1"/>
+                      </a:solidFill>
+                      <a:latin typeface="Arial" panose="020B0604020202020204" pitchFamily="34" charset="0"/>
+                      <a:cs typeface="Arial" panose="020B0604020202020204" pitchFamily="34" charset="0"/>
+                    </a:rPr>
+                    <a:t>49</a:t>
+                  </a:r>
+                </a:p>
+              </p:txBody>
+            </p:sp>
+            <p:sp>
+              <p:nvSpPr>
+                <p:cNvPr id="23" name="Hexagon 22">
+                  <a:extLst>
+                    <a:ext uri="{FF2B5EF4-FFF2-40B4-BE49-F238E27FC236}">
+                      <a16:creationId xmlns:a16="http://schemas.microsoft.com/office/drawing/2014/main" id="{DD14B1B1-98CF-2ECA-C482-2C8492B11401}"/>
+                    </a:ext>
+                  </a:extLst>
+                </p:cNvPr>
+                <p:cNvSpPr>
+                  <a:spLocks noChangeAspect="1"/>
+                </p:cNvSpPr>
+                <p:nvPr/>
+              </p:nvSpPr>
+              <p:spPr>
+                <a:xfrm>
+                  <a:off x="7816693" y="3510312"/>
+                  <a:ext cx="195916" cy="164592"/>
+                </a:xfrm>
+                <a:prstGeom prst="hexagon">
+                  <a:avLst/>
+                </a:prstGeom>
+                <a:solidFill>
+                  <a:srgbClr val="BBBAF7"/>
+                </a:solidFill>
+                <a:ln w="6350">
+                  <a:solidFill>
+                    <a:schemeClr val="tx1">
+                      <a:lumMod val="50000"/>
+                      <a:lumOff val="50000"/>
+                    </a:schemeClr>
+                  </a:solidFill>
+                </a:ln>
+              </p:spPr>
+              <p:style>
+                <a:lnRef idx="2">
+                  <a:schemeClr val="accent1">
+                    <a:shade val="50000"/>
+                  </a:schemeClr>
+                </a:lnRef>
+                <a:fillRef idx="1">
+                  <a:schemeClr val="accent1"/>
+                </a:fillRef>
+                <a:effectRef idx="0">
+                  <a:schemeClr val="accent1"/>
+                </a:effectRef>
+                <a:fontRef idx="minor">
+                  <a:schemeClr val="lt1"/>
+                </a:fontRef>
+              </p:style>
+              <p:txBody>
+                <a:bodyPr lIns="9144" rIns="0" rtlCol="0" anchor="ctr"/>
+                <a:lstStyle/>
+                <a:p>
+                  <a:pPr algn="ctr"/>
+                  <a:r>
+                    <a:rPr lang="en-US" sz="800" dirty="0">
+                      <a:solidFill>
+                        <a:schemeClr val="tx1"/>
+                      </a:solidFill>
+                      <a:latin typeface="Arial" panose="020B0604020202020204" pitchFamily="34" charset="0"/>
+                      <a:cs typeface="Arial" panose="020B0604020202020204" pitchFamily="34" charset="0"/>
+                    </a:rPr>
+                    <a:t>50</a:t>
+                  </a:r>
+                </a:p>
+              </p:txBody>
+            </p:sp>
+          </p:grpSp>
+          <p:grpSp>
+            <p:nvGrpSpPr>
+              <p:cNvPr id="31" name="Group 30">
+                <a:extLst>
+                  <a:ext uri="{FF2B5EF4-FFF2-40B4-BE49-F238E27FC236}">
+                    <a16:creationId xmlns:a16="http://schemas.microsoft.com/office/drawing/2014/main" id="{A2EF1213-AF67-EDC2-87FC-2FD4B1C638E4}"/>
+                  </a:ext>
+                </a:extLst>
+              </p:cNvPr>
+              <p:cNvGrpSpPr>
+                <a:grpSpLocks noChangeAspect="1"/>
+              </p:cNvGrpSpPr>
+              <p:nvPr/>
+            </p:nvGrpSpPr>
+            <p:grpSpPr>
+              <a:xfrm>
+                <a:off x="7718743" y="2841343"/>
+                <a:ext cx="412375" cy="877824"/>
+                <a:chOff x="7228945" y="2840810"/>
+                <a:chExt cx="391832" cy="834094"/>
+              </a:xfrm>
+            </p:grpSpPr>
+            <p:sp>
+              <p:nvSpPr>
+                <p:cNvPr id="32" name="Hexagon 31">
+                  <a:extLst>
+                    <a:ext uri="{FF2B5EF4-FFF2-40B4-BE49-F238E27FC236}">
+                      <a16:creationId xmlns:a16="http://schemas.microsoft.com/office/drawing/2014/main" id="{59DFC2D4-02D2-D2B2-9927-CF788F9586A3}"/>
+                    </a:ext>
+                  </a:extLst>
+                </p:cNvPr>
+                <p:cNvSpPr>
+                  <a:spLocks noChangeAspect="1"/>
+                </p:cNvSpPr>
+                <p:nvPr/>
+              </p:nvSpPr>
+              <p:spPr>
+                <a:xfrm>
+                  <a:off x="7228945" y="2840810"/>
+                  <a:ext cx="195916" cy="164592"/>
+                </a:xfrm>
+                <a:prstGeom prst="hexagon">
+                  <a:avLst/>
+                </a:prstGeom>
+                <a:solidFill>
+                  <a:srgbClr val="BBBAF7"/>
+                </a:solidFill>
+                <a:ln w="6350">
+                  <a:solidFill>
+                    <a:schemeClr val="tx1">
+                      <a:lumMod val="50000"/>
+                      <a:lumOff val="50000"/>
+                    </a:schemeClr>
+                  </a:solidFill>
+                </a:ln>
+              </p:spPr>
+              <p:style>
+                <a:lnRef idx="2">
+                  <a:schemeClr val="accent1">
+                    <a:shade val="50000"/>
+                  </a:schemeClr>
+                </a:lnRef>
+                <a:fillRef idx="1">
+                  <a:schemeClr val="accent1"/>
+                </a:fillRef>
+                <a:effectRef idx="0">
+                  <a:schemeClr val="accent1"/>
+                </a:effectRef>
+                <a:fontRef idx="minor">
+                  <a:schemeClr val="lt1"/>
+                </a:fontRef>
+              </p:style>
+              <p:txBody>
+                <a:bodyPr lIns="9144" rIns="0" rtlCol="0" anchor="ctr"/>
+                <a:lstStyle/>
+                <a:p>
+                  <a:pPr algn="ctr"/>
+                  <a:r>
+                    <a:rPr lang="en-US" sz="800" dirty="0">
+                      <a:solidFill>
+                        <a:schemeClr val="tx1"/>
+                      </a:solidFill>
+                      <a:latin typeface="Arial" panose="020B0604020202020204" pitchFamily="34" charset="0"/>
+                      <a:cs typeface="Arial" panose="020B0604020202020204" pitchFamily="34" charset="0"/>
+                    </a:rPr>
+                    <a:t>51</a:t>
+                  </a:r>
+                </a:p>
+              </p:txBody>
+            </p:sp>
+            <p:sp>
+              <p:nvSpPr>
+                <p:cNvPr id="33" name="Hexagon 32">
+                  <a:extLst>
+                    <a:ext uri="{FF2B5EF4-FFF2-40B4-BE49-F238E27FC236}">
+                      <a16:creationId xmlns:a16="http://schemas.microsoft.com/office/drawing/2014/main" id="{94647AA1-F526-DF5A-DCD4-86FDCF2F43C6}"/>
+                    </a:ext>
+                  </a:extLst>
+                </p:cNvPr>
+                <p:cNvSpPr>
+                  <a:spLocks noChangeAspect="1"/>
+                </p:cNvSpPr>
+                <p:nvPr/>
+              </p:nvSpPr>
+              <p:spPr>
+                <a:xfrm>
+                  <a:off x="7424861" y="2840984"/>
+                  <a:ext cx="195916" cy="164592"/>
+                </a:xfrm>
+                <a:prstGeom prst="hexagon">
+                  <a:avLst/>
+                </a:prstGeom>
+                <a:solidFill>
+                  <a:srgbClr val="BBBAF7"/>
+                </a:solidFill>
+                <a:ln w="6350">
+                  <a:solidFill>
+                    <a:schemeClr val="tx1">
+                      <a:lumMod val="50000"/>
+                      <a:lumOff val="50000"/>
+                    </a:schemeClr>
+                  </a:solidFill>
+                </a:ln>
+              </p:spPr>
+              <p:style>
+                <a:lnRef idx="2">
+                  <a:schemeClr val="accent1">
+                    <a:shade val="50000"/>
+                  </a:schemeClr>
+                </a:lnRef>
+                <a:fillRef idx="1">
+                  <a:schemeClr val="accent1"/>
+                </a:fillRef>
+                <a:effectRef idx="0">
+                  <a:schemeClr val="accent1"/>
+                </a:effectRef>
+                <a:fontRef idx="minor">
+                  <a:schemeClr val="lt1"/>
+                </a:fontRef>
+              </p:style>
+              <p:txBody>
+                <a:bodyPr lIns="9144" rIns="0" rtlCol="0" anchor="ctr"/>
+                <a:lstStyle/>
+                <a:p>
+                  <a:pPr algn="ctr"/>
+                  <a:r>
+                    <a:rPr lang="en-US" sz="800" dirty="0">
+                      <a:solidFill>
+                        <a:schemeClr val="tx1"/>
+                      </a:solidFill>
+                      <a:latin typeface="Arial" panose="020B0604020202020204" pitchFamily="34" charset="0"/>
+                      <a:cs typeface="Arial" panose="020B0604020202020204" pitchFamily="34" charset="0"/>
+                    </a:rPr>
+                    <a:t>52</a:t>
+                  </a:r>
+                </a:p>
+              </p:txBody>
+            </p:sp>
+            <p:sp>
+              <p:nvSpPr>
+                <p:cNvPr id="37" name="Hexagon 36">
+                  <a:extLst>
+                    <a:ext uri="{FF2B5EF4-FFF2-40B4-BE49-F238E27FC236}">
+                      <a16:creationId xmlns:a16="http://schemas.microsoft.com/office/drawing/2014/main" id="{24A9BB18-1089-F6D6-63A4-AA8D21A0F71F}"/>
+                    </a:ext>
+                  </a:extLst>
+                </p:cNvPr>
+                <p:cNvSpPr>
+                  <a:spLocks noChangeAspect="1"/>
+                </p:cNvSpPr>
+                <p:nvPr/>
+              </p:nvSpPr>
+              <p:spPr>
+                <a:xfrm>
+                  <a:off x="7228945" y="3008577"/>
+                  <a:ext cx="195916" cy="164592"/>
+                </a:xfrm>
+                <a:prstGeom prst="hexagon">
+                  <a:avLst/>
+                </a:prstGeom>
+                <a:solidFill>
+                  <a:srgbClr val="BBBAF7"/>
+                </a:solidFill>
+                <a:ln w="6350">
+                  <a:solidFill>
+                    <a:schemeClr val="tx1">
+                      <a:lumMod val="50000"/>
+                      <a:lumOff val="50000"/>
+                    </a:schemeClr>
+                  </a:solidFill>
+                </a:ln>
+              </p:spPr>
+              <p:style>
+                <a:lnRef idx="2">
+                  <a:schemeClr val="accent1">
+                    <a:shade val="50000"/>
+                  </a:schemeClr>
+                </a:lnRef>
+                <a:fillRef idx="1">
+                  <a:schemeClr val="accent1"/>
+                </a:fillRef>
+                <a:effectRef idx="0">
+                  <a:schemeClr val="accent1"/>
+                </a:effectRef>
+                <a:fontRef idx="minor">
+                  <a:schemeClr val="lt1"/>
+                </a:fontRef>
+              </p:style>
+              <p:txBody>
+                <a:bodyPr lIns="9144" rIns="0" rtlCol="0" anchor="ctr"/>
+                <a:lstStyle/>
+                <a:p>
+                  <a:pPr algn="ctr"/>
+                  <a:r>
+                    <a:rPr lang="en-US" sz="800" dirty="0">
+                      <a:solidFill>
+                        <a:schemeClr val="tx1"/>
+                      </a:solidFill>
+                      <a:latin typeface="Arial" panose="020B0604020202020204" pitchFamily="34" charset="0"/>
+                      <a:cs typeface="Arial" panose="020B0604020202020204" pitchFamily="34" charset="0"/>
+                    </a:rPr>
+                    <a:t>55</a:t>
+                  </a:r>
+                </a:p>
+              </p:txBody>
+            </p:sp>
+            <p:sp>
+              <p:nvSpPr>
+                <p:cNvPr id="39" name="Hexagon 38">
+                  <a:extLst>
+                    <a:ext uri="{FF2B5EF4-FFF2-40B4-BE49-F238E27FC236}">
+                      <a16:creationId xmlns:a16="http://schemas.microsoft.com/office/drawing/2014/main" id="{3A070FE3-A9DB-1DC3-458A-CA7E4FE488F0}"/>
+                    </a:ext>
+                  </a:extLst>
+                </p:cNvPr>
+                <p:cNvSpPr>
+                  <a:spLocks noChangeAspect="1"/>
+                </p:cNvSpPr>
+                <p:nvPr/>
+              </p:nvSpPr>
+              <p:spPr>
+                <a:xfrm>
+                  <a:off x="7424861" y="3008751"/>
+                  <a:ext cx="195916" cy="164592"/>
+                </a:xfrm>
+                <a:prstGeom prst="hexagon">
+                  <a:avLst/>
+                </a:prstGeom>
+                <a:solidFill>
+                  <a:srgbClr val="BBBAF7"/>
+                </a:solidFill>
+                <a:ln w="6350">
+                  <a:solidFill>
+                    <a:schemeClr val="tx1">
+                      <a:lumMod val="50000"/>
+                      <a:lumOff val="50000"/>
+                    </a:schemeClr>
+                  </a:solidFill>
+                </a:ln>
+              </p:spPr>
+              <p:style>
+                <a:lnRef idx="2">
+                  <a:schemeClr val="accent1">
+                    <a:shade val="50000"/>
+                  </a:schemeClr>
+                </a:lnRef>
+                <a:fillRef idx="1">
+                  <a:schemeClr val="accent1"/>
+                </a:fillRef>
+                <a:effectRef idx="0">
+                  <a:schemeClr val="accent1"/>
+                </a:effectRef>
+                <a:fontRef idx="minor">
+                  <a:schemeClr val="lt1"/>
+                </a:fontRef>
+              </p:style>
+              <p:txBody>
+                <a:bodyPr lIns="9144" rIns="0" rtlCol="0" anchor="ctr"/>
+                <a:lstStyle/>
+                <a:p>
+                  <a:pPr algn="ctr"/>
+                  <a:r>
+                    <a:rPr lang="en-US" sz="800" dirty="0">
+                      <a:solidFill>
+                        <a:schemeClr val="tx1"/>
+                      </a:solidFill>
+                      <a:latin typeface="Arial" panose="020B0604020202020204" pitchFamily="34" charset="0"/>
+                      <a:cs typeface="Arial" panose="020B0604020202020204" pitchFamily="34" charset="0"/>
+                    </a:rPr>
+                    <a:t>56</a:t>
+                  </a:r>
+                </a:p>
+              </p:txBody>
+            </p:sp>
+            <p:sp>
+              <p:nvSpPr>
+                <p:cNvPr id="43" name="Hexagon 42">
+                  <a:extLst>
+                    <a:ext uri="{FF2B5EF4-FFF2-40B4-BE49-F238E27FC236}">
+                      <a16:creationId xmlns:a16="http://schemas.microsoft.com/office/drawing/2014/main" id="{E1EB50BD-2AF1-F771-4F07-F3B1FE2961A5}"/>
+                    </a:ext>
+                  </a:extLst>
+                </p:cNvPr>
+                <p:cNvSpPr>
+                  <a:spLocks noChangeAspect="1"/>
+                </p:cNvSpPr>
+                <p:nvPr/>
+              </p:nvSpPr>
+              <p:spPr>
+                <a:xfrm>
+                  <a:off x="7228945" y="3175996"/>
+                  <a:ext cx="195916" cy="164592"/>
+                </a:xfrm>
+                <a:prstGeom prst="hexagon">
+                  <a:avLst/>
+                </a:prstGeom>
+                <a:solidFill>
+                  <a:srgbClr val="BBBAF7"/>
+                </a:solidFill>
+                <a:ln w="6350">
+                  <a:solidFill>
+                    <a:schemeClr val="tx1">
+                      <a:lumMod val="50000"/>
+                      <a:lumOff val="50000"/>
+                    </a:schemeClr>
+                  </a:solidFill>
+                </a:ln>
+              </p:spPr>
+              <p:style>
+                <a:lnRef idx="2">
+                  <a:schemeClr val="accent1">
+                    <a:shade val="50000"/>
+                  </a:schemeClr>
+                </a:lnRef>
+                <a:fillRef idx="1">
+                  <a:schemeClr val="accent1"/>
+                </a:fillRef>
+                <a:effectRef idx="0">
+                  <a:schemeClr val="accent1"/>
+                </a:effectRef>
+                <a:fontRef idx="minor">
+                  <a:schemeClr val="lt1"/>
+                </a:fontRef>
+              </p:style>
+              <p:txBody>
+                <a:bodyPr lIns="9144" rIns="0" rtlCol="0" anchor="ctr"/>
+                <a:lstStyle/>
+                <a:p>
+                  <a:pPr algn="ctr"/>
+                  <a:r>
+                    <a:rPr lang="en-US" sz="800" dirty="0">
+                      <a:solidFill>
+                        <a:schemeClr val="tx1"/>
+                      </a:solidFill>
+                      <a:latin typeface="Arial" panose="020B0604020202020204" pitchFamily="34" charset="0"/>
+                      <a:cs typeface="Arial" panose="020B0604020202020204" pitchFamily="34" charset="0"/>
+                    </a:rPr>
+                    <a:t>59</a:t>
+                  </a:r>
+                </a:p>
+              </p:txBody>
+            </p:sp>
+            <p:sp>
+              <p:nvSpPr>
+                <p:cNvPr id="45" name="Hexagon 44">
+                  <a:extLst>
+                    <a:ext uri="{FF2B5EF4-FFF2-40B4-BE49-F238E27FC236}">
+                      <a16:creationId xmlns:a16="http://schemas.microsoft.com/office/drawing/2014/main" id="{91C2459B-D550-B5A2-3920-25C4B888A1F2}"/>
+                    </a:ext>
+                  </a:extLst>
+                </p:cNvPr>
+                <p:cNvSpPr>
+                  <a:spLocks noChangeAspect="1"/>
+                </p:cNvSpPr>
+                <p:nvPr/>
+              </p:nvSpPr>
+              <p:spPr>
+                <a:xfrm>
+                  <a:off x="7424861" y="3176170"/>
+                  <a:ext cx="195916" cy="164592"/>
+                </a:xfrm>
+                <a:prstGeom prst="hexagon">
+                  <a:avLst/>
+                </a:prstGeom>
+                <a:solidFill>
+                  <a:srgbClr val="BBBAF7"/>
+                </a:solidFill>
+                <a:ln w="6350">
+                  <a:solidFill>
+                    <a:schemeClr val="tx1">
+                      <a:lumMod val="50000"/>
+                      <a:lumOff val="50000"/>
+                    </a:schemeClr>
+                  </a:solidFill>
+                </a:ln>
+              </p:spPr>
+              <p:style>
+                <a:lnRef idx="2">
+                  <a:schemeClr val="accent1">
+                    <a:shade val="50000"/>
+                  </a:schemeClr>
+                </a:lnRef>
+                <a:fillRef idx="1">
+                  <a:schemeClr val="accent1"/>
+                </a:fillRef>
+                <a:effectRef idx="0">
+                  <a:schemeClr val="accent1"/>
+                </a:effectRef>
+                <a:fontRef idx="minor">
+                  <a:schemeClr val="lt1"/>
+                </a:fontRef>
+              </p:style>
+              <p:txBody>
+                <a:bodyPr lIns="9144" rIns="0" rtlCol="0" anchor="ctr"/>
+                <a:lstStyle/>
+                <a:p>
+                  <a:pPr algn="ctr"/>
+                  <a:r>
+                    <a:rPr lang="en-US" sz="800" dirty="0">
+                      <a:solidFill>
+                        <a:schemeClr val="tx1"/>
+                      </a:solidFill>
+                      <a:latin typeface="Arial" panose="020B0604020202020204" pitchFamily="34" charset="0"/>
+                      <a:cs typeface="Arial" panose="020B0604020202020204" pitchFamily="34" charset="0"/>
+                    </a:rPr>
+                    <a:t>60</a:t>
+                  </a:r>
+                </a:p>
+              </p:txBody>
+            </p:sp>
+            <p:sp>
+              <p:nvSpPr>
+                <p:cNvPr id="49" name="Hexagon 48">
+                  <a:extLst>
+                    <a:ext uri="{FF2B5EF4-FFF2-40B4-BE49-F238E27FC236}">
+                      <a16:creationId xmlns:a16="http://schemas.microsoft.com/office/drawing/2014/main" id="{D56FA565-47D2-B064-9C23-06E6EE128680}"/>
+                    </a:ext>
+                  </a:extLst>
+                </p:cNvPr>
+                <p:cNvSpPr>
+                  <a:spLocks noChangeAspect="1"/>
+                </p:cNvSpPr>
+                <p:nvPr/>
+              </p:nvSpPr>
+              <p:spPr>
+                <a:xfrm>
+                  <a:off x="7228945" y="3343415"/>
+                  <a:ext cx="195916" cy="164592"/>
+                </a:xfrm>
+                <a:prstGeom prst="hexagon">
+                  <a:avLst/>
+                </a:prstGeom>
+                <a:solidFill>
+                  <a:srgbClr val="BBBAF7"/>
+                </a:solidFill>
+                <a:ln w="6350">
+                  <a:solidFill>
+                    <a:schemeClr val="tx1">
+                      <a:lumMod val="50000"/>
+                      <a:lumOff val="50000"/>
+                    </a:schemeClr>
+                  </a:solidFill>
+                </a:ln>
+              </p:spPr>
+              <p:style>
+                <a:lnRef idx="2">
+                  <a:schemeClr val="accent1">
+                    <a:shade val="50000"/>
+                  </a:schemeClr>
+                </a:lnRef>
+                <a:fillRef idx="1">
+                  <a:schemeClr val="accent1"/>
+                </a:fillRef>
+                <a:effectRef idx="0">
+                  <a:schemeClr val="accent1"/>
+                </a:effectRef>
+                <a:fontRef idx="minor">
+                  <a:schemeClr val="lt1"/>
+                </a:fontRef>
+              </p:style>
+              <p:txBody>
+                <a:bodyPr lIns="9144" rIns="0" rtlCol="0" anchor="ctr"/>
+                <a:lstStyle/>
+                <a:p>
+                  <a:pPr algn="ctr"/>
+                  <a:r>
+                    <a:rPr lang="en-US" sz="800" dirty="0">
+                      <a:solidFill>
+                        <a:schemeClr val="tx1"/>
+                      </a:solidFill>
+                      <a:latin typeface="Arial" panose="020B0604020202020204" pitchFamily="34" charset="0"/>
+                      <a:cs typeface="Arial" panose="020B0604020202020204" pitchFamily="34" charset="0"/>
+                    </a:rPr>
+                    <a:t>63</a:t>
+                  </a:r>
+                </a:p>
+              </p:txBody>
+            </p:sp>
+            <p:sp>
+              <p:nvSpPr>
+                <p:cNvPr id="50" name="Hexagon 49">
+                  <a:extLst>
+                    <a:ext uri="{FF2B5EF4-FFF2-40B4-BE49-F238E27FC236}">
+                      <a16:creationId xmlns:a16="http://schemas.microsoft.com/office/drawing/2014/main" id="{9D6DE4E0-C12E-4B0C-AAAD-7F875E89E42C}"/>
+                    </a:ext>
+                  </a:extLst>
+                </p:cNvPr>
+                <p:cNvSpPr>
+                  <a:spLocks noChangeAspect="1"/>
+                </p:cNvSpPr>
+                <p:nvPr/>
+              </p:nvSpPr>
+              <p:spPr>
+                <a:xfrm>
+                  <a:off x="7424861" y="3340414"/>
+                  <a:ext cx="195916" cy="164592"/>
+                </a:xfrm>
+                <a:prstGeom prst="hexagon">
+                  <a:avLst/>
+                </a:prstGeom>
+                <a:solidFill>
+                  <a:srgbClr val="BBBAF7"/>
+                </a:solidFill>
+                <a:ln w="6350">
+                  <a:solidFill>
+                    <a:schemeClr val="tx1">
+                      <a:lumMod val="50000"/>
+                      <a:lumOff val="50000"/>
+                    </a:schemeClr>
+                  </a:solidFill>
+                </a:ln>
+              </p:spPr>
+              <p:style>
+                <a:lnRef idx="2">
+                  <a:schemeClr val="accent1">
+                    <a:shade val="50000"/>
+                  </a:schemeClr>
+                </a:lnRef>
+                <a:fillRef idx="1">
+                  <a:schemeClr val="accent1"/>
+                </a:fillRef>
+                <a:effectRef idx="0">
+                  <a:schemeClr val="accent1"/>
+                </a:effectRef>
+                <a:fontRef idx="minor">
+                  <a:schemeClr val="lt1"/>
+                </a:fontRef>
+              </p:style>
+              <p:txBody>
+                <a:bodyPr lIns="9144" rIns="0" rtlCol="0" anchor="ctr"/>
+                <a:lstStyle/>
+                <a:p>
+                  <a:pPr algn="ctr"/>
+                  <a:r>
+                    <a:rPr lang="en-US" sz="800" dirty="0">
+                      <a:solidFill>
+                        <a:schemeClr val="tx1"/>
+                      </a:solidFill>
+                      <a:latin typeface="Arial" panose="020B0604020202020204" pitchFamily="34" charset="0"/>
+                      <a:cs typeface="Arial" panose="020B0604020202020204" pitchFamily="34" charset="0"/>
+                    </a:rPr>
+                    <a:t>64</a:t>
+                  </a:r>
+                </a:p>
+              </p:txBody>
+            </p:sp>
+            <p:sp>
+              <p:nvSpPr>
+                <p:cNvPr id="53" name="Hexagon 52">
+                  <a:extLst>
+                    <a:ext uri="{FF2B5EF4-FFF2-40B4-BE49-F238E27FC236}">
+                      <a16:creationId xmlns:a16="http://schemas.microsoft.com/office/drawing/2014/main" id="{AAB8A761-B6D9-BAE7-8BAC-FB853D43EE12}"/>
+                    </a:ext>
+                  </a:extLst>
+                </p:cNvPr>
+                <p:cNvSpPr>
+                  <a:spLocks noChangeAspect="1"/>
+                </p:cNvSpPr>
+                <p:nvPr/>
+              </p:nvSpPr>
+              <p:spPr>
+                <a:xfrm>
+                  <a:off x="7228945" y="3510138"/>
+                  <a:ext cx="195916" cy="164592"/>
+                </a:xfrm>
+                <a:prstGeom prst="hexagon">
+                  <a:avLst/>
+                </a:prstGeom>
+                <a:solidFill>
+                  <a:srgbClr val="BBBAF7"/>
+                </a:solidFill>
+                <a:ln w="6350">
+                  <a:solidFill>
+                    <a:schemeClr val="tx1">
+                      <a:lumMod val="50000"/>
+                      <a:lumOff val="50000"/>
+                    </a:schemeClr>
+                  </a:solidFill>
+                </a:ln>
+              </p:spPr>
+              <p:style>
+                <a:lnRef idx="2">
+                  <a:schemeClr val="accent1">
+                    <a:shade val="50000"/>
+                  </a:schemeClr>
+                </a:lnRef>
+                <a:fillRef idx="1">
+                  <a:schemeClr val="accent1"/>
+                </a:fillRef>
+                <a:effectRef idx="0">
+                  <a:schemeClr val="accent1"/>
+                </a:effectRef>
+                <a:fontRef idx="minor">
+                  <a:schemeClr val="lt1"/>
+                </a:fontRef>
+              </p:style>
+              <p:txBody>
+                <a:bodyPr lIns="9144" rIns="0" rtlCol="0" anchor="ctr"/>
+                <a:lstStyle/>
+                <a:p>
+                  <a:pPr algn="ctr"/>
+                  <a:r>
+                    <a:rPr lang="en-US" sz="800" dirty="0">
+                      <a:solidFill>
+                        <a:schemeClr val="tx1"/>
+                      </a:solidFill>
+                      <a:latin typeface="Arial" panose="020B0604020202020204" pitchFamily="34" charset="0"/>
+                      <a:cs typeface="Arial" panose="020B0604020202020204" pitchFamily="34" charset="0"/>
+                    </a:rPr>
+                    <a:t>67</a:t>
+                  </a:r>
+                </a:p>
+              </p:txBody>
+            </p:sp>
+            <p:sp>
+              <p:nvSpPr>
+                <p:cNvPr id="54" name="Hexagon 53">
+                  <a:extLst>
+                    <a:ext uri="{FF2B5EF4-FFF2-40B4-BE49-F238E27FC236}">
+                      <a16:creationId xmlns:a16="http://schemas.microsoft.com/office/drawing/2014/main" id="{C625FF09-785C-E238-A714-15618F997CBA}"/>
+                    </a:ext>
+                  </a:extLst>
+                </p:cNvPr>
+                <p:cNvSpPr>
+                  <a:spLocks noChangeAspect="1"/>
+                </p:cNvSpPr>
+                <p:nvPr/>
+              </p:nvSpPr>
+              <p:spPr>
+                <a:xfrm>
+                  <a:off x="7424861" y="3510312"/>
+                  <a:ext cx="195916" cy="164592"/>
+                </a:xfrm>
+                <a:prstGeom prst="hexagon">
+                  <a:avLst/>
+                </a:prstGeom>
+                <a:solidFill>
+                  <a:srgbClr val="BBBAF7"/>
+                </a:solidFill>
+                <a:ln w="6350">
+                  <a:solidFill>
+                    <a:schemeClr val="tx1">
+                      <a:lumMod val="50000"/>
+                      <a:lumOff val="50000"/>
+                    </a:schemeClr>
+                  </a:solidFill>
+                </a:ln>
+              </p:spPr>
+              <p:style>
+                <a:lnRef idx="2">
+                  <a:schemeClr val="accent1">
+                    <a:shade val="50000"/>
+                  </a:schemeClr>
+                </a:lnRef>
+                <a:fillRef idx="1">
+                  <a:schemeClr val="accent1"/>
+                </a:fillRef>
+                <a:effectRef idx="0">
+                  <a:schemeClr val="accent1"/>
+                </a:effectRef>
+                <a:fontRef idx="minor">
+                  <a:schemeClr val="lt1"/>
+                </a:fontRef>
+              </p:style>
+              <p:txBody>
+                <a:bodyPr lIns="9144" rIns="0" rtlCol="0" anchor="ctr"/>
+                <a:lstStyle/>
+                <a:p>
+                  <a:pPr algn="ctr"/>
+                  <a:r>
+                    <a:rPr lang="en-US" sz="800" dirty="0">
+                      <a:solidFill>
+                        <a:schemeClr val="tx1"/>
+                      </a:solidFill>
+                      <a:latin typeface="Arial" panose="020B0604020202020204" pitchFamily="34" charset="0"/>
+                      <a:cs typeface="Arial" panose="020B0604020202020204" pitchFamily="34" charset="0"/>
+                    </a:rPr>
+                    <a:t>68</a:t>
+                  </a:r>
+                </a:p>
+              </p:txBody>
+            </p:sp>
+          </p:grpSp>
+        </p:grpSp>
+        <p:sp>
+          <p:nvSpPr>
+            <p:cNvPr id="75" name="TextBox 74">
+              <a:extLst>
+                <a:ext uri="{FF2B5EF4-FFF2-40B4-BE49-F238E27FC236}">
+                  <a16:creationId xmlns:a16="http://schemas.microsoft.com/office/drawing/2014/main" id="{D04B83BC-B17D-0446-8B7D-A2E83301DB41}"/>
+                </a:ext>
+              </a:extLst>
+            </p:cNvPr>
+            <p:cNvSpPr txBox="1"/>
+            <p:nvPr/>
+          </p:nvSpPr>
+          <p:spPr>
+            <a:xfrm>
+              <a:off x="6677987" y="4952736"/>
+              <a:ext cx="3110846" cy="553998"/>
+            </a:xfrm>
+            <a:prstGeom prst="rect">
+              <a:avLst/>
+            </a:prstGeom>
+            <a:noFill/>
+          </p:spPr>
+          <p:txBody>
+            <a:bodyPr wrap="square" rtlCol="0">
+              <a:spAutoFit/>
+            </a:bodyPr>
+            <a:lstStyle/>
+            <a:p>
+              <a:pPr algn="ctr"/>
+              <a:r>
+                <a:rPr lang="en-US" sz="1600" dirty="0">
+                  <a:latin typeface="Open Sauce Sans"/>
+                  <a:cs typeface="Arial" panose="020B0604020202020204" pitchFamily="34" charset="0"/>
+                </a:rPr>
+                <a:t>Test </a:t>
+              </a:r>
+              <a:r>
+                <a:rPr lang="en-US" sz="1600" b="1" dirty="0">
+                  <a:latin typeface="Open Sauce Sans"/>
+                  <a:cs typeface="Arial" panose="020B0604020202020204" pitchFamily="34" charset="0"/>
+                </a:rPr>
+                <a:t>Final Model</a:t>
+              </a:r>
+              <a:br>
+                <a:rPr lang="en-US" sz="1600" b="1" dirty="0">
+                  <a:latin typeface="Open Sauce Sans"/>
+                  <a:cs typeface="Arial" panose="020B0604020202020204" pitchFamily="34" charset="0"/>
+                </a:rPr>
+              </a:br>
+              <a:r>
+                <a:rPr lang="en-US" sz="1400" dirty="0">
+                  <a:latin typeface="Open Sauce Sans"/>
+                  <a:cs typeface="Arial" panose="020B0604020202020204" pitchFamily="34" charset="0"/>
+                </a:rPr>
+                <a:t>(on all Testing Data)</a:t>
+              </a:r>
+              <a:endParaRPr lang="en-US" sz="1600" dirty="0">
+                <a:latin typeface="Open Sauce Sans"/>
+                <a:cs typeface="Arial" panose="020B0604020202020204" pitchFamily="34" charset="0"/>
+              </a:endParaRPr>
+            </a:p>
+          </p:txBody>
+        </p:sp>
+        <p:grpSp>
+          <p:nvGrpSpPr>
+            <p:cNvPr id="95" name="Group 94">
+              <a:extLst>
+                <a:ext uri="{FF2B5EF4-FFF2-40B4-BE49-F238E27FC236}">
+                  <a16:creationId xmlns:a16="http://schemas.microsoft.com/office/drawing/2014/main" id="{8C1E1C1E-E429-907E-D2EC-97821B9C0790}"/>
+                </a:ext>
+              </a:extLst>
+            </p:cNvPr>
+            <p:cNvGrpSpPr/>
+            <p:nvPr/>
+          </p:nvGrpSpPr>
+          <p:grpSpPr>
+            <a:xfrm>
+              <a:off x="1490628" y="2412454"/>
+              <a:ext cx="3942659" cy="3008748"/>
+              <a:chOff x="880526" y="1014978"/>
+              <a:chExt cx="3942659" cy="3008748"/>
+            </a:xfrm>
+          </p:grpSpPr>
+          <p:pic>
+            <p:nvPicPr>
+              <p:cNvPr id="96" name="Graphic 95">
+                <a:extLst>
+                  <a:ext uri="{FF2B5EF4-FFF2-40B4-BE49-F238E27FC236}">
+                    <a16:creationId xmlns:a16="http://schemas.microsoft.com/office/drawing/2014/main" id="{3402C1B0-A24B-EFB1-A64A-DC1283649E9C}"/>
+                  </a:ext>
+                </a:extLst>
+              </p:cNvPr>
+              <p:cNvPicPr>
+                <a:picLocks noChangeAspect="1"/>
+              </p:cNvPicPr>
+              <p:nvPr/>
+            </p:nvPicPr>
+            <p:blipFill>
+              <a:blip r:embed="rId2">
+                <a:extLst>
+                  <a:ext uri="{96DAC541-7B7A-43D3-8B79-37D633B846F1}">
+                    <asvg:svgBlip xmlns:asvg="http://schemas.microsoft.com/office/drawing/2016/SVG/main" r:embed="rId3"/>
+                  </a:ext>
+                </a:extLst>
+              </a:blip>
+              <a:stretch>
+                <a:fillRect/>
+              </a:stretch>
+            </p:blipFill>
+            <p:spPr>
+              <a:xfrm>
+                <a:off x="880526" y="1623085"/>
+                <a:ext cx="3942659" cy="2400641"/>
+              </a:xfrm>
+              <a:prstGeom prst="rect">
+                <a:avLst/>
+              </a:prstGeom>
+            </p:spPr>
+          </p:pic>
+          <p:sp>
+            <p:nvSpPr>
+              <p:cNvPr id="97" name="TextBox 96">
+                <a:extLst>
+                  <a:ext uri="{FF2B5EF4-FFF2-40B4-BE49-F238E27FC236}">
+                    <a16:creationId xmlns:a16="http://schemas.microsoft.com/office/drawing/2014/main" id="{E5E0846D-CA42-8D6B-7BB8-38E0C1DB0803}"/>
+                  </a:ext>
+                </a:extLst>
+              </p:cNvPr>
+              <p:cNvSpPr txBox="1"/>
+              <p:nvPr/>
+            </p:nvSpPr>
+            <p:spPr>
+              <a:xfrm>
+                <a:off x="1564849" y="1014978"/>
+                <a:ext cx="3110846" cy="369332"/>
+              </a:xfrm>
+              <a:prstGeom prst="rect">
+                <a:avLst/>
+              </a:prstGeom>
+              <a:noFill/>
+              <a:ln w="19050">
+                <a:solidFill>
+                  <a:schemeClr val="tx1"/>
+                </a:solidFill>
+              </a:ln>
+            </p:spPr>
+            <p:txBody>
+              <a:bodyPr wrap="square" rtlCol="0">
+                <a:spAutoFit/>
+              </a:bodyPr>
+              <a:lstStyle/>
+              <a:p>
+                <a:pPr algn="ctr"/>
+                <a:r>
+                  <a:rPr lang="en-US" b="1" dirty="0">
+                    <a:latin typeface="Open Sauce Sans" pitchFamily="2" charset="77"/>
+                  </a:rPr>
+                  <a:t>Training</a:t>
+                </a:r>
+                <a:endParaRPr lang="en-US" sz="2000" b="1" dirty="0">
+                  <a:latin typeface="Open Sauce Sans" pitchFamily="2" charset="77"/>
+                </a:endParaRPr>
+              </a:p>
+            </p:txBody>
+          </p:sp>
+        </p:grpSp>
+        <p:sp>
+          <p:nvSpPr>
+            <p:cNvPr id="100" name="TextBox 99">
+              <a:extLst>
+                <a:ext uri="{FF2B5EF4-FFF2-40B4-BE49-F238E27FC236}">
+                  <a16:creationId xmlns:a16="http://schemas.microsoft.com/office/drawing/2014/main" id="{235C99FC-E93C-DC3C-35B8-EA0721032826}"/>
+                </a:ext>
+              </a:extLst>
+            </p:cNvPr>
+            <p:cNvSpPr txBox="1"/>
+            <p:nvPr/>
+          </p:nvSpPr>
+          <p:spPr>
+            <a:xfrm>
+              <a:off x="6680043" y="2419278"/>
+              <a:ext cx="3110846" cy="369332"/>
+            </a:xfrm>
+            <a:prstGeom prst="rect">
+              <a:avLst/>
+            </a:prstGeom>
+            <a:noFill/>
+            <a:ln w="19050">
+              <a:solidFill>
+                <a:schemeClr val="tx1"/>
+              </a:solidFill>
+            </a:ln>
+          </p:spPr>
+          <p:txBody>
+            <a:bodyPr wrap="square" rtlCol="0">
+              <a:spAutoFit/>
+            </a:bodyPr>
+            <a:lstStyle/>
+            <a:p>
+              <a:pPr algn="ctr"/>
+              <a:r>
+                <a:rPr lang="en-US" b="1" dirty="0">
+                  <a:latin typeface="Open Sauce Sans" pitchFamily="2" charset="77"/>
+                </a:rPr>
+                <a:t>Testing</a:t>
+              </a:r>
+              <a:endParaRPr lang="en-US" sz="2000" b="1" dirty="0">
+                <a:latin typeface="Open Sauce Sans" pitchFamily="2" charset="77"/>
+              </a:endParaRPr>
+            </a:p>
+          </p:txBody>
+        </p:sp>
+        <p:sp>
+          <p:nvSpPr>
+            <p:cNvPr id="6" name="Rectangle 5">
+              <a:extLst>
+                <a:ext uri="{FF2B5EF4-FFF2-40B4-BE49-F238E27FC236}">
+                  <a16:creationId xmlns:a16="http://schemas.microsoft.com/office/drawing/2014/main" id="{1E5CD86D-7858-4FFF-8E2B-4B2FAC9BC03E}"/>
+                </a:ext>
+              </a:extLst>
+            </p:cNvPr>
+            <p:cNvSpPr/>
+            <p:nvPr/>
+          </p:nvSpPr>
+          <p:spPr>
+            <a:xfrm>
+              <a:off x="1298448" y="3218545"/>
+              <a:ext cx="876503" cy="2103597"/>
+            </a:xfrm>
+            <a:prstGeom prst="rect">
+              <a:avLst/>
+            </a:prstGeom>
+            <a:solidFill>
+              <a:srgbClr val="E9EBEE"/>
+            </a:solidFill>
+            <a:ln>
+              <a:noFill/>
+            </a:ln>
+          </p:spPr>
+          <p:style>
+            <a:lnRef idx="2">
+              <a:schemeClr val="accent1">
+                <a:shade val="50000"/>
+              </a:schemeClr>
+            </a:lnRef>
+            <a:fillRef idx="1">
+              <a:schemeClr val="accent1"/>
+            </a:fillRef>
+            <a:effectRef idx="0">
+              <a:schemeClr val="accent1"/>
+            </a:effectRef>
+            <a:fontRef idx="minor">
+              <a:schemeClr val="lt1"/>
+            </a:fontRef>
+          </p:style>
+          <p:txBody>
+            <a:bodyPr rtlCol="0" anchor="ctr"/>
+            <a:lstStyle/>
+            <a:p>
+              <a:pPr algn="ctr"/>
+              <a:endParaRPr lang="en-US"/>
+            </a:p>
+          </p:txBody>
+        </p:sp>
+        <p:sp>
+          <p:nvSpPr>
+            <p:cNvPr id="7" name="TextBox 6">
+              <a:extLst>
+                <a:ext uri="{FF2B5EF4-FFF2-40B4-BE49-F238E27FC236}">
+                  <a16:creationId xmlns:a16="http://schemas.microsoft.com/office/drawing/2014/main" id="{0AD7E846-07B0-4304-9CFA-9D69AD8B8E5A}"/>
+                </a:ext>
+              </a:extLst>
+            </p:cNvPr>
+            <p:cNvSpPr txBox="1"/>
+            <p:nvPr/>
+          </p:nvSpPr>
+          <p:spPr>
+            <a:xfrm>
+              <a:off x="865746" y="3336504"/>
+              <a:ext cx="1309206" cy="886598"/>
+            </a:xfrm>
+            <a:prstGeom prst="rect">
+              <a:avLst/>
+            </a:prstGeom>
+            <a:noFill/>
+          </p:spPr>
+          <p:txBody>
+            <a:bodyPr wrap="square" rtlCol="0" anchor="ctr" anchorCtr="0">
+              <a:noAutofit/>
+            </a:bodyPr>
+            <a:lstStyle/>
+            <a:p>
+              <a:pPr algn="r"/>
+              <a:r>
+                <a:rPr lang="en-US" sz="1600" b="1" dirty="0">
+                  <a:latin typeface="Open Sauce Sans"/>
+                </a:rPr>
+                <a:t>Analysis</a:t>
+              </a:r>
+              <a:br>
+                <a:rPr lang="en-US" sz="1600" dirty="0">
+                  <a:latin typeface="Open Sauce Sans"/>
+                </a:rPr>
+              </a:br>
+              <a:r>
+                <a:rPr lang="en-US" sz="1400" dirty="0">
+                  <a:latin typeface="Open Sauce Sans"/>
+                </a:rPr>
+                <a:t>(fit models)</a:t>
+              </a:r>
+              <a:endParaRPr lang="en-US" sz="1600" dirty="0">
+                <a:latin typeface="Open Sauce Sans"/>
+              </a:endParaRPr>
+            </a:p>
+          </p:txBody>
+        </p:sp>
+        <p:sp>
+          <p:nvSpPr>
+            <p:cNvPr id="51" name="Rectangle 50">
+              <a:extLst>
+                <a:ext uri="{FF2B5EF4-FFF2-40B4-BE49-F238E27FC236}">
+                  <a16:creationId xmlns:a16="http://schemas.microsoft.com/office/drawing/2014/main" id="{EE10F881-65DC-4E38-99EE-CC6F9EED9DF9}"/>
+                </a:ext>
+              </a:extLst>
+            </p:cNvPr>
+            <p:cNvSpPr/>
+            <p:nvPr/>
+          </p:nvSpPr>
+          <p:spPr>
+            <a:xfrm>
+              <a:off x="1564357" y="2921444"/>
+              <a:ext cx="4061110" cy="349980"/>
+            </a:xfrm>
+            <a:prstGeom prst="rect">
+              <a:avLst/>
+            </a:prstGeom>
+            <a:solidFill>
+              <a:srgbClr val="E9EBEE"/>
+            </a:solidFill>
+            <a:ln>
+              <a:noFill/>
+            </a:ln>
+          </p:spPr>
+          <p:style>
+            <a:lnRef idx="2">
+              <a:schemeClr val="accent1">
+                <a:shade val="50000"/>
+              </a:schemeClr>
+            </a:lnRef>
+            <a:fillRef idx="1">
+              <a:schemeClr val="accent1"/>
+            </a:fillRef>
+            <a:effectRef idx="0">
+              <a:schemeClr val="accent1"/>
+            </a:effectRef>
+            <a:fontRef idx="minor">
+              <a:schemeClr val="lt1"/>
+            </a:fontRef>
+          </p:style>
+          <p:txBody>
+            <a:bodyPr rtlCol="0" anchor="ctr"/>
+            <a:lstStyle/>
+            <a:p>
+              <a:pPr algn="ctr"/>
+              <a:endParaRPr lang="en-US"/>
+            </a:p>
+          </p:txBody>
+        </p:sp>
+        <p:sp>
+          <p:nvSpPr>
+            <p:cNvPr id="52" name="TextBox 51">
+              <a:extLst>
+                <a:ext uri="{FF2B5EF4-FFF2-40B4-BE49-F238E27FC236}">
+                  <a16:creationId xmlns:a16="http://schemas.microsoft.com/office/drawing/2014/main" id="{EDE70501-F5B4-4E8E-BF8A-DE4E31E4B096}"/>
+                </a:ext>
+              </a:extLst>
+            </p:cNvPr>
+            <p:cNvSpPr txBox="1"/>
+            <p:nvPr/>
+          </p:nvSpPr>
+          <p:spPr>
+            <a:xfrm>
+              <a:off x="865745" y="4375502"/>
+              <a:ext cx="1309206" cy="886598"/>
+            </a:xfrm>
+            <a:prstGeom prst="rect">
+              <a:avLst/>
+            </a:prstGeom>
+            <a:noFill/>
+          </p:spPr>
+          <p:txBody>
+            <a:bodyPr wrap="square" rtlCol="0" anchor="ctr" anchorCtr="0">
+              <a:noAutofit/>
+            </a:bodyPr>
+            <a:lstStyle/>
+            <a:p>
+              <a:pPr algn="r"/>
+              <a:r>
+                <a:rPr lang="en-US" sz="1600" b="1" dirty="0">
+                  <a:latin typeface="Open Sauce Sans"/>
+                </a:rPr>
+                <a:t>Assessment</a:t>
+              </a:r>
+              <a:br>
+                <a:rPr lang="en-US" sz="1600" dirty="0">
+                  <a:latin typeface="Open Sauce Sans"/>
+                </a:rPr>
+              </a:br>
+              <a:r>
+                <a:rPr lang="en-US" sz="1400" dirty="0">
+                  <a:latin typeface="Open Sauce Sans"/>
+                </a:rPr>
+                <a:t>(test models)</a:t>
+              </a:r>
+              <a:endParaRPr lang="en-US" sz="1600" dirty="0">
+                <a:latin typeface="Open Sauce Sans"/>
+              </a:endParaRPr>
+            </a:p>
+          </p:txBody>
+        </p:sp>
+        <p:sp>
+          <p:nvSpPr>
+            <p:cNvPr id="55" name="TextBox 54">
+              <a:extLst>
+                <a:ext uri="{FF2B5EF4-FFF2-40B4-BE49-F238E27FC236}">
+                  <a16:creationId xmlns:a16="http://schemas.microsoft.com/office/drawing/2014/main" id="{48BD6BCB-BCA5-407A-8985-A5435F36DC24}"/>
+                </a:ext>
+              </a:extLst>
+            </p:cNvPr>
+            <p:cNvSpPr txBox="1"/>
+            <p:nvPr/>
+          </p:nvSpPr>
+          <p:spPr>
+            <a:xfrm>
+              <a:off x="2294165" y="2883733"/>
+              <a:ext cx="836535" cy="405819"/>
+            </a:xfrm>
+            <a:prstGeom prst="rect">
+              <a:avLst/>
+            </a:prstGeom>
+            <a:noFill/>
+          </p:spPr>
+          <p:txBody>
+            <a:bodyPr wrap="square" rtlCol="0" anchor="ctr" anchorCtr="0">
+              <a:noAutofit/>
+            </a:bodyPr>
+            <a:lstStyle/>
+            <a:p>
+              <a:pPr algn="ctr"/>
+              <a:r>
+                <a:rPr lang="en-US" sz="1200" dirty="0">
+                  <a:latin typeface="Open Sauce Sans"/>
+                </a:rPr>
+                <a:t>Fold 1 Iteration</a:t>
+              </a:r>
+            </a:p>
+          </p:txBody>
+        </p:sp>
+        <p:sp>
+          <p:nvSpPr>
+            <p:cNvPr id="24" name="Right Brace 23">
+              <a:extLst>
+                <a:ext uri="{FF2B5EF4-FFF2-40B4-BE49-F238E27FC236}">
+                  <a16:creationId xmlns:a16="http://schemas.microsoft.com/office/drawing/2014/main" id="{3877D9C3-DF45-4FA5-BDD9-3DAE4407C43A}"/>
+                </a:ext>
+              </a:extLst>
+            </p:cNvPr>
+            <p:cNvSpPr/>
+            <p:nvPr/>
+          </p:nvSpPr>
+          <p:spPr>
+            <a:xfrm rot="5400000">
+              <a:off x="3569344" y="4177570"/>
+              <a:ext cx="322060" cy="3110847"/>
+            </a:xfrm>
+            <a:prstGeom prst="rightBrace">
+              <a:avLst>
+                <a:gd name="adj1" fmla="val 69907"/>
+                <a:gd name="adj2" fmla="val 50000"/>
+              </a:avLst>
+            </a:prstGeom>
+          </p:spPr>
+          <p:style>
+            <a:lnRef idx="1">
+              <a:schemeClr val="dk1"/>
+            </a:lnRef>
+            <a:fillRef idx="0">
+              <a:schemeClr val="dk1"/>
+            </a:fillRef>
+            <a:effectRef idx="0">
+              <a:schemeClr val="dk1"/>
+            </a:effectRef>
+            <a:fontRef idx="minor">
+              <a:schemeClr val="tx1"/>
+            </a:fontRef>
+          </p:style>
+          <p:txBody>
+            <a:bodyPr rtlCol="0" anchor="ctr"/>
+            <a:lstStyle/>
+            <a:p>
+              <a:pPr algn="ctr"/>
+              <a:endParaRPr lang="en-US"/>
+            </a:p>
+          </p:txBody>
+        </p:sp>
+        <p:sp>
+          <p:nvSpPr>
+            <p:cNvPr id="25" name="TextBox 24">
+              <a:extLst>
+                <a:ext uri="{FF2B5EF4-FFF2-40B4-BE49-F238E27FC236}">
+                  <a16:creationId xmlns:a16="http://schemas.microsoft.com/office/drawing/2014/main" id="{7134ED95-C5BD-4CD0-85BB-4C238351049B}"/>
+                </a:ext>
+              </a:extLst>
+            </p:cNvPr>
+            <p:cNvSpPr txBox="1"/>
+            <p:nvPr/>
+          </p:nvSpPr>
+          <p:spPr>
+            <a:xfrm>
+              <a:off x="2174950" y="6015210"/>
+              <a:ext cx="3104860" cy="584775"/>
+            </a:xfrm>
+            <a:prstGeom prst="rect">
+              <a:avLst/>
+            </a:prstGeom>
+            <a:noFill/>
+          </p:spPr>
+          <p:txBody>
+            <a:bodyPr wrap="square" rtlCol="0">
+              <a:spAutoFit/>
+            </a:bodyPr>
+            <a:lstStyle/>
+            <a:p>
+              <a:pPr algn="ctr"/>
+              <a:r>
+                <a:rPr lang="en-US" dirty="0"/>
+                <a:t>Fit </a:t>
+              </a:r>
+              <a:r>
+                <a:rPr lang="en-US" b="1" dirty="0"/>
+                <a:t>Final Model</a:t>
+              </a:r>
+              <a:br>
+                <a:rPr lang="en-US" b="1" dirty="0"/>
+              </a:br>
+              <a:r>
+                <a:rPr lang="en-US" sz="1400" dirty="0"/>
+                <a:t>(on all Training Data)</a:t>
+              </a:r>
+              <a:endParaRPr lang="en-US" dirty="0"/>
+            </a:p>
+          </p:txBody>
+        </p:sp>
+        <p:cxnSp>
+          <p:nvCxnSpPr>
+            <p:cNvPr id="27" name="Connector: Elbow 26">
+              <a:extLst>
+                <a:ext uri="{FF2B5EF4-FFF2-40B4-BE49-F238E27FC236}">
+                  <a16:creationId xmlns:a16="http://schemas.microsoft.com/office/drawing/2014/main" id="{2F340274-A2CC-46A8-A8A4-7BA106EDD18B}"/>
+                </a:ext>
+              </a:extLst>
+            </p:cNvPr>
+            <p:cNvCxnSpPr>
+              <a:stCxn id="38" idx="2"/>
+              <a:endCxn id="97" idx="0"/>
+            </p:cNvCxnSpPr>
+            <p:nvPr/>
+          </p:nvCxnSpPr>
+          <p:spPr>
+            <a:xfrm rot="5400000">
+              <a:off x="4562896" y="997706"/>
+              <a:ext cx="582227" cy="2247269"/>
+            </a:xfrm>
+            <a:prstGeom prst="bentConnector3">
+              <a:avLst/>
+            </a:prstGeom>
+            <a:ln>
+              <a:tailEnd type="triangle"/>
+            </a:ln>
+          </p:spPr>
+          <p:style>
+            <a:lnRef idx="1">
+              <a:schemeClr val="dk1"/>
+            </a:lnRef>
+            <a:fillRef idx="0">
+              <a:schemeClr val="dk1"/>
+            </a:fillRef>
+            <a:effectRef idx="0">
+              <a:schemeClr val="dk1"/>
+            </a:effectRef>
+            <a:fontRef idx="minor">
+              <a:schemeClr val="tx1"/>
+            </a:fontRef>
+          </p:style>
+        </p:cxnSp>
+        <p:cxnSp>
+          <p:nvCxnSpPr>
+            <p:cNvPr id="29" name="Connector: Elbow 28">
+              <a:extLst>
+                <a:ext uri="{FF2B5EF4-FFF2-40B4-BE49-F238E27FC236}">
+                  <a16:creationId xmlns:a16="http://schemas.microsoft.com/office/drawing/2014/main" id="{41DB60AA-D58A-4D8C-A70C-B295762627D8}"/>
+                </a:ext>
+              </a:extLst>
+            </p:cNvPr>
+            <p:cNvCxnSpPr>
+              <a:stCxn id="38" idx="2"/>
+              <a:endCxn id="100" idx="0"/>
+            </p:cNvCxnSpPr>
+            <p:nvPr/>
+          </p:nvCxnSpPr>
+          <p:spPr>
+            <a:xfrm rot="16200000" flipH="1">
+              <a:off x="6812029" y="995840"/>
+              <a:ext cx="589051" cy="2257823"/>
+            </a:xfrm>
+            <a:prstGeom prst="bentConnector3">
+              <a:avLst>
+                <a:gd name="adj1" fmla="val 49461"/>
+              </a:avLst>
+            </a:prstGeom>
+            <a:ln>
+              <a:tailEnd type="triangle"/>
+            </a:ln>
+          </p:spPr>
+          <p:style>
+            <a:lnRef idx="1">
+              <a:schemeClr val="dk1"/>
+            </a:lnRef>
+            <a:fillRef idx="0">
+              <a:schemeClr val="dk1"/>
+            </a:fillRef>
+            <a:effectRef idx="0">
+              <a:schemeClr val="dk1"/>
+            </a:effectRef>
+            <a:fontRef idx="minor">
+              <a:schemeClr val="tx1"/>
+            </a:fontRef>
+          </p:style>
+        </p:cxnSp>
+        <p:sp>
+          <p:nvSpPr>
+            <p:cNvPr id="64" name="Right Brace 63">
+              <a:extLst>
+                <a:ext uri="{FF2B5EF4-FFF2-40B4-BE49-F238E27FC236}">
+                  <a16:creationId xmlns:a16="http://schemas.microsoft.com/office/drawing/2014/main" id="{5DC7272E-EE3E-4CBF-8DEB-546300BA4C8A}"/>
+                </a:ext>
+              </a:extLst>
+            </p:cNvPr>
+            <p:cNvSpPr/>
+            <p:nvPr/>
+          </p:nvSpPr>
+          <p:spPr>
+            <a:xfrm rot="5400000">
+              <a:off x="8072380" y="3873547"/>
+              <a:ext cx="322060" cy="1546860"/>
+            </a:xfrm>
+            <a:prstGeom prst="rightBrace">
+              <a:avLst>
+                <a:gd name="adj1" fmla="val 69907"/>
+                <a:gd name="adj2" fmla="val 50000"/>
+              </a:avLst>
+            </a:prstGeom>
+          </p:spPr>
+          <p:style>
+            <a:lnRef idx="1">
+              <a:schemeClr val="dk1"/>
+            </a:lnRef>
+            <a:fillRef idx="0">
+              <a:schemeClr val="dk1"/>
+            </a:fillRef>
+            <a:effectRef idx="0">
+              <a:schemeClr val="dk1"/>
+            </a:effectRef>
+            <a:fontRef idx="minor">
+              <a:schemeClr val="tx1"/>
+            </a:fontRef>
+          </p:style>
+          <p:txBody>
+            <a:bodyPr rtlCol="0" anchor="ctr"/>
+            <a:lstStyle/>
+            <a:p>
+              <a:pPr algn="ctr"/>
+              <a:endParaRPr lang="en-US"/>
+            </a:p>
+          </p:txBody>
+        </p:sp>
+        <p:sp>
+          <p:nvSpPr>
+            <p:cNvPr id="65" name="TextBox 64">
+              <a:extLst>
+                <a:ext uri="{FF2B5EF4-FFF2-40B4-BE49-F238E27FC236}">
+                  <a16:creationId xmlns:a16="http://schemas.microsoft.com/office/drawing/2014/main" id="{4E58D61B-7B99-4F9B-A326-0984F40D00B1}"/>
+                </a:ext>
+              </a:extLst>
+            </p:cNvPr>
+            <p:cNvSpPr txBox="1"/>
+            <p:nvPr/>
+          </p:nvSpPr>
+          <p:spPr>
+            <a:xfrm>
+              <a:off x="3382814" y="2883733"/>
+              <a:ext cx="836535" cy="405819"/>
+            </a:xfrm>
+            <a:prstGeom prst="rect">
+              <a:avLst/>
+            </a:prstGeom>
+            <a:noFill/>
+          </p:spPr>
+          <p:txBody>
+            <a:bodyPr wrap="square" rtlCol="0" anchor="ctr" anchorCtr="0">
+              <a:noAutofit/>
+            </a:bodyPr>
+            <a:lstStyle/>
+            <a:p>
+              <a:pPr algn="ctr"/>
+              <a:r>
+                <a:rPr lang="en-US" sz="1200" dirty="0">
+                  <a:latin typeface="Open Sauce Sans"/>
+                </a:rPr>
+                <a:t>Fold 2 Iteration</a:t>
+              </a:r>
+            </a:p>
+          </p:txBody>
+        </p:sp>
+        <p:sp>
+          <p:nvSpPr>
+            <p:cNvPr id="66" name="TextBox 65">
+              <a:extLst>
+                <a:ext uri="{FF2B5EF4-FFF2-40B4-BE49-F238E27FC236}">
+                  <a16:creationId xmlns:a16="http://schemas.microsoft.com/office/drawing/2014/main" id="{EB5CD7A6-DDE1-4B95-9659-47BBC78F095B}"/>
+                </a:ext>
+              </a:extLst>
+            </p:cNvPr>
+            <p:cNvSpPr txBox="1"/>
+            <p:nvPr/>
+          </p:nvSpPr>
+          <p:spPr>
+            <a:xfrm>
+              <a:off x="4471463" y="2883733"/>
+              <a:ext cx="836535" cy="405819"/>
+            </a:xfrm>
+            <a:prstGeom prst="rect">
+              <a:avLst/>
+            </a:prstGeom>
+            <a:noFill/>
+          </p:spPr>
+          <p:txBody>
+            <a:bodyPr wrap="square" rtlCol="0" anchor="ctr" anchorCtr="0">
+              <a:noAutofit/>
+            </a:bodyPr>
+            <a:lstStyle/>
+            <a:p>
+              <a:pPr algn="ctr"/>
+              <a:r>
+                <a:rPr lang="en-US" sz="1200" dirty="0">
+                  <a:latin typeface="Open Sauce Sans"/>
+                </a:rPr>
+                <a:t>Fold 3 Iteration</a:t>
+              </a:r>
+            </a:p>
+          </p:txBody>
+        </p:sp>
+      </p:grpSp>
+    </p:spTree>
+    <p:extLst>
+      <p:ext uri="{BB962C8B-B14F-4D97-AF65-F5344CB8AC3E}">
+        <p14:creationId xmlns:p14="http://schemas.microsoft.com/office/powerpoint/2010/main" val="2368971501"/>
+      </p:ext>
+    </p:extLst>
+  </p:cSld>
+  <p:clrMapOvr>
+    <a:masterClrMapping/>
+  </p:clrMapOvr>
+</p:sld>
+</file>
+
+<file path=ppt/slides/slide13.xml><?xml version="1.0" encoding="utf-8"?>
+<p:sld xmlns:a="http://schemas.openxmlformats.org/drawingml/2006/main" xmlns:r="http://schemas.openxmlformats.org/officeDocument/2006/relationships" xmlns:p="http://schemas.openxmlformats.org/presentationml/2006/main">
+  <p:cSld>
     <p:spTree>
       <p:nvGrpSpPr>
         <p:cNvPr id="1" name=""/>
@@ -7256,7 +10230,7 @@
               <a:rPr lang="en-US" sz="2400" dirty="0">
                 <a:latin typeface="Minion Pro" panose="02040503050201020203" pitchFamily="18" charset="0"/>
               </a:rPr>
-              <a:t>Not Test</a:t>
+              <a:t>Training</a:t>
             </a:r>
           </a:p>
         </p:txBody>
@@ -7364,7 +10338,7 @@
 </p:sld>
 </file>
 
-<file path=ppt/slides/slide13.xml><?xml version="1.0" encoding="utf-8"?>
+<file path=ppt/slides/slide14.xml><?xml version="1.0" encoding="utf-8"?>
 <p:sld xmlns:a="http://schemas.openxmlformats.org/drawingml/2006/main" xmlns:r="http://schemas.openxmlformats.org/officeDocument/2006/relationships" xmlns:p="http://schemas.openxmlformats.org/presentationml/2006/main">
   <p:cSld>
     <p:spTree>
@@ -7383,10 +10357,10 @@
       </p:grpSpPr>
       <p:grpSp>
         <p:nvGrpSpPr>
-          <p:cNvPr id="11" name="Group 10">
+          <p:cNvPr id="44" name="Group 43">
             <a:extLst>
               <a:ext uri="{FF2B5EF4-FFF2-40B4-BE49-F238E27FC236}">
-                <a16:creationId xmlns:a16="http://schemas.microsoft.com/office/drawing/2014/main" id="{7893FC86-B24E-F285-6A09-F080741290EB}"/>
+                <a16:creationId xmlns:a16="http://schemas.microsoft.com/office/drawing/2014/main" id="{F6B9E0B2-863B-4F5A-C0D4-BB4BD8110C04}"/>
               </a:ext>
             </a:extLst>
           </p:cNvPr>
@@ -7395,510 +10369,21 @@
         </p:nvGrpSpPr>
         <p:grpSpPr>
           <a:xfrm>
-            <a:off x="219439" y="685800"/>
-            <a:ext cx="10780846" cy="5301408"/>
-            <a:chOff x="705576" y="685800"/>
-            <a:chExt cx="10780846" cy="5301408"/>
+            <a:off x="219439" y="2279169"/>
+            <a:ext cx="9588297" cy="620794"/>
+            <a:chOff x="1101777" y="2001221"/>
+            <a:chExt cx="7798175" cy="308134"/>
           </a:xfrm>
+          <a:solidFill>
+            <a:srgbClr val="ADD1CA"/>
+          </a:solidFill>
         </p:grpSpPr>
-        <p:grpSp>
-          <p:nvGrpSpPr>
-            <p:cNvPr id="44" name="Group 43">
+        <p:sp>
+          <p:nvSpPr>
+            <p:cNvPr id="19" name="Rounded Rectangle 18">
               <a:extLst>
                 <a:ext uri="{FF2B5EF4-FFF2-40B4-BE49-F238E27FC236}">
-                  <a16:creationId xmlns:a16="http://schemas.microsoft.com/office/drawing/2014/main" id="{F6B9E0B2-863B-4F5A-C0D4-BB4BD8110C04}"/>
-                </a:ext>
-              </a:extLst>
-            </p:cNvPr>
-            <p:cNvGrpSpPr/>
-            <p:nvPr/>
-          </p:nvGrpSpPr>
-          <p:grpSpPr>
-            <a:xfrm>
-              <a:off x="705576" y="2279169"/>
-              <a:ext cx="9588297" cy="620794"/>
-              <a:chOff x="1101777" y="2001221"/>
-              <a:chExt cx="7798175" cy="308134"/>
-            </a:xfrm>
-            <a:solidFill>
-              <a:srgbClr val="ADD1CA"/>
-            </a:solidFill>
-          </p:grpSpPr>
-          <p:sp>
-            <p:nvSpPr>
-              <p:cNvPr id="19" name="Rounded Rectangle 18">
-                <a:extLst>
-                  <a:ext uri="{FF2B5EF4-FFF2-40B4-BE49-F238E27FC236}">
-                    <a16:creationId xmlns:a16="http://schemas.microsoft.com/office/drawing/2014/main" id="{6B49ED5B-5F1D-6B05-C08D-73D86BC15B5D}"/>
-                  </a:ext>
-                </a:extLst>
-              </p:cNvPr>
-              <p:cNvSpPr/>
-              <p:nvPr/>
-            </p:nvSpPr>
-            <p:spPr>
-              <a:xfrm>
-                <a:off x="1101777" y="2001221"/>
-                <a:ext cx="865147" cy="308134"/>
-              </a:xfrm>
-              <a:prstGeom prst="roundRect">
-                <a:avLst/>
-              </a:prstGeom>
-              <a:grpFill/>
-              <a:ln w="6350">
-                <a:solidFill>
-                  <a:schemeClr val="tx1"/>
-                </a:solidFill>
-              </a:ln>
-            </p:spPr>
-            <p:style>
-              <a:lnRef idx="2">
-                <a:schemeClr val="accent1">
-                  <a:shade val="50000"/>
-                </a:schemeClr>
-              </a:lnRef>
-              <a:fillRef idx="1">
-                <a:schemeClr val="accent1"/>
-              </a:fillRef>
-              <a:effectRef idx="0">
-                <a:schemeClr val="accent1"/>
-              </a:effectRef>
-              <a:fontRef idx="minor">
-                <a:schemeClr val="lt1"/>
-              </a:fontRef>
-            </p:style>
-            <p:txBody>
-              <a:bodyPr rtlCol="0" anchor="ctr"/>
-              <a:lstStyle/>
-              <a:p>
-                <a:pPr algn="ctr"/>
-                <a:endParaRPr lang="en-US"/>
-              </a:p>
-            </p:txBody>
-          </p:sp>
-          <p:sp>
-            <p:nvSpPr>
-              <p:cNvPr id="20" name="Rounded Rectangle 19">
-                <a:extLst>
-                  <a:ext uri="{FF2B5EF4-FFF2-40B4-BE49-F238E27FC236}">
-                    <a16:creationId xmlns:a16="http://schemas.microsoft.com/office/drawing/2014/main" id="{524623FE-9016-956B-D2A4-E14328AC2987}"/>
-                  </a:ext>
-                </a:extLst>
-              </p:cNvPr>
-              <p:cNvSpPr/>
-              <p:nvPr/>
-            </p:nvSpPr>
-            <p:spPr>
-              <a:xfrm>
-                <a:off x="1970874" y="2001221"/>
-                <a:ext cx="865147" cy="308134"/>
-              </a:xfrm>
-              <a:prstGeom prst="roundRect">
-                <a:avLst/>
-              </a:prstGeom>
-              <a:grpFill/>
-              <a:ln w="6350">
-                <a:solidFill>
-                  <a:schemeClr val="tx1"/>
-                </a:solidFill>
-              </a:ln>
-            </p:spPr>
-            <p:style>
-              <a:lnRef idx="2">
-                <a:schemeClr val="accent1">
-                  <a:shade val="50000"/>
-                </a:schemeClr>
-              </a:lnRef>
-              <a:fillRef idx="1">
-                <a:schemeClr val="accent1"/>
-              </a:fillRef>
-              <a:effectRef idx="0">
-                <a:schemeClr val="accent1"/>
-              </a:effectRef>
-              <a:fontRef idx="minor">
-                <a:schemeClr val="lt1"/>
-              </a:fontRef>
-            </p:style>
-            <p:txBody>
-              <a:bodyPr rtlCol="0" anchor="ctr"/>
-              <a:lstStyle/>
-              <a:p>
-                <a:pPr algn="ctr"/>
-                <a:endParaRPr lang="en-US"/>
-              </a:p>
-            </p:txBody>
-          </p:sp>
-          <p:sp>
-            <p:nvSpPr>
-              <p:cNvPr id="21" name="Rounded Rectangle 20">
-                <a:extLst>
-                  <a:ext uri="{FF2B5EF4-FFF2-40B4-BE49-F238E27FC236}">
-                    <a16:creationId xmlns:a16="http://schemas.microsoft.com/office/drawing/2014/main" id="{2AC12EF9-3A0B-1E88-53A0-60527E622E97}"/>
-                  </a:ext>
-                </a:extLst>
-              </p:cNvPr>
-              <p:cNvSpPr/>
-              <p:nvPr/>
-            </p:nvSpPr>
-            <p:spPr>
-              <a:xfrm>
-                <a:off x="2837996" y="2001221"/>
-                <a:ext cx="865147" cy="308134"/>
-              </a:xfrm>
-              <a:prstGeom prst="roundRect">
-                <a:avLst/>
-              </a:prstGeom>
-              <a:grpFill/>
-              <a:ln w="6350">
-                <a:solidFill>
-                  <a:schemeClr val="tx1"/>
-                </a:solidFill>
-              </a:ln>
-            </p:spPr>
-            <p:style>
-              <a:lnRef idx="2">
-                <a:schemeClr val="accent1">
-                  <a:shade val="50000"/>
-                </a:schemeClr>
-              </a:lnRef>
-              <a:fillRef idx="1">
-                <a:schemeClr val="accent1"/>
-              </a:fillRef>
-              <a:effectRef idx="0">
-                <a:schemeClr val="accent1"/>
-              </a:effectRef>
-              <a:fontRef idx="minor">
-                <a:schemeClr val="lt1"/>
-              </a:fontRef>
-            </p:style>
-            <p:txBody>
-              <a:bodyPr rtlCol="0" anchor="ctr"/>
-              <a:lstStyle/>
-              <a:p>
-                <a:pPr algn="ctr"/>
-                <a:endParaRPr lang="en-US"/>
-              </a:p>
-            </p:txBody>
-          </p:sp>
-          <p:sp>
-            <p:nvSpPr>
-              <p:cNvPr id="22" name="Rounded Rectangle 21">
-                <a:extLst>
-                  <a:ext uri="{FF2B5EF4-FFF2-40B4-BE49-F238E27FC236}">
-                    <a16:creationId xmlns:a16="http://schemas.microsoft.com/office/drawing/2014/main" id="{562A00B9-1BFC-6CB8-3088-6BC84B2C24DC}"/>
-                  </a:ext>
-                </a:extLst>
-              </p:cNvPr>
-              <p:cNvSpPr/>
-              <p:nvPr/>
-            </p:nvSpPr>
-            <p:spPr>
-              <a:xfrm>
-                <a:off x="3703144" y="2001221"/>
-                <a:ext cx="865147" cy="308134"/>
-              </a:xfrm>
-              <a:prstGeom prst="roundRect">
-                <a:avLst/>
-              </a:prstGeom>
-              <a:grpFill/>
-              <a:ln w="6350">
-                <a:solidFill>
-                  <a:schemeClr val="tx1"/>
-                </a:solidFill>
-              </a:ln>
-            </p:spPr>
-            <p:style>
-              <a:lnRef idx="2">
-                <a:schemeClr val="accent1">
-                  <a:shade val="50000"/>
-                </a:schemeClr>
-              </a:lnRef>
-              <a:fillRef idx="1">
-                <a:schemeClr val="accent1"/>
-              </a:fillRef>
-              <a:effectRef idx="0">
-                <a:schemeClr val="accent1"/>
-              </a:effectRef>
-              <a:fontRef idx="minor">
-                <a:schemeClr val="lt1"/>
-              </a:fontRef>
-            </p:style>
-            <p:txBody>
-              <a:bodyPr rtlCol="0" anchor="ctr"/>
-              <a:lstStyle/>
-              <a:p>
-                <a:pPr algn="ctr"/>
-                <a:endParaRPr lang="en-US"/>
-              </a:p>
-            </p:txBody>
-          </p:sp>
-          <p:sp>
-            <p:nvSpPr>
-              <p:cNvPr id="23" name="Rounded Rectangle 22">
-                <a:extLst>
-                  <a:ext uri="{FF2B5EF4-FFF2-40B4-BE49-F238E27FC236}">
-                    <a16:creationId xmlns:a16="http://schemas.microsoft.com/office/drawing/2014/main" id="{BCC1E5F9-B6A2-7A60-9F38-095FB7E2C52A}"/>
-                  </a:ext>
-                </a:extLst>
-              </p:cNvPr>
-              <p:cNvSpPr/>
-              <p:nvPr/>
-            </p:nvSpPr>
-            <p:spPr>
-              <a:xfrm>
-                <a:off x="4568291" y="2001221"/>
-                <a:ext cx="865147" cy="308134"/>
-              </a:xfrm>
-              <a:prstGeom prst="roundRect">
-                <a:avLst/>
-              </a:prstGeom>
-              <a:grpFill/>
-              <a:ln w="6350">
-                <a:solidFill>
-                  <a:schemeClr val="tx1"/>
-                </a:solidFill>
-              </a:ln>
-            </p:spPr>
-            <p:style>
-              <a:lnRef idx="2">
-                <a:schemeClr val="accent1">
-                  <a:shade val="50000"/>
-                </a:schemeClr>
-              </a:lnRef>
-              <a:fillRef idx="1">
-                <a:schemeClr val="accent1"/>
-              </a:fillRef>
-              <a:effectRef idx="0">
-                <a:schemeClr val="accent1"/>
-              </a:effectRef>
-              <a:fontRef idx="minor">
-                <a:schemeClr val="lt1"/>
-              </a:fontRef>
-            </p:style>
-            <p:txBody>
-              <a:bodyPr rtlCol="0" anchor="ctr"/>
-              <a:lstStyle/>
-              <a:p>
-                <a:pPr algn="ctr"/>
-                <a:endParaRPr lang="en-US"/>
-              </a:p>
-            </p:txBody>
-          </p:sp>
-          <p:sp>
-            <p:nvSpPr>
-              <p:cNvPr id="30" name="Rounded Rectangle 29">
-                <a:extLst>
-                  <a:ext uri="{FF2B5EF4-FFF2-40B4-BE49-F238E27FC236}">
-                    <a16:creationId xmlns:a16="http://schemas.microsoft.com/office/drawing/2014/main" id="{BBDB14DC-797B-A23B-3D24-51ABC4C35205}"/>
-                  </a:ext>
-                </a:extLst>
-              </p:cNvPr>
-              <p:cNvSpPr/>
-              <p:nvPr/>
-            </p:nvSpPr>
-            <p:spPr>
-              <a:xfrm>
-                <a:off x="5433438" y="2001221"/>
-                <a:ext cx="865147" cy="308134"/>
-              </a:xfrm>
-              <a:prstGeom prst="roundRect">
-                <a:avLst/>
-              </a:prstGeom>
-              <a:grpFill/>
-              <a:ln w="6350">
-                <a:solidFill>
-                  <a:schemeClr val="tx1"/>
-                </a:solidFill>
-              </a:ln>
-            </p:spPr>
-            <p:style>
-              <a:lnRef idx="2">
-                <a:schemeClr val="accent1">
-                  <a:shade val="50000"/>
-                </a:schemeClr>
-              </a:lnRef>
-              <a:fillRef idx="1">
-                <a:schemeClr val="accent1"/>
-              </a:fillRef>
-              <a:effectRef idx="0">
-                <a:schemeClr val="accent1"/>
-              </a:effectRef>
-              <a:fontRef idx="minor">
-                <a:schemeClr val="lt1"/>
-              </a:fontRef>
-            </p:style>
-            <p:txBody>
-              <a:bodyPr rtlCol="0" anchor="ctr"/>
-              <a:lstStyle/>
-              <a:p>
-                <a:pPr algn="ctr"/>
-                <a:endParaRPr lang="en-US"/>
-              </a:p>
-            </p:txBody>
-          </p:sp>
-          <p:sp>
-            <p:nvSpPr>
-              <p:cNvPr id="31" name="Rounded Rectangle 30">
-                <a:extLst>
-                  <a:ext uri="{FF2B5EF4-FFF2-40B4-BE49-F238E27FC236}">
-                    <a16:creationId xmlns:a16="http://schemas.microsoft.com/office/drawing/2014/main" id="{D44FF8F3-2BB2-D7F8-7B04-52F2B9B48764}"/>
-                  </a:ext>
-                </a:extLst>
-              </p:cNvPr>
-              <p:cNvSpPr/>
-              <p:nvPr/>
-            </p:nvSpPr>
-            <p:spPr>
-              <a:xfrm>
-                <a:off x="6302535" y="2001221"/>
-                <a:ext cx="865147" cy="308134"/>
-              </a:xfrm>
-              <a:prstGeom prst="roundRect">
-                <a:avLst/>
-              </a:prstGeom>
-              <a:grpFill/>
-              <a:ln w="6350">
-                <a:solidFill>
-                  <a:schemeClr val="tx1"/>
-                </a:solidFill>
-              </a:ln>
-            </p:spPr>
-            <p:style>
-              <a:lnRef idx="2">
-                <a:schemeClr val="accent1">
-                  <a:shade val="50000"/>
-                </a:schemeClr>
-              </a:lnRef>
-              <a:fillRef idx="1">
-                <a:schemeClr val="accent1"/>
-              </a:fillRef>
-              <a:effectRef idx="0">
-                <a:schemeClr val="accent1"/>
-              </a:effectRef>
-              <a:fontRef idx="minor">
-                <a:schemeClr val="lt1"/>
-              </a:fontRef>
-            </p:style>
-            <p:txBody>
-              <a:bodyPr rtlCol="0" anchor="ctr"/>
-              <a:lstStyle/>
-              <a:p>
-                <a:pPr algn="ctr"/>
-                <a:endParaRPr lang="en-US"/>
-              </a:p>
-            </p:txBody>
-          </p:sp>
-          <p:sp>
-            <p:nvSpPr>
-              <p:cNvPr id="32" name="Rounded Rectangle 31">
-                <a:extLst>
-                  <a:ext uri="{FF2B5EF4-FFF2-40B4-BE49-F238E27FC236}">
-                    <a16:creationId xmlns:a16="http://schemas.microsoft.com/office/drawing/2014/main" id="{4EBA4A27-B16A-120C-056C-EA61F0BE95D4}"/>
-                  </a:ext>
-                </a:extLst>
-              </p:cNvPr>
-              <p:cNvSpPr/>
-              <p:nvPr/>
-            </p:nvSpPr>
-            <p:spPr>
-              <a:xfrm>
-                <a:off x="7169657" y="2001221"/>
-                <a:ext cx="865147" cy="308134"/>
-              </a:xfrm>
-              <a:prstGeom prst="roundRect">
-                <a:avLst/>
-              </a:prstGeom>
-              <a:grpFill/>
-              <a:ln w="6350">
-                <a:solidFill>
-                  <a:schemeClr val="tx1"/>
-                </a:solidFill>
-              </a:ln>
-            </p:spPr>
-            <p:style>
-              <a:lnRef idx="2">
-                <a:schemeClr val="accent1">
-                  <a:shade val="50000"/>
-                </a:schemeClr>
-              </a:lnRef>
-              <a:fillRef idx="1">
-                <a:schemeClr val="accent1"/>
-              </a:fillRef>
-              <a:effectRef idx="0">
-                <a:schemeClr val="accent1"/>
-              </a:effectRef>
-              <a:fontRef idx="minor">
-                <a:schemeClr val="lt1"/>
-              </a:fontRef>
-            </p:style>
-            <p:txBody>
-              <a:bodyPr rtlCol="0" anchor="ctr"/>
-              <a:lstStyle/>
-              <a:p>
-                <a:pPr algn="ctr"/>
-                <a:endParaRPr lang="en-US"/>
-              </a:p>
-            </p:txBody>
-          </p:sp>
-          <p:sp>
-            <p:nvSpPr>
-              <p:cNvPr id="33" name="Rounded Rectangle 32">
-                <a:extLst>
-                  <a:ext uri="{FF2B5EF4-FFF2-40B4-BE49-F238E27FC236}">
-                    <a16:creationId xmlns:a16="http://schemas.microsoft.com/office/drawing/2014/main" id="{4E1154A6-E28B-AFBA-44DA-0B2C89F2FD42}"/>
-                  </a:ext>
-                </a:extLst>
-              </p:cNvPr>
-              <p:cNvSpPr/>
-              <p:nvPr/>
-            </p:nvSpPr>
-            <p:spPr>
-              <a:xfrm>
-                <a:off x="8034805" y="2001221"/>
-                <a:ext cx="865147" cy="308134"/>
-              </a:xfrm>
-              <a:prstGeom prst="roundRect">
-                <a:avLst/>
-              </a:prstGeom>
-              <a:grpFill/>
-              <a:ln w="6350">
-                <a:solidFill>
-                  <a:schemeClr val="tx1"/>
-                </a:solidFill>
-              </a:ln>
-            </p:spPr>
-            <p:style>
-              <a:lnRef idx="2">
-                <a:schemeClr val="accent1">
-                  <a:shade val="50000"/>
-                </a:schemeClr>
-              </a:lnRef>
-              <a:fillRef idx="1">
-                <a:schemeClr val="accent1"/>
-              </a:fillRef>
-              <a:effectRef idx="0">
-                <a:schemeClr val="accent1"/>
-              </a:effectRef>
-              <a:fontRef idx="minor">
-                <a:schemeClr val="lt1"/>
-              </a:fontRef>
-            </p:style>
-            <p:txBody>
-              <a:bodyPr rtlCol="0" anchor="ctr"/>
-              <a:lstStyle/>
-              <a:p>
-                <a:pPr algn="ctr"/>
-                <a:endParaRPr lang="en-US"/>
-              </a:p>
-            </p:txBody>
-          </p:sp>
-        </p:grpSp>
-        <p:sp>
-          <p:nvSpPr>
-            <p:cNvPr id="34" name="Rounded Rectangle 33">
-              <a:extLst>
-                <a:ext uri="{FF2B5EF4-FFF2-40B4-BE49-F238E27FC236}">
-                  <a16:creationId xmlns:a16="http://schemas.microsoft.com/office/drawing/2014/main" id="{078F2488-F459-2F6C-FA3D-98C132B14381}"/>
+                  <a16:creationId xmlns:a16="http://schemas.microsoft.com/office/drawing/2014/main" id="{6B49ED5B-5F1D-6B05-C08D-73D86BC15B5D}"/>
                 </a:ext>
               </a:extLst>
             </p:cNvPr>
@@ -7907,15 +10392,13 @@
           </p:nvSpPr>
           <p:spPr>
             <a:xfrm>
-              <a:off x="10293873" y="2279169"/>
-              <a:ext cx="1063747" cy="620794"/>
+              <a:off x="1101777" y="2001221"/>
+              <a:ext cx="865147" cy="308134"/>
             </a:xfrm>
             <a:prstGeom prst="roundRect">
               <a:avLst/>
             </a:prstGeom>
-            <a:solidFill>
-              <a:srgbClr val="E1DDE8"/>
-            </a:solidFill>
+            <a:grpFill/>
             <a:ln w="6350">
               <a:solidFill>
                 <a:schemeClr val="tx1"/>
@@ -7949,10 +10432,10 @@
         </p:sp>
         <p:sp>
           <p:nvSpPr>
-            <p:cNvPr id="35" name="Rounded Rectangle 34">
+            <p:cNvPr id="20" name="Rounded Rectangle 19">
               <a:extLst>
                 <a:ext uri="{FF2B5EF4-FFF2-40B4-BE49-F238E27FC236}">
-                  <a16:creationId xmlns:a16="http://schemas.microsoft.com/office/drawing/2014/main" id="{851C66ED-602A-62DE-A558-588C3DA81D45}"/>
+                  <a16:creationId xmlns:a16="http://schemas.microsoft.com/office/drawing/2014/main" id="{524623FE-9016-956B-D2A4-E14328AC2987}"/>
                 </a:ext>
               </a:extLst>
             </p:cNvPr>
@@ -7961,295 +10444,13 @@
           </p:nvSpPr>
           <p:spPr>
             <a:xfrm>
-              <a:off x="705576" y="685800"/>
-              <a:ext cx="10652044" cy="620794"/>
+              <a:off x="1970874" y="2001221"/>
+              <a:ext cx="865147" cy="308134"/>
             </a:xfrm>
             <a:prstGeom prst="roundRect">
               <a:avLst/>
             </a:prstGeom>
-            <a:solidFill>
-              <a:schemeClr val="bg1">
-                <a:lumMod val="85000"/>
-              </a:schemeClr>
-            </a:solidFill>
-            <a:ln w="6350">
-              <a:solidFill>
-                <a:schemeClr val="tx1"/>
-              </a:solidFill>
-            </a:ln>
-          </p:spPr>
-          <p:style>
-            <a:lnRef idx="2">
-              <a:schemeClr val="accent1">
-                <a:shade val="50000"/>
-              </a:schemeClr>
-            </a:lnRef>
-            <a:fillRef idx="1">
-              <a:schemeClr val="accent1"/>
-            </a:fillRef>
-            <a:effectRef idx="0">
-              <a:schemeClr val="accent1"/>
-            </a:effectRef>
-            <a:fontRef idx="minor">
-              <a:schemeClr val="lt1"/>
-            </a:fontRef>
-          </p:style>
-          <p:txBody>
-            <a:bodyPr rtlCol="0" anchor="ctr"/>
-            <a:lstStyle/>
-            <a:p>
-              <a:pPr algn="ctr"/>
-              <a:endParaRPr lang="en-US"/>
-            </a:p>
-          </p:txBody>
-        </p:sp>
-        <p:cxnSp>
-          <p:nvCxnSpPr>
-            <p:cNvPr id="37" name="Straight Arrow Connector 36">
-              <a:extLst>
-                <a:ext uri="{FF2B5EF4-FFF2-40B4-BE49-F238E27FC236}">
-                  <a16:creationId xmlns:a16="http://schemas.microsoft.com/office/drawing/2014/main" id="{15E9C125-EEE7-9F93-DC31-DD478CFE63F3}"/>
-                </a:ext>
-              </a:extLst>
-            </p:cNvPr>
-            <p:cNvCxnSpPr>
-              <a:cxnSpLocks/>
-            </p:cNvCxnSpPr>
-            <p:nvPr/>
-          </p:nvCxnSpPr>
-          <p:spPr>
-            <a:xfrm>
-              <a:off x="6031598" y="1518184"/>
-              <a:ext cx="0" cy="527641"/>
-            </a:xfrm>
-            <a:prstGeom prst="straightConnector1">
-              <a:avLst/>
-            </a:prstGeom>
-            <a:ln w="76200">
-              <a:solidFill>
-                <a:schemeClr val="tx1"/>
-              </a:solidFill>
-              <a:tailEnd type="triangle"/>
-            </a:ln>
-          </p:spPr>
-          <p:style>
-            <a:lnRef idx="1">
-              <a:schemeClr val="accent1"/>
-            </a:lnRef>
-            <a:fillRef idx="0">
-              <a:schemeClr val="accent1"/>
-            </a:fillRef>
-            <a:effectRef idx="0">
-              <a:schemeClr val="accent1"/>
-            </a:effectRef>
-            <a:fontRef idx="minor">
-              <a:schemeClr val="tx1"/>
-            </a:fontRef>
-          </p:style>
-        </p:cxnSp>
-        <p:sp>
-          <p:nvSpPr>
-            <p:cNvPr id="39" name="Left Brace 38">
-              <a:extLst>
-                <a:ext uri="{FF2B5EF4-FFF2-40B4-BE49-F238E27FC236}">
-                  <a16:creationId xmlns:a16="http://schemas.microsoft.com/office/drawing/2014/main" id="{F3B9E8A7-7B0D-22CC-7752-DBB8F9A1E63E}"/>
-                </a:ext>
-              </a:extLst>
-            </p:cNvPr>
-            <p:cNvSpPr/>
-            <p:nvPr/>
-          </p:nvSpPr>
-          <p:spPr>
-            <a:xfrm rot="16200000">
-              <a:off x="10761037" y="2674157"/>
-              <a:ext cx="142091" cy="929114"/>
-            </a:xfrm>
-            <a:prstGeom prst="leftBrace">
-              <a:avLst/>
-            </a:prstGeom>
-            <a:ln>
-              <a:solidFill>
-                <a:schemeClr val="tx1"/>
-              </a:solidFill>
-            </a:ln>
-          </p:spPr>
-          <p:style>
-            <a:lnRef idx="1">
-              <a:schemeClr val="accent1"/>
-            </a:lnRef>
-            <a:fillRef idx="0">
-              <a:schemeClr val="accent1"/>
-            </a:fillRef>
-            <a:effectRef idx="0">
-              <a:schemeClr val="accent1"/>
-            </a:effectRef>
-            <a:fontRef idx="minor">
-              <a:schemeClr val="tx1"/>
-            </a:fontRef>
-          </p:style>
-          <p:txBody>
-            <a:bodyPr rtlCol="0" anchor="ctr"/>
-            <a:lstStyle/>
-            <a:p>
-              <a:pPr algn="ctr"/>
-              <a:endParaRPr lang="en-US"/>
-            </a:p>
-          </p:txBody>
-        </p:sp>
-        <p:sp>
-          <p:nvSpPr>
-            <p:cNvPr id="41" name="TextBox 40">
-              <a:extLst>
-                <a:ext uri="{FF2B5EF4-FFF2-40B4-BE49-F238E27FC236}">
-                  <a16:creationId xmlns:a16="http://schemas.microsoft.com/office/drawing/2014/main" id="{0AF190FD-AC10-FE24-9C19-47E86D504FBF}"/>
-                </a:ext>
-              </a:extLst>
-            </p:cNvPr>
-            <p:cNvSpPr txBox="1"/>
-            <p:nvPr/>
-          </p:nvSpPr>
-          <p:spPr>
-            <a:xfrm>
-              <a:off x="10165072" y="3280037"/>
-              <a:ext cx="1321350" cy="461665"/>
-            </a:xfrm>
-            <a:prstGeom prst="rect">
-              <a:avLst/>
-            </a:prstGeom>
-            <a:noFill/>
-            <a:ln>
-              <a:noFill/>
-            </a:ln>
-          </p:spPr>
-          <p:txBody>
-            <a:bodyPr wrap="square" rtlCol="0">
-              <a:spAutoFit/>
-            </a:bodyPr>
-            <a:lstStyle/>
-            <a:p>
-              <a:pPr algn="ctr"/>
-              <a:r>
-                <a:rPr lang="en-US" sz="2400" dirty="0">
-                  <a:latin typeface="Minion Pro" panose="02040503050201020203" pitchFamily="18" charset="0"/>
-                </a:rPr>
-                <a:t>Test</a:t>
-              </a:r>
-            </a:p>
-          </p:txBody>
-        </p:sp>
-        <p:sp>
-          <p:nvSpPr>
-            <p:cNvPr id="42" name="Left Brace 41">
-              <a:extLst>
-                <a:ext uri="{FF2B5EF4-FFF2-40B4-BE49-F238E27FC236}">
-                  <a16:creationId xmlns:a16="http://schemas.microsoft.com/office/drawing/2014/main" id="{73CA02B8-D3C3-3676-758F-275BC2B41285}"/>
-                </a:ext>
-              </a:extLst>
-            </p:cNvPr>
-            <p:cNvSpPr/>
-            <p:nvPr/>
-          </p:nvSpPr>
-          <p:spPr>
-            <a:xfrm rot="16200000">
-              <a:off x="5447904" y="-1573224"/>
-              <a:ext cx="142091" cy="9423876"/>
-            </a:xfrm>
-            <a:prstGeom prst="leftBrace">
-              <a:avLst/>
-            </a:prstGeom>
-            <a:ln>
-              <a:solidFill>
-                <a:schemeClr val="tx1"/>
-              </a:solidFill>
-            </a:ln>
-          </p:spPr>
-          <p:style>
-            <a:lnRef idx="1">
-              <a:schemeClr val="accent1"/>
-            </a:lnRef>
-            <a:fillRef idx="0">
-              <a:schemeClr val="accent1"/>
-            </a:fillRef>
-            <a:effectRef idx="0">
-              <a:schemeClr val="accent1"/>
-            </a:effectRef>
-            <a:fontRef idx="minor">
-              <a:schemeClr val="tx1"/>
-            </a:fontRef>
-          </p:style>
-          <p:txBody>
-            <a:bodyPr rtlCol="0" anchor="ctr"/>
-            <a:lstStyle/>
-            <a:p>
-              <a:pPr algn="ctr"/>
-              <a:endParaRPr lang="en-US"/>
-            </a:p>
-          </p:txBody>
-        </p:sp>
-        <p:sp>
-          <p:nvSpPr>
-            <p:cNvPr id="43" name="TextBox 42">
-              <a:extLst>
-                <a:ext uri="{FF2B5EF4-FFF2-40B4-BE49-F238E27FC236}">
-                  <a16:creationId xmlns:a16="http://schemas.microsoft.com/office/drawing/2014/main" id="{6719AAB5-88C7-D816-AF35-C5807CE93852}"/>
-                </a:ext>
-              </a:extLst>
-            </p:cNvPr>
-            <p:cNvSpPr txBox="1"/>
-            <p:nvPr/>
-          </p:nvSpPr>
-          <p:spPr>
-            <a:xfrm>
-              <a:off x="4455202" y="3280037"/>
-              <a:ext cx="2127494" cy="461665"/>
-            </a:xfrm>
-            <a:prstGeom prst="rect">
-              <a:avLst/>
-            </a:prstGeom>
-            <a:noFill/>
-            <a:ln>
-              <a:noFill/>
-            </a:ln>
-          </p:spPr>
-          <p:txBody>
-            <a:bodyPr wrap="square" rtlCol="0">
-              <a:spAutoFit/>
-            </a:bodyPr>
-            <a:lstStyle/>
-            <a:p>
-              <a:pPr algn="ctr"/>
-              <a:r>
-                <a:rPr lang="en-US" sz="2400" dirty="0">
-                  <a:latin typeface="Minion Pro" panose="02040503050201020203" pitchFamily="18" charset="0"/>
-                </a:rPr>
-                <a:t>Not Test</a:t>
-              </a:r>
-            </a:p>
-          </p:txBody>
-        </p:sp>
-        <p:sp>
-          <p:nvSpPr>
-            <p:cNvPr id="47" name="Rounded Rectangle 46">
-              <a:extLst>
-                <a:ext uri="{FF2B5EF4-FFF2-40B4-BE49-F238E27FC236}">
-                  <a16:creationId xmlns:a16="http://schemas.microsoft.com/office/drawing/2014/main" id="{72631CB0-94BB-0A03-426D-0D9FFEF0B8C4}"/>
-                </a:ext>
-              </a:extLst>
-            </p:cNvPr>
-            <p:cNvSpPr/>
-            <p:nvPr/>
-          </p:nvSpPr>
-          <p:spPr>
-            <a:xfrm>
-              <a:off x="705576" y="4577208"/>
-              <a:ext cx="1920240" cy="620794"/>
-            </a:xfrm>
-            <a:prstGeom prst="roundRect">
-              <a:avLst/>
-            </a:prstGeom>
-            <a:solidFill>
-              <a:srgbClr val="98B2D0"/>
-            </a:solidFill>
+            <a:grpFill/>
             <a:ln w="6350">
               <a:solidFill>
                 <a:schemeClr val="tx1"/>
@@ -8283,10 +10484,10 @@
         </p:sp>
         <p:sp>
           <p:nvSpPr>
-            <p:cNvPr id="52" name="Rounded Rectangle 51">
+            <p:cNvPr id="21" name="Rounded Rectangle 20">
               <a:extLst>
                 <a:ext uri="{FF2B5EF4-FFF2-40B4-BE49-F238E27FC236}">
-                  <a16:creationId xmlns:a16="http://schemas.microsoft.com/office/drawing/2014/main" id="{48929065-648B-25C3-B52F-CA0E85680400}"/>
+                  <a16:creationId xmlns:a16="http://schemas.microsoft.com/office/drawing/2014/main" id="{2AC12EF9-3A0B-1E88-53A0-60527E622E97}"/>
                 </a:ext>
               </a:extLst>
             </p:cNvPr>
@@ -8295,15 +10496,13 @@
           </p:nvSpPr>
           <p:spPr>
             <a:xfrm>
-              <a:off x="2625816" y="4577208"/>
-              <a:ext cx="1920240" cy="620794"/>
+              <a:off x="2837996" y="2001221"/>
+              <a:ext cx="865147" cy="308134"/>
             </a:xfrm>
             <a:prstGeom prst="roundRect">
               <a:avLst/>
             </a:prstGeom>
-            <a:solidFill>
-              <a:srgbClr val="98B2D0"/>
-            </a:solidFill>
+            <a:grpFill/>
             <a:ln w="6350">
               <a:solidFill>
                 <a:schemeClr val="tx1"/>
@@ -8337,10 +10536,10 @@
         </p:sp>
         <p:sp>
           <p:nvSpPr>
-            <p:cNvPr id="53" name="Rounded Rectangle 52">
+            <p:cNvPr id="22" name="Rounded Rectangle 21">
               <a:extLst>
                 <a:ext uri="{FF2B5EF4-FFF2-40B4-BE49-F238E27FC236}">
-                  <a16:creationId xmlns:a16="http://schemas.microsoft.com/office/drawing/2014/main" id="{5D15E6BC-52AB-277E-94C4-0870238625CF}"/>
+                  <a16:creationId xmlns:a16="http://schemas.microsoft.com/office/drawing/2014/main" id="{562A00B9-1BFC-6CB8-3088-6BC84B2C24DC}"/>
                 </a:ext>
               </a:extLst>
             </p:cNvPr>
@@ -8349,15 +10548,13 @@
           </p:nvSpPr>
           <p:spPr>
             <a:xfrm>
-              <a:off x="4558828" y="4577208"/>
-              <a:ext cx="1920240" cy="620794"/>
+              <a:off x="3703144" y="2001221"/>
+              <a:ext cx="865147" cy="308134"/>
             </a:xfrm>
             <a:prstGeom prst="roundRect">
               <a:avLst/>
             </a:prstGeom>
-            <a:solidFill>
-              <a:srgbClr val="98B2D0"/>
-            </a:solidFill>
+            <a:grpFill/>
             <a:ln w="6350">
               <a:solidFill>
                 <a:schemeClr val="tx1"/>
@@ -8391,10 +10588,10 @@
         </p:sp>
         <p:sp>
           <p:nvSpPr>
-            <p:cNvPr id="54" name="Rounded Rectangle 53">
+            <p:cNvPr id="23" name="Rounded Rectangle 22">
               <a:extLst>
                 <a:ext uri="{FF2B5EF4-FFF2-40B4-BE49-F238E27FC236}">
-                  <a16:creationId xmlns:a16="http://schemas.microsoft.com/office/drawing/2014/main" id="{4548814A-915C-24AE-A499-729A4634C509}"/>
+                  <a16:creationId xmlns:a16="http://schemas.microsoft.com/office/drawing/2014/main" id="{BCC1E5F9-B6A2-7A60-9F38-095FB7E2C52A}"/>
                 </a:ext>
               </a:extLst>
             </p:cNvPr>
@@ -8403,15 +10600,13 @@
           </p:nvSpPr>
           <p:spPr>
             <a:xfrm>
-              <a:off x="6491840" y="4577208"/>
-              <a:ext cx="1920240" cy="620794"/>
+              <a:off x="4568291" y="2001221"/>
+              <a:ext cx="865147" cy="308134"/>
             </a:xfrm>
             <a:prstGeom prst="roundRect">
               <a:avLst/>
             </a:prstGeom>
-            <a:solidFill>
-              <a:srgbClr val="98B2D0"/>
-            </a:solidFill>
+            <a:grpFill/>
             <a:ln w="6350">
               <a:solidFill>
                 <a:schemeClr val="tx1"/>
@@ -8445,10 +10640,10 @@
         </p:sp>
         <p:sp>
           <p:nvSpPr>
-            <p:cNvPr id="55" name="Rounded Rectangle 54">
+            <p:cNvPr id="30" name="Rounded Rectangle 29">
               <a:extLst>
                 <a:ext uri="{FF2B5EF4-FFF2-40B4-BE49-F238E27FC236}">
-                  <a16:creationId xmlns:a16="http://schemas.microsoft.com/office/drawing/2014/main" id="{20E01640-49D2-D585-C987-E647BB76F64E}"/>
+                  <a16:creationId xmlns:a16="http://schemas.microsoft.com/office/drawing/2014/main" id="{BBDB14DC-797B-A23B-3D24-51ABC4C35205}"/>
                 </a:ext>
               </a:extLst>
             </p:cNvPr>
@@ -8457,15 +10652,13 @@
           </p:nvSpPr>
           <p:spPr>
             <a:xfrm>
-              <a:off x="8412081" y="4577208"/>
-              <a:ext cx="1920240" cy="620794"/>
+              <a:off x="5433438" y="2001221"/>
+              <a:ext cx="865147" cy="308134"/>
             </a:xfrm>
             <a:prstGeom prst="roundRect">
               <a:avLst/>
             </a:prstGeom>
-            <a:solidFill>
-              <a:srgbClr val="DCB14D"/>
-            </a:solidFill>
+            <a:grpFill/>
             <a:ln w="6350">
               <a:solidFill>
                 <a:schemeClr val="tx1"/>
@@ -8497,56 +10690,12 @@
             </a:p>
           </p:txBody>
         </p:sp>
-        <p:cxnSp>
-          <p:nvCxnSpPr>
-            <p:cNvPr id="3" name="Straight Arrow Connector 2">
+        <p:sp>
+          <p:nvSpPr>
+            <p:cNvPr id="31" name="Rounded Rectangle 30">
               <a:extLst>
                 <a:ext uri="{FF2B5EF4-FFF2-40B4-BE49-F238E27FC236}">
-                  <a16:creationId xmlns:a16="http://schemas.microsoft.com/office/drawing/2014/main" id="{89581221-EE86-573B-09E9-608C5A563DB0}"/>
-                </a:ext>
-              </a:extLst>
-            </p:cNvPr>
-            <p:cNvCxnSpPr>
-              <a:cxnSpLocks/>
-            </p:cNvCxnSpPr>
-            <p:nvPr/>
-          </p:nvCxnSpPr>
-          <p:spPr>
-            <a:xfrm>
-              <a:off x="5587098" y="3823259"/>
-              <a:ext cx="0" cy="527641"/>
-            </a:xfrm>
-            <a:prstGeom prst="straightConnector1">
-              <a:avLst/>
-            </a:prstGeom>
-            <a:ln w="76200">
-              <a:solidFill>
-                <a:schemeClr val="tx1"/>
-              </a:solidFill>
-              <a:tailEnd type="triangle"/>
-            </a:ln>
-          </p:spPr>
-          <p:style>
-            <a:lnRef idx="1">
-              <a:schemeClr val="accent1"/>
-            </a:lnRef>
-            <a:fillRef idx="0">
-              <a:schemeClr val="accent1"/>
-            </a:fillRef>
-            <a:effectRef idx="0">
-              <a:schemeClr val="accent1"/>
-            </a:effectRef>
-            <a:fontRef idx="minor">
-              <a:schemeClr val="tx1"/>
-            </a:fontRef>
-          </p:style>
-        </p:cxnSp>
-        <p:sp>
-          <p:nvSpPr>
-            <p:cNvPr id="5" name="Left Brace 4">
-              <a:extLst>
-                <a:ext uri="{FF2B5EF4-FFF2-40B4-BE49-F238E27FC236}">
-                  <a16:creationId xmlns:a16="http://schemas.microsoft.com/office/drawing/2014/main" id="{BE52CD1D-C6E1-D6FF-9039-DB074ABF354F}"/>
+                  <a16:creationId xmlns:a16="http://schemas.microsoft.com/office/drawing/2014/main" id="{D44FF8F3-2BB2-D7F8-7B04-52F2B9B48764}"/>
                 </a:ext>
               </a:extLst>
             </p:cNvPr>
@@ -8554,31 +10703,34 @@
             <p:nvPr/>
           </p:nvSpPr>
           <p:spPr>
-            <a:xfrm rot="16200000">
-              <a:off x="9311622" y="4562063"/>
-              <a:ext cx="142091" cy="1732359"/>
+            <a:xfrm>
+              <a:off x="6302535" y="2001221"/>
+              <a:ext cx="865147" cy="308134"/>
             </a:xfrm>
-            <a:prstGeom prst="leftBrace">
+            <a:prstGeom prst="roundRect">
               <a:avLst/>
             </a:prstGeom>
-            <a:ln>
+            <a:grpFill/>
+            <a:ln w="6350">
               <a:solidFill>
                 <a:schemeClr val="tx1"/>
               </a:solidFill>
             </a:ln>
           </p:spPr>
           <p:style>
-            <a:lnRef idx="1">
-              <a:schemeClr val="accent1"/>
+            <a:lnRef idx="2">
+              <a:schemeClr val="accent1">
+                <a:shade val="50000"/>
+              </a:schemeClr>
             </a:lnRef>
-            <a:fillRef idx="0">
+            <a:fillRef idx="1">
               <a:schemeClr val="accent1"/>
             </a:fillRef>
             <a:effectRef idx="0">
               <a:schemeClr val="accent1"/>
             </a:effectRef>
             <a:fontRef idx="minor">
-              <a:schemeClr val="tx1"/>
+              <a:schemeClr val="lt1"/>
             </a:fontRef>
           </p:style>
           <p:txBody>
@@ -8592,46 +10744,847 @@
         </p:sp>
         <p:sp>
           <p:nvSpPr>
-            <p:cNvPr id="6" name="TextBox 5">
+            <p:cNvPr id="32" name="Rounded Rectangle 31">
               <a:extLst>
                 <a:ext uri="{FF2B5EF4-FFF2-40B4-BE49-F238E27FC236}">
-                  <a16:creationId xmlns:a16="http://schemas.microsoft.com/office/drawing/2014/main" id="{4B64A473-6913-3D71-33E1-B16D59D3DD90}"/>
+                  <a16:creationId xmlns:a16="http://schemas.microsoft.com/office/drawing/2014/main" id="{4EBA4A27-B16A-120C-056C-EA61F0BE95D4}"/>
                 </a:ext>
               </a:extLst>
             </p:cNvPr>
-            <p:cNvSpPr txBox="1"/>
+            <p:cNvSpPr/>
             <p:nvPr/>
           </p:nvSpPr>
           <p:spPr>
             <a:xfrm>
-              <a:off x="8264969" y="5525543"/>
-              <a:ext cx="2235396" cy="461665"/>
+              <a:off x="7169657" y="2001221"/>
+              <a:ext cx="865147" cy="308134"/>
             </a:xfrm>
-            <a:prstGeom prst="rect">
+            <a:prstGeom prst="roundRect">
               <a:avLst/>
             </a:prstGeom>
-            <a:noFill/>
-            <a:ln>
-              <a:noFill/>
+            <a:grpFill/>
+            <a:ln w="6350">
+              <a:solidFill>
+                <a:schemeClr val="tx1"/>
+              </a:solidFill>
             </a:ln>
           </p:spPr>
+          <p:style>
+            <a:lnRef idx="2">
+              <a:schemeClr val="accent1">
+                <a:shade val="50000"/>
+              </a:schemeClr>
+            </a:lnRef>
+            <a:fillRef idx="1">
+              <a:schemeClr val="accent1"/>
+            </a:fillRef>
+            <a:effectRef idx="0">
+              <a:schemeClr val="accent1"/>
+            </a:effectRef>
+            <a:fontRef idx="minor">
+              <a:schemeClr val="lt1"/>
+            </a:fontRef>
+          </p:style>
           <p:txBody>
-            <a:bodyPr wrap="square" rtlCol="0">
-              <a:spAutoFit/>
-            </a:bodyPr>
+            <a:bodyPr rtlCol="0" anchor="ctr"/>
             <a:lstStyle/>
             <a:p>
               <a:pPr algn="ctr"/>
-              <a:r>
-                <a:rPr lang="en-US" sz="2400" dirty="0">
-                  <a:latin typeface="Minion Pro" panose="02040503050201020203" pitchFamily="18" charset="0"/>
-                </a:rPr>
-                <a:t>Validation</a:t>
-              </a:r>
+              <a:endParaRPr lang="en-US"/>
+            </a:p>
+          </p:txBody>
+        </p:sp>
+        <p:sp>
+          <p:nvSpPr>
+            <p:cNvPr id="33" name="Rounded Rectangle 32">
+              <a:extLst>
+                <a:ext uri="{FF2B5EF4-FFF2-40B4-BE49-F238E27FC236}">
+                  <a16:creationId xmlns:a16="http://schemas.microsoft.com/office/drawing/2014/main" id="{4E1154A6-E28B-AFBA-44DA-0B2C89F2FD42}"/>
+                </a:ext>
+              </a:extLst>
+            </p:cNvPr>
+            <p:cNvSpPr/>
+            <p:nvPr/>
+          </p:nvSpPr>
+          <p:spPr>
+            <a:xfrm>
+              <a:off x="8034805" y="2001221"/>
+              <a:ext cx="865147" cy="308134"/>
+            </a:xfrm>
+            <a:prstGeom prst="roundRect">
+              <a:avLst/>
+            </a:prstGeom>
+            <a:grpFill/>
+            <a:ln w="6350">
+              <a:solidFill>
+                <a:schemeClr val="tx1"/>
+              </a:solidFill>
+            </a:ln>
+          </p:spPr>
+          <p:style>
+            <a:lnRef idx="2">
+              <a:schemeClr val="accent1">
+                <a:shade val="50000"/>
+              </a:schemeClr>
+            </a:lnRef>
+            <a:fillRef idx="1">
+              <a:schemeClr val="accent1"/>
+            </a:fillRef>
+            <a:effectRef idx="0">
+              <a:schemeClr val="accent1"/>
+            </a:effectRef>
+            <a:fontRef idx="minor">
+              <a:schemeClr val="lt1"/>
+            </a:fontRef>
+          </p:style>
+          <p:txBody>
+            <a:bodyPr rtlCol="0" anchor="ctr"/>
+            <a:lstStyle/>
+            <a:p>
+              <a:pPr algn="ctr"/>
+              <a:endParaRPr lang="en-US"/>
             </a:p>
           </p:txBody>
         </p:sp>
       </p:grpSp>
+      <p:sp>
+        <p:nvSpPr>
+          <p:cNvPr id="34" name="Rounded Rectangle 33">
+            <a:extLst>
+              <a:ext uri="{FF2B5EF4-FFF2-40B4-BE49-F238E27FC236}">
+                <a16:creationId xmlns:a16="http://schemas.microsoft.com/office/drawing/2014/main" id="{078F2488-F459-2F6C-FA3D-98C132B14381}"/>
+              </a:ext>
+            </a:extLst>
+          </p:cNvPr>
+          <p:cNvSpPr/>
+          <p:nvPr/>
+        </p:nvSpPr>
+        <p:spPr>
+          <a:xfrm>
+            <a:off x="9807736" y="2279169"/>
+            <a:ext cx="1063747" cy="620794"/>
+          </a:xfrm>
+          <a:prstGeom prst="roundRect">
+            <a:avLst/>
+          </a:prstGeom>
+          <a:solidFill>
+            <a:srgbClr val="E1DDE8"/>
+          </a:solidFill>
+          <a:ln w="6350">
+            <a:solidFill>
+              <a:schemeClr val="tx1"/>
+            </a:solidFill>
+          </a:ln>
+        </p:spPr>
+        <p:style>
+          <a:lnRef idx="2">
+            <a:schemeClr val="accent1">
+              <a:shade val="50000"/>
+            </a:schemeClr>
+          </a:lnRef>
+          <a:fillRef idx="1">
+            <a:schemeClr val="accent1"/>
+          </a:fillRef>
+          <a:effectRef idx="0">
+            <a:schemeClr val="accent1"/>
+          </a:effectRef>
+          <a:fontRef idx="minor">
+            <a:schemeClr val="lt1"/>
+          </a:fontRef>
+        </p:style>
+        <p:txBody>
+          <a:bodyPr rtlCol="0" anchor="ctr"/>
+          <a:lstStyle/>
+          <a:p>
+            <a:pPr algn="ctr"/>
+            <a:endParaRPr lang="en-US"/>
+          </a:p>
+        </p:txBody>
+      </p:sp>
+      <p:sp>
+        <p:nvSpPr>
+          <p:cNvPr id="35" name="Rounded Rectangle 34">
+            <a:extLst>
+              <a:ext uri="{FF2B5EF4-FFF2-40B4-BE49-F238E27FC236}">
+                <a16:creationId xmlns:a16="http://schemas.microsoft.com/office/drawing/2014/main" id="{851C66ED-602A-62DE-A558-588C3DA81D45}"/>
+              </a:ext>
+            </a:extLst>
+          </p:cNvPr>
+          <p:cNvSpPr/>
+          <p:nvPr/>
+        </p:nvSpPr>
+        <p:spPr>
+          <a:xfrm>
+            <a:off x="219439" y="685800"/>
+            <a:ext cx="10652044" cy="620794"/>
+          </a:xfrm>
+          <a:prstGeom prst="roundRect">
+            <a:avLst/>
+          </a:prstGeom>
+          <a:solidFill>
+            <a:schemeClr val="bg1">
+              <a:lumMod val="85000"/>
+            </a:schemeClr>
+          </a:solidFill>
+          <a:ln w="6350">
+            <a:solidFill>
+              <a:schemeClr val="tx1"/>
+            </a:solidFill>
+          </a:ln>
+        </p:spPr>
+        <p:style>
+          <a:lnRef idx="2">
+            <a:schemeClr val="accent1">
+              <a:shade val="50000"/>
+            </a:schemeClr>
+          </a:lnRef>
+          <a:fillRef idx="1">
+            <a:schemeClr val="accent1"/>
+          </a:fillRef>
+          <a:effectRef idx="0">
+            <a:schemeClr val="accent1"/>
+          </a:effectRef>
+          <a:fontRef idx="minor">
+            <a:schemeClr val="lt1"/>
+          </a:fontRef>
+        </p:style>
+        <p:txBody>
+          <a:bodyPr rtlCol="0" anchor="ctr"/>
+          <a:lstStyle/>
+          <a:p>
+            <a:pPr algn="ctr"/>
+            <a:endParaRPr lang="en-US"/>
+          </a:p>
+        </p:txBody>
+      </p:sp>
+      <p:cxnSp>
+        <p:nvCxnSpPr>
+          <p:cNvPr id="37" name="Straight Arrow Connector 36">
+            <a:extLst>
+              <a:ext uri="{FF2B5EF4-FFF2-40B4-BE49-F238E27FC236}">
+                <a16:creationId xmlns:a16="http://schemas.microsoft.com/office/drawing/2014/main" id="{15E9C125-EEE7-9F93-DC31-DD478CFE63F3}"/>
+              </a:ext>
+            </a:extLst>
+          </p:cNvPr>
+          <p:cNvCxnSpPr>
+            <a:cxnSpLocks/>
+          </p:cNvCxnSpPr>
+          <p:nvPr/>
+        </p:nvCxnSpPr>
+        <p:spPr>
+          <a:xfrm>
+            <a:off x="5545461" y="1518184"/>
+            <a:ext cx="0" cy="527641"/>
+          </a:xfrm>
+          <a:prstGeom prst="straightConnector1">
+            <a:avLst/>
+          </a:prstGeom>
+          <a:ln w="76200">
+            <a:solidFill>
+              <a:schemeClr val="tx1"/>
+            </a:solidFill>
+            <a:tailEnd type="triangle"/>
+          </a:ln>
+        </p:spPr>
+        <p:style>
+          <a:lnRef idx="1">
+            <a:schemeClr val="accent1"/>
+          </a:lnRef>
+          <a:fillRef idx="0">
+            <a:schemeClr val="accent1"/>
+          </a:fillRef>
+          <a:effectRef idx="0">
+            <a:schemeClr val="accent1"/>
+          </a:effectRef>
+          <a:fontRef idx="minor">
+            <a:schemeClr val="tx1"/>
+          </a:fontRef>
+        </p:style>
+      </p:cxnSp>
+      <p:sp>
+        <p:nvSpPr>
+          <p:cNvPr id="39" name="Left Brace 38">
+            <a:extLst>
+              <a:ext uri="{FF2B5EF4-FFF2-40B4-BE49-F238E27FC236}">
+                <a16:creationId xmlns:a16="http://schemas.microsoft.com/office/drawing/2014/main" id="{F3B9E8A7-7B0D-22CC-7752-DBB8F9A1E63E}"/>
+              </a:ext>
+            </a:extLst>
+          </p:cNvPr>
+          <p:cNvSpPr/>
+          <p:nvPr/>
+        </p:nvSpPr>
+        <p:spPr>
+          <a:xfrm rot="16200000">
+            <a:off x="10274900" y="2674157"/>
+            <a:ext cx="142091" cy="929114"/>
+          </a:xfrm>
+          <a:prstGeom prst="leftBrace">
+            <a:avLst/>
+          </a:prstGeom>
+          <a:ln>
+            <a:solidFill>
+              <a:schemeClr val="tx1"/>
+            </a:solidFill>
+          </a:ln>
+        </p:spPr>
+        <p:style>
+          <a:lnRef idx="1">
+            <a:schemeClr val="accent1"/>
+          </a:lnRef>
+          <a:fillRef idx="0">
+            <a:schemeClr val="accent1"/>
+          </a:fillRef>
+          <a:effectRef idx="0">
+            <a:schemeClr val="accent1"/>
+          </a:effectRef>
+          <a:fontRef idx="minor">
+            <a:schemeClr val="tx1"/>
+          </a:fontRef>
+        </p:style>
+        <p:txBody>
+          <a:bodyPr rtlCol="0" anchor="ctr"/>
+          <a:lstStyle/>
+          <a:p>
+            <a:pPr algn="ctr"/>
+            <a:endParaRPr lang="en-US"/>
+          </a:p>
+        </p:txBody>
+      </p:sp>
+      <p:sp>
+        <p:nvSpPr>
+          <p:cNvPr id="41" name="TextBox 40">
+            <a:extLst>
+              <a:ext uri="{FF2B5EF4-FFF2-40B4-BE49-F238E27FC236}">
+                <a16:creationId xmlns:a16="http://schemas.microsoft.com/office/drawing/2014/main" id="{0AF190FD-AC10-FE24-9C19-47E86D504FBF}"/>
+              </a:ext>
+            </a:extLst>
+          </p:cNvPr>
+          <p:cNvSpPr txBox="1"/>
+          <p:nvPr/>
+        </p:nvSpPr>
+        <p:spPr>
+          <a:xfrm>
+            <a:off x="9678935" y="3280037"/>
+            <a:ext cx="1321350" cy="461665"/>
+          </a:xfrm>
+          <a:prstGeom prst="rect">
+            <a:avLst/>
+          </a:prstGeom>
+          <a:noFill/>
+          <a:ln>
+            <a:noFill/>
+          </a:ln>
+        </p:spPr>
+        <p:txBody>
+          <a:bodyPr wrap="square" rtlCol="0">
+            <a:spAutoFit/>
+          </a:bodyPr>
+          <a:lstStyle/>
+          <a:p>
+            <a:pPr algn="ctr"/>
+            <a:r>
+              <a:rPr lang="en-US" sz="2400" dirty="0">
+                <a:latin typeface="Minion Pro" panose="02040503050201020203" pitchFamily="18" charset="0"/>
+              </a:rPr>
+              <a:t>Test</a:t>
+            </a:r>
+          </a:p>
+        </p:txBody>
+      </p:sp>
+      <p:sp>
+        <p:nvSpPr>
+          <p:cNvPr id="42" name="Left Brace 41">
+            <a:extLst>
+              <a:ext uri="{FF2B5EF4-FFF2-40B4-BE49-F238E27FC236}">
+                <a16:creationId xmlns:a16="http://schemas.microsoft.com/office/drawing/2014/main" id="{73CA02B8-D3C3-3676-758F-275BC2B41285}"/>
+              </a:ext>
+            </a:extLst>
+          </p:cNvPr>
+          <p:cNvSpPr/>
+          <p:nvPr/>
+        </p:nvSpPr>
+        <p:spPr>
+          <a:xfrm rot="16200000">
+            <a:off x="4961767" y="-1573224"/>
+            <a:ext cx="142091" cy="9423876"/>
+          </a:xfrm>
+          <a:prstGeom prst="leftBrace">
+            <a:avLst/>
+          </a:prstGeom>
+          <a:ln>
+            <a:solidFill>
+              <a:schemeClr val="tx1"/>
+            </a:solidFill>
+          </a:ln>
+        </p:spPr>
+        <p:style>
+          <a:lnRef idx="1">
+            <a:schemeClr val="accent1"/>
+          </a:lnRef>
+          <a:fillRef idx="0">
+            <a:schemeClr val="accent1"/>
+          </a:fillRef>
+          <a:effectRef idx="0">
+            <a:schemeClr val="accent1"/>
+          </a:effectRef>
+          <a:fontRef idx="minor">
+            <a:schemeClr val="tx1"/>
+          </a:fontRef>
+        </p:style>
+        <p:txBody>
+          <a:bodyPr rtlCol="0" anchor="ctr"/>
+          <a:lstStyle/>
+          <a:p>
+            <a:pPr algn="ctr"/>
+            <a:endParaRPr lang="en-US"/>
+          </a:p>
+        </p:txBody>
+      </p:sp>
+      <p:sp>
+        <p:nvSpPr>
+          <p:cNvPr id="43" name="TextBox 42">
+            <a:extLst>
+              <a:ext uri="{FF2B5EF4-FFF2-40B4-BE49-F238E27FC236}">
+                <a16:creationId xmlns:a16="http://schemas.microsoft.com/office/drawing/2014/main" id="{6719AAB5-88C7-D816-AF35-C5807CE93852}"/>
+              </a:ext>
+            </a:extLst>
+          </p:cNvPr>
+          <p:cNvSpPr txBox="1"/>
+          <p:nvPr/>
+        </p:nvSpPr>
+        <p:spPr>
+          <a:xfrm>
+            <a:off x="3969065" y="3280037"/>
+            <a:ext cx="2127494" cy="461665"/>
+          </a:xfrm>
+          <a:prstGeom prst="rect">
+            <a:avLst/>
+          </a:prstGeom>
+          <a:noFill/>
+          <a:ln>
+            <a:noFill/>
+          </a:ln>
+        </p:spPr>
+        <p:txBody>
+          <a:bodyPr wrap="square" rtlCol="0">
+            <a:spAutoFit/>
+          </a:bodyPr>
+          <a:lstStyle/>
+          <a:p>
+            <a:pPr algn="ctr"/>
+            <a:r>
+              <a:rPr lang="en-US" sz="2400" dirty="0">
+                <a:latin typeface="Minion Pro" panose="02040503050201020203" pitchFamily="18" charset="0"/>
+              </a:rPr>
+              <a:t>Training</a:t>
+            </a:r>
+          </a:p>
+        </p:txBody>
+      </p:sp>
+      <p:sp>
+        <p:nvSpPr>
+          <p:cNvPr id="47" name="Rounded Rectangle 46">
+            <a:extLst>
+              <a:ext uri="{FF2B5EF4-FFF2-40B4-BE49-F238E27FC236}">
+                <a16:creationId xmlns:a16="http://schemas.microsoft.com/office/drawing/2014/main" id="{72631CB0-94BB-0A03-426D-0D9FFEF0B8C4}"/>
+              </a:ext>
+            </a:extLst>
+          </p:cNvPr>
+          <p:cNvSpPr/>
+          <p:nvPr/>
+        </p:nvSpPr>
+        <p:spPr>
+          <a:xfrm>
+            <a:off x="219439" y="4577208"/>
+            <a:ext cx="1920240" cy="620794"/>
+          </a:xfrm>
+          <a:prstGeom prst="roundRect">
+            <a:avLst/>
+          </a:prstGeom>
+          <a:solidFill>
+            <a:srgbClr val="98B2D0"/>
+          </a:solidFill>
+          <a:ln w="6350">
+            <a:solidFill>
+              <a:schemeClr val="tx1"/>
+            </a:solidFill>
+          </a:ln>
+        </p:spPr>
+        <p:style>
+          <a:lnRef idx="2">
+            <a:schemeClr val="accent1">
+              <a:shade val="50000"/>
+            </a:schemeClr>
+          </a:lnRef>
+          <a:fillRef idx="1">
+            <a:schemeClr val="accent1"/>
+          </a:fillRef>
+          <a:effectRef idx="0">
+            <a:schemeClr val="accent1"/>
+          </a:effectRef>
+          <a:fontRef idx="minor">
+            <a:schemeClr val="lt1"/>
+          </a:fontRef>
+        </p:style>
+        <p:txBody>
+          <a:bodyPr rtlCol="0" anchor="ctr"/>
+          <a:lstStyle/>
+          <a:p>
+            <a:pPr algn="ctr"/>
+            <a:endParaRPr lang="en-US"/>
+          </a:p>
+        </p:txBody>
+      </p:sp>
+      <p:sp>
+        <p:nvSpPr>
+          <p:cNvPr id="52" name="Rounded Rectangle 51">
+            <a:extLst>
+              <a:ext uri="{FF2B5EF4-FFF2-40B4-BE49-F238E27FC236}">
+                <a16:creationId xmlns:a16="http://schemas.microsoft.com/office/drawing/2014/main" id="{48929065-648B-25C3-B52F-CA0E85680400}"/>
+              </a:ext>
+            </a:extLst>
+          </p:cNvPr>
+          <p:cNvSpPr/>
+          <p:nvPr/>
+        </p:nvSpPr>
+        <p:spPr>
+          <a:xfrm>
+            <a:off x="2139679" y="4577208"/>
+            <a:ext cx="1920240" cy="620794"/>
+          </a:xfrm>
+          <a:prstGeom prst="roundRect">
+            <a:avLst/>
+          </a:prstGeom>
+          <a:solidFill>
+            <a:srgbClr val="98B2D0"/>
+          </a:solidFill>
+          <a:ln w="6350">
+            <a:solidFill>
+              <a:schemeClr val="tx1"/>
+            </a:solidFill>
+          </a:ln>
+        </p:spPr>
+        <p:style>
+          <a:lnRef idx="2">
+            <a:schemeClr val="accent1">
+              <a:shade val="50000"/>
+            </a:schemeClr>
+          </a:lnRef>
+          <a:fillRef idx="1">
+            <a:schemeClr val="accent1"/>
+          </a:fillRef>
+          <a:effectRef idx="0">
+            <a:schemeClr val="accent1"/>
+          </a:effectRef>
+          <a:fontRef idx="minor">
+            <a:schemeClr val="lt1"/>
+          </a:fontRef>
+        </p:style>
+        <p:txBody>
+          <a:bodyPr rtlCol="0" anchor="ctr"/>
+          <a:lstStyle/>
+          <a:p>
+            <a:pPr algn="ctr"/>
+            <a:endParaRPr lang="en-US"/>
+          </a:p>
+        </p:txBody>
+      </p:sp>
+      <p:sp>
+        <p:nvSpPr>
+          <p:cNvPr id="53" name="Rounded Rectangle 52">
+            <a:extLst>
+              <a:ext uri="{FF2B5EF4-FFF2-40B4-BE49-F238E27FC236}">
+                <a16:creationId xmlns:a16="http://schemas.microsoft.com/office/drawing/2014/main" id="{5D15E6BC-52AB-277E-94C4-0870238625CF}"/>
+              </a:ext>
+            </a:extLst>
+          </p:cNvPr>
+          <p:cNvSpPr/>
+          <p:nvPr/>
+        </p:nvSpPr>
+        <p:spPr>
+          <a:xfrm>
+            <a:off x="4072691" y="4577208"/>
+            <a:ext cx="1920240" cy="620794"/>
+          </a:xfrm>
+          <a:prstGeom prst="roundRect">
+            <a:avLst/>
+          </a:prstGeom>
+          <a:solidFill>
+            <a:srgbClr val="98B2D0"/>
+          </a:solidFill>
+          <a:ln w="6350">
+            <a:solidFill>
+              <a:schemeClr val="tx1"/>
+            </a:solidFill>
+          </a:ln>
+        </p:spPr>
+        <p:style>
+          <a:lnRef idx="2">
+            <a:schemeClr val="accent1">
+              <a:shade val="50000"/>
+            </a:schemeClr>
+          </a:lnRef>
+          <a:fillRef idx="1">
+            <a:schemeClr val="accent1"/>
+          </a:fillRef>
+          <a:effectRef idx="0">
+            <a:schemeClr val="accent1"/>
+          </a:effectRef>
+          <a:fontRef idx="minor">
+            <a:schemeClr val="lt1"/>
+          </a:fontRef>
+        </p:style>
+        <p:txBody>
+          <a:bodyPr rtlCol="0" anchor="ctr"/>
+          <a:lstStyle/>
+          <a:p>
+            <a:pPr algn="ctr"/>
+            <a:endParaRPr lang="en-US"/>
+          </a:p>
+        </p:txBody>
+      </p:sp>
+      <p:sp>
+        <p:nvSpPr>
+          <p:cNvPr id="54" name="Rounded Rectangle 53">
+            <a:extLst>
+              <a:ext uri="{FF2B5EF4-FFF2-40B4-BE49-F238E27FC236}">
+                <a16:creationId xmlns:a16="http://schemas.microsoft.com/office/drawing/2014/main" id="{4548814A-915C-24AE-A499-729A4634C509}"/>
+              </a:ext>
+            </a:extLst>
+          </p:cNvPr>
+          <p:cNvSpPr/>
+          <p:nvPr/>
+        </p:nvSpPr>
+        <p:spPr>
+          <a:xfrm>
+            <a:off x="6005703" y="4577208"/>
+            <a:ext cx="1920240" cy="620794"/>
+          </a:xfrm>
+          <a:prstGeom prst="roundRect">
+            <a:avLst/>
+          </a:prstGeom>
+          <a:solidFill>
+            <a:srgbClr val="98B2D0"/>
+          </a:solidFill>
+          <a:ln w="6350">
+            <a:solidFill>
+              <a:schemeClr val="tx1"/>
+            </a:solidFill>
+          </a:ln>
+        </p:spPr>
+        <p:style>
+          <a:lnRef idx="2">
+            <a:schemeClr val="accent1">
+              <a:shade val="50000"/>
+            </a:schemeClr>
+          </a:lnRef>
+          <a:fillRef idx="1">
+            <a:schemeClr val="accent1"/>
+          </a:fillRef>
+          <a:effectRef idx="0">
+            <a:schemeClr val="accent1"/>
+          </a:effectRef>
+          <a:fontRef idx="minor">
+            <a:schemeClr val="lt1"/>
+          </a:fontRef>
+        </p:style>
+        <p:txBody>
+          <a:bodyPr rtlCol="0" anchor="ctr"/>
+          <a:lstStyle/>
+          <a:p>
+            <a:pPr algn="ctr"/>
+            <a:endParaRPr lang="en-US"/>
+          </a:p>
+        </p:txBody>
+      </p:sp>
+      <p:sp>
+        <p:nvSpPr>
+          <p:cNvPr id="55" name="Rounded Rectangle 54">
+            <a:extLst>
+              <a:ext uri="{FF2B5EF4-FFF2-40B4-BE49-F238E27FC236}">
+                <a16:creationId xmlns:a16="http://schemas.microsoft.com/office/drawing/2014/main" id="{20E01640-49D2-D585-C987-E647BB76F64E}"/>
+              </a:ext>
+            </a:extLst>
+          </p:cNvPr>
+          <p:cNvSpPr/>
+          <p:nvPr/>
+        </p:nvSpPr>
+        <p:spPr>
+          <a:xfrm>
+            <a:off x="7925944" y="4577208"/>
+            <a:ext cx="1920240" cy="620794"/>
+          </a:xfrm>
+          <a:prstGeom prst="roundRect">
+            <a:avLst/>
+          </a:prstGeom>
+          <a:solidFill>
+            <a:srgbClr val="DCB14D"/>
+          </a:solidFill>
+          <a:ln w="6350">
+            <a:solidFill>
+              <a:schemeClr val="tx1"/>
+            </a:solidFill>
+          </a:ln>
+        </p:spPr>
+        <p:style>
+          <a:lnRef idx="2">
+            <a:schemeClr val="accent1">
+              <a:shade val="50000"/>
+            </a:schemeClr>
+          </a:lnRef>
+          <a:fillRef idx="1">
+            <a:schemeClr val="accent1"/>
+          </a:fillRef>
+          <a:effectRef idx="0">
+            <a:schemeClr val="accent1"/>
+          </a:effectRef>
+          <a:fontRef idx="minor">
+            <a:schemeClr val="lt1"/>
+          </a:fontRef>
+        </p:style>
+        <p:txBody>
+          <a:bodyPr rtlCol="0" anchor="ctr"/>
+          <a:lstStyle/>
+          <a:p>
+            <a:pPr algn="ctr"/>
+            <a:endParaRPr lang="en-US"/>
+          </a:p>
+        </p:txBody>
+      </p:sp>
+      <p:cxnSp>
+        <p:nvCxnSpPr>
+          <p:cNvPr id="3" name="Straight Arrow Connector 2">
+            <a:extLst>
+              <a:ext uri="{FF2B5EF4-FFF2-40B4-BE49-F238E27FC236}">
+                <a16:creationId xmlns:a16="http://schemas.microsoft.com/office/drawing/2014/main" id="{89581221-EE86-573B-09E9-608C5A563DB0}"/>
+              </a:ext>
+            </a:extLst>
+          </p:cNvPr>
+          <p:cNvCxnSpPr>
+            <a:cxnSpLocks/>
+          </p:cNvCxnSpPr>
+          <p:nvPr/>
+        </p:nvCxnSpPr>
+        <p:spPr>
+          <a:xfrm>
+            <a:off x="5100961" y="3823259"/>
+            <a:ext cx="0" cy="527641"/>
+          </a:xfrm>
+          <a:prstGeom prst="straightConnector1">
+            <a:avLst/>
+          </a:prstGeom>
+          <a:ln w="76200">
+            <a:solidFill>
+              <a:schemeClr val="tx1"/>
+            </a:solidFill>
+            <a:tailEnd type="triangle"/>
+          </a:ln>
+        </p:spPr>
+        <p:style>
+          <a:lnRef idx="1">
+            <a:schemeClr val="accent1"/>
+          </a:lnRef>
+          <a:fillRef idx="0">
+            <a:schemeClr val="accent1"/>
+          </a:fillRef>
+          <a:effectRef idx="0">
+            <a:schemeClr val="accent1"/>
+          </a:effectRef>
+          <a:fontRef idx="minor">
+            <a:schemeClr val="tx1"/>
+          </a:fontRef>
+        </p:style>
+      </p:cxnSp>
+      <p:sp>
+        <p:nvSpPr>
+          <p:cNvPr id="5" name="Left Brace 4">
+            <a:extLst>
+              <a:ext uri="{FF2B5EF4-FFF2-40B4-BE49-F238E27FC236}">
+                <a16:creationId xmlns:a16="http://schemas.microsoft.com/office/drawing/2014/main" id="{BE52CD1D-C6E1-D6FF-9039-DB074ABF354F}"/>
+              </a:ext>
+            </a:extLst>
+          </p:cNvPr>
+          <p:cNvSpPr/>
+          <p:nvPr/>
+        </p:nvSpPr>
+        <p:spPr>
+          <a:xfrm rot="16200000">
+            <a:off x="8825485" y="4562063"/>
+            <a:ext cx="142091" cy="1732359"/>
+          </a:xfrm>
+          <a:prstGeom prst="leftBrace">
+            <a:avLst/>
+          </a:prstGeom>
+          <a:ln>
+            <a:solidFill>
+              <a:schemeClr val="tx1"/>
+            </a:solidFill>
+          </a:ln>
+        </p:spPr>
+        <p:style>
+          <a:lnRef idx="1">
+            <a:schemeClr val="accent1"/>
+          </a:lnRef>
+          <a:fillRef idx="0">
+            <a:schemeClr val="accent1"/>
+          </a:fillRef>
+          <a:effectRef idx="0">
+            <a:schemeClr val="accent1"/>
+          </a:effectRef>
+          <a:fontRef idx="minor">
+            <a:schemeClr val="tx1"/>
+          </a:fontRef>
+        </p:style>
+        <p:txBody>
+          <a:bodyPr rtlCol="0" anchor="ctr"/>
+          <a:lstStyle/>
+          <a:p>
+            <a:pPr algn="ctr"/>
+            <a:endParaRPr lang="en-US"/>
+          </a:p>
+        </p:txBody>
+      </p:sp>
+      <p:sp>
+        <p:nvSpPr>
+          <p:cNvPr id="6" name="TextBox 5">
+            <a:extLst>
+              <a:ext uri="{FF2B5EF4-FFF2-40B4-BE49-F238E27FC236}">
+                <a16:creationId xmlns:a16="http://schemas.microsoft.com/office/drawing/2014/main" id="{4B64A473-6913-3D71-33E1-B16D59D3DD90}"/>
+              </a:ext>
+            </a:extLst>
+          </p:cNvPr>
+          <p:cNvSpPr txBox="1"/>
+          <p:nvPr/>
+        </p:nvSpPr>
+        <p:spPr>
+          <a:xfrm>
+            <a:off x="7778832" y="5525543"/>
+            <a:ext cx="2235396" cy="461665"/>
+          </a:xfrm>
+          <a:prstGeom prst="rect">
+            <a:avLst/>
+          </a:prstGeom>
+          <a:noFill/>
+          <a:ln>
+            <a:noFill/>
+          </a:ln>
+        </p:spPr>
+        <p:txBody>
+          <a:bodyPr wrap="square" rtlCol="0">
+            <a:spAutoFit/>
+          </a:bodyPr>
+          <a:lstStyle/>
+          <a:p>
+            <a:pPr algn="ctr"/>
+            <a:r>
+              <a:rPr lang="en-US" sz="2400" dirty="0">
+                <a:latin typeface="Minion Pro" panose="02040503050201020203" pitchFamily="18" charset="0"/>
+              </a:rPr>
+              <a:t>Assessment</a:t>
+            </a:r>
+          </a:p>
+        </p:txBody>
+      </p:sp>
       <p:sp>
         <p:nvSpPr>
           <p:cNvPr id="12" name="Left Brace 11">
@@ -8812,6 +11765,96 @@
           </a:p>
         </p:txBody>
       </p:sp>
+      <p:sp>
+        <p:nvSpPr>
+          <p:cNvPr id="36" name="Left Brace 35">
+            <a:extLst>
+              <a:ext uri="{FF2B5EF4-FFF2-40B4-BE49-F238E27FC236}">
+                <a16:creationId xmlns:a16="http://schemas.microsoft.com/office/drawing/2014/main" id="{7E9DE302-6AC2-4455-90C6-C1C6E53AA014}"/>
+              </a:ext>
+            </a:extLst>
+          </p:cNvPr>
+          <p:cNvSpPr/>
+          <p:nvPr/>
+        </p:nvSpPr>
+        <p:spPr>
+          <a:xfrm rot="16200000">
+            <a:off x="4005393" y="1685806"/>
+            <a:ext cx="142092" cy="7511128"/>
+          </a:xfrm>
+          <a:prstGeom prst="leftBrace">
+            <a:avLst/>
+          </a:prstGeom>
+          <a:ln>
+            <a:solidFill>
+              <a:schemeClr val="tx1"/>
+            </a:solidFill>
+          </a:ln>
+        </p:spPr>
+        <p:style>
+          <a:lnRef idx="1">
+            <a:schemeClr val="accent1"/>
+          </a:lnRef>
+          <a:fillRef idx="0">
+            <a:schemeClr val="accent1"/>
+          </a:fillRef>
+          <a:effectRef idx="0">
+            <a:schemeClr val="accent1"/>
+          </a:effectRef>
+          <a:fontRef idx="minor">
+            <a:schemeClr val="tx1"/>
+          </a:fontRef>
+        </p:style>
+        <p:txBody>
+          <a:bodyPr rtlCol="0" anchor="ctr"/>
+          <a:lstStyle/>
+          <a:p>
+            <a:pPr algn="ctr"/>
+            <a:endParaRPr lang="en-US"/>
+          </a:p>
+        </p:txBody>
+      </p:sp>
+      <p:sp>
+        <p:nvSpPr>
+          <p:cNvPr id="38" name="TextBox 37">
+            <a:extLst>
+              <a:ext uri="{FF2B5EF4-FFF2-40B4-BE49-F238E27FC236}">
+                <a16:creationId xmlns:a16="http://schemas.microsoft.com/office/drawing/2014/main" id="{042A2ADE-B8CE-43F4-A2A1-344DAE64C954}"/>
+              </a:ext>
+            </a:extLst>
+          </p:cNvPr>
+          <p:cNvSpPr txBox="1"/>
+          <p:nvPr/>
+        </p:nvSpPr>
+        <p:spPr>
+          <a:xfrm>
+            <a:off x="2954993" y="5525543"/>
+            <a:ext cx="2235396" cy="461665"/>
+          </a:xfrm>
+          <a:prstGeom prst="rect">
+            <a:avLst/>
+          </a:prstGeom>
+          <a:noFill/>
+          <a:ln>
+            <a:noFill/>
+          </a:ln>
+        </p:spPr>
+        <p:txBody>
+          <a:bodyPr wrap="square" rtlCol="0">
+            <a:spAutoFit/>
+          </a:bodyPr>
+          <a:lstStyle/>
+          <a:p>
+            <a:pPr algn="ctr"/>
+            <a:r>
+              <a:rPr lang="en-US" sz="2400" dirty="0">
+                <a:latin typeface="Minion Pro" panose="02040503050201020203" pitchFamily="18" charset="0"/>
+              </a:rPr>
+              <a:t>Analysis</a:t>
+            </a:r>
+          </a:p>
+        </p:txBody>
+      </p:sp>
     </p:spTree>
     <p:extLst>
       <p:ext uri="{BB962C8B-B14F-4D97-AF65-F5344CB8AC3E}">
@@ -8825,7 +11868,7 @@
 </p:sld>
 </file>
 
-<file path=ppt/slides/slide14.xml><?xml version="1.0" encoding="utf-8"?>
+<file path=ppt/slides/slide15.xml><?xml version="1.0" encoding="utf-8"?>
 <p:sld xmlns:a="http://schemas.openxmlformats.org/drawingml/2006/main" xmlns:r="http://schemas.openxmlformats.org/officeDocument/2006/relationships" xmlns:p="http://schemas.openxmlformats.org/presentationml/2006/main">
   <p:cSld>
     <p:spTree>
@@ -9683,7 +12726,7 @@
                 <a:rPr lang="en-US" sz="2400" dirty="0">
                   <a:latin typeface="Minion Pro" panose="02040503050201020203" pitchFamily="18" charset="0"/>
                 </a:rPr>
-                <a:t>Not Test</a:t>
+                <a:t>Training</a:t>
               </a:r>
             </a:p>
           </p:txBody>
@@ -10087,7 +13130,7 @@
                 <a:rPr lang="en-US" sz="2400" dirty="0">
                   <a:latin typeface="Minion Pro" panose="02040503050201020203" pitchFamily="18" charset="0"/>
                 </a:rPr>
-                <a:t>Validation</a:t>
+                <a:t>Assessment</a:t>
               </a:r>
             </a:p>
           </p:txBody>
@@ -10286,7 +13329,7 @@
 </p:sld>
 </file>
 
-<file path=ppt/slides/slide15.xml><?xml version="1.0" encoding="utf-8"?>
+<file path=ppt/slides/slide16.xml><?xml version="1.0" encoding="utf-8"?>
 <p:sld xmlns:a="http://schemas.openxmlformats.org/drawingml/2006/main" xmlns:r="http://schemas.openxmlformats.org/officeDocument/2006/relationships" xmlns:p="http://schemas.openxmlformats.org/presentationml/2006/main">
   <p:cSld>
     <p:spTree>
@@ -11144,7 +14187,7 @@
                 <a:rPr lang="en-US" sz="2400" dirty="0">
                   <a:latin typeface="Minion Pro" panose="02040503050201020203" pitchFamily="18" charset="0"/>
                 </a:rPr>
-                <a:t>Not Test</a:t>
+                <a:t>Training</a:t>
               </a:r>
             </a:p>
           </p:txBody>
@@ -11548,7 +14591,7 @@
                 <a:rPr lang="en-US" sz="2400" dirty="0">
                   <a:latin typeface="Minion Pro" panose="02040503050201020203" pitchFamily="18" charset="0"/>
                 </a:rPr>
-                <a:t>Validation</a:t>
+                <a:t>Assessment</a:t>
               </a:r>
             </a:p>
           </p:txBody>
@@ -11747,7 +14790,7 @@
 </p:sld>
 </file>
 
-<file path=ppt/slides/slide16.xml><?xml version="1.0" encoding="utf-8"?>
+<file path=ppt/slides/slide17.xml><?xml version="1.0" encoding="utf-8"?>
 <p:sld xmlns:a="http://schemas.openxmlformats.org/drawingml/2006/main" xmlns:r="http://schemas.openxmlformats.org/officeDocument/2006/relationships" xmlns:p="http://schemas.openxmlformats.org/presentationml/2006/main">
   <p:cSld>
     <p:spTree>
@@ -12585,7 +15628,7 @@
               <a:rPr lang="en-US" sz="2400" dirty="0">
                 <a:latin typeface="Minion Pro" panose="02040503050201020203" pitchFamily="18" charset="0"/>
               </a:rPr>
-              <a:t>Not Test</a:t>
+              <a:t>Training</a:t>
             </a:r>
           </a:p>
         </p:txBody>
@@ -12989,7 +16032,7 @@
               <a:rPr lang="en-US" sz="2400" dirty="0">
                 <a:latin typeface="Minion Pro" panose="02040503050201020203" pitchFamily="18" charset="0"/>
               </a:rPr>
-              <a:t>Validation</a:t>
+              <a:t>Assessment</a:t>
             </a:r>
           </a:p>
         </p:txBody>
@@ -13187,7 +16230,7 @@
 </p:sld>
 </file>
 
-<file path=ppt/slides/slide17.xml><?xml version="1.0" encoding="utf-8"?>
+<file path=ppt/slides/slide18.xml><?xml version="1.0" encoding="utf-8"?>
 <p:sld xmlns:a="http://schemas.openxmlformats.org/drawingml/2006/main" xmlns:r="http://schemas.openxmlformats.org/officeDocument/2006/relationships" xmlns:p="http://schemas.openxmlformats.org/presentationml/2006/main">
   <p:cSld>
     <p:spTree>
@@ -13559,7 +16602,7 @@
               <a:rPr lang="en-US" sz="2400" dirty="0">
                 <a:latin typeface="Minion Pro" panose="02040503050201020203" pitchFamily="18" charset="0"/>
               </a:rPr>
-              <a:t>Validation</a:t>
+              <a:t>Assessment</a:t>
             </a:r>
           </a:p>
         </p:txBody>
@@ -14385,7 +17428,7 @@
               <a:rPr lang="en-US" sz="2400" dirty="0">
                 <a:latin typeface="Minion Pro" panose="02040503050201020203" pitchFamily="18" charset="0"/>
               </a:rPr>
-              <a:t>Not Test</a:t>
+              <a:t>Training</a:t>
             </a:r>
           </a:p>
         </p:txBody>
@@ -15032,7 +18075,7 @@
                   </a:solidFill>
                   <a:latin typeface="Open Sauce Sans" pitchFamily="2" charset="77"/>
                 </a:rPr>
-                <a:t>Not Testing</a:t>
+                <a:t>Training</a:t>
               </a:r>
             </a:p>
           </p:txBody>
@@ -15158,7 +18201,7 @@
                   </a:solidFill>
                   <a:latin typeface="Open Sauce Sans" pitchFamily="2" charset="77"/>
                 </a:rPr>
-                <a:t>Training</a:t>
+                <a:t>Analysis</a:t>
               </a:r>
             </a:p>
           </p:txBody>
@@ -15221,7 +18264,7 @@
                   </a:solidFill>
                   <a:latin typeface="Open Sauce Sans" pitchFamily="2" charset="77"/>
                 </a:rPr>
-                <a:t>Validation</a:t>
+                <a:t>Assessment</a:t>
               </a:r>
             </a:p>
           </p:txBody>
